--- a/Slides/Big Data Overview.pptx
+++ b/Slides/Big Data Overview.pptx
@@ -132,6 +132,11 @@
       </a:defRPr>
     </a:lvl9pPr>
   </p:defaultTextStyle>
+  <p:extLst>
+    <p:ext uri="{EFAFB233-063F-42B5-8137-9DF3F51BA10A}">
+      <p15:sldGuideLst xmlns:p15="http://schemas.microsoft.com/office/powerpoint/2012/main"/>
+    </p:ext>
+  </p:extLst>
 </p:presentation>
 </file>
 

--- a/Slides/Big Data Overview.pptx
+++ b/Slides/Big Data Overview.pptx
@@ -3122,7 +3122,7 @@
           <a:p>
             <a:fld id="{4C2A475F-9CDA-4DF8-B226-71823ECF3947}" type="datetimeFigureOut">
               <a:rPr lang="en-IN" smtClean="0"/>
-              <a:t>18-09-2022</a:t>
+              <a:t>21-09-2022</a:t>
             </a:fld>
             <a:endParaRPr lang="en-IN"/>
           </a:p>
@@ -3322,7 +3322,7 @@
           <a:p>
             <a:fld id="{4C2A475F-9CDA-4DF8-B226-71823ECF3947}" type="datetimeFigureOut">
               <a:rPr lang="en-IN" smtClean="0"/>
-              <a:t>18-09-2022</a:t>
+              <a:t>21-09-2022</a:t>
             </a:fld>
             <a:endParaRPr lang="en-IN"/>
           </a:p>
@@ -3532,7 +3532,7 @@
           <a:p>
             <a:fld id="{4C2A475F-9CDA-4DF8-B226-71823ECF3947}" type="datetimeFigureOut">
               <a:rPr lang="en-IN" smtClean="0"/>
-              <a:t>18-09-2022</a:t>
+              <a:t>21-09-2022</a:t>
             </a:fld>
             <a:endParaRPr lang="en-IN"/>
           </a:p>
@@ -3732,7 +3732,7 @@
           <a:p>
             <a:fld id="{4C2A475F-9CDA-4DF8-B226-71823ECF3947}" type="datetimeFigureOut">
               <a:rPr lang="en-IN" smtClean="0"/>
-              <a:t>18-09-2022</a:t>
+              <a:t>21-09-2022</a:t>
             </a:fld>
             <a:endParaRPr lang="en-IN"/>
           </a:p>
@@ -4008,7 +4008,7 @@
           <a:p>
             <a:fld id="{4C2A475F-9CDA-4DF8-B226-71823ECF3947}" type="datetimeFigureOut">
               <a:rPr lang="en-IN" smtClean="0"/>
-              <a:t>18-09-2022</a:t>
+              <a:t>21-09-2022</a:t>
             </a:fld>
             <a:endParaRPr lang="en-IN"/>
           </a:p>
@@ -4276,7 +4276,7 @@
           <a:p>
             <a:fld id="{4C2A475F-9CDA-4DF8-B226-71823ECF3947}" type="datetimeFigureOut">
               <a:rPr lang="en-IN" smtClean="0"/>
-              <a:t>18-09-2022</a:t>
+              <a:t>21-09-2022</a:t>
             </a:fld>
             <a:endParaRPr lang="en-IN"/>
           </a:p>
@@ -4691,7 +4691,7 @@
           <a:p>
             <a:fld id="{4C2A475F-9CDA-4DF8-B226-71823ECF3947}" type="datetimeFigureOut">
               <a:rPr lang="en-IN" smtClean="0"/>
-              <a:t>18-09-2022</a:t>
+              <a:t>21-09-2022</a:t>
             </a:fld>
             <a:endParaRPr lang="en-IN"/>
           </a:p>
@@ -4833,7 +4833,7 @@
           <a:p>
             <a:fld id="{4C2A475F-9CDA-4DF8-B226-71823ECF3947}" type="datetimeFigureOut">
               <a:rPr lang="en-IN" smtClean="0"/>
-              <a:t>18-09-2022</a:t>
+              <a:t>21-09-2022</a:t>
             </a:fld>
             <a:endParaRPr lang="en-IN"/>
           </a:p>
@@ -4946,7 +4946,7 @@
           <a:p>
             <a:fld id="{4C2A475F-9CDA-4DF8-B226-71823ECF3947}" type="datetimeFigureOut">
               <a:rPr lang="en-IN" smtClean="0"/>
-              <a:t>18-09-2022</a:t>
+              <a:t>21-09-2022</a:t>
             </a:fld>
             <a:endParaRPr lang="en-IN"/>
           </a:p>
@@ -5259,7 +5259,7 @@
           <a:p>
             <a:fld id="{4C2A475F-9CDA-4DF8-B226-71823ECF3947}" type="datetimeFigureOut">
               <a:rPr lang="en-IN" smtClean="0"/>
-              <a:t>18-09-2022</a:t>
+              <a:t>21-09-2022</a:t>
             </a:fld>
             <a:endParaRPr lang="en-IN"/>
           </a:p>
@@ -5548,7 +5548,7 @@
           <a:p>
             <a:fld id="{4C2A475F-9CDA-4DF8-B226-71823ECF3947}" type="datetimeFigureOut">
               <a:rPr lang="en-IN" smtClean="0"/>
-              <a:t>18-09-2022</a:t>
+              <a:t>21-09-2022</a:t>
             </a:fld>
             <a:endParaRPr lang="en-IN"/>
           </a:p>
@@ -5791,7 +5791,7 @@
           <a:p>
             <a:fld id="{4C2A475F-9CDA-4DF8-B226-71823ECF3947}" type="datetimeFigureOut">
               <a:rPr lang="en-IN" smtClean="0"/>
-              <a:t>18-09-2022</a:t>
+              <a:t>21-09-2022</a:t>
             </a:fld>
             <a:endParaRPr lang="en-IN"/>
           </a:p>

--- a/Slides/Big Data Overview.pptx
+++ b/Slides/Big Data Overview.pptx
@@ -34,6 +34,26 @@
     <p:sldId id="282" r:id="rId28"/>
     <p:sldId id="283" r:id="rId29"/>
     <p:sldId id="284" r:id="rId30"/>
+    <p:sldId id="286" r:id="rId31"/>
+    <p:sldId id="285" r:id="rId32"/>
+    <p:sldId id="287" r:id="rId33"/>
+    <p:sldId id="288" r:id="rId34"/>
+    <p:sldId id="289" r:id="rId35"/>
+    <p:sldId id="290" r:id="rId36"/>
+    <p:sldId id="291" r:id="rId37"/>
+    <p:sldId id="293" r:id="rId38"/>
+    <p:sldId id="292" r:id="rId39"/>
+    <p:sldId id="294" r:id="rId40"/>
+    <p:sldId id="295" r:id="rId41"/>
+    <p:sldId id="296" r:id="rId42"/>
+    <p:sldId id="297" r:id="rId43"/>
+    <p:sldId id="298" r:id="rId44"/>
+    <p:sldId id="299" r:id="rId45"/>
+    <p:sldId id="300" r:id="rId46"/>
+    <p:sldId id="301" r:id="rId47"/>
+    <p:sldId id="302" r:id="rId48"/>
+    <p:sldId id="303" r:id="rId49"/>
+    <p:sldId id="304" r:id="rId50"/>
   </p:sldIdLst>
   <p:sldSz cx="12192000" cy="6858000"/>
   <p:notesSz cx="6858000" cy="9144000"/>
@@ -3122,7 +3142,7 @@
           <a:p>
             <a:fld id="{4C2A475F-9CDA-4DF8-B226-71823ECF3947}" type="datetimeFigureOut">
               <a:rPr lang="en-IN" smtClean="0"/>
-              <a:t>21-09-2022</a:t>
+              <a:t>24-09-2022</a:t>
             </a:fld>
             <a:endParaRPr lang="en-IN"/>
           </a:p>
@@ -3322,7 +3342,7 @@
           <a:p>
             <a:fld id="{4C2A475F-9CDA-4DF8-B226-71823ECF3947}" type="datetimeFigureOut">
               <a:rPr lang="en-IN" smtClean="0"/>
-              <a:t>21-09-2022</a:t>
+              <a:t>24-09-2022</a:t>
             </a:fld>
             <a:endParaRPr lang="en-IN"/>
           </a:p>
@@ -3532,7 +3552,7 @@
           <a:p>
             <a:fld id="{4C2A475F-9CDA-4DF8-B226-71823ECF3947}" type="datetimeFigureOut">
               <a:rPr lang="en-IN" smtClean="0"/>
-              <a:t>21-09-2022</a:t>
+              <a:t>24-09-2022</a:t>
             </a:fld>
             <a:endParaRPr lang="en-IN"/>
           </a:p>
@@ -3732,7 +3752,7 @@
           <a:p>
             <a:fld id="{4C2A475F-9CDA-4DF8-B226-71823ECF3947}" type="datetimeFigureOut">
               <a:rPr lang="en-IN" smtClean="0"/>
-              <a:t>21-09-2022</a:t>
+              <a:t>24-09-2022</a:t>
             </a:fld>
             <a:endParaRPr lang="en-IN"/>
           </a:p>
@@ -4008,7 +4028,7 @@
           <a:p>
             <a:fld id="{4C2A475F-9CDA-4DF8-B226-71823ECF3947}" type="datetimeFigureOut">
               <a:rPr lang="en-IN" smtClean="0"/>
-              <a:t>21-09-2022</a:t>
+              <a:t>24-09-2022</a:t>
             </a:fld>
             <a:endParaRPr lang="en-IN"/>
           </a:p>
@@ -4276,7 +4296,7 @@
           <a:p>
             <a:fld id="{4C2A475F-9CDA-4DF8-B226-71823ECF3947}" type="datetimeFigureOut">
               <a:rPr lang="en-IN" smtClean="0"/>
-              <a:t>21-09-2022</a:t>
+              <a:t>24-09-2022</a:t>
             </a:fld>
             <a:endParaRPr lang="en-IN"/>
           </a:p>
@@ -4691,7 +4711,7 @@
           <a:p>
             <a:fld id="{4C2A475F-9CDA-4DF8-B226-71823ECF3947}" type="datetimeFigureOut">
               <a:rPr lang="en-IN" smtClean="0"/>
-              <a:t>21-09-2022</a:t>
+              <a:t>24-09-2022</a:t>
             </a:fld>
             <a:endParaRPr lang="en-IN"/>
           </a:p>
@@ -4833,7 +4853,7 @@
           <a:p>
             <a:fld id="{4C2A475F-9CDA-4DF8-B226-71823ECF3947}" type="datetimeFigureOut">
               <a:rPr lang="en-IN" smtClean="0"/>
-              <a:t>21-09-2022</a:t>
+              <a:t>24-09-2022</a:t>
             </a:fld>
             <a:endParaRPr lang="en-IN"/>
           </a:p>
@@ -4946,7 +4966,7 @@
           <a:p>
             <a:fld id="{4C2A475F-9CDA-4DF8-B226-71823ECF3947}" type="datetimeFigureOut">
               <a:rPr lang="en-IN" smtClean="0"/>
-              <a:t>21-09-2022</a:t>
+              <a:t>24-09-2022</a:t>
             </a:fld>
             <a:endParaRPr lang="en-IN"/>
           </a:p>
@@ -5259,7 +5279,7 @@
           <a:p>
             <a:fld id="{4C2A475F-9CDA-4DF8-B226-71823ECF3947}" type="datetimeFigureOut">
               <a:rPr lang="en-IN" smtClean="0"/>
-              <a:t>21-09-2022</a:t>
+              <a:t>24-09-2022</a:t>
             </a:fld>
             <a:endParaRPr lang="en-IN"/>
           </a:p>
@@ -5548,7 +5568,7 @@
           <a:p>
             <a:fld id="{4C2A475F-9CDA-4DF8-B226-71823ECF3947}" type="datetimeFigureOut">
               <a:rPr lang="en-IN" smtClean="0"/>
-              <a:t>21-09-2022</a:t>
+              <a:t>24-09-2022</a:t>
             </a:fld>
             <a:endParaRPr lang="en-IN"/>
           </a:p>
@@ -5791,7 +5811,7 @@
           <a:p>
             <a:fld id="{4C2A475F-9CDA-4DF8-B226-71823ECF3947}" type="datetimeFigureOut">
               <a:rPr lang="en-IN" smtClean="0"/>
-              <a:t>21-09-2022</a:t>
+              <a:t>24-09-2022</a:t>
             </a:fld>
             <a:endParaRPr lang="en-IN"/>
           </a:p>
@@ -10515,6 +10535,1865 @@
 </p:sld>
 </file>
 
+<file path=ppt/slides/slide30.xml><?xml version="1.0" encoding="utf-8"?>
+<p:sld xmlns:a="http://schemas.openxmlformats.org/drawingml/2006/main" xmlns:r="http://schemas.openxmlformats.org/officeDocument/2006/relationships" xmlns:p="http://schemas.openxmlformats.org/presentationml/2006/main">
+  <p:cSld>
+    <p:spTree>
+      <p:nvGrpSpPr>
+        <p:cNvPr id="1" name=""/>
+        <p:cNvGrpSpPr/>
+        <p:nvPr/>
+      </p:nvGrpSpPr>
+      <p:grpSpPr>
+        <a:xfrm>
+          <a:off x="0" y="0"/>
+          <a:ext cx="0" cy="0"/>
+          <a:chOff x="0" y="0"/>
+          <a:chExt cx="0" cy="0"/>
+        </a:xfrm>
+      </p:grpSpPr>
+      <p:sp>
+        <p:nvSpPr>
+          <p:cNvPr id="4" name="Title 3">
+            <a:extLst>
+              <a:ext uri="{FF2B5EF4-FFF2-40B4-BE49-F238E27FC236}">
+                <a16:creationId xmlns:a16="http://schemas.microsoft.com/office/drawing/2014/main" id="{0A4A4C50-6FC7-7BC2-0EF2-D0FA751C0BD5}"/>
+              </a:ext>
+            </a:extLst>
+          </p:cNvPr>
+          <p:cNvSpPr>
+            <a:spLocks noGrp="1"/>
+          </p:cNvSpPr>
+          <p:nvPr>
+            <p:ph type="title"/>
+          </p:nvPr>
+        </p:nvSpPr>
+        <p:spPr>
+          <a:xfrm>
+            <a:off x="831850" y="1709739"/>
+            <a:ext cx="10515600" cy="2080384"/>
+          </a:xfrm>
+        </p:spPr>
+        <p:txBody>
+          <a:bodyPr/>
+          <a:lstStyle/>
+          <a:p>
+            <a:r>
+              <a:rPr lang="en-IN" dirty="0"/>
+              <a:t>Apache Hadoop Deep Dive</a:t>
+            </a:r>
+          </a:p>
+        </p:txBody>
+      </p:sp>
+    </p:spTree>
+    <p:extLst>
+      <p:ext uri="{BB962C8B-B14F-4D97-AF65-F5344CB8AC3E}">
+        <p14:creationId xmlns:p14="http://schemas.microsoft.com/office/powerpoint/2010/main" val="3390136287"/>
+      </p:ext>
+    </p:extLst>
+  </p:cSld>
+  <p:clrMapOvr>
+    <a:masterClrMapping/>
+  </p:clrMapOvr>
+</p:sld>
+</file>
+
+<file path=ppt/slides/slide31.xml><?xml version="1.0" encoding="utf-8"?>
+<p:sld xmlns:a="http://schemas.openxmlformats.org/drawingml/2006/main" xmlns:r="http://schemas.openxmlformats.org/officeDocument/2006/relationships" xmlns:p="http://schemas.openxmlformats.org/presentationml/2006/main">
+  <p:cSld>
+    <p:spTree>
+      <p:nvGrpSpPr>
+        <p:cNvPr id="1" name=""/>
+        <p:cNvGrpSpPr/>
+        <p:nvPr/>
+      </p:nvGrpSpPr>
+      <p:grpSpPr>
+        <a:xfrm>
+          <a:off x="0" y="0"/>
+          <a:ext cx="0" cy="0"/>
+          <a:chOff x="0" y="0"/>
+          <a:chExt cx="0" cy="0"/>
+        </a:xfrm>
+      </p:grpSpPr>
+      <p:sp>
+        <p:nvSpPr>
+          <p:cNvPr id="2" name="Title 1">
+            <a:extLst>
+              <a:ext uri="{FF2B5EF4-FFF2-40B4-BE49-F238E27FC236}">
+                <a16:creationId xmlns:a16="http://schemas.microsoft.com/office/drawing/2014/main" id="{2340A21E-A168-412F-7C20-CF8B4F984575}"/>
+              </a:ext>
+            </a:extLst>
+          </p:cNvPr>
+          <p:cNvSpPr>
+            <a:spLocks noGrp="1"/>
+          </p:cNvSpPr>
+          <p:nvPr>
+            <p:ph type="title"/>
+          </p:nvPr>
+        </p:nvSpPr>
+        <p:spPr/>
+        <p:txBody>
+          <a:bodyPr/>
+          <a:lstStyle/>
+          <a:p>
+            <a:r>
+              <a:rPr lang="en-IN" dirty="0"/>
+              <a:t>HDFS Serialization</a:t>
+            </a:r>
+          </a:p>
+        </p:txBody>
+      </p:sp>
+      <p:sp>
+        <p:nvSpPr>
+          <p:cNvPr id="3" name="Content Placeholder 2">
+            <a:extLst>
+              <a:ext uri="{FF2B5EF4-FFF2-40B4-BE49-F238E27FC236}">
+                <a16:creationId xmlns:a16="http://schemas.microsoft.com/office/drawing/2014/main" id="{7D742705-BB73-B129-8DD2-CDB426222CDE}"/>
+              </a:ext>
+            </a:extLst>
+          </p:cNvPr>
+          <p:cNvSpPr>
+            <a:spLocks noGrp="1"/>
+          </p:cNvSpPr>
+          <p:nvPr>
+            <p:ph idx="1"/>
+          </p:nvPr>
+        </p:nvSpPr>
+        <p:spPr/>
+        <p:txBody>
+          <a:bodyPr/>
+          <a:lstStyle/>
+          <a:p>
+            <a:pPr algn="l">
+              <a:buFont typeface="Arial" panose="020B0604020202020204" pitchFamily="34" charset="0"/>
+              <a:buChar char="•"/>
+            </a:pPr>
+            <a:r>
+              <a:rPr lang="en-IN" b="0" i="0" dirty="0">
+                <a:solidFill>
+                  <a:srgbClr val="334960"/>
+                </a:solidFill>
+                <a:effectLst/>
+                <a:latin typeface="Roboto" panose="02000000000000000000" pitchFamily="2" charset="0"/>
+              </a:rPr>
+              <a:t>Storage formats are a way to define how to store information in the file. Most of the time, assume this information is from the extension of the data. Both structured and unstructured data can store on HADOOP-enabled systems. Common </a:t>
+            </a:r>
+            <a:r>
+              <a:rPr lang="en-IN" b="0" i="0" dirty="0" err="1">
+                <a:solidFill>
+                  <a:srgbClr val="334960"/>
+                </a:solidFill>
+                <a:effectLst/>
+                <a:latin typeface="Roboto" panose="02000000000000000000" pitchFamily="2" charset="0"/>
+              </a:rPr>
+              <a:t>Hdfs</a:t>
+            </a:r>
+            <a:r>
+              <a:rPr lang="en-IN" b="0" i="0" dirty="0">
+                <a:solidFill>
+                  <a:srgbClr val="334960"/>
+                </a:solidFill>
+                <a:effectLst/>
+                <a:latin typeface="Roboto" panose="02000000000000000000" pitchFamily="2" charset="0"/>
+              </a:rPr>
+              <a:t> file formats are -Plain text storage</a:t>
+            </a:r>
+          </a:p>
+          <a:p>
+            <a:pPr algn="l">
+              <a:buFont typeface="Arial" panose="020B0604020202020204" pitchFamily="34" charset="0"/>
+              <a:buChar char="•"/>
+            </a:pPr>
+            <a:r>
+              <a:rPr lang="en-IN" b="0" i="0" dirty="0">
+                <a:solidFill>
+                  <a:srgbClr val="334960"/>
+                </a:solidFill>
+                <a:effectLst/>
+                <a:latin typeface="Roboto" panose="02000000000000000000" pitchFamily="2" charset="0"/>
+              </a:rPr>
+              <a:t>Sequence files</a:t>
+            </a:r>
+          </a:p>
+          <a:p>
+            <a:pPr algn="l">
+              <a:buFont typeface="Arial" panose="020B0604020202020204" pitchFamily="34" charset="0"/>
+              <a:buChar char="•"/>
+            </a:pPr>
+            <a:r>
+              <a:rPr lang="en-IN" b="0" i="0" dirty="0">
+                <a:solidFill>
+                  <a:srgbClr val="334960"/>
+                </a:solidFill>
+                <a:effectLst/>
+                <a:latin typeface="Roboto" panose="02000000000000000000" pitchFamily="2" charset="0"/>
+              </a:rPr>
+              <a:t>RC files</a:t>
+            </a:r>
+          </a:p>
+          <a:p>
+            <a:pPr algn="l">
+              <a:buFont typeface="Arial" panose="020B0604020202020204" pitchFamily="34" charset="0"/>
+              <a:buChar char="•"/>
+            </a:pPr>
+            <a:r>
+              <a:rPr lang="en-IN" b="0" i="0" dirty="0">
+                <a:solidFill>
+                  <a:srgbClr val="334960"/>
+                </a:solidFill>
+                <a:effectLst/>
+                <a:latin typeface="Roboto" panose="02000000000000000000" pitchFamily="2" charset="0"/>
+              </a:rPr>
+              <a:t>AVRO</a:t>
+            </a:r>
+          </a:p>
+          <a:p>
+            <a:pPr algn="l">
+              <a:buFont typeface="Arial" panose="020B0604020202020204" pitchFamily="34" charset="0"/>
+              <a:buChar char="•"/>
+            </a:pPr>
+            <a:r>
+              <a:rPr lang="en-IN" b="0" i="0" dirty="0">
+                <a:solidFill>
+                  <a:srgbClr val="334960"/>
+                </a:solidFill>
+                <a:effectLst/>
+                <a:latin typeface="Roboto" panose="02000000000000000000" pitchFamily="2" charset="0"/>
+              </a:rPr>
+              <a:t>Parquet</a:t>
+            </a:r>
+          </a:p>
+          <a:p>
+            <a:endParaRPr lang="en-IN" dirty="0"/>
+          </a:p>
+        </p:txBody>
+      </p:sp>
+    </p:spTree>
+    <p:extLst>
+      <p:ext uri="{BB962C8B-B14F-4D97-AF65-F5344CB8AC3E}">
+        <p14:creationId xmlns:p14="http://schemas.microsoft.com/office/powerpoint/2010/main" val="1384786490"/>
+      </p:ext>
+    </p:extLst>
+  </p:cSld>
+  <p:clrMapOvr>
+    <a:masterClrMapping/>
+  </p:clrMapOvr>
+</p:sld>
+</file>
+
+<file path=ppt/slides/slide32.xml><?xml version="1.0" encoding="utf-8"?>
+<p:sld xmlns:a="http://schemas.openxmlformats.org/drawingml/2006/main" xmlns:r="http://schemas.openxmlformats.org/officeDocument/2006/relationships" xmlns:p="http://schemas.openxmlformats.org/presentationml/2006/main">
+  <p:cSld>
+    <p:spTree>
+      <p:nvGrpSpPr>
+        <p:cNvPr id="1" name=""/>
+        <p:cNvGrpSpPr/>
+        <p:nvPr/>
+      </p:nvGrpSpPr>
+      <p:grpSpPr>
+        <a:xfrm>
+          <a:off x="0" y="0"/>
+          <a:ext cx="0" cy="0"/>
+          <a:chOff x="0" y="0"/>
+          <a:chExt cx="0" cy="0"/>
+        </a:xfrm>
+      </p:grpSpPr>
+      <p:sp>
+        <p:nvSpPr>
+          <p:cNvPr id="3" name="Content Placeholder 2">
+            <a:extLst>
+              <a:ext uri="{FF2B5EF4-FFF2-40B4-BE49-F238E27FC236}">
+                <a16:creationId xmlns:a16="http://schemas.microsoft.com/office/drawing/2014/main" id="{8930E086-F7D7-31C0-B320-C2324A55AA05}"/>
+              </a:ext>
+            </a:extLst>
+          </p:cNvPr>
+          <p:cNvSpPr>
+            <a:spLocks noGrp="1"/>
+          </p:cNvSpPr>
+          <p:nvPr>
+            <p:ph idx="1"/>
+          </p:nvPr>
+        </p:nvSpPr>
+        <p:spPr>
+          <a:xfrm>
+            <a:off x="838200" y="1431235"/>
+            <a:ext cx="10515600" cy="4745728"/>
+          </a:xfrm>
+        </p:spPr>
+        <p:txBody>
+          <a:bodyPr/>
+          <a:lstStyle/>
+          <a:p>
+            <a:pPr marL="0" indent="0" algn="l">
+              <a:buNone/>
+            </a:pPr>
+            <a:r>
+              <a:rPr lang="en-IN" b="1" i="0" dirty="0">
+                <a:solidFill>
+                  <a:srgbClr val="222C3A"/>
+                </a:solidFill>
+                <a:effectLst/>
+                <a:latin typeface="sf_pro_displaysemibold"/>
+              </a:rPr>
+              <a:t>Why Storage Formats?</a:t>
+            </a:r>
+          </a:p>
+          <a:p>
+            <a:pPr algn="l">
+              <a:buFont typeface="Arial" panose="020B0604020202020204" pitchFamily="34" charset="0"/>
+              <a:buChar char="•"/>
+            </a:pPr>
+            <a:r>
+              <a:rPr lang="en-IN" b="0" i="0" dirty="0">
+                <a:solidFill>
+                  <a:srgbClr val="334960"/>
+                </a:solidFill>
+                <a:effectLst/>
+                <a:latin typeface="Roboto" panose="02000000000000000000" pitchFamily="2" charset="0"/>
+              </a:rPr>
+              <a:t>File format must be handy to serve complex data structures</a:t>
+            </a:r>
+          </a:p>
+          <a:p>
+            <a:pPr algn="l">
+              <a:buFont typeface="Arial" panose="020B0604020202020204" pitchFamily="34" charset="0"/>
+              <a:buChar char="•"/>
+            </a:pPr>
+            <a:r>
+              <a:rPr lang="en-IN" b="0" i="0" dirty="0">
+                <a:solidFill>
+                  <a:srgbClr val="334960"/>
+                </a:solidFill>
+                <a:effectLst/>
+                <a:latin typeface="Roboto" panose="02000000000000000000" pitchFamily="2" charset="0"/>
+              </a:rPr>
+              <a:t>HDFS enabled applications to find relevant data in a particular location and write back data to another location.</a:t>
+            </a:r>
+          </a:p>
+          <a:p>
+            <a:pPr algn="l">
+              <a:buFont typeface="Arial" panose="020B0604020202020204" pitchFamily="34" charset="0"/>
+              <a:buChar char="•"/>
+            </a:pPr>
+            <a:r>
+              <a:rPr lang="en-IN" b="0" i="0" dirty="0">
+                <a:solidFill>
+                  <a:srgbClr val="334960"/>
+                </a:solidFill>
+                <a:effectLst/>
+                <a:latin typeface="Roboto" panose="02000000000000000000" pitchFamily="2" charset="0"/>
+              </a:rPr>
+              <a:t>Dataset is large</a:t>
+            </a:r>
+          </a:p>
+          <a:p>
+            <a:pPr algn="l">
+              <a:buFont typeface="Arial" panose="020B0604020202020204" pitchFamily="34" charset="0"/>
+              <a:buChar char="•"/>
+            </a:pPr>
+            <a:r>
+              <a:rPr lang="en-IN" b="0" i="0" dirty="0">
+                <a:solidFill>
+                  <a:srgbClr val="334960"/>
+                </a:solidFill>
+                <a:effectLst/>
+                <a:latin typeface="Roboto" panose="02000000000000000000" pitchFamily="2" charset="0"/>
+              </a:rPr>
+              <a:t>Having schemas</a:t>
+            </a:r>
+          </a:p>
+          <a:p>
+            <a:pPr algn="l">
+              <a:buFont typeface="Arial" panose="020B0604020202020204" pitchFamily="34" charset="0"/>
+              <a:buChar char="•"/>
+            </a:pPr>
+            <a:r>
+              <a:rPr lang="en-IN" b="0" i="0" dirty="0">
+                <a:solidFill>
+                  <a:srgbClr val="334960"/>
+                </a:solidFill>
+                <a:effectLst/>
+                <a:latin typeface="Roboto" panose="02000000000000000000" pitchFamily="2" charset="0"/>
+              </a:rPr>
+              <a:t>Having storage constraints</a:t>
+            </a:r>
+          </a:p>
+          <a:p>
+            <a:endParaRPr lang="en-IN" dirty="0"/>
+          </a:p>
+        </p:txBody>
+      </p:sp>
+    </p:spTree>
+    <p:extLst>
+      <p:ext uri="{BB962C8B-B14F-4D97-AF65-F5344CB8AC3E}">
+        <p14:creationId xmlns:p14="http://schemas.microsoft.com/office/powerpoint/2010/main" val="1394725044"/>
+      </p:ext>
+    </p:extLst>
+  </p:cSld>
+  <p:clrMapOvr>
+    <a:masterClrMapping/>
+  </p:clrMapOvr>
+</p:sld>
+</file>
+
+<file path=ppt/slides/slide33.xml><?xml version="1.0" encoding="utf-8"?>
+<p:sld xmlns:a="http://schemas.openxmlformats.org/drawingml/2006/main" xmlns:r="http://schemas.openxmlformats.org/officeDocument/2006/relationships" xmlns:p="http://schemas.openxmlformats.org/presentationml/2006/main">
+  <p:cSld>
+    <p:spTree>
+      <p:nvGrpSpPr>
+        <p:cNvPr id="1" name=""/>
+        <p:cNvGrpSpPr/>
+        <p:nvPr/>
+      </p:nvGrpSpPr>
+      <p:grpSpPr>
+        <a:xfrm>
+          <a:off x="0" y="0"/>
+          <a:ext cx="0" cy="0"/>
+          <a:chOff x="0" y="0"/>
+          <a:chExt cx="0" cy="0"/>
+        </a:xfrm>
+      </p:grpSpPr>
+      <p:sp>
+        <p:nvSpPr>
+          <p:cNvPr id="2" name="Title 1">
+            <a:extLst>
+              <a:ext uri="{FF2B5EF4-FFF2-40B4-BE49-F238E27FC236}">
+                <a16:creationId xmlns:a16="http://schemas.microsoft.com/office/drawing/2014/main" id="{1ED3718A-CC8F-2693-6DF7-B2788BAFEDEB}"/>
+              </a:ext>
+            </a:extLst>
+          </p:cNvPr>
+          <p:cNvSpPr>
+            <a:spLocks noGrp="1"/>
+          </p:cNvSpPr>
+          <p:nvPr>
+            <p:ph type="title"/>
+          </p:nvPr>
+        </p:nvSpPr>
+        <p:spPr/>
+        <p:txBody>
+          <a:bodyPr/>
+          <a:lstStyle/>
+          <a:p>
+            <a:r>
+              <a:rPr lang="en-IN" dirty="0"/>
+              <a:t>Data Serialization in HDFS</a:t>
+            </a:r>
+          </a:p>
+        </p:txBody>
+      </p:sp>
+      <p:sp>
+        <p:nvSpPr>
+          <p:cNvPr id="3" name="Content Placeholder 2">
+            <a:extLst>
+              <a:ext uri="{FF2B5EF4-FFF2-40B4-BE49-F238E27FC236}">
+                <a16:creationId xmlns:a16="http://schemas.microsoft.com/office/drawing/2014/main" id="{CC073BAB-4E4E-206A-1E38-5C68ADA91285}"/>
+              </a:ext>
+            </a:extLst>
+          </p:cNvPr>
+          <p:cNvSpPr>
+            <a:spLocks noGrp="1"/>
+          </p:cNvSpPr>
+          <p:nvPr>
+            <p:ph idx="1"/>
+          </p:nvPr>
+        </p:nvSpPr>
+        <p:spPr/>
+        <p:txBody>
+          <a:bodyPr>
+            <a:normAutofit fontScale="92500" lnSpcReduction="20000"/>
+          </a:bodyPr>
+          <a:lstStyle/>
+          <a:p>
+            <a:pPr algn="l">
+              <a:buFont typeface="Arial" panose="020B0604020202020204" pitchFamily="34" charset="0"/>
+              <a:buChar char="•"/>
+            </a:pPr>
+            <a:r>
+              <a:rPr lang="en-IN" b="0" i="0" dirty="0">
+                <a:solidFill>
+                  <a:srgbClr val="334960"/>
+                </a:solidFill>
+                <a:effectLst/>
+                <a:latin typeface="Roboto" panose="02000000000000000000" pitchFamily="2" charset="0"/>
+              </a:rPr>
+              <a:t>Data serialization is a process that converts structure data manually back to the original form.</a:t>
+            </a:r>
+          </a:p>
+          <a:p>
+            <a:pPr algn="l">
+              <a:buFont typeface="Arial" panose="020B0604020202020204" pitchFamily="34" charset="0"/>
+              <a:buChar char="•"/>
+            </a:pPr>
+            <a:r>
+              <a:rPr lang="en-IN" b="0" i="0" dirty="0">
+                <a:solidFill>
+                  <a:srgbClr val="334960"/>
+                </a:solidFill>
+                <a:effectLst/>
+                <a:latin typeface="Roboto" panose="02000000000000000000" pitchFamily="2" charset="0"/>
+              </a:rPr>
+              <a:t>Serialize to translate data structures into a stream of data. Transmit this stream of data over the network or store it in DB regardless of the system architecture.</a:t>
+            </a:r>
+          </a:p>
+          <a:p>
+            <a:pPr algn="l">
+              <a:buFont typeface="Arial" panose="020B0604020202020204" pitchFamily="34" charset="0"/>
+              <a:buChar char="•"/>
+            </a:pPr>
+            <a:r>
+              <a:rPr lang="en-IN" b="0" i="0" dirty="0">
+                <a:solidFill>
+                  <a:srgbClr val="334960"/>
+                </a:solidFill>
+                <a:effectLst/>
+                <a:latin typeface="Roboto" panose="02000000000000000000" pitchFamily="2" charset="0"/>
+              </a:rPr>
+              <a:t>Isn't storing information in binary form or stream of bytes is the right approach.</a:t>
+            </a:r>
+          </a:p>
+          <a:p>
+            <a:pPr algn="l">
+              <a:buFont typeface="Arial" panose="020B0604020202020204" pitchFamily="34" charset="0"/>
+              <a:buChar char="•"/>
+            </a:pPr>
+            <a:r>
+              <a:rPr lang="en-IN" b="0" i="0" dirty="0">
+                <a:solidFill>
+                  <a:srgbClr val="334960"/>
+                </a:solidFill>
+                <a:effectLst/>
+                <a:latin typeface="Roboto" panose="02000000000000000000" pitchFamily="2" charset="0"/>
+              </a:rPr>
+              <a:t>Serialization does the same but isn't dependent on architecture.</a:t>
+            </a:r>
+          </a:p>
+          <a:p>
+            <a:r>
+              <a:rPr lang="en-IN" b="0" i="0" dirty="0">
+                <a:solidFill>
+                  <a:srgbClr val="334960"/>
+                </a:solidFill>
+                <a:effectLst/>
+                <a:latin typeface="Roboto" panose="02000000000000000000" pitchFamily="2" charset="0"/>
+              </a:rPr>
+              <a:t>Consider CSV files contains a comma (,) in between data, so while Deserialization, wrong outputs may occur. Now, if metadata is stored in XML form, a self- architected form of data storage, data can easily deserialize.</a:t>
+            </a:r>
+            <a:endParaRPr lang="en-IN" dirty="0"/>
+          </a:p>
+        </p:txBody>
+      </p:sp>
+    </p:spTree>
+    <p:extLst>
+      <p:ext uri="{BB962C8B-B14F-4D97-AF65-F5344CB8AC3E}">
+        <p14:creationId xmlns:p14="http://schemas.microsoft.com/office/powerpoint/2010/main" val="178697982"/>
+      </p:ext>
+    </p:extLst>
+  </p:cSld>
+  <p:clrMapOvr>
+    <a:masterClrMapping/>
+  </p:clrMapOvr>
+</p:sld>
+</file>
+
+<file path=ppt/slides/slide34.xml><?xml version="1.0" encoding="utf-8"?>
+<p:sld xmlns:a="http://schemas.openxmlformats.org/drawingml/2006/main" xmlns:r="http://schemas.openxmlformats.org/officeDocument/2006/relationships" xmlns:p="http://schemas.openxmlformats.org/presentationml/2006/main">
+  <p:cSld>
+    <p:bg>
+      <p:bgPr>
+        <a:solidFill>
+          <a:schemeClr val="bg1"/>
+        </a:solidFill>
+        <a:effectLst/>
+      </p:bgPr>
+    </p:bg>
+    <p:spTree>
+      <p:nvGrpSpPr>
+        <p:cNvPr id="1" name=""/>
+        <p:cNvGrpSpPr/>
+        <p:nvPr/>
+      </p:nvGrpSpPr>
+      <p:grpSpPr>
+        <a:xfrm>
+          <a:off x="0" y="0"/>
+          <a:ext cx="0" cy="0"/>
+          <a:chOff x="0" y="0"/>
+          <a:chExt cx="0" cy="0"/>
+        </a:xfrm>
+      </p:grpSpPr>
+      <p:sp>
+        <p:nvSpPr>
+          <p:cNvPr id="10" name="Rectangle 9">
+            <a:extLst>
+              <a:ext uri="{FF2B5EF4-FFF2-40B4-BE49-F238E27FC236}">
+                <a16:creationId xmlns:a16="http://schemas.microsoft.com/office/drawing/2014/main" id="{2B566528-1B12-4246-9431-5C2D7D081168}"/>
+              </a:ext>
+              <a:ext uri="{C183D7F6-B498-43B3-948B-1728B52AA6E4}">
+                <adec:decorative xmlns:adec="http://schemas.microsoft.com/office/drawing/2017/decorative" val="1"/>
+              </a:ext>
+            </a:extLst>
+          </p:cNvPr>
+          <p:cNvSpPr>
+            <a:spLocks noGrp="1" noRot="1" noChangeAspect="1" noMove="1" noResize="1" noEditPoints="1" noAdjustHandles="1" noChangeArrowheads="1" noChangeShapeType="1" noTextEdit="1"/>
+          </p:cNvSpPr>
+          <p:nvPr>
+            <p:extLst>
+              <p:ext uri="{386F3935-93C4-4BCD-93E2-E3B085C9AB24}">
+                <p16:designElem xmlns:p16="http://schemas.microsoft.com/office/powerpoint/2015/main" val="1"/>
+              </p:ext>
+            </p:extLst>
+          </p:nvPr>
+        </p:nvSpPr>
+        <p:spPr>
+          <a:xfrm>
+            <a:off x="0" y="0"/>
+            <a:ext cx="12192000" cy="6858000"/>
+          </a:xfrm>
+          <a:prstGeom prst="rect">
+            <a:avLst/>
+          </a:prstGeom>
+          <a:solidFill>
+            <a:schemeClr val="bg1"/>
+          </a:solidFill>
+          <a:ln>
+            <a:noFill/>
+          </a:ln>
+        </p:spPr>
+        <p:style>
+          <a:lnRef idx="2">
+            <a:schemeClr val="accent1">
+              <a:shade val="50000"/>
+            </a:schemeClr>
+          </a:lnRef>
+          <a:fillRef idx="1">
+            <a:schemeClr val="accent1"/>
+          </a:fillRef>
+          <a:effectRef idx="0">
+            <a:schemeClr val="accent1"/>
+          </a:effectRef>
+          <a:fontRef idx="minor">
+            <a:schemeClr val="lt1"/>
+          </a:fontRef>
+        </p:style>
+        <p:txBody>
+          <a:bodyPr rtlCol="0" anchor="ctr"/>
+          <a:lstStyle/>
+          <a:p>
+            <a:pPr algn="ctr"/>
+            <a:endParaRPr lang="en-US" dirty="0"/>
+          </a:p>
+        </p:txBody>
+      </p:sp>
+      <p:sp>
+        <p:nvSpPr>
+          <p:cNvPr id="2" name="Title 1">
+            <a:extLst>
+              <a:ext uri="{FF2B5EF4-FFF2-40B4-BE49-F238E27FC236}">
+                <a16:creationId xmlns:a16="http://schemas.microsoft.com/office/drawing/2014/main" id="{91C09D62-7135-013C-924D-F9969563DF03}"/>
+              </a:ext>
+            </a:extLst>
+          </p:cNvPr>
+          <p:cNvSpPr>
+            <a:spLocks noGrp="1"/>
+          </p:cNvSpPr>
+          <p:nvPr>
+            <p:ph type="title"/>
+          </p:nvPr>
+        </p:nvSpPr>
+        <p:spPr>
+          <a:xfrm>
+            <a:off x="643467" y="321734"/>
+            <a:ext cx="10905066" cy="1135737"/>
+          </a:xfrm>
+        </p:spPr>
+        <p:txBody>
+          <a:bodyPr>
+            <a:normAutofit/>
+          </a:bodyPr>
+          <a:lstStyle/>
+          <a:p>
+            <a:r>
+              <a:rPr lang="en-IN" sz="3600"/>
+              <a:t>HDFS Caching and Failover</a:t>
+            </a:r>
+          </a:p>
+        </p:txBody>
+      </p:sp>
+      <p:sp>
+        <p:nvSpPr>
+          <p:cNvPr id="3" name="Content Placeholder 2">
+            <a:extLst>
+              <a:ext uri="{FF2B5EF4-FFF2-40B4-BE49-F238E27FC236}">
+                <a16:creationId xmlns:a16="http://schemas.microsoft.com/office/drawing/2014/main" id="{F8EF91BA-B5C8-4C7A-61D4-7D442328BC8E}"/>
+              </a:ext>
+            </a:extLst>
+          </p:cNvPr>
+          <p:cNvSpPr>
+            <a:spLocks noGrp="1"/>
+          </p:cNvSpPr>
+          <p:nvPr>
+            <p:ph idx="1"/>
+          </p:nvPr>
+        </p:nvSpPr>
+        <p:spPr>
+          <a:xfrm>
+            <a:off x="643469" y="1782981"/>
+            <a:ext cx="4008384" cy="4393982"/>
+          </a:xfrm>
+        </p:spPr>
+        <p:txBody>
+          <a:bodyPr>
+            <a:normAutofit/>
+          </a:bodyPr>
+          <a:lstStyle/>
+          <a:p>
+            <a:r>
+              <a:rPr lang="en-IN" sz="2000" b="0" i="1">
+                <a:effectLst/>
+                <a:latin typeface="Calibri" panose="020F0502020204030204" pitchFamily="34" charset="0"/>
+                <a:cs typeface="Calibri" panose="020F0502020204030204" pitchFamily="34" charset="0"/>
+              </a:rPr>
+              <a:t>Centralized cache management</a:t>
+            </a:r>
+            <a:r>
+              <a:rPr lang="en-IN" sz="2000" b="0" i="0">
+                <a:effectLst/>
+                <a:latin typeface="Calibri" panose="020F0502020204030204" pitchFamily="34" charset="0"/>
+                <a:cs typeface="Calibri" panose="020F0502020204030204" pitchFamily="34" charset="0"/>
+              </a:rPr>
+              <a:t> in HDFS is an explicit caching mechanism that allows users to specify </a:t>
+            </a:r>
+            <a:r>
+              <a:rPr lang="en-IN" sz="2000" b="0" i="1">
+                <a:effectLst/>
+                <a:latin typeface="Calibri" panose="020F0502020204030204" pitchFamily="34" charset="0"/>
+                <a:cs typeface="Calibri" panose="020F0502020204030204" pitchFamily="34" charset="0"/>
+              </a:rPr>
+              <a:t>paths</a:t>
+            </a:r>
+            <a:r>
+              <a:rPr lang="en-IN" sz="2000" b="0" i="0">
+                <a:effectLst/>
+                <a:latin typeface="Calibri" panose="020F0502020204030204" pitchFamily="34" charset="0"/>
+                <a:cs typeface="Calibri" panose="020F0502020204030204" pitchFamily="34" charset="0"/>
+              </a:rPr>
+              <a:t> to be cached by HDFS.</a:t>
+            </a:r>
+          </a:p>
+          <a:p>
+            <a:r>
+              <a:rPr lang="en-IN" sz="2000" b="0" i="0">
+                <a:effectLst/>
+                <a:latin typeface="Calibri" panose="020F0502020204030204" pitchFamily="34" charset="0"/>
+                <a:cs typeface="Calibri" panose="020F0502020204030204" pitchFamily="34" charset="0"/>
+              </a:rPr>
+              <a:t> The NameNode will communicate with DataNodes that have the desired blocks on disk, and instruct them to cache the blocks in off-heap caches.</a:t>
+            </a:r>
+            <a:endParaRPr lang="en-IN" sz="2000">
+              <a:latin typeface="Calibri" panose="020F0502020204030204" pitchFamily="34" charset="0"/>
+              <a:cs typeface="Calibri" panose="020F0502020204030204" pitchFamily="34" charset="0"/>
+            </a:endParaRPr>
+          </a:p>
+        </p:txBody>
+      </p:sp>
+      <p:grpSp>
+        <p:nvGrpSpPr>
+          <p:cNvPr id="12" name="Group 11">
+            <a:extLst>
+              <a:ext uri="{FF2B5EF4-FFF2-40B4-BE49-F238E27FC236}">
+                <a16:creationId xmlns:a16="http://schemas.microsoft.com/office/drawing/2014/main" id="{828A5161-06F1-46CF-8AD7-844680A59E13}"/>
+              </a:ext>
+              <a:ext uri="{C183D7F6-B498-43B3-948B-1728B52AA6E4}">
+                <adec:decorative xmlns:adec="http://schemas.microsoft.com/office/drawing/2017/decorative" val="1"/>
+              </a:ext>
+            </a:extLst>
+          </p:cNvPr>
+          <p:cNvGrpSpPr>
+            <a:grpSpLocks noGrp="1" noUngrp="1" noRot="1" noChangeAspect="1" noMove="1" noResize="1"/>
+          </p:cNvGrpSpPr>
+          <p:nvPr>
+            <p:extLst>
+              <p:ext uri="{386F3935-93C4-4BCD-93E2-E3B085C9AB24}">
+                <p16:designElem xmlns:p16="http://schemas.microsoft.com/office/powerpoint/2015/main" val="1"/>
+              </p:ext>
+            </p:extLst>
+          </p:nvPr>
+        </p:nvGrpSpPr>
+        <p:grpSpPr>
+          <a:xfrm>
+            <a:off x="0" y="4601497"/>
+            <a:ext cx="1014060" cy="2017580"/>
+            <a:chOff x="0" y="4601497"/>
+            <a:chExt cx="1014060" cy="2017580"/>
+          </a:xfrm>
+        </p:grpSpPr>
+        <p:sp>
+          <p:nvSpPr>
+            <p:cNvPr id="13" name="Isosceles Triangle 12">
+              <a:extLst>
+                <a:ext uri="{FF2B5EF4-FFF2-40B4-BE49-F238E27FC236}">
+                  <a16:creationId xmlns:a16="http://schemas.microsoft.com/office/drawing/2014/main" id="{D3F51FEB-38FB-4F6C-9F7B-2F2AFAB65463}"/>
+                </a:ext>
+                <a:ext uri="{C183D7F6-B498-43B3-948B-1728B52AA6E4}">
+                  <adec:decorative xmlns:adec="http://schemas.microsoft.com/office/drawing/2017/decorative" val="1"/>
+                </a:ext>
+              </a:extLst>
+            </p:cNvPr>
+            <p:cNvSpPr/>
+            <p:nvPr>
+              <p:extLst>
+                <p:ext uri="{386F3935-93C4-4BCD-93E2-E3B085C9AB24}">
+                  <p16:designElem xmlns:p16="http://schemas.microsoft.com/office/powerpoint/2015/main" val="1"/>
+                </p:ext>
+              </p:extLst>
+            </p:nvPr>
+          </p:nvSpPr>
+          <p:spPr>
+            <a:xfrm rot="5400000">
+              <a:off x="-501760" y="5103257"/>
+              <a:ext cx="2017580" cy="1014060"/>
+            </a:xfrm>
+            <a:prstGeom prst="triangle">
+              <a:avLst>
+                <a:gd name="adj" fmla="val 50000"/>
+              </a:avLst>
+            </a:prstGeom>
+            <a:solidFill>
+              <a:schemeClr val="accent1">
+                <a:alpha val="30000"/>
+              </a:schemeClr>
+            </a:solidFill>
+            <a:ln>
+              <a:noFill/>
+            </a:ln>
+          </p:spPr>
+          <p:style>
+            <a:lnRef idx="2">
+              <a:schemeClr val="accent1">
+                <a:shade val="50000"/>
+              </a:schemeClr>
+            </a:lnRef>
+            <a:fillRef idx="1">
+              <a:schemeClr val="accent1"/>
+            </a:fillRef>
+            <a:effectRef idx="0">
+              <a:schemeClr val="accent1"/>
+            </a:effectRef>
+            <a:fontRef idx="minor">
+              <a:schemeClr val="lt1"/>
+            </a:fontRef>
+          </p:style>
+          <p:txBody>
+            <a:bodyPr rtlCol="0" anchor="ctr"/>
+            <a:lstStyle/>
+            <a:p>
+              <a:pPr algn="ctr"/>
+              <a:endParaRPr lang="en-US"/>
+            </a:p>
+          </p:txBody>
+        </p:sp>
+        <p:sp>
+          <p:nvSpPr>
+            <p:cNvPr id="14" name="Rectangle 13">
+              <a:extLst>
+                <a:ext uri="{FF2B5EF4-FFF2-40B4-BE49-F238E27FC236}">
+                  <a16:creationId xmlns:a16="http://schemas.microsoft.com/office/drawing/2014/main" id="{1E547BA6-BAE0-43BB-A7CA-60F69CE252F0}"/>
+                </a:ext>
+                <a:ext uri="{C183D7F6-B498-43B3-948B-1728B52AA6E4}">
+                  <adec:decorative xmlns:adec="http://schemas.microsoft.com/office/drawing/2017/decorative" val="1"/>
+                </a:ext>
+              </a:extLst>
+            </p:cNvPr>
+            <p:cNvSpPr/>
+            <p:nvPr>
+              <p:extLst>
+                <p:ext uri="{386F3935-93C4-4BCD-93E2-E3B085C9AB24}">
+                  <p16:designElem xmlns:p16="http://schemas.microsoft.com/office/powerpoint/2015/main" val="1"/>
+                </p:ext>
+              </p:extLst>
+            </p:nvPr>
+          </p:nvSpPr>
+          <p:spPr>
+            <a:xfrm rot="2700000">
+              <a:off x="427916" y="5728708"/>
+              <a:ext cx="485578" cy="485578"/>
+            </a:xfrm>
+            <a:prstGeom prst="rect">
+              <a:avLst/>
+            </a:prstGeom>
+            <a:solidFill>
+              <a:schemeClr val="accent1">
+                <a:alpha val="30000"/>
+              </a:schemeClr>
+            </a:solidFill>
+            <a:ln>
+              <a:noFill/>
+            </a:ln>
+          </p:spPr>
+          <p:style>
+            <a:lnRef idx="2">
+              <a:schemeClr val="accent1">
+                <a:shade val="50000"/>
+              </a:schemeClr>
+            </a:lnRef>
+            <a:fillRef idx="1">
+              <a:schemeClr val="accent1"/>
+            </a:fillRef>
+            <a:effectRef idx="0">
+              <a:schemeClr val="accent1"/>
+            </a:effectRef>
+            <a:fontRef idx="minor">
+              <a:schemeClr val="lt1"/>
+            </a:fontRef>
+          </p:style>
+          <p:txBody>
+            <a:bodyPr rtlCol="0" anchor="ctr"/>
+            <a:lstStyle/>
+            <a:p>
+              <a:pPr algn="ctr"/>
+              <a:endParaRPr lang="en-US"/>
+            </a:p>
+          </p:txBody>
+        </p:sp>
+      </p:grpSp>
+      <p:pic>
+        <p:nvPicPr>
+          <p:cNvPr id="5" name="Picture 4">
+            <a:extLst>
+              <a:ext uri="{FF2B5EF4-FFF2-40B4-BE49-F238E27FC236}">
+                <a16:creationId xmlns:a16="http://schemas.microsoft.com/office/drawing/2014/main" id="{AD1C71D2-A895-BDB5-DB31-DB2A62BFBC8B}"/>
+              </a:ext>
+            </a:extLst>
+          </p:cNvPr>
+          <p:cNvPicPr>
+            <a:picLocks noChangeAspect="1"/>
+          </p:cNvPicPr>
+          <p:nvPr/>
+        </p:nvPicPr>
+        <p:blipFill>
+          <a:blip r:embed="rId2"/>
+          <a:stretch>
+            <a:fillRect/>
+          </a:stretch>
+        </p:blipFill>
+        <p:spPr>
+          <a:xfrm>
+            <a:off x="5643650" y="1782981"/>
+            <a:ext cx="5556551" cy="4361892"/>
+          </a:xfrm>
+          <a:prstGeom prst="rect">
+            <a:avLst/>
+          </a:prstGeom>
+        </p:spPr>
+      </p:pic>
+      <p:grpSp>
+        <p:nvGrpSpPr>
+          <p:cNvPr id="16" name="Group 15">
+            <a:extLst>
+              <a:ext uri="{FF2B5EF4-FFF2-40B4-BE49-F238E27FC236}">
+                <a16:creationId xmlns:a16="http://schemas.microsoft.com/office/drawing/2014/main" id="{5995D10D-E9C9-47DB-AE7E-801FEF38F5C9}"/>
+              </a:ext>
+              <a:ext uri="{C183D7F6-B498-43B3-948B-1728B52AA6E4}">
+                <adec:decorative xmlns:adec="http://schemas.microsoft.com/office/drawing/2017/decorative" val="1"/>
+              </a:ext>
+            </a:extLst>
+          </p:cNvPr>
+          <p:cNvGrpSpPr>
+            <a:grpSpLocks noGrp="1" noUngrp="1" noRot="1" noChangeAspect="1" noMove="1" noResize="1"/>
+          </p:cNvGrpSpPr>
+          <p:nvPr>
+            <p:extLst>
+              <p:ext uri="{386F3935-93C4-4BCD-93E2-E3B085C9AB24}">
+                <p16:designElem xmlns:p16="http://schemas.microsoft.com/office/powerpoint/2015/main" val="1"/>
+              </p:ext>
+            </p:extLst>
+          </p:nvPr>
+        </p:nvGrpSpPr>
+        <p:grpSpPr>
+          <a:xfrm>
+            <a:off x="11219290" y="1"/>
+            <a:ext cx="972709" cy="1935307"/>
+            <a:chOff x="10918968" y="713127"/>
+            <a:chExt cx="1273032" cy="2532832"/>
+          </a:xfrm>
+        </p:grpSpPr>
+        <p:sp>
+          <p:nvSpPr>
+            <p:cNvPr id="17" name="Rectangle 16">
+              <a:extLst>
+                <a:ext uri="{FF2B5EF4-FFF2-40B4-BE49-F238E27FC236}">
+                  <a16:creationId xmlns:a16="http://schemas.microsoft.com/office/drawing/2014/main" id="{CC1A72C6-3DE4-4EC3-9AD5-9E0D40D8CE8A}"/>
+                </a:ext>
+                <a:ext uri="{C183D7F6-B498-43B3-948B-1728B52AA6E4}">
+                  <adec:decorative xmlns:adec="http://schemas.microsoft.com/office/drawing/2017/decorative" val="1"/>
+                </a:ext>
+              </a:extLst>
+            </p:cNvPr>
+            <p:cNvSpPr/>
+            <p:nvPr>
+              <p:extLst>
+                <p:ext uri="{386F3935-93C4-4BCD-93E2-E3B085C9AB24}">
+                  <p16:designElem xmlns:p16="http://schemas.microsoft.com/office/powerpoint/2015/main" val="1"/>
+                </p:ext>
+              </p:extLst>
+            </p:nvPr>
+          </p:nvSpPr>
+          <p:spPr>
+            <a:xfrm rot="2700000">
+              <a:off x="11052629" y="2120024"/>
+              <a:ext cx="645368" cy="645368"/>
+            </a:xfrm>
+            <a:prstGeom prst="rect">
+              <a:avLst/>
+            </a:prstGeom>
+            <a:solidFill>
+              <a:schemeClr val="accent4">
+                <a:alpha val="30000"/>
+              </a:schemeClr>
+            </a:solidFill>
+            <a:ln>
+              <a:noFill/>
+            </a:ln>
+          </p:spPr>
+          <p:style>
+            <a:lnRef idx="2">
+              <a:schemeClr val="accent1">
+                <a:shade val="50000"/>
+              </a:schemeClr>
+            </a:lnRef>
+            <a:fillRef idx="1">
+              <a:schemeClr val="accent1"/>
+            </a:fillRef>
+            <a:effectRef idx="0">
+              <a:schemeClr val="accent1"/>
+            </a:effectRef>
+            <a:fontRef idx="minor">
+              <a:schemeClr val="lt1"/>
+            </a:fontRef>
+          </p:style>
+          <p:txBody>
+            <a:bodyPr rtlCol="0" anchor="ctr"/>
+            <a:lstStyle/>
+            <a:p>
+              <a:pPr algn="ctr"/>
+              <a:endParaRPr lang="en-US"/>
+            </a:p>
+          </p:txBody>
+        </p:sp>
+        <p:sp>
+          <p:nvSpPr>
+            <p:cNvPr id="18" name="Isosceles Triangle 17">
+              <a:extLst>
+                <a:ext uri="{FF2B5EF4-FFF2-40B4-BE49-F238E27FC236}">
+                  <a16:creationId xmlns:a16="http://schemas.microsoft.com/office/drawing/2014/main" id="{0B0DA1F1-C391-4EDF-9FE0-23E86E137765}"/>
+                </a:ext>
+                <a:ext uri="{C183D7F6-B498-43B3-948B-1728B52AA6E4}">
+                  <adec:decorative xmlns:adec="http://schemas.microsoft.com/office/drawing/2017/decorative" val="1"/>
+                </a:ext>
+              </a:extLst>
+            </p:cNvPr>
+            <p:cNvSpPr/>
+            <p:nvPr>
+              <p:extLst>
+                <p:ext uri="{386F3935-93C4-4BCD-93E2-E3B085C9AB24}">
+                  <p16:designElem xmlns:p16="http://schemas.microsoft.com/office/powerpoint/2015/main" val="1"/>
+                </p:ext>
+              </p:extLst>
+            </p:nvPr>
+          </p:nvSpPr>
+          <p:spPr>
+            <a:xfrm rot="16200000">
+              <a:off x="10289068" y="1343027"/>
+              <a:ext cx="2532832" cy="1273032"/>
+            </a:xfrm>
+            <a:prstGeom prst="triangle">
+              <a:avLst>
+                <a:gd name="adj" fmla="val 50000"/>
+              </a:avLst>
+            </a:prstGeom>
+            <a:solidFill>
+              <a:schemeClr val="accent4">
+                <a:alpha val="30000"/>
+              </a:schemeClr>
+            </a:solidFill>
+            <a:ln>
+              <a:noFill/>
+            </a:ln>
+          </p:spPr>
+          <p:style>
+            <a:lnRef idx="2">
+              <a:schemeClr val="accent1">
+                <a:shade val="50000"/>
+              </a:schemeClr>
+            </a:lnRef>
+            <a:fillRef idx="1">
+              <a:schemeClr val="accent1"/>
+            </a:fillRef>
+            <a:effectRef idx="0">
+              <a:schemeClr val="accent1"/>
+            </a:effectRef>
+            <a:fontRef idx="minor">
+              <a:schemeClr val="lt1"/>
+            </a:fontRef>
+          </p:style>
+          <p:txBody>
+            <a:bodyPr rtlCol="0" anchor="ctr"/>
+            <a:lstStyle/>
+            <a:p>
+              <a:pPr algn="ctr"/>
+              <a:endParaRPr lang="en-US" dirty="0"/>
+            </a:p>
+          </p:txBody>
+        </p:sp>
+      </p:grpSp>
+    </p:spTree>
+    <p:extLst>
+      <p:ext uri="{BB962C8B-B14F-4D97-AF65-F5344CB8AC3E}">
+        <p14:creationId xmlns:p14="http://schemas.microsoft.com/office/powerpoint/2010/main" val="3879128539"/>
+      </p:ext>
+    </p:extLst>
+  </p:cSld>
+  <p:clrMapOvr>
+    <a:masterClrMapping/>
+  </p:clrMapOvr>
+</p:sld>
+</file>
+
+<file path=ppt/slides/slide35.xml><?xml version="1.0" encoding="utf-8"?>
+<p:sld xmlns:a="http://schemas.openxmlformats.org/drawingml/2006/main" xmlns:r="http://schemas.openxmlformats.org/officeDocument/2006/relationships" xmlns:p="http://schemas.openxmlformats.org/presentationml/2006/main">
+  <p:cSld>
+    <p:bg>
+      <p:bgPr>
+        <a:solidFill>
+          <a:schemeClr val="bg1"/>
+        </a:solidFill>
+        <a:effectLst/>
+      </p:bgPr>
+    </p:bg>
+    <p:spTree>
+      <p:nvGrpSpPr>
+        <p:cNvPr id="1" name=""/>
+        <p:cNvGrpSpPr/>
+        <p:nvPr/>
+      </p:nvGrpSpPr>
+      <p:grpSpPr>
+        <a:xfrm>
+          <a:off x="0" y="0"/>
+          <a:ext cx="0" cy="0"/>
+          <a:chOff x="0" y="0"/>
+          <a:chExt cx="0" cy="0"/>
+        </a:xfrm>
+      </p:grpSpPr>
+      <p:sp>
+        <p:nvSpPr>
+          <p:cNvPr id="10" name="Down Arrow 7">
+            <a:extLst>
+              <a:ext uri="{FF2B5EF4-FFF2-40B4-BE49-F238E27FC236}">
+                <a16:creationId xmlns:a16="http://schemas.microsoft.com/office/drawing/2014/main" id="{D4771268-CB57-404A-9271-370EB28F6090}"/>
+              </a:ext>
+              <a:ext uri="{C183D7F6-B498-43B3-948B-1728B52AA6E4}">
+                <adec:decorative xmlns:adec="http://schemas.microsoft.com/office/drawing/2017/decorative" val="1"/>
+              </a:ext>
+            </a:extLst>
+          </p:cNvPr>
+          <p:cNvSpPr>
+            <a:spLocks noGrp="1" noRot="1" noChangeAspect="1" noMove="1" noResize="1" noEditPoints="1" noAdjustHandles="1" noChangeArrowheads="1" noChangeShapeType="1" noTextEdit="1"/>
+          </p:cNvSpPr>
+          <p:nvPr>
+            <p:extLst>
+              <p:ext uri="{386F3935-93C4-4BCD-93E2-E3B085C9AB24}">
+                <p16:designElem xmlns:p16="http://schemas.microsoft.com/office/powerpoint/2015/main" val="1"/>
+              </p:ext>
+            </p:extLst>
+          </p:nvPr>
+        </p:nvSpPr>
+        <p:spPr>
+          <a:xfrm rot="16200000">
+            <a:off x="800100" y="1491343"/>
+            <a:ext cx="3333749" cy="3499103"/>
+          </a:xfrm>
+          <a:prstGeom prst="downArrow">
+            <a:avLst>
+              <a:gd name="adj1" fmla="val 100000"/>
+              <a:gd name="adj2" fmla="val 15788"/>
+            </a:avLst>
+          </a:prstGeom>
+          <a:solidFill>
+            <a:srgbClr val="404040"/>
+          </a:solidFill>
+          <a:ln w="53975">
+            <a:noFill/>
+          </a:ln>
+        </p:spPr>
+        <p:style>
+          <a:lnRef idx="2">
+            <a:schemeClr val="accent1">
+              <a:shade val="50000"/>
+            </a:schemeClr>
+          </a:lnRef>
+          <a:fillRef idx="1">
+            <a:schemeClr val="accent1"/>
+          </a:fillRef>
+          <a:effectRef idx="0">
+            <a:schemeClr val="accent1"/>
+          </a:effectRef>
+          <a:fontRef idx="minor">
+            <a:schemeClr val="lt1"/>
+          </a:fontRef>
+        </p:style>
+        <p:txBody>
+          <a:bodyPr rtlCol="0" anchor="ctr"/>
+          <a:lstStyle/>
+          <a:p>
+            <a:pPr algn="ctr"/>
+            <a:endParaRPr lang="en-US"/>
+          </a:p>
+        </p:txBody>
+      </p:sp>
+      <p:sp>
+        <p:nvSpPr>
+          <p:cNvPr id="2" name="Title 1">
+            <a:extLst>
+              <a:ext uri="{FF2B5EF4-FFF2-40B4-BE49-F238E27FC236}">
+                <a16:creationId xmlns:a16="http://schemas.microsoft.com/office/drawing/2014/main" id="{AE3B5CB4-7AB9-797B-9CFA-F9096AFB8C91}"/>
+              </a:ext>
+            </a:extLst>
+          </p:cNvPr>
+          <p:cNvSpPr>
+            <a:spLocks noGrp="1"/>
+          </p:cNvSpPr>
+          <p:nvPr>
+            <p:ph type="title"/>
+          </p:nvPr>
+        </p:nvSpPr>
+        <p:spPr>
+          <a:xfrm>
+            <a:off x="1028700" y="1967266"/>
+            <a:ext cx="2628900" cy="2547257"/>
+          </a:xfrm>
+          <a:noFill/>
+        </p:spPr>
+        <p:txBody>
+          <a:bodyPr vert="horz" lIns="91440" tIns="45720" rIns="91440" bIns="45720" rtlCol="0" anchor="ctr">
+            <a:normAutofit/>
+          </a:bodyPr>
+          <a:lstStyle/>
+          <a:p>
+            <a:pPr algn="ctr"/>
+            <a:r>
+              <a:rPr lang="en-US" sz="3600" kern="1200">
+                <a:solidFill>
+                  <a:srgbClr val="FFFFFF"/>
+                </a:solidFill>
+                <a:latin typeface="+mj-lt"/>
+                <a:ea typeface="+mj-ea"/>
+                <a:cs typeface="+mj-cs"/>
+              </a:rPr>
+              <a:t>HDFS Federation and HA	</a:t>
+            </a:r>
+          </a:p>
+        </p:txBody>
+      </p:sp>
+      <p:pic>
+        <p:nvPicPr>
+          <p:cNvPr id="5" name="Content Placeholder 4">
+            <a:extLst>
+              <a:ext uri="{FF2B5EF4-FFF2-40B4-BE49-F238E27FC236}">
+                <a16:creationId xmlns:a16="http://schemas.microsoft.com/office/drawing/2014/main" id="{3E8DC71B-A277-6883-2553-5E66381EB05B}"/>
+              </a:ext>
+            </a:extLst>
+          </p:cNvPr>
+          <p:cNvPicPr>
+            <a:picLocks noGrp="1" noChangeAspect="1"/>
+          </p:cNvPicPr>
+          <p:nvPr>
+            <p:ph idx="1"/>
+          </p:nvPr>
+        </p:nvPicPr>
+        <p:blipFill>
+          <a:blip r:embed="rId2"/>
+          <a:stretch>
+            <a:fillRect/>
+          </a:stretch>
+        </p:blipFill>
+        <p:spPr>
+          <a:xfrm>
+            <a:off x="4777316" y="1054591"/>
+            <a:ext cx="6780700" cy="4746489"/>
+          </a:xfrm>
+          <a:prstGeom prst="rect">
+            <a:avLst/>
+          </a:prstGeom>
+        </p:spPr>
+      </p:pic>
+    </p:spTree>
+    <p:extLst>
+      <p:ext uri="{BB962C8B-B14F-4D97-AF65-F5344CB8AC3E}">
+        <p14:creationId xmlns:p14="http://schemas.microsoft.com/office/powerpoint/2010/main" val="3720707476"/>
+      </p:ext>
+    </p:extLst>
+  </p:cSld>
+  <p:clrMapOvr>
+    <a:masterClrMapping/>
+  </p:clrMapOvr>
+</p:sld>
+</file>
+
+<file path=ppt/slides/slide36.xml><?xml version="1.0" encoding="utf-8"?>
+<p:sld xmlns:a="http://schemas.openxmlformats.org/drawingml/2006/main" xmlns:r="http://schemas.openxmlformats.org/officeDocument/2006/relationships" xmlns:p="http://schemas.openxmlformats.org/presentationml/2006/main">
+  <p:cSld>
+    <p:bg>
+      <p:bgPr>
+        <a:solidFill>
+          <a:schemeClr val="bg1"/>
+        </a:solidFill>
+        <a:effectLst/>
+      </p:bgPr>
+    </p:bg>
+    <p:spTree>
+      <p:nvGrpSpPr>
+        <p:cNvPr id="1" name=""/>
+        <p:cNvGrpSpPr/>
+        <p:nvPr/>
+      </p:nvGrpSpPr>
+      <p:grpSpPr>
+        <a:xfrm>
+          <a:off x="0" y="0"/>
+          <a:ext cx="0" cy="0"/>
+          <a:chOff x="0" y="0"/>
+          <a:chExt cx="0" cy="0"/>
+        </a:xfrm>
+      </p:grpSpPr>
+      <p:sp>
+        <p:nvSpPr>
+          <p:cNvPr id="10" name="Down Arrow 7">
+            <a:extLst>
+              <a:ext uri="{FF2B5EF4-FFF2-40B4-BE49-F238E27FC236}">
+                <a16:creationId xmlns:a16="http://schemas.microsoft.com/office/drawing/2014/main" id="{D4771268-CB57-404A-9271-370EB28F6090}"/>
+              </a:ext>
+              <a:ext uri="{C183D7F6-B498-43B3-948B-1728B52AA6E4}">
+                <adec:decorative xmlns:adec="http://schemas.microsoft.com/office/drawing/2017/decorative" val="1"/>
+              </a:ext>
+            </a:extLst>
+          </p:cNvPr>
+          <p:cNvSpPr>
+            <a:spLocks noGrp="1" noRot="1" noChangeAspect="1" noMove="1" noResize="1" noEditPoints="1" noAdjustHandles="1" noChangeArrowheads="1" noChangeShapeType="1" noTextEdit="1"/>
+          </p:cNvSpPr>
+          <p:nvPr>
+            <p:extLst>
+              <p:ext uri="{386F3935-93C4-4BCD-93E2-E3B085C9AB24}">
+                <p16:designElem xmlns:p16="http://schemas.microsoft.com/office/powerpoint/2015/main" val="1"/>
+              </p:ext>
+            </p:extLst>
+          </p:nvPr>
+        </p:nvSpPr>
+        <p:spPr>
+          <a:xfrm rot="16200000">
+            <a:off x="800100" y="1491343"/>
+            <a:ext cx="3333749" cy="3499103"/>
+          </a:xfrm>
+          <a:prstGeom prst="downArrow">
+            <a:avLst>
+              <a:gd name="adj1" fmla="val 100000"/>
+              <a:gd name="adj2" fmla="val 15788"/>
+            </a:avLst>
+          </a:prstGeom>
+          <a:solidFill>
+            <a:srgbClr val="404040"/>
+          </a:solidFill>
+          <a:ln w="53975">
+            <a:noFill/>
+          </a:ln>
+        </p:spPr>
+        <p:style>
+          <a:lnRef idx="2">
+            <a:schemeClr val="accent1">
+              <a:shade val="50000"/>
+            </a:schemeClr>
+          </a:lnRef>
+          <a:fillRef idx="1">
+            <a:schemeClr val="accent1"/>
+          </a:fillRef>
+          <a:effectRef idx="0">
+            <a:schemeClr val="accent1"/>
+          </a:effectRef>
+          <a:fontRef idx="minor">
+            <a:schemeClr val="lt1"/>
+          </a:fontRef>
+        </p:style>
+        <p:txBody>
+          <a:bodyPr rtlCol="0" anchor="ctr"/>
+          <a:lstStyle/>
+          <a:p>
+            <a:pPr algn="ctr"/>
+            <a:endParaRPr lang="en-US"/>
+          </a:p>
+        </p:txBody>
+      </p:sp>
+      <p:sp>
+        <p:nvSpPr>
+          <p:cNvPr id="2" name="Title 1">
+            <a:extLst>
+              <a:ext uri="{FF2B5EF4-FFF2-40B4-BE49-F238E27FC236}">
+                <a16:creationId xmlns:a16="http://schemas.microsoft.com/office/drawing/2014/main" id="{2A0145A5-8A20-EF6A-0E2A-F87376E4C4DE}"/>
+              </a:ext>
+            </a:extLst>
+          </p:cNvPr>
+          <p:cNvSpPr>
+            <a:spLocks noGrp="1"/>
+          </p:cNvSpPr>
+          <p:nvPr>
+            <p:ph type="title"/>
+          </p:nvPr>
+        </p:nvSpPr>
+        <p:spPr>
+          <a:xfrm>
+            <a:off x="1028700" y="1967266"/>
+            <a:ext cx="2628900" cy="2547257"/>
+          </a:xfrm>
+          <a:noFill/>
+        </p:spPr>
+        <p:txBody>
+          <a:bodyPr vert="horz" lIns="91440" tIns="45720" rIns="91440" bIns="45720" rtlCol="0" anchor="ctr">
+            <a:normAutofit/>
+          </a:bodyPr>
+          <a:lstStyle/>
+          <a:p>
+            <a:pPr algn="ctr"/>
+            <a:r>
+              <a:rPr lang="en-US" sz="3600" kern="1200">
+                <a:solidFill>
+                  <a:srgbClr val="FFFFFF"/>
+                </a:solidFill>
+                <a:latin typeface="+mj-lt"/>
+                <a:ea typeface="+mj-ea"/>
+                <a:cs typeface="+mj-cs"/>
+              </a:rPr>
+              <a:t>HDFS High Availability </a:t>
+            </a:r>
+          </a:p>
+        </p:txBody>
+      </p:sp>
+      <p:pic>
+        <p:nvPicPr>
+          <p:cNvPr id="5" name="Content Placeholder 4">
+            <a:extLst>
+              <a:ext uri="{FF2B5EF4-FFF2-40B4-BE49-F238E27FC236}">
+                <a16:creationId xmlns:a16="http://schemas.microsoft.com/office/drawing/2014/main" id="{D5642164-AA57-EAA6-C989-55B7ADF7A51A}"/>
+              </a:ext>
+            </a:extLst>
+          </p:cNvPr>
+          <p:cNvPicPr>
+            <a:picLocks noGrp="1" noChangeAspect="1"/>
+          </p:cNvPicPr>
+          <p:nvPr>
+            <p:ph idx="1"/>
+          </p:nvPr>
+        </p:nvPicPr>
+        <p:blipFill>
+          <a:blip r:embed="rId2"/>
+          <a:stretch>
+            <a:fillRect/>
+          </a:stretch>
+        </p:blipFill>
+        <p:spPr>
+          <a:xfrm>
+            <a:off x="4777316" y="1308867"/>
+            <a:ext cx="6780700" cy="4237936"/>
+          </a:xfrm>
+          <a:prstGeom prst="rect">
+            <a:avLst/>
+          </a:prstGeom>
+        </p:spPr>
+      </p:pic>
+    </p:spTree>
+    <p:extLst>
+      <p:ext uri="{BB962C8B-B14F-4D97-AF65-F5344CB8AC3E}">
+        <p14:creationId xmlns:p14="http://schemas.microsoft.com/office/powerpoint/2010/main" val="377826428"/>
+      </p:ext>
+    </p:extLst>
+  </p:cSld>
+  <p:clrMapOvr>
+    <a:masterClrMapping/>
+  </p:clrMapOvr>
+</p:sld>
+</file>
+
+<file path=ppt/slides/slide37.xml><?xml version="1.0" encoding="utf-8"?>
+<p:sld xmlns:a="http://schemas.openxmlformats.org/drawingml/2006/main" xmlns:r="http://schemas.openxmlformats.org/officeDocument/2006/relationships" xmlns:p="http://schemas.openxmlformats.org/presentationml/2006/main">
+  <p:cSld>
+    <p:spTree>
+      <p:nvGrpSpPr>
+        <p:cNvPr id="1" name=""/>
+        <p:cNvGrpSpPr/>
+        <p:nvPr/>
+      </p:nvGrpSpPr>
+      <p:grpSpPr>
+        <a:xfrm>
+          <a:off x="0" y="0"/>
+          <a:ext cx="0" cy="0"/>
+          <a:chOff x="0" y="0"/>
+          <a:chExt cx="0" cy="0"/>
+        </a:xfrm>
+      </p:grpSpPr>
+      <p:pic>
+        <p:nvPicPr>
+          <p:cNvPr id="5" name="Content Placeholder 4">
+            <a:extLst>
+              <a:ext uri="{FF2B5EF4-FFF2-40B4-BE49-F238E27FC236}">
+                <a16:creationId xmlns:a16="http://schemas.microsoft.com/office/drawing/2014/main" id="{C1A48D86-C694-178D-9C9D-D533B3A28F77}"/>
+              </a:ext>
+            </a:extLst>
+          </p:cNvPr>
+          <p:cNvPicPr>
+            <a:picLocks noGrp="1" noChangeAspect="1"/>
+          </p:cNvPicPr>
+          <p:nvPr>
+            <p:ph idx="1"/>
+          </p:nvPr>
+        </p:nvPicPr>
+        <p:blipFill>
+          <a:blip r:embed="rId2"/>
+          <a:stretch>
+            <a:fillRect/>
+          </a:stretch>
+        </p:blipFill>
+        <p:spPr>
+          <a:xfrm>
+            <a:off x="1653286" y="891540"/>
+            <a:ext cx="8935876" cy="5071110"/>
+          </a:xfrm>
+          <a:prstGeom prst="rect">
+            <a:avLst/>
+          </a:prstGeom>
+        </p:spPr>
+      </p:pic>
+    </p:spTree>
+    <p:extLst>
+      <p:ext uri="{BB962C8B-B14F-4D97-AF65-F5344CB8AC3E}">
+        <p14:creationId xmlns:p14="http://schemas.microsoft.com/office/powerpoint/2010/main" val="3907910504"/>
+      </p:ext>
+    </p:extLst>
+  </p:cSld>
+  <p:clrMapOvr>
+    <a:masterClrMapping/>
+  </p:clrMapOvr>
+</p:sld>
+</file>
+
+<file path=ppt/slides/slide38.xml><?xml version="1.0" encoding="utf-8"?>
+<p:sld xmlns:a="http://schemas.openxmlformats.org/drawingml/2006/main" xmlns:r="http://schemas.openxmlformats.org/officeDocument/2006/relationships" xmlns:p="http://schemas.openxmlformats.org/presentationml/2006/main">
+  <p:cSld>
+    <p:spTree>
+      <p:nvGrpSpPr>
+        <p:cNvPr id="1" name=""/>
+        <p:cNvGrpSpPr/>
+        <p:nvPr/>
+      </p:nvGrpSpPr>
+      <p:grpSpPr>
+        <a:xfrm>
+          <a:off x="0" y="0"/>
+          <a:ext cx="0" cy="0"/>
+          <a:chOff x="0" y="0"/>
+          <a:chExt cx="0" cy="0"/>
+        </a:xfrm>
+      </p:grpSpPr>
+      <p:sp>
+        <p:nvSpPr>
+          <p:cNvPr id="2" name="Title 1">
+            <a:extLst>
+              <a:ext uri="{FF2B5EF4-FFF2-40B4-BE49-F238E27FC236}">
+                <a16:creationId xmlns:a16="http://schemas.microsoft.com/office/drawing/2014/main" id="{D32CB3FE-7771-AA3A-59F2-8099C696D99C}"/>
+              </a:ext>
+            </a:extLst>
+          </p:cNvPr>
+          <p:cNvSpPr>
+            <a:spLocks noGrp="1"/>
+          </p:cNvSpPr>
+          <p:nvPr>
+            <p:ph type="title"/>
+          </p:nvPr>
+        </p:nvSpPr>
+        <p:spPr/>
+        <p:txBody>
+          <a:bodyPr/>
+          <a:lstStyle/>
+          <a:p>
+            <a:r>
+              <a:rPr lang="en-IN" dirty="0"/>
+              <a:t>MapReduce Partitioners and Combiners</a:t>
+            </a:r>
+          </a:p>
+        </p:txBody>
+      </p:sp>
+      <p:sp>
+        <p:nvSpPr>
+          <p:cNvPr id="3" name="Content Placeholder 2">
+            <a:extLst>
+              <a:ext uri="{FF2B5EF4-FFF2-40B4-BE49-F238E27FC236}">
+                <a16:creationId xmlns:a16="http://schemas.microsoft.com/office/drawing/2014/main" id="{F5F201B7-2E41-F44E-A7C8-ED9354C0705B}"/>
+              </a:ext>
+            </a:extLst>
+          </p:cNvPr>
+          <p:cNvSpPr>
+            <a:spLocks noGrp="1"/>
+          </p:cNvSpPr>
+          <p:nvPr>
+            <p:ph idx="1"/>
+          </p:nvPr>
+        </p:nvSpPr>
+        <p:spPr/>
+        <p:txBody>
+          <a:bodyPr>
+            <a:normAutofit fontScale="77500" lnSpcReduction="20000"/>
+          </a:bodyPr>
+          <a:lstStyle/>
+          <a:p>
+            <a:pPr algn="l" fontAlgn="base"/>
+            <a:r>
+              <a:rPr lang="en-IN" b="0" i="0" dirty="0">
+                <a:solidFill>
+                  <a:srgbClr val="444444"/>
+                </a:solidFill>
+                <a:effectLst/>
+                <a:latin typeface="Source Sans Pro" panose="020B0503030403020204" pitchFamily="34" charset="0"/>
+              </a:rPr>
+              <a:t>The sequence of execution of the mentioned components happens in the below order:</a:t>
+            </a:r>
+            <a:br>
+              <a:rPr lang="en-IN" b="0" i="0" dirty="0">
+                <a:solidFill>
+                  <a:srgbClr val="444444"/>
+                </a:solidFill>
+                <a:effectLst/>
+                <a:latin typeface="Source Sans Pro" panose="020B0503030403020204" pitchFamily="34" charset="0"/>
+              </a:rPr>
+            </a:br>
+            <a:r>
+              <a:rPr lang="en-IN" b="0" i="0" dirty="0">
+                <a:solidFill>
+                  <a:srgbClr val="444444"/>
+                </a:solidFill>
+                <a:effectLst/>
+                <a:latin typeface="Source Sans Pro" panose="020B0503030403020204" pitchFamily="34" charset="0"/>
+              </a:rPr>
+              <a:t>Mapper -&gt; Combiner -&gt; Partitioner</a:t>
+            </a:r>
+            <a:br>
+              <a:rPr lang="en-IN" b="0" i="0" dirty="0">
+                <a:solidFill>
+                  <a:srgbClr val="444444"/>
+                </a:solidFill>
+                <a:effectLst/>
+                <a:latin typeface="Source Sans Pro" panose="020B0503030403020204" pitchFamily="34" charset="0"/>
+              </a:rPr>
+            </a:br>
+            <a:r>
+              <a:rPr lang="en-IN" b="0" i="0" dirty="0">
+                <a:solidFill>
+                  <a:srgbClr val="444444"/>
+                </a:solidFill>
+                <a:effectLst/>
+                <a:latin typeface="Source Sans Pro" panose="020B0503030403020204" pitchFamily="34" charset="0"/>
+              </a:rPr>
+              <a:t>Mapper : The Input data is initially processed by all the Mappers/Map jobs and the intermediate output is created.</a:t>
+            </a:r>
+          </a:p>
+          <a:p>
+            <a:pPr algn="l" fontAlgn="base"/>
+            <a:r>
+              <a:rPr lang="en-IN" b="0" i="0" dirty="0">
+                <a:solidFill>
+                  <a:srgbClr val="444444"/>
+                </a:solidFill>
+                <a:effectLst/>
+                <a:latin typeface="Source Sans Pro" panose="020B0503030403020204" pitchFamily="34" charset="0"/>
+              </a:rPr>
+              <a:t>Combiner : All the intermediate outputs are optimized by local aggregation before the shuffle/sort phase by the Combiner. The primary goal of Combiners is to save as much bandwidth as possible by minimizing the number of key/value pairs that will be shuffled across the network and provided as input to the Reducer.</a:t>
+            </a:r>
+          </a:p>
+          <a:p>
+            <a:pPr algn="l" fontAlgn="base"/>
+            <a:r>
+              <a:rPr lang="en-IN" b="0" i="0" dirty="0">
+                <a:solidFill>
+                  <a:srgbClr val="444444"/>
+                </a:solidFill>
+                <a:effectLst/>
+                <a:latin typeface="Source Sans Pro" panose="020B0503030403020204" pitchFamily="34" charset="0"/>
+              </a:rPr>
+              <a:t>Partitioner : In Hadoop, partitioning of the keys of the intermediate map output is controlled by Partitioner. Hash function, is used to derive partition. On the basis of key-value pair each map output is partitioned. Record having same key value goes into the same partition (within each mapper), and then each partition is sent to a Reducer. Partition phase takes place in between mapper and reducer.</a:t>
+            </a:r>
+            <a:br>
+              <a:rPr lang="en-IN" b="0" i="0" dirty="0">
+                <a:solidFill>
+                  <a:srgbClr val="444444"/>
+                </a:solidFill>
+                <a:effectLst/>
+                <a:latin typeface="Source Sans Pro" panose="020B0503030403020204" pitchFamily="34" charset="0"/>
+              </a:rPr>
+            </a:br>
+            <a:r>
+              <a:rPr lang="en-IN" b="0" i="0" dirty="0">
+                <a:solidFill>
+                  <a:srgbClr val="444444"/>
+                </a:solidFill>
+                <a:effectLst/>
+                <a:latin typeface="Source Sans Pro" panose="020B0503030403020204" pitchFamily="34" charset="0"/>
+              </a:rPr>
+              <a:t>Default Partitioner (Hash Partitioner) computes a hash value for the key and assigns the partition based on this result</a:t>
+            </a:r>
+          </a:p>
+          <a:p>
+            <a:endParaRPr lang="en-IN" dirty="0"/>
+          </a:p>
+        </p:txBody>
+      </p:sp>
+    </p:spTree>
+    <p:extLst>
+      <p:ext uri="{BB962C8B-B14F-4D97-AF65-F5344CB8AC3E}">
+        <p14:creationId xmlns:p14="http://schemas.microsoft.com/office/powerpoint/2010/main" val="4023059102"/>
+      </p:ext>
+    </p:extLst>
+  </p:cSld>
+  <p:clrMapOvr>
+    <a:masterClrMapping/>
+  </p:clrMapOvr>
+</p:sld>
+</file>
+
+<file path=ppt/slides/slide39.xml><?xml version="1.0" encoding="utf-8"?>
+<p:sld xmlns:a="http://schemas.openxmlformats.org/drawingml/2006/main" xmlns:r="http://schemas.openxmlformats.org/officeDocument/2006/relationships" xmlns:p="http://schemas.openxmlformats.org/presentationml/2006/main">
+  <p:cSld>
+    <p:spTree>
+      <p:nvGrpSpPr>
+        <p:cNvPr id="1" name=""/>
+        <p:cNvGrpSpPr/>
+        <p:nvPr/>
+      </p:nvGrpSpPr>
+      <p:grpSpPr>
+        <a:xfrm>
+          <a:off x="0" y="0"/>
+          <a:ext cx="0" cy="0"/>
+          <a:chOff x="0" y="0"/>
+          <a:chExt cx="0" cy="0"/>
+        </a:xfrm>
+      </p:grpSpPr>
+      <p:sp>
+        <p:nvSpPr>
+          <p:cNvPr id="2" name="Title 1">
+            <a:extLst>
+              <a:ext uri="{FF2B5EF4-FFF2-40B4-BE49-F238E27FC236}">
+                <a16:creationId xmlns:a16="http://schemas.microsoft.com/office/drawing/2014/main" id="{2B7DCD20-1CD8-17DE-1D0A-F530B83B198F}"/>
+              </a:ext>
+            </a:extLst>
+          </p:cNvPr>
+          <p:cNvSpPr>
+            <a:spLocks noGrp="1"/>
+          </p:cNvSpPr>
+          <p:nvPr>
+            <p:ph type="title"/>
+          </p:nvPr>
+        </p:nvSpPr>
+        <p:spPr/>
+        <p:txBody>
+          <a:bodyPr/>
+          <a:lstStyle/>
+          <a:p>
+            <a:r>
+              <a:rPr lang="en-IN" dirty="0"/>
+              <a:t>Apache Hive Managed and External table</a:t>
+            </a:r>
+          </a:p>
+        </p:txBody>
+      </p:sp>
+      <p:sp>
+        <p:nvSpPr>
+          <p:cNvPr id="3" name="Content Placeholder 2">
+            <a:extLst>
+              <a:ext uri="{FF2B5EF4-FFF2-40B4-BE49-F238E27FC236}">
+                <a16:creationId xmlns:a16="http://schemas.microsoft.com/office/drawing/2014/main" id="{90766CC9-ADAB-1BC2-477E-8010D5A47B20}"/>
+              </a:ext>
+            </a:extLst>
+          </p:cNvPr>
+          <p:cNvSpPr>
+            <a:spLocks noGrp="1"/>
+          </p:cNvSpPr>
+          <p:nvPr>
+            <p:ph idx="1"/>
+          </p:nvPr>
+        </p:nvSpPr>
+        <p:spPr/>
+        <p:txBody>
+          <a:bodyPr/>
+          <a:lstStyle/>
+          <a:p>
+            <a:r>
+              <a:rPr lang="en-IN" b="1" i="0" dirty="0">
+                <a:solidFill>
+                  <a:srgbClr val="202124"/>
+                </a:solidFill>
+                <a:effectLst/>
+                <a:latin typeface="arial" panose="020B0604020202020204" pitchFamily="34" charset="0"/>
+              </a:rPr>
+              <a:t>Managed tables are Hive owned tables where the entire lifecycle of the tables' data are managed and controlled by Hive.</a:t>
+            </a:r>
+            <a:r>
+              <a:rPr lang="en-IN" b="0" i="0" dirty="0">
+                <a:solidFill>
+                  <a:srgbClr val="202124"/>
+                </a:solidFill>
+                <a:effectLst/>
+                <a:latin typeface="arial" panose="020B0604020202020204" pitchFamily="34" charset="0"/>
+              </a:rPr>
+              <a:t> </a:t>
+            </a:r>
+          </a:p>
+          <a:p>
+            <a:endParaRPr lang="en-IN" dirty="0">
+              <a:solidFill>
+                <a:srgbClr val="202124"/>
+              </a:solidFill>
+              <a:latin typeface="arial" panose="020B0604020202020204" pitchFamily="34" charset="0"/>
+            </a:endParaRPr>
+          </a:p>
+          <a:p>
+            <a:r>
+              <a:rPr lang="en-IN" b="1" i="0" dirty="0">
+                <a:solidFill>
+                  <a:srgbClr val="202124"/>
+                </a:solidFill>
+                <a:effectLst/>
+                <a:latin typeface="arial" panose="020B0604020202020204" pitchFamily="34" charset="0"/>
+              </a:rPr>
+              <a:t>External tables are tables where Hive has loose coupling with the data</a:t>
+            </a:r>
+            <a:r>
+              <a:rPr lang="en-IN" b="0" i="0" dirty="0">
+                <a:solidFill>
+                  <a:srgbClr val="202124"/>
+                </a:solidFill>
+                <a:effectLst/>
+                <a:latin typeface="arial" panose="020B0604020202020204" pitchFamily="34" charset="0"/>
+              </a:rPr>
+              <a:t>. All the write operations to the Managed tables are performed using Hive SQL commands.</a:t>
+            </a:r>
+            <a:endParaRPr lang="en-IN" dirty="0"/>
+          </a:p>
+        </p:txBody>
+      </p:sp>
+    </p:spTree>
+    <p:extLst>
+      <p:ext uri="{BB962C8B-B14F-4D97-AF65-F5344CB8AC3E}">
+        <p14:creationId xmlns:p14="http://schemas.microsoft.com/office/powerpoint/2010/main" val="2634915435"/>
+      </p:ext>
+    </p:extLst>
+  </p:cSld>
+  <p:clrMapOvr>
+    <a:masterClrMapping/>
+  </p:clrMapOvr>
+</p:sld>
+</file>
+
 <file path=ppt/slides/slide4.xml><?xml version="1.0" encoding="utf-8"?>
 <p:sld xmlns:a="http://schemas.openxmlformats.org/drawingml/2006/main" xmlns:r="http://schemas.openxmlformats.org/officeDocument/2006/relationships" xmlns:p="http://schemas.openxmlformats.org/presentationml/2006/main">
   <p:cSld>
@@ -10682,6 +12561,6722 @@
     <p:extLst>
       <p:ext uri="{BB962C8B-B14F-4D97-AF65-F5344CB8AC3E}">
         <p14:creationId xmlns:p14="http://schemas.microsoft.com/office/powerpoint/2010/main" val="3635165124"/>
+      </p:ext>
+    </p:extLst>
+  </p:cSld>
+  <p:clrMapOvr>
+    <a:masterClrMapping/>
+  </p:clrMapOvr>
+</p:sld>
+</file>
+
+<file path=ppt/slides/slide40.xml><?xml version="1.0" encoding="utf-8"?>
+<p:sld xmlns:a="http://schemas.openxmlformats.org/drawingml/2006/main" xmlns:r="http://schemas.openxmlformats.org/officeDocument/2006/relationships" xmlns:p="http://schemas.openxmlformats.org/presentationml/2006/main">
+  <p:cSld>
+    <p:bg>
+      <p:bgPr>
+        <a:solidFill>
+          <a:schemeClr val="bg1"/>
+        </a:solidFill>
+        <a:effectLst/>
+      </p:bgPr>
+    </p:bg>
+    <p:spTree>
+      <p:nvGrpSpPr>
+        <p:cNvPr id="1" name=""/>
+        <p:cNvGrpSpPr/>
+        <p:nvPr/>
+      </p:nvGrpSpPr>
+      <p:grpSpPr>
+        <a:xfrm>
+          <a:off x="0" y="0"/>
+          <a:ext cx="0" cy="0"/>
+          <a:chOff x="0" y="0"/>
+          <a:chExt cx="0" cy="0"/>
+        </a:xfrm>
+      </p:grpSpPr>
+      <p:sp useBgFill="1">
+        <p:nvSpPr>
+          <p:cNvPr id="10" name="Rectangle 9">
+            <a:extLst>
+              <a:ext uri="{FF2B5EF4-FFF2-40B4-BE49-F238E27FC236}">
+                <a16:creationId xmlns:a16="http://schemas.microsoft.com/office/drawing/2014/main" id="{058A14AF-9FB5-4CC7-BA35-E8E85D3EDF0E}"/>
+              </a:ext>
+              <a:ext uri="{C183D7F6-B498-43B3-948B-1728B52AA6E4}">
+                <adec:decorative xmlns:adec="http://schemas.microsoft.com/office/drawing/2017/decorative" val="1"/>
+              </a:ext>
+            </a:extLst>
+          </p:cNvPr>
+          <p:cNvSpPr>
+            <a:spLocks noGrp="1" noRot="1" noChangeAspect="1" noMove="1" noResize="1" noEditPoints="1" noAdjustHandles="1" noChangeArrowheads="1" noChangeShapeType="1" noTextEdit="1"/>
+          </p:cNvSpPr>
+          <p:nvPr>
+            <p:extLst>
+              <p:ext uri="{386F3935-93C4-4BCD-93E2-E3B085C9AB24}">
+                <p16:designElem xmlns:p16="http://schemas.microsoft.com/office/powerpoint/2015/main" val="1"/>
+              </p:ext>
+            </p:extLst>
+          </p:nvPr>
+        </p:nvSpPr>
+        <p:spPr>
+          <a:xfrm>
+            <a:off x="0" y="0"/>
+            <a:ext cx="12191999" cy="6857365"/>
+          </a:xfrm>
+          <a:prstGeom prst="rect">
+            <a:avLst/>
+          </a:prstGeom>
+          <a:ln>
+            <a:noFill/>
+          </a:ln>
+        </p:spPr>
+        <p:style>
+          <a:lnRef idx="2">
+            <a:schemeClr val="accent1">
+              <a:shade val="50000"/>
+            </a:schemeClr>
+          </a:lnRef>
+          <a:fillRef idx="1">
+            <a:schemeClr val="accent1"/>
+          </a:fillRef>
+          <a:effectRef idx="0">
+            <a:schemeClr val="accent1"/>
+          </a:effectRef>
+          <a:fontRef idx="minor">
+            <a:schemeClr val="lt1"/>
+          </a:fontRef>
+        </p:style>
+        <p:txBody>
+          <a:bodyPr rtlCol="0" anchor="ctr"/>
+          <a:lstStyle/>
+          <a:p>
+            <a:pPr algn="ctr"/>
+            <a:endParaRPr lang="en-US"/>
+          </a:p>
+        </p:txBody>
+      </p:sp>
+      <p:sp>
+        <p:nvSpPr>
+          <p:cNvPr id="2" name="Title 1">
+            <a:extLst>
+              <a:ext uri="{FF2B5EF4-FFF2-40B4-BE49-F238E27FC236}">
+                <a16:creationId xmlns:a16="http://schemas.microsoft.com/office/drawing/2014/main" id="{9189B644-6038-F45B-B097-F99FB6E8C3D3}"/>
+              </a:ext>
+            </a:extLst>
+          </p:cNvPr>
+          <p:cNvSpPr>
+            <a:spLocks noGrp="1"/>
+          </p:cNvSpPr>
+          <p:nvPr>
+            <p:ph type="title"/>
+          </p:nvPr>
+        </p:nvSpPr>
+        <p:spPr>
+          <a:xfrm>
+            <a:off x="793662" y="386930"/>
+            <a:ext cx="10066122" cy="1298448"/>
+          </a:xfrm>
+        </p:spPr>
+        <p:txBody>
+          <a:bodyPr anchor="b">
+            <a:normAutofit/>
+          </a:bodyPr>
+          <a:lstStyle/>
+          <a:p>
+            <a:r>
+              <a:rPr lang="en-IN" sz="4800"/>
+              <a:t>Hive Partitioning and Bucketing</a:t>
+            </a:r>
+          </a:p>
+        </p:txBody>
+      </p:sp>
+      <p:sp>
+        <p:nvSpPr>
+          <p:cNvPr id="12" name="Rectangle 11">
+            <a:extLst>
+              <a:ext uri="{FF2B5EF4-FFF2-40B4-BE49-F238E27FC236}">
+                <a16:creationId xmlns:a16="http://schemas.microsoft.com/office/drawing/2014/main" id="{3A9A4357-BD1D-4622-A4FE-766E6AB8DE84}"/>
+              </a:ext>
+              <a:ext uri="{C183D7F6-B498-43B3-948B-1728B52AA6E4}">
+                <adec:decorative xmlns:adec="http://schemas.microsoft.com/office/drawing/2017/decorative" val="1"/>
+              </a:ext>
+            </a:extLst>
+          </p:cNvPr>
+          <p:cNvSpPr>
+            <a:spLocks noGrp="1" noRot="1" noChangeAspect="1" noMove="1" noResize="1" noEditPoints="1" noAdjustHandles="1" noChangeArrowheads="1" noChangeShapeType="1" noTextEdit="1"/>
+          </p:cNvSpPr>
+          <p:nvPr>
+            <p:extLst>
+              <p:ext uri="{386F3935-93C4-4BCD-93E2-E3B085C9AB24}">
+                <p16:designElem xmlns:p16="http://schemas.microsoft.com/office/powerpoint/2015/main" val="1"/>
+              </p:ext>
+            </p:extLst>
+          </p:nvPr>
+        </p:nvSpPr>
+        <p:spPr>
+          <a:xfrm flipH="1" flipV="1">
+            <a:off x="-2" y="1998845"/>
+            <a:ext cx="11454595" cy="781699"/>
+          </a:xfrm>
+          <a:prstGeom prst="rect">
+            <a:avLst/>
+          </a:prstGeom>
+          <a:solidFill>
+            <a:schemeClr val="accent4"/>
+          </a:solidFill>
+          <a:ln>
+            <a:noFill/>
+          </a:ln>
+        </p:spPr>
+        <p:style>
+          <a:lnRef idx="2">
+            <a:schemeClr val="accent1">
+              <a:shade val="50000"/>
+            </a:schemeClr>
+          </a:lnRef>
+          <a:fillRef idx="1">
+            <a:schemeClr val="accent1"/>
+          </a:fillRef>
+          <a:effectRef idx="0">
+            <a:schemeClr val="accent1"/>
+          </a:effectRef>
+          <a:fontRef idx="minor">
+            <a:schemeClr val="lt1"/>
+          </a:fontRef>
+        </p:style>
+        <p:txBody>
+          <a:bodyPr rtlCol="0" anchor="ctr"/>
+          <a:lstStyle/>
+          <a:p>
+            <a:pPr algn="ctr"/>
+            <a:endParaRPr lang="en-US"/>
+          </a:p>
+        </p:txBody>
+      </p:sp>
+      <p:sp>
+        <p:nvSpPr>
+          <p:cNvPr id="14" name="Rectangle 13">
+            <a:extLst>
+              <a:ext uri="{FF2B5EF4-FFF2-40B4-BE49-F238E27FC236}">
+                <a16:creationId xmlns:a16="http://schemas.microsoft.com/office/drawing/2014/main" id="{E659831F-0D9A-4C63-9EBB-8435B85A440F}"/>
+              </a:ext>
+              <a:ext uri="{C183D7F6-B498-43B3-948B-1728B52AA6E4}">
+                <adec:decorative xmlns:adec="http://schemas.microsoft.com/office/drawing/2017/decorative" val="1"/>
+              </a:ext>
+            </a:extLst>
+          </p:cNvPr>
+          <p:cNvSpPr>
+            <a:spLocks noGrp="1" noRot="1" noChangeAspect="1" noMove="1" noResize="1" noEditPoints="1" noAdjustHandles="1" noChangeArrowheads="1" noChangeShapeType="1" noTextEdit="1"/>
+          </p:cNvSpPr>
+          <p:nvPr>
+            <p:extLst>
+              <p:ext uri="{386F3935-93C4-4BCD-93E2-E3B085C9AB24}">
+                <p16:designElem xmlns:p16="http://schemas.microsoft.com/office/powerpoint/2015/main" val="1"/>
+              </p:ext>
+            </p:extLst>
+          </p:nvPr>
+        </p:nvSpPr>
+        <p:spPr>
+          <a:xfrm>
+            <a:off x="0" y="2203079"/>
+            <a:ext cx="11383362" cy="4267991"/>
+          </a:xfrm>
+          <a:prstGeom prst="rect">
+            <a:avLst/>
+          </a:prstGeom>
+          <a:solidFill>
+            <a:schemeClr val="bg1"/>
+          </a:solidFill>
+          <a:ln>
+            <a:noFill/>
+          </a:ln>
+          <a:effectLst>
+            <a:outerShdw blurRad="139700" dist="127000" dir="5400000" algn="t" rotWithShape="0">
+              <a:prstClr val="black">
+                <a:alpha val="15000"/>
+              </a:prstClr>
+            </a:outerShdw>
+          </a:effectLst>
+        </p:spPr>
+        <p:style>
+          <a:lnRef idx="2">
+            <a:schemeClr val="accent1">
+              <a:shade val="50000"/>
+            </a:schemeClr>
+          </a:lnRef>
+          <a:fillRef idx="1">
+            <a:schemeClr val="accent1"/>
+          </a:fillRef>
+          <a:effectRef idx="0">
+            <a:schemeClr val="accent1"/>
+          </a:effectRef>
+          <a:fontRef idx="minor">
+            <a:schemeClr val="lt1"/>
+          </a:fontRef>
+        </p:style>
+        <p:txBody>
+          <a:bodyPr rtlCol="0" anchor="ctr"/>
+          <a:lstStyle/>
+          <a:p>
+            <a:pPr algn="ctr"/>
+            <a:endParaRPr lang="en-US"/>
+          </a:p>
+        </p:txBody>
+      </p:sp>
+      <p:sp>
+        <p:nvSpPr>
+          <p:cNvPr id="3" name="Content Placeholder 2">
+            <a:extLst>
+              <a:ext uri="{FF2B5EF4-FFF2-40B4-BE49-F238E27FC236}">
+                <a16:creationId xmlns:a16="http://schemas.microsoft.com/office/drawing/2014/main" id="{4100E390-0D1F-562D-5683-E3A6D21B2520}"/>
+              </a:ext>
+            </a:extLst>
+          </p:cNvPr>
+          <p:cNvSpPr>
+            <a:spLocks noGrp="1"/>
+          </p:cNvSpPr>
+          <p:nvPr>
+            <p:ph idx="1"/>
+          </p:nvPr>
+        </p:nvSpPr>
+        <p:spPr>
+          <a:xfrm>
+            <a:off x="793661" y="2599509"/>
+            <a:ext cx="4530898" cy="3639450"/>
+          </a:xfrm>
+        </p:spPr>
+        <p:txBody>
+          <a:bodyPr anchor="ctr">
+            <a:normAutofit/>
+          </a:bodyPr>
+          <a:lstStyle/>
+          <a:p>
+            <a:r>
+              <a:rPr lang="en-IN" sz="2000" b="1" i="0">
+                <a:effectLst/>
+                <a:latin typeface="Georgia" panose="02040502050405020303" pitchFamily="18" charset="0"/>
+              </a:rPr>
+              <a:t>Apache Hive</a:t>
+            </a:r>
+            <a:r>
+              <a:rPr lang="en-IN" sz="2000" b="0" i="0">
+                <a:effectLst/>
+                <a:latin typeface="Georgia" panose="02040502050405020303" pitchFamily="18" charset="0"/>
+              </a:rPr>
+              <a:t> is an open source data warehouse system used for querying and analysing large datasets. Data in Apache Hive can be categorized into </a:t>
+            </a:r>
+            <a:r>
+              <a:rPr lang="en-IN" sz="2000" b="1" i="0">
+                <a:effectLst/>
+                <a:latin typeface="Georgia" panose="02040502050405020303" pitchFamily="18" charset="0"/>
+              </a:rPr>
+              <a:t>Table, Partition, and Bucket</a:t>
+            </a:r>
+            <a:r>
+              <a:rPr lang="en-IN" sz="2000" b="0" i="0">
+                <a:effectLst/>
+                <a:latin typeface="Georgia" panose="02040502050405020303" pitchFamily="18" charset="0"/>
+              </a:rPr>
+              <a:t>. </a:t>
+            </a:r>
+          </a:p>
+          <a:p>
+            <a:r>
+              <a:rPr lang="en-IN" sz="2000" b="0" i="0">
+                <a:effectLst/>
+                <a:latin typeface="Georgia" panose="02040502050405020303" pitchFamily="18" charset="0"/>
+              </a:rPr>
+              <a:t>The table in Hive is logically made up of the data being stored.</a:t>
+            </a:r>
+            <a:endParaRPr lang="en-IN" sz="2000"/>
+          </a:p>
+        </p:txBody>
+      </p:sp>
+      <p:pic>
+        <p:nvPicPr>
+          <p:cNvPr id="5" name="Picture 4">
+            <a:extLst>
+              <a:ext uri="{FF2B5EF4-FFF2-40B4-BE49-F238E27FC236}">
+                <a16:creationId xmlns:a16="http://schemas.microsoft.com/office/drawing/2014/main" id="{2455AA74-B0B6-0B89-0440-EAA24697814B}"/>
+              </a:ext>
+            </a:extLst>
+          </p:cNvPr>
+          <p:cNvPicPr>
+            <a:picLocks noChangeAspect="1"/>
+          </p:cNvPicPr>
+          <p:nvPr/>
+        </p:nvPicPr>
+        <p:blipFill>
+          <a:blip r:embed="rId2"/>
+          <a:stretch>
+            <a:fillRect/>
+          </a:stretch>
+        </p:blipFill>
+        <p:spPr>
+          <a:xfrm>
+            <a:off x="5911532" y="3073121"/>
+            <a:ext cx="5150277" cy="2536511"/>
+          </a:xfrm>
+          <a:prstGeom prst="rect">
+            <a:avLst/>
+          </a:prstGeom>
+        </p:spPr>
+      </p:pic>
+      <p:sp>
+        <p:nvSpPr>
+          <p:cNvPr id="16" name="Rectangle 15">
+            <a:extLst>
+              <a:ext uri="{FF2B5EF4-FFF2-40B4-BE49-F238E27FC236}">
+                <a16:creationId xmlns:a16="http://schemas.microsoft.com/office/drawing/2014/main" id="{E6995CE5-F890-4ABA-82A2-26507CE8D2A3}"/>
+              </a:ext>
+              <a:ext uri="{C183D7F6-B498-43B3-948B-1728B52AA6E4}">
+                <adec:decorative xmlns:adec="http://schemas.microsoft.com/office/drawing/2017/decorative" val="1"/>
+              </a:ext>
+            </a:extLst>
+          </p:cNvPr>
+          <p:cNvSpPr>
+            <a:spLocks noGrp="1" noRot="1" noChangeAspect="1" noMove="1" noResize="1" noEditPoints="1" noAdjustHandles="1" noChangeArrowheads="1" noChangeShapeType="1" noTextEdit="1"/>
+          </p:cNvSpPr>
+          <p:nvPr>
+            <p:extLst>
+              <p:ext uri="{386F3935-93C4-4BCD-93E2-E3B085C9AB24}">
+                <p16:designElem xmlns:p16="http://schemas.microsoft.com/office/powerpoint/2015/main" val="1"/>
+              </p:ext>
+            </p:extLst>
+          </p:nvPr>
+        </p:nvSpPr>
+        <p:spPr>
+          <a:xfrm rot="5400000">
+            <a:off x="11228040" y="2313027"/>
+            <a:ext cx="781700" cy="152382"/>
+          </a:xfrm>
+          <a:prstGeom prst="rect">
+            <a:avLst/>
+          </a:prstGeom>
+          <a:solidFill>
+            <a:schemeClr val="accent4"/>
+          </a:solidFill>
+          <a:ln>
+            <a:noFill/>
+          </a:ln>
+        </p:spPr>
+        <p:style>
+          <a:lnRef idx="2">
+            <a:schemeClr val="accent1">
+              <a:shade val="50000"/>
+            </a:schemeClr>
+          </a:lnRef>
+          <a:fillRef idx="1">
+            <a:schemeClr val="accent1"/>
+          </a:fillRef>
+          <a:effectRef idx="0">
+            <a:schemeClr val="accent1"/>
+          </a:effectRef>
+          <a:fontRef idx="minor">
+            <a:schemeClr val="lt1"/>
+          </a:fontRef>
+        </p:style>
+        <p:txBody>
+          <a:bodyPr rtlCol="0" anchor="ctr"/>
+          <a:lstStyle/>
+          <a:p>
+            <a:pPr algn="ctr"/>
+            <a:endParaRPr lang="en-US"/>
+          </a:p>
+        </p:txBody>
+      </p:sp>
+    </p:spTree>
+    <p:extLst>
+      <p:ext uri="{BB962C8B-B14F-4D97-AF65-F5344CB8AC3E}">
+        <p14:creationId xmlns:p14="http://schemas.microsoft.com/office/powerpoint/2010/main" val="1960627641"/>
+      </p:ext>
+    </p:extLst>
+  </p:cSld>
+  <p:clrMapOvr>
+    <a:masterClrMapping/>
+  </p:clrMapOvr>
+</p:sld>
+</file>
+
+<file path=ppt/slides/slide41.xml><?xml version="1.0" encoding="utf-8"?>
+<p:sld xmlns:a="http://schemas.openxmlformats.org/drawingml/2006/main" xmlns:r="http://schemas.openxmlformats.org/officeDocument/2006/relationships" xmlns:p="http://schemas.openxmlformats.org/presentationml/2006/main">
+  <p:cSld>
+    <p:spTree>
+      <p:nvGrpSpPr>
+        <p:cNvPr id="1" name=""/>
+        <p:cNvGrpSpPr/>
+        <p:nvPr/>
+      </p:nvGrpSpPr>
+      <p:grpSpPr>
+        <a:xfrm>
+          <a:off x="0" y="0"/>
+          <a:ext cx="0" cy="0"/>
+          <a:chOff x="0" y="0"/>
+          <a:chExt cx="0" cy="0"/>
+        </a:xfrm>
+      </p:grpSpPr>
+      <p:sp>
+        <p:nvSpPr>
+          <p:cNvPr id="2" name="Title 1">
+            <a:extLst>
+              <a:ext uri="{FF2B5EF4-FFF2-40B4-BE49-F238E27FC236}">
+                <a16:creationId xmlns:a16="http://schemas.microsoft.com/office/drawing/2014/main" id="{3CEA3F7F-16EF-BB26-43A9-3A56797ED6CB}"/>
+              </a:ext>
+            </a:extLst>
+          </p:cNvPr>
+          <p:cNvSpPr>
+            <a:spLocks noGrp="1"/>
+          </p:cNvSpPr>
+          <p:nvPr>
+            <p:ph type="title"/>
+          </p:nvPr>
+        </p:nvSpPr>
+        <p:spPr/>
+        <p:txBody>
+          <a:bodyPr/>
+          <a:lstStyle/>
+          <a:p>
+            <a:r>
+              <a:rPr lang="en-IN" dirty="0"/>
+              <a:t>Hive Partitioning and Bucketing</a:t>
+            </a:r>
+          </a:p>
+        </p:txBody>
+      </p:sp>
+      <p:sp>
+        <p:nvSpPr>
+          <p:cNvPr id="3" name="Content Placeholder 2">
+            <a:extLst>
+              <a:ext uri="{FF2B5EF4-FFF2-40B4-BE49-F238E27FC236}">
+                <a16:creationId xmlns:a16="http://schemas.microsoft.com/office/drawing/2014/main" id="{D7D2D251-8D0E-0193-B223-3C20EC83928B}"/>
+              </a:ext>
+            </a:extLst>
+          </p:cNvPr>
+          <p:cNvSpPr>
+            <a:spLocks noGrp="1"/>
+          </p:cNvSpPr>
+          <p:nvPr>
+            <p:ph idx="1"/>
+          </p:nvPr>
+        </p:nvSpPr>
+        <p:spPr/>
+        <p:txBody>
+          <a:bodyPr/>
+          <a:lstStyle/>
+          <a:p>
+            <a:pPr algn="l" fontAlgn="base">
+              <a:buFont typeface="Arial" panose="020B0604020202020204" pitchFamily="34" charset="0"/>
+              <a:buChar char="•"/>
+            </a:pPr>
+            <a:r>
+              <a:rPr lang="en-IN" b="1" i="0" dirty="0">
+                <a:solidFill>
+                  <a:srgbClr val="444444"/>
+                </a:solidFill>
+                <a:effectLst/>
+                <a:latin typeface="inherit"/>
+              </a:rPr>
+              <a:t>Partitioning – </a:t>
+            </a:r>
+            <a:r>
+              <a:rPr lang="en-IN" b="0" i="0" dirty="0">
+                <a:solidFill>
+                  <a:srgbClr val="444444"/>
+                </a:solidFill>
+                <a:effectLst/>
+                <a:latin typeface="Georgia" panose="02040502050405020303" pitchFamily="18" charset="0"/>
+              </a:rPr>
+              <a:t>Apache Hive organizes tables into partitions for grouping same type of data together based on a column or partition key. Each table in the hive can have one or more partition keys to identify a particular partition. Using partition we can make it faster to do queries on slices of the data.</a:t>
+            </a:r>
+          </a:p>
+          <a:p>
+            <a:pPr algn="l" fontAlgn="base">
+              <a:buFont typeface="Arial" panose="020B0604020202020204" pitchFamily="34" charset="0"/>
+              <a:buChar char="•"/>
+            </a:pPr>
+            <a:r>
+              <a:rPr lang="en-IN" b="1" i="0" dirty="0">
+                <a:solidFill>
+                  <a:srgbClr val="444444"/>
+                </a:solidFill>
+                <a:effectLst/>
+                <a:latin typeface="inherit"/>
+              </a:rPr>
+              <a:t>Bucketing – </a:t>
+            </a:r>
+            <a:r>
+              <a:rPr lang="en-IN" b="0" i="0" dirty="0">
+                <a:solidFill>
+                  <a:srgbClr val="444444"/>
+                </a:solidFill>
+                <a:effectLst/>
+                <a:latin typeface="Georgia" panose="02040502050405020303" pitchFamily="18" charset="0"/>
+              </a:rPr>
+              <a:t>In Hive Tables or partition are subdivided into buckets based on the hash function of a column in the table to give extra structure to the data that may be used for more efficient queries.</a:t>
+            </a:r>
+          </a:p>
+          <a:p>
+            <a:endParaRPr lang="en-IN" dirty="0"/>
+          </a:p>
+        </p:txBody>
+      </p:sp>
+    </p:spTree>
+    <p:extLst>
+      <p:ext uri="{BB962C8B-B14F-4D97-AF65-F5344CB8AC3E}">
+        <p14:creationId xmlns:p14="http://schemas.microsoft.com/office/powerpoint/2010/main" val="3023568851"/>
+      </p:ext>
+    </p:extLst>
+  </p:cSld>
+  <p:clrMapOvr>
+    <a:masterClrMapping/>
+  </p:clrMapOvr>
+</p:sld>
+</file>
+
+<file path=ppt/slides/slide42.xml><?xml version="1.0" encoding="utf-8"?>
+<p:sld xmlns:a="http://schemas.openxmlformats.org/drawingml/2006/main" xmlns:r="http://schemas.openxmlformats.org/officeDocument/2006/relationships" xmlns:p="http://schemas.openxmlformats.org/presentationml/2006/main">
+  <p:cSld>
+    <p:bg>
+      <p:bgPr>
+        <a:solidFill>
+          <a:schemeClr val="bg1"/>
+        </a:solidFill>
+        <a:effectLst/>
+      </p:bgPr>
+    </p:bg>
+    <p:spTree>
+      <p:nvGrpSpPr>
+        <p:cNvPr id="1" name=""/>
+        <p:cNvGrpSpPr/>
+        <p:nvPr/>
+      </p:nvGrpSpPr>
+      <p:grpSpPr>
+        <a:xfrm>
+          <a:off x="0" y="0"/>
+          <a:ext cx="0" cy="0"/>
+          <a:chOff x="0" y="0"/>
+          <a:chExt cx="0" cy="0"/>
+        </a:xfrm>
+      </p:grpSpPr>
+      <p:sp useBgFill="1">
+        <p:nvSpPr>
+          <p:cNvPr id="10" name="Rectangle 9">
+            <a:extLst>
+              <a:ext uri="{FF2B5EF4-FFF2-40B4-BE49-F238E27FC236}">
+                <a16:creationId xmlns:a16="http://schemas.microsoft.com/office/drawing/2014/main" id="{8B3A2D1A-45FC-4F95-B150-1C13EF2F6D09}"/>
+              </a:ext>
+              <a:ext uri="{C183D7F6-B498-43B3-948B-1728B52AA6E4}">
+                <adec:decorative xmlns:adec="http://schemas.microsoft.com/office/drawing/2017/decorative" val="1"/>
+              </a:ext>
+            </a:extLst>
+          </p:cNvPr>
+          <p:cNvSpPr>
+            <a:spLocks noGrp="1" noRot="1" noChangeAspect="1" noMove="1" noResize="1" noEditPoints="1" noAdjustHandles="1" noChangeArrowheads="1" noChangeShapeType="1" noTextEdit="1"/>
+          </p:cNvSpPr>
+          <p:nvPr>
+            <p:extLst>
+              <p:ext uri="{386F3935-93C4-4BCD-93E2-E3B085C9AB24}">
+                <p16:designElem xmlns:p16="http://schemas.microsoft.com/office/powerpoint/2015/main" val="1"/>
+              </p:ext>
+            </p:extLst>
+          </p:nvPr>
+        </p:nvSpPr>
+        <p:spPr>
+          <a:xfrm>
+            <a:off x="0" y="0"/>
+            <a:ext cx="12192000" cy="6858000"/>
+          </a:xfrm>
+          <a:prstGeom prst="rect">
+            <a:avLst/>
+          </a:prstGeom>
+          <a:ln w="12700" cap="flat" cmpd="sng" algn="ctr">
+            <a:noFill/>
+            <a:prstDash val="solid"/>
+            <a:miter lim="800000"/>
+          </a:ln>
+          <a:effectLst/>
+          <a:extLst>
+            <a:ext uri="{91240B29-F687-4F45-9708-019B960494DF}">
+              <a14:hiddenLine xmlns:a14="http://schemas.microsoft.com/office/drawing/2010/main" w="12700" cap="flat" cmpd="sng" algn="ctr">
+                <a:solidFill>
+                  <a:schemeClr val="accent1">
+                    <a:shade val="50000"/>
+                  </a:schemeClr>
+                </a:solidFill>
+                <a:prstDash val="solid"/>
+                <a:miter lim="800000"/>
+              </a14:hiddenLine>
+            </a:ext>
+          </a:extLst>
+        </p:spPr>
+        <p:style>
+          <a:lnRef idx="2">
+            <a:schemeClr val="accent1">
+              <a:shade val="50000"/>
+            </a:schemeClr>
+          </a:lnRef>
+          <a:fillRef idx="1">
+            <a:schemeClr val="accent1"/>
+          </a:fillRef>
+          <a:effectRef idx="0">
+            <a:schemeClr val="accent1"/>
+          </a:effectRef>
+          <a:fontRef idx="minor">
+            <a:schemeClr val="lt1"/>
+          </a:fontRef>
+        </p:style>
+        <p:txBody>
+          <a:bodyPr rtlCol="0" anchor="ctr"/>
+          <a:lstStyle/>
+          <a:p>
+            <a:pPr algn="ctr"/>
+            <a:endParaRPr lang="en-US"/>
+          </a:p>
+        </p:txBody>
+      </p:sp>
+      <p:sp>
+        <p:nvSpPr>
+          <p:cNvPr id="12" name="Freeform: Shape 11">
+            <a:extLst>
+              <a:ext uri="{FF2B5EF4-FFF2-40B4-BE49-F238E27FC236}">
+                <a16:creationId xmlns:a16="http://schemas.microsoft.com/office/drawing/2014/main" id="{39C3C864-C625-4883-B868-9A4C470F4DD5}"/>
+              </a:ext>
+              <a:ext uri="{C183D7F6-B498-43B3-948B-1728B52AA6E4}">
+                <adec:decorative xmlns:adec="http://schemas.microsoft.com/office/drawing/2017/decorative" val="1"/>
+              </a:ext>
+            </a:extLst>
+          </p:cNvPr>
+          <p:cNvSpPr>
+            <a:spLocks noGrp="1" noRot="1" noChangeAspect="1" noMove="1" noResize="1" noEditPoints="1" noAdjustHandles="1" noChangeArrowheads="1" noChangeShapeType="1" noTextEdit="1"/>
+          </p:cNvSpPr>
+          <p:nvPr>
+            <p:extLst>
+              <p:ext uri="{386F3935-93C4-4BCD-93E2-E3B085C9AB24}">
+                <p16:designElem xmlns:p16="http://schemas.microsoft.com/office/powerpoint/2015/main" val="1"/>
+              </p:ext>
+            </p:extLst>
+          </p:nvPr>
+        </p:nvSpPr>
+        <p:spPr>
+          <a:xfrm rot="10800000">
+            <a:off x="-3291" y="3296652"/>
+            <a:ext cx="12202113" cy="3561346"/>
+          </a:xfrm>
+          <a:custGeom>
+            <a:avLst/>
+            <a:gdLst>
+              <a:gd name="connsiteX0" fmla="*/ 0 w 12202113"/>
+              <a:gd name="connsiteY0" fmla="*/ 3188466 h 3188466"/>
+              <a:gd name="connsiteX1" fmla="*/ 10116 w 12202113"/>
+              <a:gd name="connsiteY1" fmla="*/ 2657641 h 3188466"/>
+              <a:gd name="connsiteX2" fmla="*/ 10116 w 12202113"/>
+              <a:gd name="connsiteY2" fmla="*/ 0 h 3188466"/>
+              <a:gd name="connsiteX3" fmla="*/ 12202113 w 12202113"/>
+              <a:gd name="connsiteY3" fmla="*/ 0 h 3188466"/>
+              <a:gd name="connsiteX4" fmla="*/ 12202113 w 12202113"/>
+              <a:gd name="connsiteY4" fmla="*/ 2879832 h 3188466"/>
+              <a:gd name="connsiteX5" fmla="*/ 12198167 w 12202113"/>
+              <a:gd name="connsiteY5" fmla="*/ 2880360 h 3188466"/>
+              <a:gd name="connsiteX6" fmla="*/ 12122128 w 12202113"/>
+              <a:gd name="connsiteY6" fmla="*/ 2887194 h 3188466"/>
+              <a:gd name="connsiteX7" fmla="*/ 12028868 w 12202113"/>
+              <a:gd name="connsiteY7" fmla="*/ 2911786 h 3188466"/>
+              <a:gd name="connsiteX8" fmla="*/ 11995238 w 12202113"/>
+              <a:gd name="connsiteY8" fmla="*/ 2914090 h 3188466"/>
+              <a:gd name="connsiteX9" fmla="*/ 11996460 w 12202113"/>
+              <a:gd name="connsiteY9" fmla="*/ 2918442 h 3188466"/>
+              <a:gd name="connsiteX10" fmla="*/ 11983968 w 12202113"/>
+              <a:gd name="connsiteY10" fmla="*/ 2918762 h 3188466"/>
+              <a:gd name="connsiteX11" fmla="*/ 11956084 w 12202113"/>
+              <a:gd name="connsiteY11" fmla="*/ 2918868 h 3188466"/>
+              <a:gd name="connsiteX12" fmla="*/ 11872586 w 12202113"/>
+              <a:gd name="connsiteY12" fmla="*/ 2920076 h 3188466"/>
+              <a:gd name="connsiteX13" fmla="*/ 11849804 w 12202113"/>
+              <a:gd name="connsiteY13" fmla="*/ 2928420 h 3188466"/>
+              <a:gd name="connsiteX14" fmla="*/ 11828254 w 12202113"/>
+              <a:gd name="connsiteY14" fmla="*/ 2928551 h 3188466"/>
+              <a:gd name="connsiteX15" fmla="*/ 11703277 w 12202113"/>
+              <a:gd name="connsiteY15" fmla="*/ 2939735 h 3188466"/>
+              <a:gd name="connsiteX16" fmla="*/ 11686094 w 12202113"/>
+              <a:gd name="connsiteY16" fmla="*/ 2940570 h 3188466"/>
+              <a:gd name="connsiteX17" fmla="*/ 11676788 w 12202113"/>
+              <a:gd name="connsiteY17" fmla="*/ 2944321 h 3188466"/>
+              <a:gd name="connsiteX18" fmla="*/ 11643464 w 12202113"/>
+              <a:gd name="connsiteY18" fmla="*/ 2945066 h 3188466"/>
+              <a:gd name="connsiteX19" fmla="*/ 11641922 w 12202113"/>
+              <a:gd name="connsiteY19" fmla="*/ 2947200 h 3188466"/>
+              <a:gd name="connsiteX20" fmla="*/ 11532386 w 12202113"/>
+              <a:gd name="connsiteY20" fmla="*/ 2965529 h 3188466"/>
+              <a:gd name="connsiteX21" fmla="*/ 11513619 w 12202113"/>
+              <a:gd name="connsiteY21" fmla="*/ 2968556 h 3188466"/>
+              <a:gd name="connsiteX22" fmla="*/ 11497404 w 12202113"/>
+              <a:gd name="connsiteY22" fmla="*/ 2967639 h 3188466"/>
+              <a:gd name="connsiteX23" fmla="*/ 11407630 w 12202113"/>
+              <a:gd name="connsiteY23" fmla="*/ 2970255 h 3188466"/>
+              <a:gd name="connsiteX24" fmla="*/ 11386276 w 12202113"/>
+              <a:gd name="connsiteY24" fmla="*/ 2968648 h 3188466"/>
+              <a:gd name="connsiteX25" fmla="*/ 11377296 w 12202113"/>
+              <a:gd name="connsiteY25" fmla="*/ 2965257 h 3188466"/>
+              <a:gd name="connsiteX26" fmla="*/ 11342536 w 12202113"/>
+              <a:gd name="connsiteY26" fmla="*/ 2971666 h 3188466"/>
+              <a:gd name="connsiteX27" fmla="*/ 11288902 w 12202113"/>
+              <a:gd name="connsiteY27" fmla="*/ 2976058 h 3188466"/>
+              <a:gd name="connsiteX28" fmla="*/ 11263411 w 12202113"/>
+              <a:gd name="connsiteY28" fmla="*/ 2979228 h 3188466"/>
+              <a:gd name="connsiteX29" fmla="*/ 11242843 w 12202113"/>
+              <a:gd name="connsiteY29" fmla="*/ 2977303 h 3188466"/>
+              <a:gd name="connsiteX30" fmla="*/ 11125798 w 12202113"/>
+              <a:gd name="connsiteY30" fmla="*/ 2976816 h 3188466"/>
+              <a:gd name="connsiteX31" fmla="*/ 11098884 w 12202113"/>
+              <a:gd name="connsiteY31" fmla="*/ 2973758 h 3188466"/>
+              <a:gd name="connsiteX32" fmla="*/ 11086128 w 12202113"/>
+              <a:gd name="connsiteY32" fmla="*/ 2967663 h 3188466"/>
+              <a:gd name="connsiteX33" fmla="*/ 11076132 w 12202113"/>
+              <a:gd name="connsiteY33" fmla="*/ 2969836 h 3188466"/>
+              <a:gd name="connsiteX34" fmla="*/ 11005337 w 12202113"/>
+              <a:gd name="connsiteY34" fmla="*/ 2970053 h 3188466"/>
+              <a:gd name="connsiteX35" fmla="*/ 10959154 w 12202113"/>
+              <a:gd name="connsiteY35" fmla="*/ 2970750 h 3188466"/>
+              <a:gd name="connsiteX36" fmla="*/ 10956347 w 12202113"/>
+              <a:gd name="connsiteY36" fmla="*/ 2979118 h 3188466"/>
+              <a:gd name="connsiteX37" fmla="*/ 10915223 w 12202113"/>
+              <a:gd name="connsiteY37" fmla="*/ 2982099 h 3188466"/>
+              <a:gd name="connsiteX38" fmla="*/ 10871398 w 12202113"/>
+              <a:gd name="connsiteY38" fmla="*/ 2976728 h 3188466"/>
+              <a:gd name="connsiteX39" fmla="*/ 10819743 w 12202113"/>
+              <a:gd name="connsiteY39" fmla="*/ 2977481 h 3188466"/>
+              <a:gd name="connsiteX40" fmla="*/ 10788834 w 12202113"/>
+              <a:gd name="connsiteY40" fmla="*/ 2977840 h 3188466"/>
+              <a:gd name="connsiteX41" fmla="*/ 10707711 w 12202113"/>
+              <a:gd name="connsiteY41" fmla="*/ 2985644 h 3188466"/>
+              <a:gd name="connsiteX42" fmla="*/ 10576086 w 12202113"/>
+              <a:gd name="connsiteY42" fmla="*/ 3015319 h 3188466"/>
+              <a:gd name="connsiteX43" fmla="*/ 10534761 w 12202113"/>
+              <a:gd name="connsiteY43" fmla="*/ 3019524 h 3188466"/>
+              <a:gd name="connsiteX44" fmla="*/ 10527537 w 12202113"/>
+              <a:gd name="connsiteY44" fmla="*/ 3017814 h 3188466"/>
+              <a:gd name="connsiteX45" fmla="*/ 10321799 w 12202113"/>
+              <a:gd name="connsiteY45" fmla="*/ 3035635 h 3188466"/>
+              <a:gd name="connsiteX46" fmla="*/ 10284989 w 12202113"/>
+              <a:gd name="connsiteY46" fmla="*/ 3036679 h 3188466"/>
+              <a:gd name="connsiteX47" fmla="*/ 10257423 w 12202113"/>
+              <a:gd name="connsiteY47" fmla="*/ 3036027 h 3188466"/>
+              <a:gd name="connsiteX48" fmla="*/ 10191450 w 12202113"/>
+              <a:gd name="connsiteY48" fmla="*/ 3041963 h 3188466"/>
+              <a:gd name="connsiteX49" fmla="*/ 10083845 w 12202113"/>
+              <a:gd name="connsiteY49" fmla="*/ 3054978 h 3188466"/>
+              <a:gd name="connsiteX50" fmla="*/ 10060611 w 12202113"/>
+              <a:gd name="connsiteY50" fmla="*/ 3057035 h 3188466"/>
+              <a:gd name="connsiteX51" fmla="*/ 10039363 w 12202113"/>
+              <a:gd name="connsiteY51" fmla="*/ 3055961 h 3188466"/>
+              <a:gd name="connsiteX52" fmla="*/ 10033322 w 12202113"/>
+              <a:gd name="connsiteY52" fmla="*/ 3053238 h 3188466"/>
+              <a:gd name="connsiteX53" fmla="*/ 10020337 w 12202113"/>
+              <a:gd name="connsiteY53" fmla="*/ 3053912 h 3188466"/>
+              <a:gd name="connsiteX54" fmla="*/ 10016616 w 12202113"/>
+              <a:gd name="connsiteY54" fmla="*/ 3053498 h 3188466"/>
+              <a:gd name="connsiteX55" fmla="*/ 9995549 w 12202113"/>
+              <a:gd name="connsiteY55" fmla="*/ 3051719 h 3188466"/>
+              <a:gd name="connsiteX56" fmla="*/ 9957212 w 12202113"/>
+              <a:gd name="connsiteY56" fmla="*/ 3062663 h 3188466"/>
+              <a:gd name="connsiteX57" fmla="*/ 9904584 w 12202113"/>
+              <a:gd name="connsiteY57" fmla="*/ 3063999 h 3188466"/>
+              <a:gd name="connsiteX58" fmla="*/ 9713857 w 12202113"/>
+              <a:gd name="connsiteY58" fmla="*/ 3087955 h 3188466"/>
+              <a:gd name="connsiteX59" fmla="*/ 9678879 w 12202113"/>
+              <a:gd name="connsiteY59" fmla="*/ 3079676 h 3188466"/>
+              <a:gd name="connsiteX60" fmla="*/ 9598760 w 12202113"/>
+              <a:gd name="connsiteY60" fmla="*/ 3085228 h 3188466"/>
+              <a:gd name="connsiteX61" fmla="*/ 9488796 w 12202113"/>
+              <a:gd name="connsiteY61" fmla="*/ 3115384 h 3188466"/>
+              <a:gd name="connsiteX62" fmla="*/ 9341972 w 12202113"/>
+              <a:gd name="connsiteY62" fmla="*/ 3126583 h 3188466"/>
+              <a:gd name="connsiteX63" fmla="*/ 9333795 w 12202113"/>
+              <a:gd name="connsiteY63" fmla="*/ 3132083 h 3188466"/>
+              <a:gd name="connsiteX64" fmla="*/ 9321736 w 12202113"/>
+              <a:gd name="connsiteY64" fmla="*/ 3135834 h 3188466"/>
+              <a:gd name="connsiteX65" fmla="*/ 9319405 w 12202113"/>
+              <a:gd name="connsiteY65" fmla="*/ 3135561 h 3188466"/>
+              <a:gd name="connsiteX66" fmla="*/ 9302847 w 12202113"/>
+              <a:gd name="connsiteY66" fmla="*/ 3137746 h 3188466"/>
+              <a:gd name="connsiteX67" fmla="*/ 9300930 w 12202113"/>
+              <a:gd name="connsiteY67" fmla="*/ 3139687 h 3188466"/>
+              <a:gd name="connsiteX68" fmla="*/ 9290106 w 12202113"/>
+              <a:gd name="connsiteY68" fmla="*/ 3141645 h 3188466"/>
+              <a:gd name="connsiteX69" fmla="*/ 9270220 w 12202113"/>
+              <a:gd name="connsiteY69" fmla="*/ 3146737 h 3188466"/>
+              <a:gd name="connsiteX70" fmla="*/ 9265150 w 12202113"/>
+              <a:gd name="connsiteY70" fmla="*/ 3146531 h 3188466"/>
+              <a:gd name="connsiteX71" fmla="*/ 9233057 w 12202113"/>
+              <a:gd name="connsiteY71" fmla="*/ 3152408 h 3188466"/>
+              <a:gd name="connsiteX72" fmla="*/ 9231974 w 12202113"/>
+              <a:gd name="connsiteY72" fmla="*/ 3151938 h 3188466"/>
+              <a:gd name="connsiteX73" fmla="*/ 9220130 w 12202113"/>
+              <a:gd name="connsiteY73" fmla="*/ 3151189 h 3188466"/>
+              <a:gd name="connsiteX74" fmla="*/ 9198955 w 12202113"/>
+              <a:gd name="connsiteY74" fmla="*/ 3151015 h 3188466"/>
+              <a:gd name="connsiteX75" fmla="*/ 9142196 w 12202113"/>
+              <a:gd name="connsiteY75" fmla="*/ 3143802 h 3188466"/>
+              <a:gd name="connsiteX76" fmla="*/ 9108665 w 12202113"/>
+              <a:gd name="connsiteY76" fmla="*/ 3149868 h 3188466"/>
+              <a:gd name="connsiteX77" fmla="*/ 9014086 w 12202113"/>
+              <a:gd name="connsiteY77" fmla="*/ 3150791 h 3188466"/>
+              <a:gd name="connsiteX78" fmla="*/ 8915037 w 12202113"/>
+              <a:gd name="connsiteY78" fmla="*/ 3140020 h 3188466"/>
+              <a:gd name="connsiteX79" fmla="*/ 8815667 w 12202113"/>
+              <a:gd name="connsiteY79" fmla="*/ 3138606 h 3188466"/>
+              <a:gd name="connsiteX80" fmla="*/ 8779688 w 12202113"/>
+              <a:gd name="connsiteY80" fmla="*/ 3138895 h 3188466"/>
+              <a:gd name="connsiteX81" fmla="*/ 8715556 w 12202113"/>
+              <a:gd name="connsiteY81" fmla="*/ 3135878 h 3188466"/>
+              <a:gd name="connsiteX82" fmla="*/ 8686183 w 12202113"/>
+              <a:gd name="connsiteY82" fmla="*/ 3132307 h 3188466"/>
+              <a:gd name="connsiteX83" fmla="*/ 8684895 w 12202113"/>
+              <a:gd name="connsiteY83" fmla="*/ 3132527 h 3188466"/>
+              <a:gd name="connsiteX84" fmla="*/ 8682270 w 12202113"/>
+              <a:gd name="connsiteY84" fmla="*/ 3130989 h 3188466"/>
+              <a:gd name="connsiteX85" fmla="*/ 8676836 w 12202113"/>
+              <a:gd name="connsiteY85" fmla="*/ 3130278 h 3188466"/>
+              <a:gd name="connsiteX86" fmla="*/ 8662002 w 12202113"/>
+              <a:gd name="connsiteY86" fmla="*/ 3130735 h 3188466"/>
+              <a:gd name="connsiteX87" fmla="*/ 8656423 w 12202113"/>
+              <a:gd name="connsiteY87" fmla="*/ 3131304 h 3188466"/>
+              <a:gd name="connsiteX88" fmla="*/ 8648261 w 12202113"/>
+              <a:gd name="connsiteY88" fmla="*/ 3131294 h 3188466"/>
+              <a:gd name="connsiteX89" fmla="*/ 8648057 w 12202113"/>
+              <a:gd name="connsiteY89" fmla="*/ 3131167 h 3188466"/>
+              <a:gd name="connsiteX90" fmla="*/ 8640412 w 12202113"/>
+              <a:gd name="connsiteY90" fmla="*/ 3131403 h 3188466"/>
+              <a:gd name="connsiteX91" fmla="*/ 8603003 w 12202113"/>
+              <a:gd name="connsiteY91" fmla="*/ 3134155 h 3188466"/>
+              <a:gd name="connsiteX92" fmla="*/ 8553571 w 12202113"/>
+              <a:gd name="connsiteY92" fmla="*/ 3122125 h 3188466"/>
+              <a:gd name="connsiteX93" fmla="*/ 8533128 w 12202113"/>
+              <a:gd name="connsiteY93" fmla="*/ 3120039 h 3188466"/>
+              <a:gd name="connsiteX94" fmla="*/ 8522209 w 12202113"/>
+              <a:gd name="connsiteY94" fmla="*/ 3118252 h 3188466"/>
+              <a:gd name="connsiteX95" fmla="*/ 8521532 w 12202113"/>
+              <a:gd name="connsiteY95" fmla="*/ 3117705 h 3188466"/>
+              <a:gd name="connsiteX96" fmla="*/ 8485667 w 12202113"/>
+              <a:gd name="connsiteY96" fmla="*/ 3120406 h 3188466"/>
+              <a:gd name="connsiteX97" fmla="*/ 8480905 w 12202113"/>
+              <a:gd name="connsiteY97" fmla="*/ 3119749 h 3188466"/>
+              <a:gd name="connsiteX98" fmla="*/ 8457530 w 12202113"/>
+              <a:gd name="connsiteY98" fmla="*/ 3122810 h 3188466"/>
+              <a:gd name="connsiteX99" fmla="*/ 8445451 w 12202113"/>
+              <a:gd name="connsiteY99" fmla="*/ 3123697 h 3188466"/>
+              <a:gd name="connsiteX100" fmla="*/ 8442039 w 12202113"/>
+              <a:gd name="connsiteY100" fmla="*/ 3125378 h 3188466"/>
+              <a:gd name="connsiteX101" fmla="*/ 8424215 w 12202113"/>
+              <a:gd name="connsiteY101" fmla="*/ 3125963 h 3188466"/>
+              <a:gd name="connsiteX102" fmla="*/ 8422165 w 12202113"/>
+              <a:gd name="connsiteY102" fmla="*/ 3125491 h 3188466"/>
+              <a:gd name="connsiteX103" fmla="*/ 8407465 w 12202113"/>
+              <a:gd name="connsiteY103" fmla="*/ 3127979 h 3188466"/>
+              <a:gd name="connsiteX104" fmla="*/ 8395146 w 12202113"/>
+              <a:gd name="connsiteY104" fmla="*/ 3132488 h 3188466"/>
+              <a:gd name="connsiteX105" fmla="*/ 8243538 w 12202113"/>
+              <a:gd name="connsiteY105" fmla="*/ 3129873 h 3188466"/>
+              <a:gd name="connsiteX106" fmla="*/ 8112685 w 12202113"/>
+              <a:gd name="connsiteY106" fmla="*/ 3148698 h 3188466"/>
+              <a:gd name="connsiteX107" fmla="*/ 8026741 w 12202113"/>
+              <a:gd name="connsiteY107" fmla="*/ 3154015 h 3188466"/>
+              <a:gd name="connsiteX108" fmla="*/ 8030400 w 12202113"/>
+              <a:gd name="connsiteY108" fmla="*/ 3146736 h 3188466"/>
+              <a:gd name="connsiteX109" fmla="*/ 8002987 w 12202113"/>
+              <a:gd name="connsiteY109" fmla="*/ 3135663 h 3188466"/>
+              <a:gd name="connsiteX110" fmla="*/ 7798568 w 12202113"/>
+              <a:gd name="connsiteY110" fmla="*/ 3141249 h 3188466"/>
+              <a:gd name="connsiteX111" fmla="*/ 7746353 w 12202113"/>
+              <a:gd name="connsiteY111" fmla="*/ 3137755 h 3188466"/>
+              <a:gd name="connsiteX112" fmla="*/ 7700395 w 12202113"/>
+              <a:gd name="connsiteY112" fmla="*/ 3144729 h 3188466"/>
+              <a:gd name="connsiteX113" fmla="*/ 7681335 w 12202113"/>
+              <a:gd name="connsiteY113" fmla="*/ 3141120 h 3188466"/>
+              <a:gd name="connsiteX114" fmla="*/ 7678044 w 12202113"/>
+              <a:gd name="connsiteY114" fmla="*/ 3140387 h 3188466"/>
+              <a:gd name="connsiteX115" fmla="*/ 7664890 w 12202113"/>
+              <a:gd name="connsiteY115" fmla="*/ 3139855 h 3188466"/>
+              <a:gd name="connsiteX116" fmla="*/ 7661183 w 12202113"/>
+              <a:gd name="connsiteY116" fmla="*/ 3136706 h 3188466"/>
+              <a:gd name="connsiteX117" fmla="*/ 7641383 w 12202113"/>
+              <a:gd name="connsiteY117" fmla="*/ 3133755 h 3188466"/>
+              <a:gd name="connsiteX118" fmla="*/ 7617169 w 12202113"/>
+              <a:gd name="connsiteY118" fmla="*/ 3133614 h 3188466"/>
+              <a:gd name="connsiteX119" fmla="*/ 7531143 w 12202113"/>
+              <a:gd name="connsiteY119" fmla="*/ 3132781 h 3188466"/>
+              <a:gd name="connsiteX120" fmla="*/ 7517113 w 12202113"/>
+              <a:gd name="connsiteY120" fmla="*/ 3134483 h 3188466"/>
+              <a:gd name="connsiteX121" fmla="*/ 7471320 w 12202113"/>
+              <a:gd name="connsiteY121" fmla="*/ 3131645 h 3188466"/>
+              <a:gd name="connsiteX122" fmla="*/ 7430512 w 12202113"/>
+              <a:gd name="connsiteY122" fmla="*/ 3131007 h 3188466"/>
+              <a:gd name="connsiteX123" fmla="*/ 7404071 w 12202113"/>
+              <a:gd name="connsiteY123" fmla="*/ 3132361 h 3188466"/>
+              <a:gd name="connsiteX124" fmla="*/ 7397140 w 12202113"/>
+              <a:gd name="connsiteY124" fmla="*/ 3131239 h 3188466"/>
+              <a:gd name="connsiteX125" fmla="*/ 7370514 w 12202113"/>
+              <a:gd name="connsiteY125" fmla="*/ 3130516 h 3188466"/>
+              <a:gd name="connsiteX126" fmla="*/ 7356953 w 12202113"/>
+              <a:gd name="connsiteY126" fmla="*/ 3132179 h 3188466"/>
+              <a:gd name="connsiteX127" fmla="*/ 7343567 w 12202113"/>
+              <a:gd name="connsiteY127" fmla="*/ 3128350 h 3188466"/>
+              <a:gd name="connsiteX128" fmla="*/ 7340295 w 12202113"/>
+              <a:gd name="connsiteY128" fmla="*/ 3125545 h 3188466"/>
+              <a:gd name="connsiteX129" fmla="*/ 7321348 w 12202113"/>
+              <a:gd name="connsiteY129" fmla="*/ 3126804 h 3188466"/>
+              <a:gd name="connsiteX130" fmla="*/ 7305815 w 12202113"/>
+              <a:gd name="connsiteY130" fmla="*/ 3124063 h 3188466"/>
+              <a:gd name="connsiteX131" fmla="*/ 7292274 w 12202113"/>
+              <a:gd name="connsiteY131" fmla="*/ 3125855 h 3188466"/>
+              <a:gd name="connsiteX132" fmla="*/ 7286654 w 12202113"/>
+              <a:gd name="connsiteY132" fmla="*/ 3125451 h 3188466"/>
+              <a:gd name="connsiteX133" fmla="*/ 7272685 w 12202113"/>
+              <a:gd name="connsiteY133" fmla="*/ 3124094 h 3188466"/>
+              <a:gd name="connsiteX134" fmla="*/ 7248584 w 12202113"/>
+              <a:gd name="connsiteY134" fmla="*/ 3121080 h 3188466"/>
+              <a:gd name="connsiteX135" fmla="*/ 7241065 w 12202113"/>
+              <a:gd name="connsiteY135" fmla="*/ 3120661 h 3188466"/>
+              <a:gd name="connsiteX136" fmla="*/ 7224696 w 12202113"/>
+              <a:gd name="connsiteY136" fmla="*/ 3116051 h 3188466"/>
+              <a:gd name="connsiteX137" fmla="*/ 7193009 w 12202113"/>
+              <a:gd name="connsiteY137" fmla="*/ 3112108 h 3188466"/>
+              <a:gd name="connsiteX138" fmla="*/ 7137220 w 12202113"/>
+              <a:gd name="connsiteY138" fmla="*/ 3098354 h 3188466"/>
+              <a:gd name="connsiteX139" fmla="*/ 7104427 w 12202113"/>
+              <a:gd name="connsiteY139" fmla="*/ 3091790 h 3188466"/>
+              <a:gd name="connsiteX140" fmla="*/ 7082240 w 12202113"/>
+              <a:gd name="connsiteY140" fmla="*/ 3085740 h 3188466"/>
+              <a:gd name="connsiteX141" fmla="*/ 7016754 w 12202113"/>
+              <a:gd name="connsiteY141" fmla="*/ 3077196 h 3188466"/>
+              <a:gd name="connsiteX142" fmla="*/ 6904436 w 12202113"/>
+              <a:gd name="connsiteY142" fmla="*/ 3065900 h 3188466"/>
+              <a:gd name="connsiteX143" fmla="*/ 6881434 w 12202113"/>
+              <a:gd name="connsiteY143" fmla="*/ 3062865 h 3188466"/>
+              <a:gd name="connsiteX144" fmla="*/ 6865273 w 12202113"/>
+              <a:gd name="connsiteY144" fmla="*/ 3057749 h 3188466"/>
+              <a:gd name="connsiteX145" fmla="*/ 6864671 w 12202113"/>
+              <a:gd name="connsiteY145" fmla="*/ 3054378 h 3188466"/>
+              <a:gd name="connsiteX146" fmla="*/ 6852599 w 12202113"/>
+              <a:gd name="connsiteY146" fmla="*/ 3052306 h 3188466"/>
+              <a:gd name="connsiteX147" fmla="*/ 6850143 w 12202113"/>
+              <a:gd name="connsiteY147" fmla="*/ 3051232 h 3188466"/>
+              <a:gd name="connsiteX148" fmla="*/ 6835301 w 12202113"/>
+              <a:gd name="connsiteY148" fmla="*/ 3045593 h 3188466"/>
+              <a:gd name="connsiteX149" fmla="*/ 6784871 w 12202113"/>
+              <a:gd name="connsiteY149" fmla="*/ 3046562 h 3188466"/>
+              <a:gd name="connsiteX150" fmla="*/ 6738245 w 12202113"/>
+              <a:gd name="connsiteY150" fmla="*/ 3037055 h 3188466"/>
+              <a:gd name="connsiteX151" fmla="*/ 6537703 w 12202113"/>
+              <a:gd name="connsiteY151" fmla="*/ 3017736 h 3188466"/>
+              <a:gd name="connsiteX152" fmla="*/ 6521858 w 12202113"/>
+              <a:gd name="connsiteY152" fmla="*/ 3004158 h 3188466"/>
+              <a:gd name="connsiteX153" fmla="*/ 6445069 w 12202113"/>
+              <a:gd name="connsiteY153" fmla="*/ 2992470 h 3188466"/>
+              <a:gd name="connsiteX154" fmla="*/ 6302447 w 12202113"/>
+              <a:gd name="connsiteY154" fmla="*/ 2994274 h 3188466"/>
+              <a:gd name="connsiteX155" fmla="*/ 6160029 w 12202113"/>
+              <a:gd name="connsiteY155" fmla="*/ 2973666 h 3188466"/>
+              <a:gd name="connsiteX156" fmla="*/ 6144046 w 12202113"/>
+              <a:gd name="connsiteY156" fmla="*/ 2976380 h 3188466"/>
+              <a:gd name="connsiteX157" fmla="*/ 6127670 w 12202113"/>
+              <a:gd name="connsiteY157" fmla="*/ 2976929 h 3188466"/>
+              <a:gd name="connsiteX158" fmla="*/ 6126155 w 12202113"/>
+              <a:gd name="connsiteY158" fmla="*/ 2976245 h 3188466"/>
+              <a:gd name="connsiteX159" fmla="*/ 6108575 w 12202113"/>
+              <a:gd name="connsiteY159" fmla="*/ 2974651 h 3188466"/>
+              <a:gd name="connsiteX160" fmla="*/ 6103746 w 12202113"/>
+              <a:gd name="connsiteY160" fmla="*/ 2975803 h 3188466"/>
+              <a:gd name="connsiteX161" fmla="*/ 6091377 w 12202113"/>
+              <a:gd name="connsiteY161" fmla="*/ 2975180 h 3188466"/>
+              <a:gd name="connsiteX162" fmla="*/ 6066183 w 12202113"/>
+              <a:gd name="connsiteY162" fmla="*/ 2975222 h 3188466"/>
+              <a:gd name="connsiteX163" fmla="*/ 6063287 w 12202113"/>
+              <a:gd name="connsiteY163" fmla="*/ 2974353 h 3188466"/>
+              <a:gd name="connsiteX164" fmla="*/ 6054813 w 12202113"/>
+              <a:gd name="connsiteY164" fmla="*/ 2974911 h 3188466"/>
+              <a:gd name="connsiteX165" fmla="*/ 6050809 w 12202113"/>
+              <a:gd name="connsiteY165" fmla="*/ 2973985 h 3188466"/>
+              <a:gd name="connsiteX166" fmla="*/ 6013979 w 12202113"/>
+              <a:gd name="connsiteY166" fmla="*/ 2974553 h 3188466"/>
+              <a:gd name="connsiteX167" fmla="*/ 6013800 w 12202113"/>
+              <a:gd name="connsiteY167" fmla="*/ 2973973 h 3188466"/>
+              <a:gd name="connsiteX168" fmla="*/ 6004866 w 12202113"/>
+              <a:gd name="connsiteY168" fmla="*/ 2971570 h 3188466"/>
+              <a:gd name="connsiteX169" fmla="*/ 5987036 w 12202113"/>
+              <a:gd name="connsiteY169" fmla="*/ 2968315 h 3188466"/>
+              <a:gd name="connsiteX170" fmla="*/ 5950027 w 12202113"/>
+              <a:gd name="connsiteY170" fmla="*/ 2953546 h 3188466"/>
+              <a:gd name="connsiteX171" fmla="*/ 5911668 w 12202113"/>
+              <a:gd name="connsiteY171" fmla="*/ 2954074 h 3188466"/>
+              <a:gd name="connsiteX172" fmla="*/ 5904110 w 12202113"/>
+              <a:gd name="connsiteY172" fmla="*/ 2953861 h 3188466"/>
+              <a:gd name="connsiteX173" fmla="*/ 5904026 w 12202113"/>
+              <a:gd name="connsiteY173" fmla="*/ 2953724 h 3188466"/>
+              <a:gd name="connsiteX174" fmla="*/ 5896189 w 12202113"/>
+              <a:gd name="connsiteY174" fmla="*/ 2953236 h 3188466"/>
+              <a:gd name="connsiteX175" fmla="*/ 5890331 w 12202113"/>
+              <a:gd name="connsiteY175" fmla="*/ 2953471 h 3188466"/>
+              <a:gd name="connsiteX176" fmla="*/ 5875672 w 12202113"/>
+              <a:gd name="connsiteY176" fmla="*/ 2953056 h 3188466"/>
+              <a:gd name="connsiteX177" fmla="*/ 5871070 w 12202113"/>
+              <a:gd name="connsiteY177" fmla="*/ 2952035 h 3188466"/>
+              <a:gd name="connsiteX178" fmla="*/ 5869888 w 12202113"/>
+              <a:gd name="connsiteY178" fmla="*/ 2950364 h 3188466"/>
+              <a:gd name="connsiteX179" fmla="*/ 5868461 w 12202113"/>
+              <a:gd name="connsiteY179" fmla="*/ 2950506 h 3188466"/>
+              <a:gd name="connsiteX180" fmla="*/ 5843343 w 12202113"/>
+              <a:gd name="connsiteY180" fmla="*/ 2945262 h 3188466"/>
+              <a:gd name="connsiteX181" fmla="*/ 5784331 w 12202113"/>
+              <a:gd name="connsiteY181" fmla="*/ 2938531 h 3188466"/>
+              <a:gd name="connsiteX182" fmla="*/ 5749498 w 12202113"/>
+              <a:gd name="connsiteY182" fmla="*/ 2936713 h 3188466"/>
+              <a:gd name="connsiteX183" fmla="*/ 5655214 w 12202113"/>
+              <a:gd name="connsiteY183" fmla="*/ 2929503 h 3188466"/>
+              <a:gd name="connsiteX184" fmla="*/ 5561446 w 12202113"/>
+              <a:gd name="connsiteY184" fmla="*/ 2920575 h 3188466"/>
+              <a:gd name="connsiteX185" fmla="*/ 5519456 w 12202113"/>
+              <a:gd name="connsiteY185" fmla="*/ 2906631 h 3188466"/>
+              <a:gd name="connsiteX186" fmla="*/ 5514099 w 12202113"/>
+              <a:gd name="connsiteY186" fmla="*/ 2906097 h 3188466"/>
+              <a:gd name="connsiteX187" fmla="*/ 5499273 w 12202113"/>
+              <a:gd name="connsiteY187" fmla="*/ 2907057 h 3188466"/>
+              <a:gd name="connsiteX188" fmla="*/ 5493664 w 12202113"/>
+              <a:gd name="connsiteY188" fmla="*/ 2907817 h 3188466"/>
+              <a:gd name="connsiteX189" fmla="*/ 5485530 w 12202113"/>
+              <a:gd name="connsiteY189" fmla="*/ 2908080 h 3188466"/>
+              <a:gd name="connsiteX190" fmla="*/ 5485337 w 12202113"/>
+              <a:gd name="connsiteY190" fmla="*/ 2907959 h 3188466"/>
+              <a:gd name="connsiteX191" fmla="*/ 5477696 w 12202113"/>
+              <a:gd name="connsiteY191" fmla="*/ 2908455 h 3188466"/>
+              <a:gd name="connsiteX192" fmla="*/ 5440170 w 12202113"/>
+              <a:gd name="connsiteY192" fmla="*/ 2912482 h 3188466"/>
+              <a:gd name="connsiteX193" fmla="*/ 5391911 w 12202113"/>
+              <a:gd name="connsiteY193" fmla="*/ 2902040 h 3188466"/>
+              <a:gd name="connsiteX194" fmla="*/ 5371708 w 12202113"/>
+              <a:gd name="connsiteY194" fmla="*/ 2900629 h 3188466"/>
+              <a:gd name="connsiteX195" fmla="*/ 5360976 w 12202113"/>
+              <a:gd name="connsiteY195" fmla="*/ 2899197 h 3188466"/>
+              <a:gd name="connsiteX196" fmla="*/ 5360345 w 12202113"/>
+              <a:gd name="connsiteY196" fmla="*/ 2898671 h 3188466"/>
+              <a:gd name="connsiteX197" fmla="*/ 5324367 w 12202113"/>
+              <a:gd name="connsiteY197" fmla="*/ 2902593 h 3188466"/>
+              <a:gd name="connsiteX198" fmla="*/ 5319673 w 12202113"/>
+              <a:gd name="connsiteY198" fmla="*/ 2902094 h 3188466"/>
+              <a:gd name="connsiteX199" fmla="*/ 5296114 w 12202113"/>
+              <a:gd name="connsiteY199" fmla="*/ 2905958 h 3188466"/>
+              <a:gd name="connsiteX200" fmla="*/ 5283999 w 12202113"/>
+              <a:gd name="connsiteY200" fmla="*/ 2907258 h 3188466"/>
+              <a:gd name="connsiteX201" fmla="*/ 5280460 w 12202113"/>
+              <a:gd name="connsiteY201" fmla="*/ 2909063 h 3188466"/>
+              <a:gd name="connsiteX202" fmla="*/ 5262637 w 12202113"/>
+              <a:gd name="connsiteY202" fmla="*/ 2910250 h 3188466"/>
+              <a:gd name="connsiteX203" fmla="*/ 5260635 w 12202113"/>
+              <a:gd name="connsiteY203" fmla="*/ 2909845 h 3188466"/>
+              <a:gd name="connsiteX204" fmla="*/ 5245770 w 12202113"/>
+              <a:gd name="connsiteY204" fmla="*/ 2912842 h 3188466"/>
+              <a:gd name="connsiteX205" fmla="*/ 5233108 w 12202113"/>
+              <a:gd name="connsiteY205" fmla="*/ 2917794 h 3188466"/>
+              <a:gd name="connsiteX206" fmla="*/ 5082201 w 12202113"/>
+              <a:gd name="connsiteY206" fmla="*/ 2920260 h 3188466"/>
+              <a:gd name="connsiteX207" fmla="*/ 4939211 w 12202113"/>
+              <a:gd name="connsiteY207" fmla="*/ 2931760 h 3188466"/>
+              <a:gd name="connsiteX208" fmla="*/ 4794309 w 12202113"/>
+              <a:gd name="connsiteY208" fmla="*/ 2937227 h 3188466"/>
+              <a:gd name="connsiteX209" fmla="*/ 4637676 w 12202113"/>
+              <a:gd name="connsiteY209" fmla="*/ 2946666 h 3188466"/>
+              <a:gd name="connsiteX210" fmla="*/ 4585922 w 12202113"/>
+              <a:gd name="connsiteY210" fmla="*/ 2944906 h 3188466"/>
+              <a:gd name="connsiteX211" fmla="*/ 4539516 w 12202113"/>
+              <a:gd name="connsiteY211" fmla="*/ 2953466 h 3188466"/>
+              <a:gd name="connsiteX212" fmla="*/ 4520819 w 12202113"/>
+              <a:gd name="connsiteY212" fmla="*/ 2950477 h 3188466"/>
+              <a:gd name="connsiteX213" fmla="*/ 4517604 w 12202113"/>
+              <a:gd name="connsiteY213" fmla="*/ 2949852 h 3188466"/>
+              <a:gd name="connsiteX214" fmla="*/ 4504537 w 12202113"/>
+              <a:gd name="connsiteY214" fmla="*/ 2949759 h 3188466"/>
+              <a:gd name="connsiteX215" fmla="*/ 4501104 w 12202113"/>
+              <a:gd name="connsiteY215" fmla="*/ 2946715 h 3188466"/>
+              <a:gd name="connsiteX216" fmla="*/ 4342695 w 12202113"/>
+              <a:gd name="connsiteY216" fmla="*/ 2951638 h 3188466"/>
+              <a:gd name="connsiteX217" fmla="*/ 4274096 w 12202113"/>
+              <a:gd name="connsiteY217" fmla="*/ 2953640 h 3188466"/>
+              <a:gd name="connsiteX218" fmla="*/ 4248170 w 12202113"/>
+              <a:gd name="connsiteY218" fmla="*/ 2951384 h 3188466"/>
+              <a:gd name="connsiteX219" fmla="*/ 4147924 w 12202113"/>
+              <a:gd name="connsiteY219" fmla="*/ 2945945 h 3188466"/>
+              <a:gd name="connsiteX220" fmla="*/ 4061825 w 12202113"/>
+              <a:gd name="connsiteY220" fmla="*/ 2944206 h 3188466"/>
+              <a:gd name="connsiteX221" fmla="*/ 3998557 w 12202113"/>
+              <a:gd name="connsiteY221" fmla="*/ 2955821 h 3188466"/>
+              <a:gd name="connsiteX222" fmla="*/ 3993107 w 12202113"/>
+              <a:gd name="connsiteY222" fmla="*/ 2953708 h 3188466"/>
+              <a:gd name="connsiteX223" fmla="*/ 3949713 w 12202113"/>
+              <a:gd name="connsiteY223" fmla="*/ 2955441 h 3188466"/>
+              <a:gd name="connsiteX224" fmla="*/ 3797284 w 12202113"/>
+              <a:gd name="connsiteY224" fmla="*/ 2977037 h 3188466"/>
+              <a:gd name="connsiteX225" fmla="*/ 3712498 w 12202113"/>
+              <a:gd name="connsiteY225" fmla="*/ 2979996 h 3188466"/>
+              <a:gd name="connsiteX226" fmla="*/ 3682471 w 12202113"/>
+              <a:gd name="connsiteY226" fmla="*/ 2978543 h 3188466"/>
+              <a:gd name="connsiteX227" fmla="*/ 3632163 w 12202113"/>
+              <a:gd name="connsiteY227" fmla="*/ 2976264 h 3188466"/>
+              <a:gd name="connsiteX228" fmla="*/ 3594728 w 12202113"/>
+              <a:gd name="connsiteY228" fmla="*/ 2968398 h 3188466"/>
+              <a:gd name="connsiteX229" fmla="*/ 3552594 w 12202113"/>
+              <a:gd name="connsiteY229" fmla="*/ 2968934 h 3188466"/>
+              <a:gd name="connsiteX230" fmla="*/ 3542589 w 12202113"/>
+              <a:gd name="connsiteY230" fmla="*/ 2977031 h 3188466"/>
+              <a:gd name="connsiteX231" fmla="*/ 3497591 w 12202113"/>
+              <a:gd name="connsiteY231" fmla="*/ 2975018 h 3188466"/>
+              <a:gd name="connsiteX232" fmla="*/ 3429352 w 12202113"/>
+              <a:gd name="connsiteY232" fmla="*/ 2971090 h 3188466"/>
+              <a:gd name="connsiteX233" fmla="*/ 3389938 w 12202113"/>
+              <a:gd name="connsiteY233" fmla="*/ 2970884 h 3188466"/>
+              <a:gd name="connsiteX234" fmla="*/ 3282344 w 12202113"/>
+              <a:gd name="connsiteY234" fmla="*/ 2968084 h 3188466"/>
+              <a:gd name="connsiteX235" fmla="*/ 3174624 w 12202113"/>
+              <a:gd name="connsiteY235" fmla="*/ 2963576 h 3188466"/>
+              <a:gd name="connsiteX236" fmla="*/ 3111077 w 12202113"/>
+              <a:gd name="connsiteY236" fmla="*/ 2951285 h 3188466"/>
+              <a:gd name="connsiteX237" fmla="*/ 3022501 w 12202113"/>
+              <a:gd name="connsiteY237" fmla="*/ 2948619 h 3188466"/>
+              <a:gd name="connsiteX238" fmla="*/ 3007714 w 12202113"/>
+              <a:gd name="connsiteY238" fmla="*/ 2946762 h 3188466"/>
+              <a:gd name="connsiteX239" fmla="*/ 2903098 w 12202113"/>
+              <a:gd name="connsiteY239" fmla="*/ 2940576 h 3188466"/>
+              <a:gd name="connsiteX240" fmla="*/ 2781591 w 12202113"/>
+              <a:gd name="connsiteY240" fmla="*/ 2946394 h 3188466"/>
+              <a:gd name="connsiteX241" fmla="*/ 2627942 w 12202113"/>
+              <a:gd name="connsiteY241" fmla="*/ 2919996 h 3188466"/>
+              <a:gd name="connsiteX242" fmla="*/ 2354959 w 12202113"/>
+              <a:gd name="connsiteY242" fmla="*/ 2882080 h 3188466"/>
+              <a:gd name="connsiteX243" fmla="*/ 2063184 w 12202113"/>
+              <a:gd name="connsiteY243" fmla="*/ 2879109 h 3188466"/>
+              <a:gd name="connsiteX244" fmla="*/ 1986946 w 12202113"/>
+              <a:gd name="connsiteY244" fmla="*/ 2887619 h 3188466"/>
+              <a:gd name="connsiteX245" fmla="*/ 1763479 w 12202113"/>
+              <a:gd name="connsiteY245" fmla="*/ 2909077 h 3188466"/>
+              <a:gd name="connsiteX246" fmla="*/ 1537980 w 12202113"/>
+              <a:gd name="connsiteY246" fmla="*/ 2960398 h 3188466"/>
+              <a:gd name="connsiteX247" fmla="*/ 1395229 w 12202113"/>
+              <a:gd name="connsiteY247" fmla="*/ 2975625 h 3188466"/>
+              <a:gd name="connsiteX248" fmla="*/ 1327834 w 12202113"/>
+              <a:gd name="connsiteY248" fmla="*/ 2989485 h 3188466"/>
+              <a:gd name="connsiteX249" fmla="*/ 1280757 w 12202113"/>
+              <a:gd name="connsiteY249" fmla="*/ 2992959 h 3188466"/>
+              <a:gd name="connsiteX250" fmla="*/ 1252582 w 12202113"/>
+              <a:gd name="connsiteY250" fmla="*/ 2995877 h 3188466"/>
+              <a:gd name="connsiteX251" fmla="*/ 1204670 w 12202113"/>
+              <a:gd name="connsiteY251" fmla="*/ 3014826 h 3188466"/>
+              <a:gd name="connsiteX252" fmla="*/ 1020457 w 12202113"/>
+              <a:gd name="connsiteY252" fmla="*/ 3031603 h 3188466"/>
+              <a:gd name="connsiteX253" fmla="*/ 843248 w 12202113"/>
+              <a:gd name="connsiteY253" fmla="*/ 3026954 h 3188466"/>
+              <a:gd name="connsiteX254" fmla="*/ 583517 w 12202113"/>
+              <a:gd name="connsiteY254" fmla="*/ 3089095 h 3188466"/>
+              <a:gd name="connsiteX255" fmla="*/ 556836 w 12202113"/>
+              <a:gd name="connsiteY255" fmla="*/ 3094374 h 3188466"/>
+              <a:gd name="connsiteX256" fmla="*/ 412089 w 12202113"/>
+              <a:gd name="connsiteY256" fmla="*/ 3121334 h 3188466"/>
+              <a:gd name="connsiteX257" fmla="*/ 83929 w 12202113"/>
+              <a:gd name="connsiteY257" fmla="*/ 3150566 h 3188466"/>
+            </a:gdLst>
+            <a:ahLst/>
+            <a:cxnLst>
+              <a:cxn ang="0">
+                <a:pos x="connsiteX0" y="connsiteY0"/>
+              </a:cxn>
+              <a:cxn ang="0">
+                <a:pos x="connsiteX1" y="connsiteY1"/>
+              </a:cxn>
+              <a:cxn ang="0">
+                <a:pos x="connsiteX2" y="connsiteY2"/>
+              </a:cxn>
+              <a:cxn ang="0">
+                <a:pos x="connsiteX3" y="connsiteY3"/>
+              </a:cxn>
+              <a:cxn ang="0">
+                <a:pos x="connsiteX4" y="connsiteY4"/>
+              </a:cxn>
+              <a:cxn ang="0">
+                <a:pos x="connsiteX5" y="connsiteY5"/>
+              </a:cxn>
+              <a:cxn ang="0">
+                <a:pos x="connsiteX6" y="connsiteY6"/>
+              </a:cxn>
+              <a:cxn ang="0">
+                <a:pos x="connsiteX7" y="connsiteY7"/>
+              </a:cxn>
+              <a:cxn ang="0">
+                <a:pos x="connsiteX8" y="connsiteY8"/>
+              </a:cxn>
+              <a:cxn ang="0">
+                <a:pos x="connsiteX9" y="connsiteY9"/>
+              </a:cxn>
+              <a:cxn ang="0">
+                <a:pos x="connsiteX10" y="connsiteY10"/>
+              </a:cxn>
+              <a:cxn ang="0">
+                <a:pos x="connsiteX11" y="connsiteY11"/>
+              </a:cxn>
+              <a:cxn ang="0">
+                <a:pos x="connsiteX12" y="connsiteY12"/>
+              </a:cxn>
+              <a:cxn ang="0">
+                <a:pos x="connsiteX13" y="connsiteY13"/>
+              </a:cxn>
+              <a:cxn ang="0">
+                <a:pos x="connsiteX14" y="connsiteY14"/>
+              </a:cxn>
+              <a:cxn ang="0">
+                <a:pos x="connsiteX15" y="connsiteY15"/>
+              </a:cxn>
+              <a:cxn ang="0">
+                <a:pos x="connsiteX16" y="connsiteY16"/>
+              </a:cxn>
+              <a:cxn ang="0">
+                <a:pos x="connsiteX17" y="connsiteY17"/>
+              </a:cxn>
+              <a:cxn ang="0">
+                <a:pos x="connsiteX18" y="connsiteY18"/>
+              </a:cxn>
+              <a:cxn ang="0">
+                <a:pos x="connsiteX19" y="connsiteY19"/>
+              </a:cxn>
+              <a:cxn ang="0">
+                <a:pos x="connsiteX20" y="connsiteY20"/>
+              </a:cxn>
+              <a:cxn ang="0">
+                <a:pos x="connsiteX21" y="connsiteY21"/>
+              </a:cxn>
+              <a:cxn ang="0">
+                <a:pos x="connsiteX22" y="connsiteY22"/>
+              </a:cxn>
+              <a:cxn ang="0">
+                <a:pos x="connsiteX23" y="connsiteY23"/>
+              </a:cxn>
+              <a:cxn ang="0">
+                <a:pos x="connsiteX24" y="connsiteY24"/>
+              </a:cxn>
+              <a:cxn ang="0">
+                <a:pos x="connsiteX25" y="connsiteY25"/>
+              </a:cxn>
+              <a:cxn ang="0">
+                <a:pos x="connsiteX26" y="connsiteY26"/>
+              </a:cxn>
+              <a:cxn ang="0">
+                <a:pos x="connsiteX27" y="connsiteY27"/>
+              </a:cxn>
+              <a:cxn ang="0">
+                <a:pos x="connsiteX28" y="connsiteY28"/>
+              </a:cxn>
+              <a:cxn ang="0">
+                <a:pos x="connsiteX29" y="connsiteY29"/>
+              </a:cxn>
+              <a:cxn ang="0">
+                <a:pos x="connsiteX30" y="connsiteY30"/>
+              </a:cxn>
+              <a:cxn ang="0">
+                <a:pos x="connsiteX31" y="connsiteY31"/>
+              </a:cxn>
+              <a:cxn ang="0">
+                <a:pos x="connsiteX32" y="connsiteY32"/>
+              </a:cxn>
+              <a:cxn ang="0">
+                <a:pos x="connsiteX33" y="connsiteY33"/>
+              </a:cxn>
+              <a:cxn ang="0">
+                <a:pos x="connsiteX34" y="connsiteY34"/>
+              </a:cxn>
+              <a:cxn ang="0">
+                <a:pos x="connsiteX35" y="connsiteY35"/>
+              </a:cxn>
+              <a:cxn ang="0">
+                <a:pos x="connsiteX36" y="connsiteY36"/>
+              </a:cxn>
+              <a:cxn ang="0">
+                <a:pos x="connsiteX37" y="connsiteY37"/>
+              </a:cxn>
+              <a:cxn ang="0">
+                <a:pos x="connsiteX38" y="connsiteY38"/>
+              </a:cxn>
+              <a:cxn ang="0">
+                <a:pos x="connsiteX39" y="connsiteY39"/>
+              </a:cxn>
+              <a:cxn ang="0">
+                <a:pos x="connsiteX40" y="connsiteY40"/>
+              </a:cxn>
+              <a:cxn ang="0">
+                <a:pos x="connsiteX41" y="connsiteY41"/>
+              </a:cxn>
+              <a:cxn ang="0">
+                <a:pos x="connsiteX42" y="connsiteY42"/>
+              </a:cxn>
+              <a:cxn ang="0">
+                <a:pos x="connsiteX43" y="connsiteY43"/>
+              </a:cxn>
+              <a:cxn ang="0">
+                <a:pos x="connsiteX44" y="connsiteY44"/>
+              </a:cxn>
+              <a:cxn ang="0">
+                <a:pos x="connsiteX45" y="connsiteY45"/>
+              </a:cxn>
+              <a:cxn ang="0">
+                <a:pos x="connsiteX46" y="connsiteY46"/>
+              </a:cxn>
+              <a:cxn ang="0">
+                <a:pos x="connsiteX47" y="connsiteY47"/>
+              </a:cxn>
+              <a:cxn ang="0">
+                <a:pos x="connsiteX48" y="connsiteY48"/>
+              </a:cxn>
+              <a:cxn ang="0">
+                <a:pos x="connsiteX49" y="connsiteY49"/>
+              </a:cxn>
+              <a:cxn ang="0">
+                <a:pos x="connsiteX50" y="connsiteY50"/>
+              </a:cxn>
+              <a:cxn ang="0">
+                <a:pos x="connsiteX51" y="connsiteY51"/>
+              </a:cxn>
+              <a:cxn ang="0">
+                <a:pos x="connsiteX52" y="connsiteY52"/>
+              </a:cxn>
+              <a:cxn ang="0">
+                <a:pos x="connsiteX53" y="connsiteY53"/>
+              </a:cxn>
+              <a:cxn ang="0">
+                <a:pos x="connsiteX54" y="connsiteY54"/>
+              </a:cxn>
+              <a:cxn ang="0">
+                <a:pos x="connsiteX55" y="connsiteY55"/>
+              </a:cxn>
+              <a:cxn ang="0">
+                <a:pos x="connsiteX56" y="connsiteY56"/>
+              </a:cxn>
+              <a:cxn ang="0">
+                <a:pos x="connsiteX57" y="connsiteY57"/>
+              </a:cxn>
+              <a:cxn ang="0">
+                <a:pos x="connsiteX58" y="connsiteY58"/>
+              </a:cxn>
+              <a:cxn ang="0">
+                <a:pos x="connsiteX59" y="connsiteY59"/>
+              </a:cxn>
+              <a:cxn ang="0">
+                <a:pos x="connsiteX60" y="connsiteY60"/>
+              </a:cxn>
+              <a:cxn ang="0">
+                <a:pos x="connsiteX61" y="connsiteY61"/>
+              </a:cxn>
+              <a:cxn ang="0">
+                <a:pos x="connsiteX62" y="connsiteY62"/>
+              </a:cxn>
+              <a:cxn ang="0">
+                <a:pos x="connsiteX63" y="connsiteY63"/>
+              </a:cxn>
+              <a:cxn ang="0">
+                <a:pos x="connsiteX64" y="connsiteY64"/>
+              </a:cxn>
+              <a:cxn ang="0">
+                <a:pos x="connsiteX65" y="connsiteY65"/>
+              </a:cxn>
+              <a:cxn ang="0">
+                <a:pos x="connsiteX66" y="connsiteY66"/>
+              </a:cxn>
+              <a:cxn ang="0">
+                <a:pos x="connsiteX67" y="connsiteY67"/>
+              </a:cxn>
+              <a:cxn ang="0">
+                <a:pos x="connsiteX68" y="connsiteY68"/>
+              </a:cxn>
+              <a:cxn ang="0">
+                <a:pos x="connsiteX69" y="connsiteY69"/>
+              </a:cxn>
+              <a:cxn ang="0">
+                <a:pos x="connsiteX70" y="connsiteY70"/>
+              </a:cxn>
+              <a:cxn ang="0">
+                <a:pos x="connsiteX71" y="connsiteY71"/>
+              </a:cxn>
+              <a:cxn ang="0">
+                <a:pos x="connsiteX72" y="connsiteY72"/>
+              </a:cxn>
+              <a:cxn ang="0">
+                <a:pos x="connsiteX73" y="connsiteY73"/>
+              </a:cxn>
+              <a:cxn ang="0">
+                <a:pos x="connsiteX74" y="connsiteY74"/>
+              </a:cxn>
+              <a:cxn ang="0">
+                <a:pos x="connsiteX75" y="connsiteY75"/>
+              </a:cxn>
+              <a:cxn ang="0">
+                <a:pos x="connsiteX76" y="connsiteY76"/>
+              </a:cxn>
+              <a:cxn ang="0">
+                <a:pos x="connsiteX77" y="connsiteY77"/>
+              </a:cxn>
+              <a:cxn ang="0">
+                <a:pos x="connsiteX78" y="connsiteY78"/>
+              </a:cxn>
+              <a:cxn ang="0">
+                <a:pos x="connsiteX79" y="connsiteY79"/>
+              </a:cxn>
+              <a:cxn ang="0">
+                <a:pos x="connsiteX80" y="connsiteY80"/>
+              </a:cxn>
+              <a:cxn ang="0">
+                <a:pos x="connsiteX81" y="connsiteY81"/>
+              </a:cxn>
+              <a:cxn ang="0">
+                <a:pos x="connsiteX82" y="connsiteY82"/>
+              </a:cxn>
+              <a:cxn ang="0">
+                <a:pos x="connsiteX83" y="connsiteY83"/>
+              </a:cxn>
+              <a:cxn ang="0">
+                <a:pos x="connsiteX84" y="connsiteY84"/>
+              </a:cxn>
+              <a:cxn ang="0">
+                <a:pos x="connsiteX85" y="connsiteY85"/>
+              </a:cxn>
+              <a:cxn ang="0">
+                <a:pos x="connsiteX86" y="connsiteY86"/>
+              </a:cxn>
+              <a:cxn ang="0">
+                <a:pos x="connsiteX87" y="connsiteY87"/>
+              </a:cxn>
+              <a:cxn ang="0">
+                <a:pos x="connsiteX88" y="connsiteY88"/>
+              </a:cxn>
+              <a:cxn ang="0">
+                <a:pos x="connsiteX89" y="connsiteY89"/>
+              </a:cxn>
+              <a:cxn ang="0">
+                <a:pos x="connsiteX90" y="connsiteY90"/>
+              </a:cxn>
+              <a:cxn ang="0">
+                <a:pos x="connsiteX91" y="connsiteY91"/>
+              </a:cxn>
+              <a:cxn ang="0">
+                <a:pos x="connsiteX92" y="connsiteY92"/>
+              </a:cxn>
+              <a:cxn ang="0">
+                <a:pos x="connsiteX93" y="connsiteY93"/>
+              </a:cxn>
+              <a:cxn ang="0">
+                <a:pos x="connsiteX94" y="connsiteY94"/>
+              </a:cxn>
+              <a:cxn ang="0">
+                <a:pos x="connsiteX95" y="connsiteY95"/>
+              </a:cxn>
+              <a:cxn ang="0">
+                <a:pos x="connsiteX96" y="connsiteY96"/>
+              </a:cxn>
+              <a:cxn ang="0">
+                <a:pos x="connsiteX97" y="connsiteY97"/>
+              </a:cxn>
+              <a:cxn ang="0">
+                <a:pos x="connsiteX98" y="connsiteY98"/>
+              </a:cxn>
+              <a:cxn ang="0">
+                <a:pos x="connsiteX99" y="connsiteY99"/>
+              </a:cxn>
+              <a:cxn ang="0">
+                <a:pos x="connsiteX100" y="connsiteY100"/>
+              </a:cxn>
+              <a:cxn ang="0">
+                <a:pos x="connsiteX101" y="connsiteY101"/>
+              </a:cxn>
+              <a:cxn ang="0">
+                <a:pos x="connsiteX102" y="connsiteY102"/>
+              </a:cxn>
+              <a:cxn ang="0">
+                <a:pos x="connsiteX103" y="connsiteY103"/>
+              </a:cxn>
+              <a:cxn ang="0">
+                <a:pos x="connsiteX104" y="connsiteY104"/>
+              </a:cxn>
+              <a:cxn ang="0">
+                <a:pos x="connsiteX105" y="connsiteY105"/>
+              </a:cxn>
+              <a:cxn ang="0">
+                <a:pos x="connsiteX106" y="connsiteY106"/>
+              </a:cxn>
+              <a:cxn ang="0">
+                <a:pos x="connsiteX107" y="connsiteY107"/>
+              </a:cxn>
+              <a:cxn ang="0">
+                <a:pos x="connsiteX108" y="connsiteY108"/>
+              </a:cxn>
+              <a:cxn ang="0">
+                <a:pos x="connsiteX109" y="connsiteY109"/>
+              </a:cxn>
+              <a:cxn ang="0">
+                <a:pos x="connsiteX110" y="connsiteY110"/>
+              </a:cxn>
+              <a:cxn ang="0">
+                <a:pos x="connsiteX111" y="connsiteY111"/>
+              </a:cxn>
+              <a:cxn ang="0">
+                <a:pos x="connsiteX112" y="connsiteY112"/>
+              </a:cxn>
+              <a:cxn ang="0">
+                <a:pos x="connsiteX113" y="connsiteY113"/>
+              </a:cxn>
+              <a:cxn ang="0">
+                <a:pos x="connsiteX114" y="connsiteY114"/>
+              </a:cxn>
+              <a:cxn ang="0">
+                <a:pos x="connsiteX115" y="connsiteY115"/>
+              </a:cxn>
+              <a:cxn ang="0">
+                <a:pos x="connsiteX116" y="connsiteY116"/>
+              </a:cxn>
+              <a:cxn ang="0">
+                <a:pos x="connsiteX117" y="connsiteY117"/>
+              </a:cxn>
+              <a:cxn ang="0">
+                <a:pos x="connsiteX118" y="connsiteY118"/>
+              </a:cxn>
+              <a:cxn ang="0">
+                <a:pos x="connsiteX119" y="connsiteY119"/>
+              </a:cxn>
+              <a:cxn ang="0">
+                <a:pos x="connsiteX120" y="connsiteY120"/>
+              </a:cxn>
+              <a:cxn ang="0">
+                <a:pos x="connsiteX121" y="connsiteY121"/>
+              </a:cxn>
+              <a:cxn ang="0">
+                <a:pos x="connsiteX122" y="connsiteY122"/>
+              </a:cxn>
+              <a:cxn ang="0">
+                <a:pos x="connsiteX123" y="connsiteY123"/>
+              </a:cxn>
+              <a:cxn ang="0">
+                <a:pos x="connsiteX124" y="connsiteY124"/>
+              </a:cxn>
+              <a:cxn ang="0">
+                <a:pos x="connsiteX125" y="connsiteY125"/>
+              </a:cxn>
+              <a:cxn ang="0">
+                <a:pos x="connsiteX126" y="connsiteY126"/>
+              </a:cxn>
+              <a:cxn ang="0">
+                <a:pos x="connsiteX127" y="connsiteY127"/>
+              </a:cxn>
+              <a:cxn ang="0">
+                <a:pos x="connsiteX128" y="connsiteY128"/>
+              </a:cxn>
+              <a:cxn ang="0">
+                <a:pos x="connsiteX129" y="connsiteY129"/>
+              </a:cxn>
+              <a:cxn ang="0">
+                <a:pos x="connsiteX130" y="connsiteY130"/>
+              </a:cxn>
+              <a:cxn ang="0">
+                <a:pos x="connsiteX131" y="connsiteY131"/>
+              </a:cxn>
+              <a:cxn ang="0">
+                <a:pos x="connsiteX132" y="connsiteY132"/>
+              </a:cxn>
+              <a:cxn ang="0">
+                <a:pos x="connsiteX133" y="connsiteY133"/>
+              </a:cxn>
+              <a:cxn ang="0">
+                <a:pos x="connsiteX134" y="connsiteY134"/>
+              </a:cxn>
+              <a:cxn ang="0">
+                <a:pos x="connsiteX135" y="connsiteY135"/>
+              </a:cxn>
+              <a:cxn ang="0">
+                <a:pos x="connsiteX136" y="connsiteY136"/>
+              </a:cxn>
+              <a:cxn ang="0">
+                <a:pos x="connsiteX137" y="connsiteY137"/>
+              </a:cxn>
+              <a:cxn ang="0">
+                <a:pos x="connsiteX138" y="connsiteY138"/>
+              </a:cxn>
+              <a:cxn ang="0">
+                <a:pos x="connsiteX139" y="connsiteY139"/>
+              </a:cxn>
+              <a:cxn ang="0">
+                <a:pos x="connsiteX140" y="connsiteY140"/>
+              </a:cxn>
+              <a:cxn ang="0">
+                <a:pos x="connsiteX141" y="connsiteY141"/>
+              </a:cxn>
+              <a:cxn ang="0">
+                <a:pos x="connsiteX142" y="connsiteY142"/>
+              </a:cxn>
+              <a:cxn ang="0">
+                <a:pos x="connsiteX143" y="connsiteY143"/>
+              </a:cxn>
+              <a:cxn ang="0">
+                <a:pos x="connsiteX144" y="connsiteY144"/>
+              </a:cxn>
+              <a:cxn ang="0">
+                <a:pos x="connsiteX145" y="connsiteY145"/>
+              </a:cxn>
+              <a:cxn ang="0">
+                <a:pos x="connsiteX146" y="connsiteY146"/>
+              </a:cxn>
+              <a:cxn ang="0">
+                <a:pos x="connsiteX147" y="connsiteY147"/>
+              </a:cxn>
+              <a:cxn ang="0">
+                <a:pos x="connsiteX148" y="connsiteY148"/>
+              </a:cxn>
+              <a:cxn ang="0">
+                <a:pos x="connsiteX149" y="connsiteY149"/>
+              </a:cxn>
+              <a:cxn ang="0">
+                <a:pos x="connsiteX150" y="connsiteY150"/>
+              </a:cxn>
+              <a:cxn ang="0">
+                <a:pos x="connsiteX151" y="connsiteY151"/>
+              </a:cxn>
+              <a:cxn ang="0">
+                <a:pos x="connsiteX152" y="connsiteY152"/>
+              </a:cxn>
+              <a:cxn ang="0">
+                <a:pos x="connsiteX153" y="connsiteY153"/>
+              </a:cxn>
+              <a:cxn ang="0">
+                <a:pos x="connsiteX154" y="connsiteY154"/>
+              </a:cxn>
+              <a:cxn ang="0">
+                <a:pos x="connsiteX155" y="connsiteY155"/>
+              </a:cxn>
+              <a:cxn ang="0">
+                <a:pos x="connsiteX156" y="connsiteY156"/>
+              </a:cxn>
+              <a:cxn ang="0">
+                <a:pos x="connsiteX157" y="connsiteY157"/>
+              </a:cxn>
+              <a:cxn ang="0">
+                <a:pos x="connsiteX158" y="connsiteY158"/>
+              </a:cxn>
+              <a:cxn ang="0">
+                <a:pos x="connsiteX159" y="connsiteY159"/>
+              </a:cxn>
+              <a:cxn ang="0">
+                <a:pos x="connsiteX160" y="connsiteY160"/>
+              </a:cxn>
+              <a:cxn ang="0">
+                <a:pos x="connsiteX161" y="connsiteY161"/>
+              </a:cxn>
+              <a:cxn ang="0">
+                <a:pos x="connsiteX162" y="connsiteY162"/>
+              </a:cxn>
+              <a:cxn ang="0">
+                <a:pos x="connsiteX163" y="connsiteY163"/>
+              </a:cxn>
+              <a:cxn ang="0">
+                <a:pos x="connsiteX164" y="connsiteY164"/>
+              </a:cxn>
+              <a:cxn ang="0">
+                <a:pos x="connsiteX165" y="connsiteY165"/>
+              </a:cxn>
+              <a:cxn ang="0">
+                <a:pos x="connsiteX166" y="connsiteY166"/>
+              </a:cxn>
+              <a:cxn ang="0">
+                <a:pos x="connsiteX167" y="connsiteY167"/>
+              </a:cxn>
+              <a:cxn ang="0">
+                <a:pos x="connsiteX168" y="connsiteY168"/>
+              </a:cxn>
+              <a:cxn ang="0">
+                <a:pos x="connsiteX169" y="connsiteY169"/>
+              </a:cxn>
+              <a:cxn ang="0">
+                <a:pos x="connsiteX170" y="connsiteY170"/>
+              </a:cxn>
+              <a:cxn ang="0">
+                <a:pos x="connsiteX171" y="connsiteY171"/>
+              </a:cxn>
+              <a:cxn ang="0">
+                <a:pos x="connsiteX172" y="connsiteY172"/>
+              </a:cxn>
+              <a:cxn ang="0">
+                <a:pos x="connsiteX173" y="connsiteY173"/>
+              </a:cxn>
+              <a:cxn ang="0">
+                <a:pos x="connsiteX174" y="connsiteY174"/>
+              </a:cxn>
+              <a:cxn ang="0">
+                <a:pos x="connsiteX175" y="connsiteY175"/>
+              </a:cxn>
+              <a:cxn ang="0">
+                <a:pos x="connsiteX176" y="connsiteY176"/>
+              </a:cxn>
+              <a:cxn ang="0">
+                <a:pos x="connsiteX177" y="connsiteY177"/>
+              </a:cxn>
+              <a:cxn ang="0">
+                <a:pos x="connsiteX178" y="connsiteY178"/>
+              </a:cxn>
+              <a:cxn ang="0">
+                <a:pos x="connsiteX179" y="connsiteY179"/>
+              </a:cxn>
+              <a:cxn ang="0">
+                <a:pos x="connsiteX180" y="connsiteY180"/>
+              </a:cxn>
+              <a:cxn ang="0">
+                <a:pos x="connsiteX181" y="connsiteY181"/>
+              </a:cxn>
+              <a:cxn ang="0">
+                <a:pos x="connsiteX182" y="connsiteY182"/>
+              </a:cxn>
+              <a:cxn ang="0">
+                <a:pos x="connsiteX183" y="connsiteY183"/>
+              </a:cxn>
+              <a:cxn ang="0">
+                <a:pos x="connsiteX184" y="connsiteY184"/>
+              </a:cxn>
+              <a:cxn ang="0">
+                <a:pos x="connsiteX185" y="connsiteY185"/>
+              </a:cxn>
+              <a:cxn ang="0">
+                <a:pos x="connsiteX186" y="connsiteY186"/>
+              </a:cxn>
+              <a:cxn ang="0">
+                <a:pos x="connsiteX187" y="connsiteY187"/>
+              </a:cxn>
+              <a:cxn ang="0">
+                <a:pos x="connsiteX188" y="connsiteY188"/>
+              </a:cxn>
+              <a:cxn ang="0">
+                <a:pos x="connsiteX189" y="connsiteY189"/>
+              </a:cxn>
+              <a:cxn ang="0">
+                <a:pos x="connsiteX190" y="connsiteY190"/>
+              </a:cxn>
+              <a:cxn ang="0">
+                <a:pos x="connsiteX191" y="connsiteY191"/>
+              </a:cxn>
+              <a:cxn ang="0">
+                <a:pos x="connsiteX192" y="connsiteY192"/>
+              </a:cxn>
+              <a:cxn ang="0">
+                <a:pos x="connsiteX193" y="connsiteY193"/>
+              </a:cxn>
+              <a:cxn ang="0">
+                <a:pos x="connsiteX194" y="connsiteY194"/>
+              </a:cxn>
+              <a:cxn ang="0">
+                <a:pos x="connsiteX195" y="connsiteY195"/>
+              </a:cxn>
+              <a:cxn ang="0">
+                <a:pos x="connsiteX196" y="connsiteY196"/>
+              </a:cxn>
+              <a:cxn ang="0">
+                <a:pos x="connsiteX197" y="connsiteY197"/>
+              </a:cxn>
+              <a:cxn ang="0">
+                <a:pos x="connsiteX198" y="connsiteY198"/>
+              </a:cxn>
+              <a:cxn ang="0">
+                <a:pos x="connsiteX199" y="connsiteY199"/>
+              </a:cxn>
+              <a:cxn ang="0">
+                <a:pos x="connsiteX200" y="connsiteY200"/>
+              </a:cxn>
+              <a:cxn ang="0">
+                <a:pos x="connsiteX201" y="connsiteY201"/>
+              </a:cxn>
+              <a:cxn ang="0">
+                <a:pos x="connsiteX202" y="connsiteY202"/>
+              </a:cxn>
+              <a:cxn ang="0">
+                <a:pos x="connsiteX203" y="connsiteY203"/>
+              </a:cxn>
+              <a:cxn ang="0">
+                <a:pos x="connsiteX204" y="connsiteY204"/>
+              </a:cxn>
+              <a:cxn ang="0">
+                <a:pos x="connsiteX205" y="connsiteY205"/>
+              </a:cxn>
+              <a:cxn ang="0">
+                <a:pos x="connsiteX206" y="connsiteY206"/>
+              </a:cxn>
+              <a:cxn ang="0">
+                <a:pos x="connsiteX207" y="connsiteY207"/>
+              </a:cxn>
+              <a:cxn ang="0">
+                <a:pos x="connsiteX208" y="connsiteY208"/>
+              </a:cxn>
+              <a:cxn ang="0">
+                <a:pos x="connsiteX209" y="connsiteY209"/>
+              </a:cxn>
+              <a:cxn ang="0">
+                <a:pos x="connsiteX210" y="connsiteY210"/>
+              </a:cxn>
+              <a:cxn ang="0">
+                <a:pos x="connsiteX211" y="connsiteY211"/>
+              </a:cxn>
+              <a:cxn ang="0">
+                <a:pos x="connsiteX212" y="connsiteY212"/>
+              </a:cxn>
+              <a:cxn ang="0">
+                <a:pos x="connsiteX213" y="connsiteY213"/>
+              </a:cxn>
+              <a:cxn ang="0">
+                <a:pos x="connsiteX214" y="connsiteY214"/>
+              </a:cxn>
+              <a:cxn ang="0">
+                <a:pos x="connsiteX215" y="connsiteY215"/>
+              </a:cxn>
+              <a:cxn ang="0">
+                <a:pos x="connsiteX216" y="connsiteY216"/>
+              </a:cxn>
+              <a:cxn ang="0">
+                <a:pos x="connsiteX217" y="connsiteY217"/>
+              </a:cxn>
+              <a:cxn ang="0">
+                <a:pos x="connsiteX218" y="connsiteY218"/>
+              </a:cxn>
+              <a:cxn ang="0">
+                <a:pos x="connsiteX219" y="connsiteY219"/>
+              </a:cxn>
+              <a:cxn ang="0">
+                <a:pos x="connsiteX220" y="connsiteY220"/>
+              </a:cxn>
+              <a:cxn ang="0">
+                <a:pos x="connsiteX221" y="connsiteY221"/>
+              </a:cxn>
+              <a:cxn ang="0">
+                <a:pos x="connsiteX222" y="connsiteY222"/>
+              </a:cxn>
+              <a:cxn ang="0">
+                <a:pos x="connsiteX223" y="connsiteY223"/>
+              </a:cxn>
+              <a:cxn ang="0">
+                <a:pos x="connsiteX224" y="connsiteY224"/>
+              </a:cxn>
+              <a:cxn ang="0">
+                <a:pos x="connsiteX225" y="connsiteY225"/>
+              </a:cxn>
+              <a:cxn ang="0">
+                <a:pos x="connsiteX226" y="connsiteY226"/>
+              </a:cxn>
+              <a:cxn ang="0">
+                <a:pos x="connsiteX227" y="connsiteY227"/>
+              </a:cxn>
+              <a:cxn ang="0">
+                <a:pos x="connsiteX228" y="connsiteY228"/>
+              </a:cxn>
+              <a:cxn ang="0">
+                <a:pos x="connsiteX229" y="connsiteY229"/>
+              </a:cxn>
+              <a:cxn ang="0">
+                <a:pos x="connsiteX230" y="connsiteY230"/>
+              </a:cxn>
+              <a:cxn ang="0">
+                <a:pos x="connsiteX231" y="connsiteY231"/>
+              </a:cxn>
+              <a:cxn ang="0">
+                <a:pos x="connsiteX232" y="connsiteY232"/>
+              </a:cxn>
+              <a:cxn ang="0">
+                <a:pos x="connsiteX233" y="connsiteY233"/>
+              </a:cxn>
+              <a:cxn ang="0">
+                <a:pos x="connsiteX234" y="connsiteY234"/>
+              </a:cxn>
+              <a:cxn ang="0">
+                <a:pos x="connsiteX235" y="connsiteY235"/>
+              </a:cxn>
+              <a:cxn ang="0">
+                <a:pos x="connsiteX236" y="connsiteY236"/>
+              </a:cxn>
+              <a:cxn ang="0">
+                <a:pos x="connsiteX237" y="connsiteY237"/>
+              </a:cxn>
+              <a:cxn ang="0">
+                <a:pos x="connsiteX238" y="connsiteY238"/>
+              </a:cxn>
+              <a:cxn ang="0">
+                <a:pos x="connsiteX239" y="connsiteY239"/>
+              </a:cxn>
+              <a:cxn ang="0">
+                <a:pos x="connsiteX240" y="connsiteY240"/>
+              </a:cxn>
+              <a:cxn ang="0">
+                <a:pos x="connsiteX241" y="connsiteY241"/>
+              </a:cxn>
+              <a:cxn ang="0">
+                <a:pos x="connsiteX242" y="connsiteY242"/>
+              </a:cxn>
+              <a:cxn ang="0">
+                <a:pos x="connsiteX243" y="connsiteY243"/>
+              </a:cxn>
+              <a:cxn ang="0">
+                <a:pos x="connsiteX244" y="connsiteY244"/>
+              </a:cxn>
+              <a:cxn ang="0">
+                <a:pos x="connsiteX245" y="connsiteY245"/>
+              </a:cxn>
+              <a:cxn ang="0">
+                <a:pos x="connsiteX246" y="connsiteY246"/>
+              </a:cxn>
+              <a:cxn ang="0">
+                <a:pos x="connsiteX247" y="connsiteY247"/>
+              </a:cxn>
+              <a:cxn ang="0">
+                <a:pos x="connsiteX248" y="connsiteY248"/>
+              </a:cxn>
+              <a:cxn ang="0">
+                <a:pos x="connsiteX249" y="connsiteY249"/>
+              </a:cxn>
+              <a:cxn ang="0">
+                <a:pos x="connsiteX250" y="connsiteY250"/>
+              </a:cxn>
+              <a:cxn ang="0">
+                <a:pos x="connsiteX251" y="connsiteY251"/>
+              </a:cxn>
+              <a:cxn ang="0">
+                <a:pos x="connsiteX252" y="connsiteY252"/>
+              </a:cxn>
+              <a:cxn ang="0">
+                <a:pos x="connsiteX253" y="connsiteY253"/>
+              </a:cxn>
+              <a:cxn ang="0">
+                <a:pos x="connsiteX254" y="connsiteY254"/>
+              </a:cxn>
+              <a:cxn ang="0">
+                <a:pos x="connsiteX255" y="connsiteY255"/>
+              </a:cxn>
+              <a:cxn ang="0">
+                <a:pos x="connsiteX256" y="connsiteY256"/>
+              </a:cxn>
+              <a:cxn ang="0">
+                <a:pos x="connsiteX257" y="connsiteY257"/>
+              </a:cxn>
+            </a:cxnLst>
+            <a:rect l="l" t="t" r="r" b="b"/>
+            <a:pathLst>
+              <a:path w="12202113" h="3188466">
+                <a:moveTo>
+                  <a:pt x="0" y="3188466"/>
+                </a:moveTo>
+                <a:lnTo>
+                  <a:pt x="10116" y="2657641"/>
+                </a:lnTo>
+                <a:lnTo>
+                  <a:pt x="10116" y="0"/>
+                </a:lnTo>
+                <a:lnTo>
+                  <a:pt x="12202113" y="0"/>
+                </a:lnTo>
+                <a:lnTo>
+                  <a:pt x="12202113" y="2879832"/>
+                </a:lnTo>
+                <a:lnTo>
+                  <a:pt x="12198167" y="2880360"/>
+                </a:lnTo>
+                <a:cubicBezTo>
+                  <a:pt x="12163116" y="2884349"/>
+                  <a:pt x="12143771" y="2884544"/>
+                  <a:pt x="12122128" y="2887194"/>
+                </a:cubicBezTo>
+                <a:cubicBezTo>
+                  <a:pt x="12087086" y="2893347"/>
+                  <a:pt x="12050015" y="2907304"/>
+                  <a:pt x="12028868" y="2911786"/>
+                </a:cubicBezTo>
+                <a:lnTo>
+                  <a:pt x="11995238" y="2914090"/>
+                </a:lnTo>
+                <a:lnTo>
+                  <a:pt x="11996460" y="2918442"/>
+                </a:lnTo>
+                <a:lnTo>
+                  <a:pt x="11983968" y="2918762"/>
+                </a:lnTo>
+                <a:lnTo>
+                  <a:pt x="11956084" y="2918868"/>
+                </a:lnTo>
+                <a:cubicBezTo>
+                  <a:pt x="11938684" y="2919526"/>
+                  <a:pt x="11890300" y="2918483"/>
+                  <a:pt x="11872586" y="2920076"/>
+                </a:cubicBezTo>
+                <a:cubicBezTo>
+                  <a:pt x="11867476" y="2924717"/>
+                  <a:pt x="11859589" y="2927247"/>
+                  <a:pt x="11849804" y="2928420"/>
+                </a:cubicBezTo>
+                <a:lnTo>
+                  <a:pt x="11828254" y="2928551"/>
+                </a:lnTo>
+                <a:lnTo>
+                  <a:pt x="11703277" y="2939735"/>
+                </a:lnTo>
+                <a:lnTo>
+                  <a:pt x="11686094" y="2940570"/>
+                </a:lnTo>
+                <a:lnTo>
+                  <a:pt x="11676788" y="2944321"/>
+                </a:lnTo>
+                <a:cubicBezTo>
+                  <a:pt x="11669684" y="2945069"/>
+                  <a:pt x="11649276" y="2944585"/>
+                  <a:pt x="11643464" y="2945066"/>
+                </a:cubicBezTo>
+                <a:lnTo>
+                  <a:pt x="11641922" y="2947200"/>
+                </a:lnTo>
+                <a:cubicBezTo>
+                  <a:pt x="11623408" y="2950611"/>
+                  <a:pt x="11553770" y="2961969"/>
+                  <a:pt x="11532386" y="2965529"/>
+                </a:cubicBezTo>
+                <a:cubicBezTo>
+                  <a:pt x="11528114" y="2962248"/>
+                  <a:pt x="11518548" y="2967430"/>
+                  <a:pt x="11513619" y="2968556"/>
+                </a:cubicBezTo>
+                <a:cubicBezTo>
+                  <a:pt x="11512856" y="2966346"/>
+                  <a:pt x="11500924" y="2965672"/>
+                  <a:pt x="11497404" y="2967639"/>
+                </a:cubicBezTo>
+                <a:cubicBezTo>
+                  <a:pt x="11413522" y="2978420"/>
+                  <a:pt x="11455510" y="2956141"/>
+                  <a:pt x="11407630" y="2970255"/>
+                </a:cubicBezTo>
+                <a:cubicBezTo>
+                  <a:pt x="11399160" y="2971190"/>
+                  <a:pt x="11392296" y="2970299"/>
+                  <a:pt x="11386276" y="2968648"/>
+                </a:cubicBezTo>
+                <a:lnTo>
+                  <a:pt x="11377296" y="2965257"/>
+                </a:lnTo>
+                <a:lnTo>
+                  <a:pt x="11342536" y="2971666"/>
+                </a:lnTo>
+                <a:cubicBezTo>
+                  <a:pt x="11325414" y="2973900"/>
+                  <a:pt x="11307393" y="2975381"/>
+                  <a:pt x="11288902" y="2976058"/>
+                </a:cubicBezTo>
+                <a:cubicBezTo>
+                  <a:pt x="11284753" y="2971542"/>
+                  <a:pt x="11270239" y="2977957"/>
+                  <a:pt x="11263411" y="2979228"/>
+                </a:cubicBezTo>
+                <a:cubicBezTo>
+                  <a:pt x="11263340" y="2976278"/>
+                  <a:pt x="11248212" y="2974865"/>
+                  <a:pt x="11242843" y="2977303"/>
+                </a:cubicBezTo>
+                <a:cubicBezTo>
+                  <a:pt x="11130019" y="2987845"/>
+                  <a:pt x="11193504" y="2960297"/>
+                  <a:pt x="11125798" y="2976816"/>
+                </a:cubicBezTo>
+                <a:cubicBezTo>
+                  <a:pt x="11114472" y="2977677"/>
+                  <a:pt x="11105974" y="2976199"/>
+                  <a:pt x="11098884" y="2973758"/>
+                </a:cubicBezTo>
+                <a:lnTo>
+                  <a:pt x="11086128" y="2967663"/>
+                </a:lnTo>
+                <a:lnTo>
+                  <a:pt x="11076132" y="2969836"/>
+                </a:lnTo>
+                <a:cubicBezTo>
+                  <a:pt x="11038408" y="2970007"/>
+                  <a:pt x="11027285" y="2963760"/>
+                  <a:pt x="11005337" y="2970053"/>
+                </a:cubicBezTo>
+                <a:cubicBezTo>
+                  <a:pt x="10972902" y="2956973"/>
+                  <a:pt x="10983824" y="2968749"/>
+                  <a:pt x="10959154" y="2970750"/>
+                </a:cubicBezTo>
+                <a:cubicBezTo>
+                  <a:pt x="10939692" y="2973358"/>
+                  <a:pt x="10975422" y="2978377"/>
+                  <a:pt x="10956347" y="2979118"/>
+                </a:cubicBezTo>
+                <a:cubicBezTo>
+                  <a:pt x="10935712" y="2975741"/>
+                  <a:pt x="10936682" y="2986229"/>
+                  <a:pt x="10915223" y="2982099"/>
+                </a:cubicBezTo>
+                <a:cubicBezTo>
+                  <a:pt x="10920436" y="2974198"/>
+                  <a:pt x="10872877" y="2983630"/>
+                  <a:pt x="10871398" y="2976728"/>
+                </a:cubicBezTo>
+                <a:cubicBezTo>
+                  <a:pt x="10853171" y="2986599"/>
+                  <a:pt x="10844013" y="2974439"/>
+                  <a:pt x="10819743" y="2977481"/>
+                </a:cubicBezTo>
+                <a:cubicBezTo>
+                  <a:pt x="10808314" y="2981215"/>
+                  <a:pt x="10800068" y="2981856"/>
+                  <a:pt x="10788834" y="2977840"/>
+                </a:cubicBezTo>
+                <a:cubicBezTo>
+                  <a:pt x="10736185" y="2996020"/>
+                  <a:pt x="10756982" y="2978653"/>
+                  <a:pt x="10707711" y="2985644"/>
+                </a:cubicBezTo>
+                <a:cubicBezTo>
+                  <a:pt x="10665262" y="2992997"/>
+                  <a:pt x="10617142" y="2997767"/>
+                  <a:pt x="10576086" y="3015319"/>
+                </a:cubicBezTo>
+                <a:cubicBezTo>
+                  <a:pt x="10568550" y="3020292"/>
+                  <a:pt x="10550046" y="3022174"/>
+                  <a:pt x="10534761" y="3019524"/>
+                </a:cubicBezTo>
+                <a:cubicBezTo>
+                  <a:pt x="10532134" y="3019067"/>
+                  <a:pt x="10529698" y="3018490"/>
+                  <a:pt x="10527537" y="3017814"/>
+                </a:cubicBezTo>
+                <a:cubicBezTo>
+                  <a:pt x="10492044" y="3020498"/>
+                  <a:pt x="10362224" y="3032491"/>
+                  <a:pt x="10321799" y="3035635"/>
+                </a:cubicBezTo>
+                <a:cubicBezTo>
+                  <a:pt x="10318526" y="3029246"/>
+                  <a:pt x="10298084" y="3040774"/>
+                  <a:pt x="10284989" y="3036679"/>
+                </a:cubicBezTo>
+                <a:cubicBezTo>
+                  <a:pt x="10275610" y="3033085"/>
+                  <a:pt x="10267220" y="3035744"/>
+                  <a:pt x="10257423" y="3036027"/>
+                </a:cubicBezTo>
+                <a:cubicBezTo>
+                  <a:pt x="10244517" y="3033202"/>
+                  <a:pt x="10202424" y="3038304"/>
+                  <a:pt x="10191450" y="3041963"/>
+                </a:cubicBezTo>
+                <a:cubicBezTo>
+                  <a:pt x="10165225" y="3054679"/>
+                  <a:pt x="10105634" y="3045236"/>
+                  <a:pt x="10083845" y="3054978"/>
+                </a:cubicBezTo>
+                <a:cubicBezTo>
+                  <a:pt x="10075939" y="3056408"/>
+                  <a:pt x="10068203" y="3056986"/>
+                  <a:pt x="10060611" y="3057035"/>
+                </a:cubicBezTo>
+                <a:lnTo>
+                  <a:pt x="10039363" y="3055961"/>
+                </a:lnTo>
+                <a:lnTo>
+                  <a:pt x="10033322" y="3053238"/>
+                </a:lnTo>
+                <a:lnTo>
+                  <a:pt x="10020337" y="3053912"/>
+                </a:lnTo>
+                <a:lnTo>
+                  <a:pt x="10016616" y="3053498"/>
+                </a:lnTo>
+                <a:cubicBezTo>
+                  <a:pt x="10009508" y="3052695"/>
+                  <a:pt x="10002492" y="3051995"/>
+                  <a:pt x="9995549" y="3051719"/>
+                </a:cubicBezTo>
+                <a:cubicBezTo>
+                  <a:pt x="10004680" y="3065377"/>
+                  <a:pt x="9937988" y="3051618"/>
+                  <a:pt x="9957212" y="3062663"/>
+                </a:cubicBezTo>
+                <a:cubicBezTo>
+                  <a:pt x="9920646" y="3063519"/>
+                  <a:pt x="9948538" y="3073806"/>
+                  <a:pt x="9904584" y="3063999"/>
+                </a:cubicBezTo>
+                <a:cubicBezTo>
+                  <a:pt x="9847813" y="3075166"/>
+                  <a:pt x="9758323" y="3071010"/>
+                  <a:pt x="9713857" y="3087955"/>
+                </a:cubicBezTo>
+                <a:cubicBezTo>
+                  <a:pt x="9719380" y="3081485"/>
+                  <a:pt x="9695453" y="3076466"/>
+                  <a:pt x="9678879" y="3079676"/>
+                </a:cubicBezTo>
+                <a:cubicBezTo>
+                  <a:pt x="9698255" y="3054291"/>
+                  <a:pt x="9613348" y="3102551"/>
+                  <a:pt x="9598760" y="3085228"/>
+                </a:cubicBezTo>
+                <a:cubicBezTo>
+                  <a:pt x="9598041" y="3101310"/>
+                  <a:pt x="9523758" y="3128579"/>
+                  <a:pt x="9488796" y="3115384"/>
+                </a:cubicBezTo>
+                <a:cubicBezTo>
+                  <a:pt x="9435532" y="3118605"/>
+                  <a:pt x="9397815" y="3131898"/>
+                  <a:pt x="9341972" y="3126583"/>
+                </a:cubicBezTo>
+                <a:cubicBezTo>
+                  <a:pt x="9340239" y="3128735"/>
+                  <a:pt x="9337399" y="3130536"/>
+                  <a:pt x="9333795" y="3132083"/>
+                </a:cubicBezTo>
+                <a:lnTo>
+                  <a:pt x="9321736" y="3135834"/>
+                </a:lnTo>
+                <a:lnTo>
+                  <a:pt x="9319405" y="3135561"/>
+                </a:lnTo>
+                <a:cubicBezTo>
+                  <a:pt x="9310247" y="3135512"/>
+                  <a:pt x="9305558" y="3136419"/>
+                  <a:pt x="9302847" y="3137746"/>
+                </a:cubicBezTo>
+                <a:lnTo>
+                  <a:pt x="9300930" y="3139687"/>
+                </a:lnTo>
+                <a:lnTo>
+                  <a:pt x="9290106" y="3141645"/>
+                </a:lnTo>
+                <a:lnTo>
+                  <a:pt x="9270220" y="3146737"/>
+                </a:lnTo>
+                <a:lnTo>
+                  <a:pt x="9265150" y="3146531"/>
+                </a:lnTo>
+                <a:lnTo>
+                  <a:pt x="9233057" y="3152408"/>
+                </a:lnTo>
+                <a:lnTo>
+                  <a:pt x="9231974" y="3151938"/>
+                </a:lnTo>
+                <a:cubicBezTo>
+                  <a:pt x="9228816" y="3151020"/>
+                  <a:pt x="9225099" y="3150595"/>
+                  <a:pt x="9220130" y="3151189"/>
+                </a:cubicBezTo>
+                <a:cubicBezTo>
+                  <a:pt x="9218372" y="3142213"/>
+                  <a:pt x="9213458" y="3148467"/>
+                  <a:pt x="9198955" y="3151015"/>
+                </a:cubicBezTo>
+                <a:cubicBezTo>
+                  <a:pt x="9192986" y="3137641"/>
+                  <a:pt x="9157451" y="3149750"/>
+                  <a:pt x="9142196" y="3143802"/>
+                </a:cubicBezTo>
+                <a:cubicBezTo>
+                  <a:pt x="9131673" y="3145976"/>
+                  <a:pt x="9120437" y="3148030"/>
+                  <a:pt x="9108665" y="3149868"/>
+                </a:cubicBezTo>
+                <a:lnTo>
+                  <a:pt x="9014086" y="3150791"/>
+                </a:lnTo>
+                <a:lnTo>
+                  <a:pt x="8915037" y="3140020"/>
+                </a:lnTo>
+                <a:cubicBezTo>
+                  <a:pt x="8878400" y="3139785"/>
+                  <a:pt x="8846675" y="3135786"/>
+                  <a:pt x="8815667" y="3138606"/>
+                </a:cubicBezTo>
+                <a:cubicBezTo>
+                  <a:pt x="8803071" y="3135495"/>
+                  <a:pt x="8791199" y="3134238"/>
+                  <a:pt x="8779688" y="3138895"/>
+                </a:cubicBezTo>
+                <a:cubicBezTo>
+                  <a:pt x="8745498" y="3137342"/>
+                  <a:pt x="8737221" y="3130691"/>
+                  <a:pt x="8715556" y="3135878"/>
+                </a:cubicBezTo>
+                <a:cubicBezTo>
+                  <a:pt x="8696347" y="3125121"/>
+                  <a:pt x="8695210" y="3129227"/>
+                  <a:pt x="8686183" y="3132307"/>
+                </a:cubicBezTo>
+                <a:lnTo>
+                  <a:pt x="8684895" y="3132527"/>
+                </a:lnTo>
+                <a:lnTo>
+                  <a:pt x="8682270" y="3130989"/>
+                </a:lnTo>
+                <a:lnTo>
+                  <a:pt x="8676836" y="3130278"/>
+                </a:lnTo>
+                <a:lnTo>
+                  <a:pt x="8662002" y="3130735"/>
+                </a:lnTo>
+                <a:lnTo>
+                  <a:pt x="8656423" y="3131304"/>
+                </a:lnTo>
+                <a:cubicBezTo>
+                  <a:pt x="8652581" y="3131550"/>
+                  <a:pt x="8650028" y="3131521"/>
+                  <a:pt x="8648261" y="3131294"/>
+                </a:cubicBezTo>
+                <a:lnTo>
+                  <a:pt x="8648057" y="3131167"/>
+                </a:lnTo>
+                <a:lnTo>
+                  <a:pt x="8640412" y="3131403"/>
+                </a:lnTo>
+                <a:cubicBezTo>
+                  <a:pt x="8627510" y="3132092"/>
+                  <a:pt x="8614954" y="3133035"/>
+                  <a:pt x="8603003" y="3134155"/>
+                </a:cubicBezTo>
+                <a:cubicBezTo>
+                  <a:pt x="8592897" y="3127095"/>
+                  <a:pt x="8548738" y="3135435"/>
+                  <a:pt x="8553571" y="3122125"/>
+                </a:cubicBezTo>
+                <a:cubicBezTo>
+                  <a:pt x="8537450" y="3123243"/>
+                  <a:pt x="8527699" y="3128769"/>
+                  <a:pt x="8533128" y="3120039"/>
+                </a:cubicBezTo>
+                <a:cubicBezTo>
+                  <a:pt x="8527821" y="3120156"/>
+                  <a:pt x="8524551" y="3119414"/>
+                  <a:pt x="8522209" y="3118252"/>
+                </a:cubicBezTo>
+                <a:lnTo>
+                  <a:pt x="8521532" y="3117705"/>
+                </a:lnTo>
+                <a:lnTo>
+                  <a:pt x="8485667" y="3120406"/>
+                </a:lnTo>
+                <a:lnTo>
+                  <a:pt x="8480905" y="3119749"/>
+                </a:lnTo>
+                <a:lnTo>
+                  <a:pt x="8457530" y="3122810"/>
+                </a:lnTo>
+                <a:lnTo>
+                  <a:pt x="8445451" y="3123697"/>
+                </a:lnTo>
+                <a:lnTo>
+                  <a:pt x="8442039" y="3125378"/>
+                </a:lnTo>
+                <a:cubicBezTo>
+                  <a:pt x="8438355" y="3126399"/>
+                  <a:pt x="8433075" y="3126839"/>
+                  <a:pt x="8424215" y="3125963"/>
+                </a:cubicBezTo>
+                <a:lnTo>
+                  <a:pt x="8422165" y="3125491"/>
+                </a:lnTo>
+                <a:lnTo>
+                  <a:pt x="8407465" y="3127979"/>
+                </a:lnTo>
+                <a:cubicBezTo>
+                  <a:pt x="8402731" y="3129129"/>
+                  <a:pt x="8398540" y="3130592"/>
+                  <a:pt x="8395146" y="3132488"/>
+                </a:cubicBezTo>
+                <a:cubicBezTo>
+                  <a:pt x="8345093" y="3122354"/>
+                  <a:pt x="8297866" y="3131626"/>
+                  <a:pt x="8243538" y="3129873"/>
+                </a:cubicBezTo>
+                <a:cubicBezTo>
+                  <a:pt x="8220052" y="3114107"/>
+                  <a:pt x="8126172" y="3133411"/>
+                  <a:pt x="8112685" y="3148698"/>
+                </a:cubicBezTo>
+                <a:cubicBezTo>
+                  <a:pt x="8112380" y="3135302"/>
+                  <a:pt x="8044302" y="3153542"/>
+                  <a:pt x="8026741" y="3154015"/>
+                </a:cubicBezTo>
+                <a:cubicBezTo>
+                  <a:pt x="8020887" y="3154173"/>
+                  <a:pt x="8020646" y="3152357"/>
+                  <a:pt x="8030400" y="3146736"/>
+                </a:cubicBezTo>
+                <a:cubicBezTo>
+                  <a:pt x="8011739" y="3148301"/>
+                  <a:pt x="7992477" y="3141339"/>
+                  <a:pt x="8002987" y="3135663"/>
+                </a:cubicBezTo>
+                <a:cubicBezTo>
+                  <a:pt x="7946297" y="3147811"/>
+                  <a:pt x="7862627" y="3135732"/>
+                  <a:pt x="7798568" y="3141249"/>
+                </a:cubicBezTo>
+                <a:cubicBezTo>
+                  <a:pt x="7763645" y="3127901"/>
+                  <a:pt x="7782577" y="3140251"/>
+                  <a:pt x="7746353" y="3137755"/>
+                </a:cubicBezTo>
+                <a:cubicBezTo>
+                  <a:pt x="7756261" y="3150042"/>
+                  <a:pt x="7702377" y="3130861"/>
+                  <a:pt x="7700395" y="3144729"/>
+                </a:cubicBezTo>
+                <a:cubicBezTo>
+                  <a:pt x="7693866" y="3143835"/>
+                  <a:pt x="7687603" y="3142532"/>
+                  <a:pt x="7681335" y="3141120"/>
+                </a:cubicBezTo>
+                <a:lnTo>
+                  <a:pt x="7678044" y="3140387"/>
+                </a:lnTo>
+                <a:lnTo>
+                  <a:pt x="7664890" y="3139855"/>
+                </a:lnTo>
+                <a:lnTo>
+                  <a:pt x="7661183" y="3136706"/>
+                </a:lnTo>
+                <a:lnTo>
+                  <a:pt x="7641383" y="3133755"/>
+                </a:lnTo>
+                <a:cubicBezTo>
+                  <a:pt x="7633967" y="3133115"/>
+                  <a:pt x="7625987" y="3132967"/>
+                  <a:pt x="7617169" y="3133614"/>
+                </a:cubicBezTo>
+                <a:cubicBezTo>
+                  <a:pt x="7595475" y="3139109"/>
+                  <a:pt x="7561695" y="3132374"/>
+                  <a:pt x="7531143" y="3132781"/>
+                </a:cubicBezTo>
+                <a:lnTo>
+                  <a:pt x="7517113" y="3134483"/>
+                </a:lnTo>
+                <a:lnTo>
+                  <a:pt x="7471320" y="3131645"/>
+                </a:lnTo>
+                <a:cubicBezTo>
+                  <a:pt x="7458285" y="3131095"/>
+                  <a:pt x="7444756" y="3130805"/>
+                  <a:pt x="7430512" y="3131007"/>
+                </a:cubicBezTo>
+                <a:lnTo>
+                  <a:pt x="7404071" y="3132361"/>
+                </a:lnTo>
+                <a:lnTo>
+                  <a:pt x="7397140" y="3131239"/>
+                </a:lnTo>
+                <a:cubicBezTo>
+                  <a:pt x="7385068" y="3131364"/>
+                  <a:pt x="7369091" y="3135313"/>
+                  <a:pt x="7370514" y="3130516"/>
+                </a:cubicBezTo>
+                <a:lnTo>
+                  <a:pt x="7356953" y="3132179"/>
+                </a:lnTo>
+                <a:lnTo>
+                  <a:pt x="7343567" y="3128350"/>
+                </a:lnTo>
+                <a:cubicBezTo>
+                  <a:pt x="7342101" y="3127461"/>
+                  <a:pt x="7340998" y="3126514"/>
+                  <a:pt x="7340295" y="3125545"/>
+                </a:cubicBezTo>
+                <a:lnTo>
+                  <a:pt x="7321348" y="3126804"/>
+                </a:lnTo>
+                <a:lnTo>
+                  <a:pt x="7305815" y="3124063"/>
+                </a:lnTo>
+                <a:lnTo>
+                  <a:pt x="7292274" y="3125855"/>
+                </a:lnTo>
+                <a:lnTo>
+                  <a:pt x="7286654" y="3125451"/>
+                </a:lnTo>
+                <a:lnTo>
+                  <a:pt x="7272685" y="3124094"/>
+                </a:lnTo>
+                <a:cubicBezTo>
+                  <a:pt x="7265523" y="3123143"/>
+                  <a:pt x="7257508" y="3121997"/>
+                  <a:pt x="7248584" y="3121080"/>
+                </a:cubicBezTo>
+                <a:lnTo>
+                  <a:pt x="7241065" y="3120661"/>
+                </a:lnTo>
+                <a:lnTo>
+                  <a:pt x="7224696" y="3116051"/>
+                </a:lnTo>
+                <a:cubicBezTo>
+                  <a:pt x="7212786" y="3112566"/>
+                  <a:pt x="7203412" y="3110217"/>
+                  <a:pt x="7193009" y="3112108"/>
+                </a:cubicBezTo>
+                <a:cubicBezTo>
+                  <a:pt x="7175276" y="3107606"/>
+                  <a:pt x="7162888" y="3094987"/>
+                  <a:pt x="7137220" y="3098354"/>
+                </a:cubicBezTo>
+                <a:cubicBezTo>
+                  <a:pt x="7145010" y="3092637"/>
+                  <a:pt x="7108715" y="3097662"/>
+                  <a:pt x="7104427" y="3091790"/>
+                </a:cubicBezTo>
+                <a:cubicBezTo>
+                  <a:pt x="7102447" y="3087061"/>
+                  <a:pt x="7090976" y="3087484"/>
+                  <a:pt x="7082240" y="3085740"/>
+                </a:cubicBezTo>
+                <a:cubicBezTo>
+                  <a:pt x="7076014" y="3080911"/>
+                  <a:pt x="7032058" y="3076501"/>
+                  <a:pt x="7016754" y="3077196"/>
+                </a:cubicBezTo>
+                <a:cubicBezTo>
+                  <a:pt x="6973620" y="3082001"/>
+                  <a:pt x="6938923" y="3062558"/>
+                  <a:pt x="6904436" y="3065900"/>
+                </a:cubicBezTo>
+                <a:cubicBezTo>
+                  <a:pt x="6895406" y="3065445"/>
+                  <a:pt x="6887919" y="3064350"/>
+                  <a:pt x="6881434" y="3062865"/>
+                </a:cubicBezTo>
+                <a:lnTo>
+                  <a:pt x="6865273" y="3057749"/>
+                </a:lnTo>
+                <a:cubicBezTo>
+                  <a:pt x="6865072" y="3056626"/>
+                  <a:pt x="6864871" y="3055502"/>
+                  <a:pt x="6864671" y="3054378"/>
+                </a:cubicBezTo>
+                <a:lnTo>
+                  <a:pt x="6852599" y="3052306"/>
+                </a:lnTo>
+                <a:lnTo>
+                  <a:pt x="6850143" y="3051232"/>
+                </a:lnTo>
+                <a:cubicBezTo>
+                  <a:pt x="6845470" y="3049168"/>
+                  <a:pt x="6840704" y="3047206"/>
+                  <a:pt x="6835301" y="3045593"/>
+                </a:cubicBezTo>
+                <a:cubicBezTo>
+                  <a:pt x="6820447" y="3058242"/>
+                  <a:pt x="6786888" y="3033956"/>
+                  <a:pt x="6784871" y="3046562"/>
+                </a:cubicBezTo>
+                <a:cubicBezTo>
+                  <a:pt x="6752593" y="3039899"/>
+                  <a:pt x="6759140" y="3053646"/>
+                  <a:pt x="6738245" y="3037055"/>
+                </a:cubicBezTo>
+                <a:cubicBezTo>
+                  <a:pt x="6671880" y="3034501"/>
+                  <a:pt x="6603220" y="3013245"/>
+                  <a:pt x="6537703" y="3017736"/>
+                </a:cubicBezTo>
+                <a:cubicBezTo>
+                  <a:pt x="6553051" y="3013722"/>
+                  <a:pt x="6541149" y="3004943"/>
+                  <a:pt x="6521858" y="3004158"/>
+                </a:cubicBezTo>
+                <a:cubicBezTo>
+                  <a:pt x="6580141" y="2987944"/>
+                  <a:pt x="6428765" y="3009117"/>
+                  <a:pt x="6445069" y="2992470"/>
+                </a:cubicBezTo>
+                <a:cubicBezTo>
+                  <a:pt x="6417897" y="3005060"/>
+                  <a:pt x="6310156" y="3011743"/>
+                  <a:pt x="6302447" y="2994274"/>
+                </a:cubicBezTo>
+                <a:cubicBezTo>
+                  <a:pt x="6252173" y="2986131"/>
+                  <a:pt x="6198382" y="2989085"/>
+                  <a:pt x="6160029" y="2973666"/>
+                </a:cubicBezTo>
+                <a:cubicBezTo>
+                  <a:pt x="6155014" y="2975022"/>
+                  <a:pt x="6149642" y="2975878"/>
+                  <a:pt x="6144046" y="2976380"/>
+                </a:cubicBezTo>
+                <a:lnTo>
+                  <a:pt x="6127670" y="2976929"/>
+                </a:lnTo>
+                <a:lnTo>
+                  <a:pt x="6126155" y="2976245"/>
+                </a:lnTo>
+                <a:cubicBezTo>
+                  <a:pt x="6118509" y="2974369"/>
+                  <a:pt x="6113052" y="2974144"/>
+                  <a:pt x="6108575" y="2974651"/>
+                </a:cubicBezTo>
+                <a:lnTo>
+                  <a:pt x="6103746" y="2975803"/>
+                </a:lnTo>
+                <a:lnTo>
+                  <a:pt x="6091377" y="2975180"/>
+                </a:lnTo>
+                <a:lnTo>
+                  <a:pt x="6066183" y="2975222"/>
+                </a:lnTo>
+                <a:lnTo>
+                  <a:pt x="6063287" y="2974353"/>
+                </a:lnTo>
+                <a:lnTo>
+                  <a:pt x="6054813" y="2974911"/>
+                </a:lnTo>
+                <a:lnTo>
+                  <a:pt x="6050809" y="2973985"/>
+                </a:lnTo>
+                <a:lnTo>
+                  <a:pt x="6013979" y="2974553"/>
+                </a:lnTo>
+                <a:cubicBezTo>
+                  <a:pt x="6013918" y="2974361"/>
+                  <a:pt x="6013860" y="2974167"/>
+                  <a:pt x="6013800" y="2973973"/>
+                </a:cubicBezTo>
+                <a:cubicBezTo>
+                  <a:pt x="6012565" y="2972689"/>
+                  <a:pt x="6010070" y="2971765"/>
+                  <a:pt x="6004866" y="2971570"/>
+                </a:cubicBezTo>
+                <a:cubicBezTo>
+                  <a:pt x="6017706" y="2963268"/>
+                  <a:pt x="6003515" y="2968156"/>
+                  <a:pt x="5987036" y="2968315"/>
+                </a:cubicBezTo>
+                <a:cubicBezTo>
+                  <a:pt x="6003302" y="2955458"/>
+                  <a:pt x="5953573" y="2961108"/>
+                  <a:pt x="5950027" y="2953546"/>
+                </a:cubicBezTo>
+                <a:cubicBezTo>
+                  <a:pt x="5937559" y="2953953"/>
+                  <a:pt x="5924668" y="2954151"/>
+                  <a:pt x="5911668" y="2954074"/>
+                </a:cubicBezTo>
+                <a:lnTo>
+                  <a:pt x="5904110" y="2953861"/>
+                </a:lnTo>
+                <a:cubicBezTo>
+                  <a:pt x="5904082" y="2953815"/>
+                  <a:pt x="5904053" y="2953769"/>
+                  <a:pt x="5904026" y="2953724"/>
+                </a:cubicBezTo>
+                <a:cubicBezTo>
+                  <a:pt x="5902528" y="2953395"/>
+                  <a:pt x="5900097" y="2953219"/>
+                  <a:pt x="5896189" y="2953236"/>
+                </a:cubicBezTo>
+                <a:lnTo>
+                  <a:pt x="5890331" y="2953471"/>
+                </a:lnTo>
+                <a:lnTo>
+                  <a:pt x="5875672" y="2953056"/>
+                </a:lnTo>
+                <a:lnTo>
+                  <a:pt x="5871070" y="2952035"/>
+                </a:lnTo>
+                <a:lnTo>
+                  <a:pt x="5869888" y="2950364"/>
+                </a:lnTo>
+                <a:lnTo>
+                  <a:pt x="5868461" y="2950506"/>
+                </a:lnTo>
+                <a:cubicBezTo>
+                  <a:pt x="5857092" y="2953019"/>
+                  <a:pt x="5852416" y="2957005"/>
+                  <a:pt x="5843343" y="2945262"/>
+                </a:cubicBezTo>
+                <a:cubicBezTo>
+                  <a:pt x="5817989" y="2949116"/>
+                  <a:pt x="5815840" y="2942065"/>
+                  <a:pt x="5784331" y="2938531"/>
+                </a:cubicBezTo>
+                <a:cubicBezTo>
+                  <a:pt x="5769202" y="2942455"/>
+                  <a:pt x="5758885" y="2940521"/>
+                  <a:pt x="5749498" y="2936713"/>
+                </a:cubicBezTo>
+                <a:cubicBezTo>
+                  <a:pt x="5717228" y="2937683"/>
+                  <a:pt x="5690227" y="2931877"/>
+                  <a:pt x="5655214" y="2929503"/>
+                </a:cubicBezTo>
+                <a:cubicBezTo>
+                  <a:pt x="5614827" y="2933899"/>
+                  <a:pt x="5598877" y="2923069"/>
+                  <a:pt x="5561446" y="2920575"/>
+                </a:cubicBezTo>
+                <a:cubicBezTo>
+                  <a:pt x="5525084" y="2929276"/>
+                  <a:pt x="5537471" y="2911136"/>
+                  <a:pt x="5519456" y="2906631"/>
+                </a:cubicBezTo>
+                <a:lnTo>
+                  <a:pt x="5514099" y="2906097"/>
+                </a:lnTo>
+                <a:lnTo>
+                  <a:pt x="5499273" y="2907057"/>
+                </a:lnTo>
+                <a:lnTo>
+                  <a:pt x="5493664" y="2907817"/>
+                </a:lnTo>
+                <a:cubicBezTo>
+                  <a:pt x="5489815" y="2908191"/>
+                  <a:pt x="5487270" y="2908250"/>
+                  <a:pt x="5485530" y="2908080"/>
+                </a:cubicBezTo>
+                <a:lnTo>
+                  <a:pt x="5485337" y="2907959"/>
+                </a:lnTo>
+                <a:lnTo>
+                  <a:pt x="5477696" y="2908455"/>
+                </a:lnTo>
+                <a:cubicBezTo>
+                  <a:pt x="5464775" y="2909581"/>
+                  <a:pt x="5452182" y="2910951"/>
+                  <a:pt x="5440170" y="2912482"/>
+                </a:cubicBezTo>
+                <a:cubicBezTo>
+                  <a:pt x="5430698" y="2905718"/>
+                  <a:pt x="5385970" y="2915593"/>
+                  <a:pt x="5391911" y="2902040"/>
+                </a:cubicBezTo>
+                <a:cubicBezTo>
+                  <a:pt x="5375744" y="2903707"/>
+                  <a:pt x="5365560" y="2909594"/>
+                  <a:pt x="5371708" y="2900629"/>
+                </a:cubicBezTo>
+                <a:cubicBezTo>
+                  <a:pt x="5366408" y="2900926"/>
+                  <a:pt x="5363213" y="2900288"/>
+                  <a:pt x="5360976" y="2899197"/>
+                </a:cubicBezTo>
+                <a:lnTo>
+                  <a:pt x="5360345" y="2898671"/>
+                </a:lnTo>
+                <a:lnTo>
+                  <a:pt x="5324367" y="2902593"/>
+                </a:lnTo>
+                <a:lnTo>
+                  <a:pt x="5319673" y="2902094"/>
+                </a:lnTo>
+                <a:lnTo>
+                  <a:pt x="5296114" y="2905958"/>
+                </a:lnTo>
+                <a:lnTo>
+                  <a:pt x="5283999" y="2907258"/>
+                </a:lnTo>
+                <a:lnTo>
+                  <a:pt x="5280460" y="2909063"/>
+                </a:lnTo>
+                <a:cubicBezTo>
+                  <a:pt x="5276699" y="2910214"/>
+                  <a:pt x="5271395" y="2910834"/>
+                  <a:pt x="5262637" y="2910250"/>
+                </a:cubicBezTo>
+                <a:lnTo>
+                  <a:pt x="5260635" y="2909845"/>
+                </a:lnTo>
+                <a:lnTo>
+                  <a:pt x="5245770" y="2912842"/>
+                </a:lnTo>
+                <a:cubicBezTo>
+                  <a:pt x="5240955" y="2914159"/>
+                  <a:pt x="5236652" y="2915770"/>
+                  <a:pt x="5233108" y="2917794"/>
+                </a:cubicBezTo>
+                <a:cubicBezTo>
+                  <a:pt x="5184071" y="2909280"/>
+                  <a:pt x="5136210" y="2920197"/>
+                  <a:pt x="5082201" y="2920260"/>
+                </a:cubicBezTo>
+                <a:lnTo>
+                  <a:pt x="4939211" y="2931760"/>
+                </a:lnTo>
+                <a:cubicBezTo>
+                  <a:pt x="4920477" y="2933960"/>
+                  <a:pt x="4783353" y="2943291"/>
+                  <a:pt x="4794309" y="2937227"/>
+                </a:cubicBezTo>
+                <a:cubicBezTo>
+                  <a:pt x="4736776" y="2951353"/>
+                  <a:pt x="4701995" y="2938961"/>
+                  <a:pt x="4637676" y="2946666"/>
+                </a:cubicBezTo>
+                <a:cubicBezTo>
+                  <a:pt x="4603987" y="2934412"/>
+                  <a:pt x="4621816" y="2946201"/>
+                  <a:pt x="4585922" y="2944906"/>
+                </a:cubicBezTo>
+                <a:cubicBezTo>
+                  <a:pt x="4594760" y="2956935"/>
+                  <a:pt x="4542663" y="2939450"/>
+                  <a:pt x="4539516" y="2953466"/>
+                </a:cubicBezTo>
+                <a:cubicBezTo>
+                  <a:pt x="4533082" y="2952789"/>
+                  <a:pt x="4526953" y="2951687"/>
+                  <a:pt x="4520819" y="2950477"/>
+                </a:cubicBezTo>
+                <a:lnTo>
+                  <a:pt x="4517604" y="2949852"/>
+                </a:lnTo>
+                <a:lnTo>
+                  <a:pt x="4504537" y="2949759"/>
+                </a:lnTo>
+                <a:lnTo>
+                  <a:pt x="4501104" y="2946715"/>
+                </a:lnTo>
+                <a:lnTo>
+                  <a:pt x="4342695" y="2951638"/>
+                </a:lnTo>
+                <a:cubicBezTo>
+                  <a:pt x="4328954" y="2954609"/>
+                  <a:pt x="4284038" y="2957184"/>
+                  <a:pt x="4274096" y="2953640"/>
+                </a:cubicBezTo>
+                <a:cubicBezTo>
+                  <a:pt x="4264434" y="2953346"/>
+                  <a:pt x="4254047" y="2955481"/>
+                  <a:pt x="4248170" y="2951384"/>
+                </a:cubicBezTo>
+                <a:lnTo>
+                  <a:pt x="4147924" y="2945945"/>
+                </a:lnTo>
+                <a:cubicBezTo>
+                  <a:pt x="4131656" y="2952619"/>
+                  <a:pt x="4104816" y="2942907"/>
+                  <a:pt x="4061825" y="2944206"/>
+                </a:cubicBezTo>
+                <a:cubicBezTo>
+                  <a:pt x="4044045" y="2951860"/>
+                  <a:pt x="4032845" y="2944993"/>
+                  <a:pt x="3998557" y="2955821"/>
+                </a:cubicBezTo>
+                <a:cubicBezTo>
+                  <a:pt x="3997072" y="2955023"/>
+                  <a:pt x="3995237" y="2954313"/>
+                  <a:pt x="3993107" y="2953708"/>
+                </a:cubicBezTo>
+                <a:cubicBezTo>
+                  <a:pt x="3980729" y="2950196"/>
+                  <a:pt x="3961302" y="2950972"/>
+                  <a:pt x="3949713" y="2955441"/>
+                </a:cubicBezTo>
+                <a:cubicBezTo>
+                  <a:pt x="3894925" y="2970367"/>
+                  <a:pt x="3844508" y="2972262"/>
+                  <a:pt x="3797284" y="2977037"/>
+                </a:cubicBezTo>
+                <a:cubicBezTo>
+                  <a:pt x="3743822" y="2981057"/>
+                  <a:pt x="3778974" y="2965129"/>
+                  <a:pt x="3712498" y="2979996"/>
+                </a:cubicBezTo>
+                <a:cubicBezTo>
+                  <a:pt x="3705202" y="2975373"/>
+                  <a:pt x="3696720" y="2975524"/>
+                  <a:pt x="3682471" y="2978543"/>
+                </a:cubicBezTo>
+                <a:cubicBezTo>
+                  <a:pt x="3656488" y="2980127"/>
+                  <a:pt x="3658300" y="2967587"/>
+                  <a:pt x="3632163" y="2976264"/>
+                </a:cubicBezTo>
+                <a:cubicBezTo>
+                  <a:pt x="3636766" y="2969363"/>
+                  <a:pt x="3582819" y="2975892"/>
+                  <a:pt x="3594728" y="2968398"/>
+                </a:cubicBezTo>
+                <a:cubicBezTo>
+                  <a:pt x="3577705" y="2963064"/>
+                  <a:pt x="3569481" y="2973476"/>
+                  <a:pt x="3552594" y="2968934"/>
+                </a:cubicBezTo>
+                <a:cubicBezTo>
+                  <a:pt x="3533613" y="2968552"/>
+                  <a:pt x="3563577" y="2975594"/>
+                  <a:pt x="3542589" y="2977031"/>
+                </a:cubicBezTo>
+                <a:cubicBezTo>
+                  <a:pt x="3517131" y="2977564"/>
+                  <a:pt x="3517346" y="2989828"/>
+                  <a:pt x="3497591" y="2975018"/>
+                </a:cubicBezTo>
+                <a:lnTo>
+                  <a:pt x="3429352" y="2971090"/>
+                </a:lnTo>
+                <a:cubicBezTo>
+                  <a:pt x="3414141" y="2975624"/>
+                  <a:pt x="3401904" y="2974195"/>
+                  <a:pt x="3389938" y="2970884"/>
+                </a:cubicBezTo>
+                <a:cubicBezTo>
+                  <a:pt x="3354504" y="2973297"/>
+                  <a:pt x="3322178" y="2968827"/>
+                  <a:pt x="3282344" y="2968084"/>
+                </a:cubicBezTo>
+                <a:cubicBezTo>
+                  <a:pt x="3239277" y="2974224"/>
+                  <a:pt x="3217192" y="2964327"/>
+                  <a:pt x="3174624" y="2963576"/>
+                </a:cubicBezTo>
+                <a:cubicBezTo>
+                  <a:pt x="3132504" y="2975210"/>
+                  <a:pt x="3146911" y="2949576"/>
+                  <a:pt x="3111077" y="2951285"/>
+                </a:cubicBezTo>
+                <a:cubicBezTo>
+                  <a:pt x="3052732" y="2962418"/>
+                  <a:pt x="3112543" y="2942881"/>
+                  <a:pt x="3022501" y="2948619"/>
+                </a:cubicBezTo>
+                <a:cubicBezTo>
+                  <a:pt x="3017399" y="2950352"/>
+                  <a:pt x="3006521" y="2948989"/>
+                  <a:pt x="3007714" y="2946762"/>
+                </a:cubicBezTo>
+                <a:cubicBezTo>
+                  <a:pt x="2987987" y="2948105"/>
+                  <a:pt x="2931270" y="2937206"/>
+                  <a:pt x="2903098" y="2940576"/>
+                </a:cubicBezTo>
+                <a:cubicBezTo>
+                  <a:pt x="2848155" y="2935894"/>
+                  <a:pt x="2821430" y="2947095"/>
+                  <a:pt x="2781591" y="2946394"/>
+                </a:cubicBezTo>
+                <a:cubicBezTo>
+                  <a:pt x="2735559" y="2940279"/>
+                  <a:pt x="2708563" y="2934146"/>
+                  <a:pt x="2627942" y="2919996"/>
+                </a:cubicBezTo>
+                <a:lnTo>
+                  <a:pt x="2354959" y="2882080"/>
+                </a:lnTo>
+                <a:cubicBezTo>
+                  <a:pt x="2252426" y="2847776"/>
+                  <a:pt x="2124519" y="2878188"/>
+                  <a:pt x="2063184" y="2879109"/>
+                </a:cubicBezTo>
+                <a:cubicBezTo>
+                  <a:pt x="2038620" y="2892844"/>
+                  <a:pt x="2017217" y="2880735"/>
+                  <a:pt x="1986946" y="2887619"/>
+                </a:cubicBezTo>
+                <a:cubicBezTo>
+                  <a:pt x="1919067" y="2894646"/>
+                  <a:pt x="1852404" y="2912737"/>
+                  <a:pt x="1763479" y="2909077"/>
+                </a:cubicBezTo>
+                <a:cubicBezTo>
+                  <a:pt x="1726097" y="2949538"/>
+                  <a:pt x="1621108" y="2933327"/>
+                  <a:pt x="1537980" y="2960398"/>
+                </a:cubicBezTo>
+                <a:cubicBezTo>
+                  <a:pt x="1489205" y="2967965"/>
+                  <a:pt x="1410921" y="2954082"/>
+                  <a:pt x="1395229" y="2975625"/>
+                </a:cubicBezTo>
+                <a:cubicBezTo>
+                  <a:pt x="1371975" y="2964548"/>
+                  <a:pt x="1352259" y="2986116"/>
+                  <a:pt x="1327834" y="2989485"/>
+                </a:cubicBezTo>
+                <a:cubicBezTo>
+                  <a:pt x="1307734" y="2982782"/>
+                  <a:pt x="1298456" y="2990289"/>
+                  <a:pt x="1280757" y="2992959"/>
+                </a:cubicBezTo>
+                <a:cubicBezTo>
+                  <a:pt x="1272383" y="2988567"/>
+                  <a:pt x="1257337" y="2989790"/>
+                  <a:pt x="1252582" y="2995877"/>
+                </a:cubicBezTo>
+                <a:cubicBezTo>
+                  <a:pt x="1260705" y="3008688"/>
+                  <a:pt x="1207969" y="3005420"/>
+                  <a:pt x="1204670" y="3014826"/>
+                </a:cubicBezTo>
+                <a:cubicBezTo>
+                  <a:pt x="1174431" y="3018683"/>
+                  <a:pt x="1041848" y="3015513"/>
+                  <a:pt x="1020457" y="3031603"/>
+                </a:cubicBezTo>
+                <a:cubicBezTo>
+                  <a:pt x="959520" y="3042500"/>
+                  <a:pt x="869308" y="3024872"/>
+                  <a:pt x="843248" y="3026954"/>
+                </a:cubicBezTo>
+                <a:cubicBezTo>
+                  <a:pt x="815646" y="3001836"/>
+                  <a:pt x="694189" y="3080490"/>
+                  <a:pt x="583517" y="3089095"/>
+                </a:cubicBezTo>
+                <a:cubicBezTo>
+                  <a:pt x="568425" y="3087467"/>
+                  <a:pt x="560448" y="3088013"/>
+                  <a:pt x="556836" y="3094374"/>
+                </a:cubicBezTo>
+                <a:cubicBezTo>
+                  <a:pt x="528264" y="3099747"/>
+                  <a:pt x="471823" y="3109156"/>
+                  <a:pt x="412089" y="3121334"/>
+                </a:cubicBezTo>
+                <a:cubicBezTo>
+                  <a:pt x="367235" y="3131096"/>
+                  <a:pt x="143790" y="3139436"/>
+                  <a:pt x="83929" y="3150566"/>
+                </a:cubicBezTo>
+                <a:close/>
+              </a:path>
+            </a:pathLst>
+          </a:custGeom>
+          <a:solidFill>
+            <a:srgbClr val="82766A">
+              <a:alpha val="15000"/>
+            </a:srgbClr>
+          </a:solidFill>
+          <a:ln>
+            <a:noFill/>
+          </a:ln>
+        </p:spPr>
+        <p:style>
+          <a:lnRef idx="2">
+            <a:schemeClr val="accent1">
+              <a:shade val="50000"/>
+            </a:schemeClr>
+          </a:lnRef>
+          <a:fillRef idx="1">
+            <a:schemeClr val="accent1"/>
+          </a:fillRef>
+          <a:effectRef idx="0">
+            <a:schemeClr val="accent1"/>
+          </a:effectRef>
+          <a:fontRef idx="minor">
+            <a:schemeClr val="lt1"/>
+          </a:fontRef>
+        </p:style>
+        <p:txBody>
+          <a:bodyPr wrap="square" rtlCol="0" anchor="ctr">
+            <a:noAutofit/>
+          </a:bodyPr>
+          <a:lstStyle/>
+          <a:p>
+            <a:pPr algn="ctr"/>
+            <a:endParaRPr lang="en-US"/>
+          </a:p>
+        </p:txBody>
+      </p:sp>
+      <p:sp>
+        <p:nvSpPr>
+          <p:cNvPr id="2" name="Title 1">
+            <a:extLst>
+              <a:ext uri="{FF2B5EF4-FFF2-40B4-BE49-F238E27FC236}">
+                <a16:creationId xmlns:a16="http://schemas.microsoft.com/office/drawing/2014/main" id="{0E4F2264-AFCF-A156-2BBA-27C064C06CE0}"/>
+              </a:ext>
+            </a:extLst>
+          </p:cNvPr>
+          <p:cNvSpPr>
+            <a:spLocks noGrp="1"/>
+          </p:cNvSpPr>
+          <p:nvPr>
+            <p:ph type="title"/>
+          </p:nvPr>
+        </p:nvSpPr>
+        <p:spPr>
+          <a:xfrm>
+            <a:off x="838200" y="3905833"/>
+            <a:ext cx="4215063" cy="2398713"/>
+          </a:xfrm>
+        </p:spPr>
+        <p:txBody>
+          <a:bodyPr>
+            <a:normAutofit/>
+          </a:bodyPr>
+          <a:lstStyle/>
+          <a:p>
+            <a:r>
+              <a:rPr lang="en-IN" dirty="0"/>
+              <a:t>Sqoop Conditional Imports </a:t>
+            </a:r>
+          </a:p>
+        </p:txBody>
+      </p:sp>
+      <p:pic>
+        <p:nvPicPr>
+          <p:cNvPr id="5" name="Picture 4">
+            <a:extLst>
+              <a:ext uri="{FF2B5EF4-FFF2-40B4-BE49-F238E27FC236}">
+                <a16:creationId xmlns:a16="http://schemas.microsoft.com/office/drawing/2014/main" id="{6586FB6E-C043-737D-ABF1-F8213162DD83}"/>
+              </a:ext>
+            </a:extLst>
+          </p:cNvPr>
+          <p:cNvPicPr>
+            <a:picLocks noChangeAspect="1"/>
+          </p:cNvPicPr>
+          <p:nvPr/>
+        </p:nvPicPr>
+        <p:blipFill>
+          <a:blip r:embed="rId2"/>
+          <a:stretch>
+            <a:fillRect/>
+          </a:stretch>
+        </p:blipFill>
+        <p:spPr>
+          <a:xfrm>
+            <a:off x="1158955" y="1306674"/>
+            <a:ext cx="9875259" cy="962838"/>
+          </a:xfrm>
+          <a:prstGeom prst="rect">
+            <a:avLst/>
+          </a:prstGeom>
+        </p:spPr>
+      </p:pic>
+      <p:sp>
+        <p:nvSpPr>
+          <p:cNvPr id="3" name="Content Placeholder 2">
+            <a:extLst>
+              <a:ext uri="{FF2B5EF4-FFF2-40B4-BE49-F238E27FC236}">
+                <a16:creationId xmlns:a16="http://schemas.microsoft.com/office/drawing/2014/main" id="{2FF5649D-4647-E0C2-4C83-6ED57EB25B79}"/>
+              </a:ext>
+            </a:extLst>
+          </p:cNvPr>
+          <p:cNvSpPr>
+            <a:spLocks noGrp="1"/>
+          </p:cNvSpPr>
+          <p:nvPr>
+            <p:ph idx="1"/>
+          </p:nvPr>
+        </p:nvSpPr>
+        <p:spPr>
+          <a:xfrm>
+            <a:off x="5630779" y="3884452"/>
+            <a:ext cx="5723021" cy="2398713"/>
+          </a:xfrm>
+        </p:spPr>
+        <p:txBody>
+          <a:bodyPr anchor="ctr">
+            <a:normAutofit/>
+          </a:bodyPr>
+          <a:lstStyle/>
+          <a:p>
+            <a:r>
+              <a:rPr lang="en-IN" sz="2000" b="0" i="0" dirty="0">
+                <a:effectLst/>
+                <a:latin typeface="verdana" panose="020B0604030504040204" pitchFamily="34" charset="0"/>
+              </a:rPr>
+              <a:t>Sqoop provides an incremental import mode which can be used to retrieve only rows newer than some previously-imported set of rows.</a:t>
+            </a:r>
+          </a:p>
+          <a:p>
+            <a:endParaRPr lang="en-IN" sz="2000" dirty="0">
+              <a:latin typeface="verdana" panose="020B0604030504040204" pitchFamily="34" charset="0"/>
+            </a:endParaRPr>
+          </a:p>
+          <a:p>
+            <a:endParaRPr lang="en-IN" sz="2000" dirty="0"/>
+          </a:p>
+        </p:txBody>
+      </p:sp>
+    </p:spTree>
+    <p:extLst>
+      <p:ext uri="{BB962C8B-B14F-4D97-AF65-F5344CB8AC3E}">
+        <p14:creationId xmlns:p14="http://schemas.microsoft.com/office/powerpoint/2010/main" val="903753129"/>
+      </p:ext>
+    </p:extLst>
+  </p:cSld>
+  <p:clrMapOvr>
+    <a:masterClrMapping/>
+  </p:clrMapOvr>
+</p:sld>
+</file>
+
+<file path=ppt/slides/slide43.xml><?xml version="1.0" encoding="utf-8"?>
+<p:sld xmlns:a="http://schemas.openxmlformats.org/drawingml/2006/main" xmlns:r="http://schemas.openxmlformats.org/officeDocument/2006/relationships" xmlns:p="http://schemas.openxmlformats.org/presentationml/2006/main">
+  <p:cSld>
+    <p:bg>
+      <p:bgPr>
+        <a:solidFill>
+          <a:schemeClr val="bg1"/>
+        </a:solidFill>
+        <a:effectLst/>
+      </p:bgPr>
+    </p:bg>
+    <p:spTree>
+      <p:nvGrpSpPr>
+        <p:cNvPr id="1" name=""/>
+        <p:cNvGrpSpPr/>
+        <p:nvPr/>
+      </p:nvGrpSpPr>
+      <p:grpSpPr>
+        <a:xfrm>
+          <a:off x="0" y="0"/>
+          <a:ext cx="0" cy="0"/>
+          <a:chOff x="0" y="0"/>
+          <a:chExt cx="0" cy="0"/>
+        </a:xfrm>
+      </p:grpSpPr>
+      <p:sp>
+        <p:nvSpPr>
+          <p:cNvPr id="16" name="Rectangle 10">
+            <a:extLst>
+              <a:ext uri="{FF2B5EF4-FFF2-40B4-BE49-F238E27FC236}">
+                <a16:creationId xmlns:a16="http://schemas.microsoft.com/office/drawing/2014/main" id="{6166C6D1-23AC-49C4-BA07-238E4E9F8CEB}"/>
+              </a:ext>
+              <a:ext uri="{C183D7F6-B498-43B3-948B-1728B52AA6E4}">
+                <adec:decorative xmlns:adec="http://schemas.microsoft.com/office/drawing/2017/decorative" val="1"/>
+              </a:ext>
+            </a:extLst>
+          </p:cNvPr>
+          <p:cNvSpPr>
+            <a:spLocks noGrp="1" noRot="1" noChangeAspect="1" noMove="1" noResize="1" noEditPoints="1" noAdjustHandles="1" noChangeArrowheads="1" noChangeShapeType="1" noTextEdit="1"/>
+          </p:cNvSpPr>
+          <p:nvPr>
+            <p:extLst>
+              <p:ext uri="{386F3935-93C4-4BCD-93E2-E3B085C9AB24}">
+                <p16:designElem xmlns:p16="http://schemas.microsoft.com/office/powerpoint/2015/main" val="1"/>
+              </p:ext>
+            </p:extLst>
+          </p:nvPr>
+        </p:nvSpPr>
+        <p:spPr>
+          <a:xfrm>
+            <a:off x="462059" y="450222"/>
+            <a:ext cx="4182520" cy="3603164"/>
+          </a:xfrm>
+          <a:prstGeom prst="rect">
+            <a:avLst/>
+          </a:prstGeom>
+          <a:solidFill>
+            <a:srgbClr val="595959"/>
+          </a:solidFill>
+          <a:ln w="25400">
+            <a:noFill/>
+          </a:ln>
+        </p:spPr>
+        <p:style>
+          <a:lnRef idx="2">
+            <a:schemeClr val="accent1">
+              <a:shade val="50000"/>
+            </a:schemeClr>
+          </a:lnRef>
+          <a:fillRef idx="1">
+            <a:schemeClr val="accent1"/>
+          </a:fillRef>
+          <a:effectRef idx="0">
+            <a:schemeClr val="accent1"/>
+          </a:effectRef>
+          <a:fontRef idx="minor">
+            <a:schemeClr val="lt1"/>
+          </a:fontRef>
+        </p:style>
+        <p:txBody>
+          <a:bodyPr rtlCol="0" anchor="ctr"/>
+          <a:lstStyle/>
+          <a:p>
+            <a:pPr marL="0" marR="0" lvl="0" indent="0" algn="ctr" defTabSz="914400" rtl="0" eaLnBrk="1" fontAlgn="auto" latinLnBrk="0" hangingPunct="1">
+              <a:lnSpc>
+                <a:spcPct val="100000"/>
+              </a:lnSpc>
+              <a:spcBef>
+                <a:spcPts val="0"/>
+              </a:spcBef>
+              <a:spcAft>
+                <a:spcPts val="0"/>
+              </a:spcAft>
+              <a:buClrTx/>
+              <a:buSzTx/>
+              <a:buFontTx/>
+              <a:buNone/>
+              <a:tabLst/>
+              <a:defRPr/>
+            </a:pPr>
+            <a:endParaRPr kumimoji="0" lang="en-US" sz="1800" b="0" i="0" u="none" strike="noStrike" kern="1200" cap="none" spc="0" normalizeH="0" baseline="0" noProof="0">
+              <a:ln>
+                <a:noFill/>
+              </a:ln>
+              <a:solidFill>
+                <a:srgbClr val="FFFFFF"/>
+              </a:solidFill>
+              <a:effectLst/>
+              <a:uLnTx/>
+              <a:uFillTx/>
+              <a:latin typeface="Calibri" panose="020F0502020204030204"/>
+              <a:ea typeface="+mn-ea"/>
+              <a:cs typeface="+mn-cs"/>
+            </a:endParaRPr>
+          </a:p>
+        </p:txBody>
+      </p:sp>
+      <p:sp>
+        <p:nvSpPr>
+          <p:cNvPr id="2" name="Title 1">
+            <a:extLst>
+              <a:ext uri="{FF2B5EF4-FFF2-40B4-BE49-F238E27FC236}">
+                <a16:creationId xmlns:a16="http://schemas.microsoft.com/office/drawing/2014/main" id="{8004879F-3D7C-E6CA-00B2-F71BEDE753B1}"/>
+              </a:ext>
+            </a:extLst>
+          </p:cNvPr>
+          <p:cNvSpPr>
+            <a:spLocks noGrp="1"/>
+          </p:cNvSpPr>
+          <p:nvPr>
+            <p:ph type="title"/>
+          </p:nvPr>
+        </p:nvSpPr>
+        <p:spPr>
+          <a:xfrm>
+            <a:off x="774700" y="762000"/>
+            <a:ext cx="3595973" cy="3018430"/>
+          </a:xfrm>
+        </p:spPr>
+        <p:txBody>
+          <a:bodyPr>
+            <a:normAutofit/>
+          </a:bodyPr>
+          <a:lstStyle/>
+          <a:p>
+            <a:r>
+              <a:rPr lang="en-IN">
+                <a:solidFill>
+                  <a:srgbClr val="FFFFFF"/>
+                </a:solidFill>
+              </a:rPr>
+              <a:t>Sqoop File Formats</a:t>
+            </a:r>
+          </a:p>
+        </p:txBody>
+      </p:sp>
+      <p:sp>
+        <p:nvSpPr>
+          <p:cNvPr id="18" name="Rectangle 12">
+            <a:extLst>
+              <a:ext uri="{FF2B5EF4-FFF2-40B4-BE49-F238E27FC236}">
+                <a16:creationId xmlns:a16="http://schemas.microsoft.com/office/drawing/2014/main" id="{9F094233-2135-4AF1-986E-5751814CDDA2}"/>
+              </a:ext>
+              <a:ext uri="{C183D7F6-B498-43B3-948B-1728B52AA6E4}">
+                <adec:decorative xmlns:adec="http://schemas.microsoft.com/office/drawing/2017/decorative" val="1"/>
+              </a:ext>
+            </a:extLst>
+          </p:cNvPr>
+          <p:cNvSpPr>
+            <a:spLocks noGrp="1" noRot="1" noChangeAspect="1" noMove="1" noResize="1" noEditPoints="1" noAdjustHandles="1" noChangeArrowheads="1" noChangeShapeType="1" noTextEdit="1"/>
+          </p:cNvSpPr>
+          <p:nvPr>
+            <p:extLst>
+              <p:ext uri="{386F3935-93C4-4BCD-93E2-E3B085C9AB24}">
+                <p16:designElem xmlns:p16="http://schemas.microsoft.com/office/powerpoint/2015/main" val="1"/>
+              </p:ext>
+            </p:extLst>
+          </p:nvPr>
+        </p:nvSpPr>
+        <p:spPr>
+          <a:xfrm>
+            <a:off x="471770" y="4209599"/>
+            <a:ext cx="4172809" cy="2173848"/>
+          </a:xfrm>
+          <a:prstGeom prst="rect">
+            <a:avLst/>
+          </a:prstGeom>
+          <a:solidFill>
+            <a:srgbClr val="7F7F7F">
+              <a:alpha val="20000"/>
+            </a:srgbClr>
+          </a:solidFill>
+          <a:ln>
+            <a:noFill/>
+          </a:ln>
+        </p:spPr>
+        <p:style>
+          <a:lnRef idx="2">
+            <a:schemeClr val="accent1">
+              <a:shade val="50000"/>
+            </a:schemeClr>
+          </a:lnRef>
+          <a:fillRef idx="1">
+            <a:schemeClr val="accent1"/>
+          </a:fillRef>
+          <a:effectRef idx="0">
+            <a:schemeClr val="accent1"/>
+          </a:effectRef>
+          <a:fontRef idx="minor">
+            <a:schemeClr val="lt1"/>
+          </a:fontRef>
+        </p:style>
+        <p:txBody>
+          <a:bodyPr rtlCol="0" anchor="ctr"/>
+          <a:lstStyle/>
+          <a:p>
+            <a:pPr algn="ctr"/>
+            <a:endParaRPr lang="en-US"/>
+          </a:p>
+        </p:txBody>
+      </p:sp>
+      <p:sp>
+        <p:nvSpPr>
+          <p:cNvPr id="15" name="Rectangle 14">
+            <a:extLst>
+              <a:ext uri="{FF2B5EF4-FFF2-40B4-BE49-F238E27FC236}">
+                <a16:creationId xmlns:a16="http://schemas.microsoft.com/office/drawing/2014/main" id="{1C091803-41C2-48E0-9228-5148460C7479}"/>
+              </a:ext>
+              <a:ext uri="{C183D7F6-B498-43B3-948B-1728B52AA6E4}">
+                <adec:decorative xmlns:adec="http://schemas.microsoft.com/office/drawing/2017/decorative" val="1"/>
+              </a:ext>
+            </a:extLst>
+          </p:cNvPr>
+          <p:cNvSpPr>
+            <a:spLocks noGrp="1" noRot="1" noChangeAspect="1" noMove="1" noResize="1" noEditPoints="1" noAdjustHandles="1" noChangeArrowheads="1" noChangeShapeType="1" noTextEdit="1"/>
+          </p:cNvSpPr>
+          <p:nvPr>
+            <p:extLst>
+              <p:ext uri="{386F3935-93C4-4BCD-93E2-E3B085C9AB24}">
+                <p16:designElem xmlns:p16="http://schemas.microsoft.com/office/powerpoint/2015/main" val="1"/>
+              </p:ext>
+            </p:extLst>
+          </p:nvPr>
+        </p:nvSpPr>
+        <p:spPr>
+          <a:xfrm>
+            <a:off x="4810836" y="450221"/>
+            <a:ext cx="4899923" cy="5948858"/>
+          </a:xfrm>
+          <a:prstGeom prst="rect">
+            <a:avLst/>
+          </a:prstGeom>
+          <a:solidFill>
+            <a:schemeClr val="tx1">
+              <a:lumMod val="50000"/>
+              <a:lumOff val="50000"/>
+              <a:alpha val="20000"/>
+            </a:schemeClr>
+          </a:solidFill>
+          <a:ln>
+            <a:noFill/>
+          </a:ln>
+        </p:spPr>
+        <p:style>
+          <a:lnRef idx="2">
+            <a:schemeClr val="accent1">
+              <a:shade val="50000"/>
+            </a:schemeClr>
+          </a:lnRef>
+          <a:fillRef idx="1">
+            <a:schemeClr val="accent1"/>
+          </a:fillRef>
+          <a:effectRef idx="0">
+            <a:schemeClr val="accent1"/>
+          </a:effectRef>
+          <a:fontRef idx="minor">
+            <a:schemeClr val="lt1"/>
+          </a:fontRef>
+        </p:style>
+        <p:txBody>
+          <a:bodyPr rtlCol="0" anchor="ctr"/>
+          <a:lstStyle/>
+          <a:p>
+            <a:pPr marL="0" marR="0" lvl="0" indent="0" algn="ctr" defTabSz="914400" rtl="0" eaLnBrk="1" fontAlgn="auto" latinLnBrk="0" hangingPunct="1">
+              <a:lnSpc>
+                <a:spcPct val="100000"/>
+              </a:lnSpc>
+              <a:spcBef>
+                <a:spcPts val="0"/>
+              </a:spcBef>
+              <a:spcAft>
+                <a:spcPts val="0"/>
+              </a:spcAft>
+              <a:buClrTx/>
+              <a:buSzTx/>
+              <a:buFontTx/>
+              <a:buNone/>
+              <a:tabLst/>
+              <a:defRPr/>
+            </a:pPr>
+            <a:endParaRPr kumimoji="0" lang="en-US" sz="1800" b="0" i="0" u="none" strike="noStrike" kern="1200" cap="none" spc="0" normalizeH="0" baseline="0" noProof="0">
+              <a:ln>
+                <a:noFill/>
+              </a:ln>
+              <a:solidFill>
+                <a:prstClr val="white">
+                  <a:lumMod val="85000"/>
+                </a:prstClr>
+              </a:solidFill>
+              <a:effectLst/>
+              <a:uLnTx/>
+              <a:uFillTx/>
+              <a:latin typeface="Calibri" panose="020F0502020204030204"/>
+              <a:ea typeface="+mn-ea"/>
+              <a:cs typeface="+mn-cs"/>
+            </a:endParaRPr>
+          </a:p>
+        </p:txBody>
+      </p:sp>
+      <p:sp>
+        <p:nvSpPr>
+          <p:cNvPr id="4" name="Rectangle 1">
+            <a:extLst>
+              <a:ext uri="{FF2B5EF4-FFF2-40B4-BE49-F238E27FC236}">
+                <a16:creationId xmlns:a16="http://schemas.microsoft.com/office/drawing/2014/main" id="{FD597C39-96A2-00BD-F9A1-897ECBE7CCB1}"/>
+              </a:ext>
+            </a:extLst>
+          </p:cNvPr>
+          <p:cNvSpPr>
+            <a:spLocks noGrp="1" noChangeArrowheads="1"/>
+          </p:cNvSpPr>
+          <p:nvPr>
+            <p:ph idx="1"/>
+          </p:nvPr>
+        </p:nvSpPr>
+        <p:spPr bwMode="auto">
+          <a:xfrm>
+            <a:off x="5259592" y="909143"/>
+            <a:ext cx="4007581" cy="5029586"/>
+          </a:xfrm>
+          <a:prstGeom prst="rect">
+            <a:avLst/>
+          </a:prstGeom>
+          <a:extLst>
+            <a:ext uri="{909E8E84-426E-40DD-AFC4-6F175D3DCCD1}">
+              <a14:hiddenFill xmlns:a14="http://schemas.microsoft.com/office/drawing/2010/main">
+                <a:solidFill>
+                  <a:schemeClr val="accent1"/>
+                </a:solidFill>
+              </a14:hiddenFill>
+            </a:ext>
+            <a:ext uri="{91240B29-F687-4F45-9708-019B960494DF}">
+              <a14:hiddenLine xmlns:a14="http://schemas.microsoft.com/office/drawing/2010/main" w="9525">
+                <a:solidFill>
+                  <a:schemeClr val="tx1"/>
+                </a:solidFill>
+                <a:miter lim="800000"/>
+                <a:headEnd/>
+                <a:tailEnd/>
+              </a14:hiddenLine>
+            </a:ext>
+            <a:ext uri="{AF507438-7753-43E0-B8FC-AC1667EBCBE1}">
+              <a14:hiddenEffects xmlns:a14="http://schemas.microsoft.com/office/drawing/2010/main">
+                <a:effectLst>
+                  <a:outerShdw dist="35921" dir="2700000" algn="ctr" rotWithShape="0">
+                    <a:schemeClr val="bg2"/>
+                  </a:outerShdw>
+                </a:effectLst>
+              </a14:hiddenEffects>
+            </a:ext>
+          </a:extLst>
+        </p:spPr>
+        <p:txBody>
+          <a:bodyPr vert="horz" lIns="91440" tIns="45720" rIns="91440" bIns="45720" numCol="1" anchor="ctr" anchorCtr="0" compatLnSpc="1">
+            <a:prstTxWarp prst="textNoShape">
+              <a:avLst/>
+            </a:prstTxWarp>
+            <a:normAutofit/>
+          </a:bodyPr>
+          <a:lstStyle>
+            <a:lvl1pPr eaLnBrk="0" fontAlgn="base" hangingPunct="0">
+              <a:spcBef>
+                <a:spcPct val="0"/>
+              </a:spcBef>
+              <a:spcAft>
+                <a:spcPct val="0"/>
+              </a:spcAft>
+              <a:defRPr>
+                <a:solidFill>
+                  <a:schemeClr val="tx1"/>
+                </a:solidFill>
+                <a:latin typeface="Arial" panose="020B0604020202020204" pitchFamily="34" charset="0"/>
+              </a:defRPr>
+            </a:lvl1pPr>
+            <a:lvl2pPr eaLnBrk="0" fontAlgn="base" hangingPunct="0">
+              <a:spcBef>
+                <a:spcPct val="0"/>
+              </a:spcBef>
+              <a:spcAft>
+                <a:spcPct val="0"/>
+              </a:spcAft>
+              <a:defRPr>
+                <a:solidFill>
+                  <a:schemeClr val="tx1"/>
+                </a:solidFill>
+                <a:latin typeface="Arial" panose="020B0604020202020204" pitchFamily="34" charset="0"/>
+              </a:defRPr>
+            </a:lvl2pPr>
+            <a:lvl3pPr eaLnBrk="0" fontAlgn="base" hangingPunct="0">
+              <a:spcBef>
+                <a:spcPct val="0"/>
+              </a:spcBef>
+              <a:spcAft>
+                <a:spcPct val="0"/>
+              </a:spcAft>
+              <a:defRPr>
+                <a:solidFill>
+                  <a:schemeClr val="tx1"/>
+                </a:solidFill>
+                <a:latin typeface="Arial" panose="020B0604020202020204" pitchFamily="34" charset="0"/>
+              </a:defRPr>
+            </a:lvl3pPr>
+            <a:lvl4pPr eaLnBrk="0" fontAlgn="base" hangingPunct="0">
+              <a:spcBef>
+                <a:spcPct val="0"/>
+              </a:spcBef>
+              <a:spcAft>
+                <a:spcPct val="0"/>
+              </a:spcAft>
+              <a:defRPr>
+                <a:solidFill>
+                  <a:schemeClr val="tx1"/>
+                </a:solidFill>
+                <a:latin typeface="Arial" panose="020B0604020202020204" pitchFamily="34" charset="0"/>
+              </a:defRPr>
+            </a:lvl4pPr>
+            <a:lvl5pPr eaLnBrk="0" fontAlgn="base" hangingPunct="0">
+              <a:spcBef>
+                <a:spcPct val="0"/>
+              </a:spcBef>
+              <a:spcAft>
+                <a:spcPct val="0"/>
+              </a:spcAft>
+              <a:defRPr>
+                <a:solidFill>
+                  <a:schemeClr val="tx1"/>
+                </a:solidFill>
+                <a:latin typeface="Arial" panose="020B0604020202020204" pitchFamily="34" charset="0"/>
+              </a:defRPr>
+            </a:lvl5pPr>
+            <a:lvl6pPr eaLnBrk="0" fontAlgn="base" hangingPunct="0">
+              <a:spcBef>
+                <a:spcPct val="0"/>
+              </a:spcBef>
+              <a:spcAft>
+                <a:spcPct val="0"/>
+              </a:spcAft>
+              <a:defRPr>
+                <a:solidFill>
+                  <a:schemeClr val="tx1"/>
+                </a:solidFill>
+                <a:latin typeface="Arial" panose="020B0604020202020204" pitchFamily="34" charset="0"/>
+              </a:defRPr>
+            </a:lvl6pPr>
+            <a:lvl7pPr eaLnBrk="0" fontAlgn="base" hangingPunct="0">
+              <a:spcBef>
+                <a:spcPct val="0"/>
+              </a:spcBef>
+              <a:spcAft>
+                <a:spcPct val="0"/>
+              </a:spcAft>
+              <a:defRPr>
+                <a:solidFill>
+                  <a:schemeClr val="tx1"/>
+                </a:solidFill>
+                <a:latin typeface="Arial" panose="020B0604020202020204" pitchFamily="34" charset="0"/>
+              </a:defRPr>
+            </a:lvl7pPr>
+            <a:lvl8pPr eaLnBrk="0" fontAlgn="base" hangingPunct="0">
+              <a:spcBef>
+                <a:spcPct val="0"/>
+              </a:spcBef>
+              <a:spcAft>
+                <a:spcPct val="0"/>
+              </a:spcAft>
+              <a:defRPr>
+                <a:solidFill>
+                  <a:schemeClr val="tx1"/>
+                </a:solidFill>
+                <a:latin typeface="Arial" panose="020B0604020202020204" pitchFamily="34" charset="0"/>
+              </a:defRPr>
+            </a:lvl8pPr>
+            <a:lvl9pPr eaLnBrk="0" fontAlgn="base" hangingPunct="0">
+              <a:spcBef>
+                <a:spcPct val="0"/>
+              </a:spcBef>
+              <a:spcAft>
+                <a:spcPct val="0"/>
+              </a:spcAft>
+              <a:defRPr>
+                <a:solidFill>
+                  <a:schemeClr val="tx1"/>
+                </a:solidFill>
+                <a:latin typeface="Arial" panose="020B0604020202020204" pitchFamily="34" charset="0"/>
+              </a:defRPr>
+            </a:lvl9pPr>
+          </a:lstStyle>
+          <a:p>
+            <a:pPr marL="0" marR="0" lvl="0" indent="0" defTabSz="914400" rtl="0" eaLnBrk="0" fontAlgn="base" latinLnBrk="0" hangingPunct="0">
+              <a:spcBef>
+                <a:spcPct val="0"/>
+              </a:spcBef>
+              <a:spcAft>
+                <a:spcPts val="600"/>
+              </a:spcAft>
+              <a:buClrTx/>
+              <a:buSzTx/>
+              <a:buFontTx/>
+              <a:buNone/>
+              <a:tabLst/>
+            </a:pPr>
+            <a:r>
+              <a:rPr kumimoji="0" lang="en-US" altLang="en-US" sz="1500" b="0" i="0" u="none" strike="noStrike" cap="none" normalizeH="0" baseline="0">
+                <a:ln>
+                  <a:noFill/>
+                </a:ln>
+                <a:effectLst/>
+                <a:latin typeface="Verdana" panose="020B0604030504040204" pitchFamily="34" charset="0"/>
+              </a:rPr>
+              <a:t>You can import data in one of two file formats: delimited text or SequenceFiles.</a:t>
+            </a:r>
+            <a:endParaRPr kumimoji="0" lang="en-US" altLang="en-US" sz="1500" b="0" i="0" u="none" strike="noStrike" cap="none" normalizeH="0" baseline="0">
+              <a:ln>
+                <a:noFill/>
+              </a:ln>
+              <a:effectLst/>
+            </a:endParaRPr>
+          </a:p>
+          <a:p>
+            <a:pPr marL="0" marR="0" lvl="0" indent="0" defTabSz="914400" rtl="0" eaLnBrk="0" fontAlgn="base" latinLnBrk="0" hangingPunct="0">
+              <a:spcBef>
+                <a:spcPct val="0"/>
+              </a:spcBef>
+              <a:spcAft>
+                <a:spcPts val="600"/>
+              </a:spcAft>
+              <a:buClrTx/>
+              <a:buSzTx/>
+              <a:buFontTx/>
+              <a:buNone/>
+              <a:tabLst/>
+            </a:pPr>
+            <a:r>
+              <a:rPr kumimoji="0" lang="en-US" altLang="en-US" sz="1500" b="0" i="0" u="none" strike="noStrike" cap="none" normalizeH="0" baseline="0">
+                <a:ln>
+                  <a:noFill/>
+                </a:ln>
+                <a:effectLst/>
+                <a:latin typeface="Verdana" panose="020B0604030504040204" pitchFamily="34" charset="0"/>
+              </a:rPr>
+              <a:t>Delimited text is the default import format. You can also specify it explicitly by </a:t>
+            </a:r>
+          </a:p>
+          <a:p>
+            <a:pPr marL="0" marR="0" lvl="0" indent="0" defTabSz="914400" rtl="0" eaLnBrk="0" fontAlgn="base" latinLnBrk="0" hangingPunct="0">
+              <a:spcBef>
+                <a:spcPct val="0"/>
+              </a:spcBef>
+              <a:spcAft>
+                <a:spcPts val="600"/>
+              </a:spcAft>
+              <a:buClrTx/>
+              <a:buSzTx/>
+              <a:buFontTx/>
+              <a:buNone/>
+              <a:tabLst/>
+            </a:pPr>
+            <a:r>
+              <a:rPr kumimoji="0" lang="en-US" altLang="en-US" sz="1500" b="0" i="0" u="none" strike="noStrike" cap="none" normalizeH="0" baseline="0">
+                <a:ln>
+                  <a:noFill/>
+                </a:ln>
+                <a:effectLst/>
+                <a:latin typeface="Verdana" panose="020B0604030504040204" pitchFamily="34" charset="0"/>
+              </a:rPr>
+              <a:t>using the </a:t>
+            </a:r>
+            <a:r>
+              <a:rPr kumimoji="0" lang="en-US" altLang="en-US" sz="1500" b="0" i="0" u="none" strike="noStrike" cap="none" normalizeH="0" baseline="0">
+                <a:ln>
+                  <a:noFill/>
+                </a:ln>
+                <a:effectLst/>
+                <a:latin typeface="Courier New" panose="02070309020205020404" pitchFamily="49" charset="0"/>
+                <a:cs typeface="Courier New" panose="02070309020205020404" pitchFamily="49" charset="0"/>
+              </a:rPr>
+              <a:t>--as-textfile</a:t>
+            </a:r>
+            <a:r>
+              <a:rPr kumimoji="0" lang="en-US" altLang="en-US" sz="1500" b="0" i="0" u="none" strike="noStrike" cap="none" normalizeH="0" baseline="0">
+                <a:ln>
+                  <a:noFill/>
+                </a:ln>
+                <a:effectLst/>
+                <a:latin typeface="Verdana" panose="020B0604030504040204" pitchFamily="34" charset="0"/>
+              </a:rPr>
+              <a:t> argument. This argument will write string-based representations of </a:t>
+            </a:r>
+          </a:p>
+          <a:p>
+            <a:pPr marL="0" marR="0" lvl="0" indent="0" defTabSz="914400" rtl="0" eaLnBrk="0" fontAlgn="base" latinLnBrk="0" hangingPunct="0">
+              <a:spcBef>
+                <a:spcPct val="0"/>
+              </a:spcBef>
+              <a:spcAft>
+                <a:spcPts val="600"/>
+              </a:spcAft>
+              <a:buClrTx/>
+              <a:buSzTx/>
+              <a:buFontTx/>
+              <a:buNone/>
+              <a:tabLst/>
+            </a:pPr>
+            <a:r>
+              <a:rPr kumimoji="0" lang="en-US" altLang="en-US" sz="1500" b="0" i="0" u="none" strike="noStrike" cap="none" normalizeH="0" baseline="0">
+                <a:ln>
+                  <a:noFill/>
+                </a:ln>
+                <a:effectLst/>
+                <a:latin typeface="Verdana" panose="020B0604030504040204" pitchFamily="34" charset="0"/>
+              </a:rPr>
+              <a:t>each record to the output files, with delimiter characters between individual columns and rows.</a:t>
+            </a:r>
+          </a:p>
+          <a:p>
+            <a:pPr marL="0" marR="0" lvl="0" indent="0" defTabSz="914400" rtl="0" eaLnBrk="0" fontAlgn="base" latinLnBrk="0" hangingPunct="0">
+              <a:spcBef>
+                <a:spcPct val="0"/>
+              </a:spcBef>
+              <a:spcAft>
+                <a:spcPts val="600"/>
+              </a:spcAft>
+              <a:buClrTx/>
+              <a:buSzTx/>
+              <a:buFontTx/>
+              <a:buNone/>
+              <a:tabLst/>
+            </a:pPr>
+            <a:r>
+              <a:rPr kumimoji="0" lang="en-US" altLang="en-US" sz="1500" b="0" i="0" u="none" strike="noStrike" cap="none" normalizeH="0" baseline="0">
+                <a:ln>
+                  <a:noFill/>
+                </a:ln>
+                <a:effectLst/>
+                <a:latin typeface="Verdana" panose="020B0604030504040204" pitchFamily="34" charset="0"/>
+              </a:rPr>
+              <a:t> These delimiters may be commas, tabs, or other characters.</a:t>
+            </a:r>
+          </a:p>
+          <a:p>
+            <a:pPr marL="0" marR="0" lvl="0" indent="0" defTabSz="914400" rtl="0" eaLnBrk="0" fontAlgn="base" latinLnBrk="0" hangingPunct="0">
+              <a:spcBef>
+                <a:spcPct val="0"/>
+              </a:spcBef>
+              <a:spcAft>
+                <a:spcPts val="600"/>
+              </a:spcAft>
+              <a:buClrTx/>
+              <a:buSzTx/>
+              <a:buFontTx/>
+              <a:buNone/>
+              <a:tabLst/>
+            </a:pPr>
+            <a:r>
+              <a:rPr kumimoji="0" lang="en-US" altLang="en-US" sz="1500" b="0" i="0" u="none" strike="noStrike" cap="none" normalizeH="0" baseline="0">
+                <a:ln>
+                  <a:noFill/>
+                </a:ln>
+                <a:effectLst/>
+                <a:latin typeface="Verdana" panose="020B0604030504040204" pitchFamily="34" charset="0"/>
+              </a:rPr>
+              <a:t> (The delimiters can be selected; see "Output line formatting arguments.")</a:t>
+            </a:r>
+          </a:p>
+          <a:p>
+            <a:pPr marL="0" marR="0" lvl="0" indent="0" defTabSz="914400" rtl="0" eaLnBrk="0" fontAlgn="base" latinLnBrk="0" hangingPunct="0">
+              <a:spcBef>
+                <a:spcPct val="0"/>
+              </a:spcBef>
+              <a:spcAft>
+                <a:spcPts val="600"/>
+              </a:spcAft>
+              <a:buClrTx/>
+              <a:buSzTx/>
+              <a:buFontTx/>
+              <a:buNone/>
+              <a:tabLst/>
+            </a:pPr>
+            <a:r>
+              <a:rPr kumimoji="0" lang="en-US" altLang="en-US" sz="1500" b="0" i="0" u="none" strike="noStrike" cap="none" normalizeH="0" baseline="0">
+                <a:ln>
+                  <a:noFill/>
+                </a:ln>
+                <a:effectLst/>
+                <a:latin typeface="Verdana" panose="020B0604030504040204" pitchFamily="34" charset="0"/>
+              </a:rPr>
+              <a:t> The following is the results of an example text-based import:</a:t>
+            </a:r>
+          </a:p>
+          <a:p>
+            <a:pPr marL="0" marR="0" lvl="0" indent="0" defTabSz="914400" rtl="0" eaLnBrk="0" fontAlgn="base" latinLnBrk="0" hangingPunct="0">
+              <a:spcBef>
+                <a:spcPct val="0"/>
+              </a:spcBef>
+              <a:spcAft>
+                <a:spcPts val="600"/>
+              </a:spcAft>
+              <a:buClrTx/>
+              <a:buSzTx/>
+              <a:buFontTx/>
+              <a:buNone/>
+              <a:tabLst/>
+            </a:pPr>
+            <a:endParaRPr lang="en-US" altLang="en-US" sz="1500">
+              <a:latin typeface="Verdana" panose="020B0604030504040204" pitchFamily="34" charset="0"/>
+            </a:endParaRPr>
+          </a:p>
+          <a:p>
+            <a:pPr marL="0" marR="0" lvl="0" indent="0" defTabSz="914400" rtl="0" eaLnBrk="0" fontAlgn="base" latinLnBrk="0" hangingPunct="0">
+              <a:spcBef>
+                <a:spcPct val="0"/>
+              </a:spcBef>
+              <a:spcAft>
+                <a:spcPts val="600"/>
+              </a:spcAft>
+              <a:buClrTx/>
+              <a:buSzTx/>
+              <a:buFontTx/>
+              <a:buNone/>
+              <a:tabLst/>
+            </a:pPr>
+            <a:endParaRPr kumimoji="0" lang="en-US" altLang="en-US" sz="1500" b="0" i="0" u="none" strike="noStrike" cap="none" normalizeH="0" baseline="0">
+              <a:ln>
+                <a:noFill/>
+              </a:ln>
+              <a:effectLst/>
+              <a:latin typeface="Arial" panose="020B0604020202020204" pitchFamily="34" charset="0"/>
+            </a:endParaRPr>
+          </a:p>
+        </p:txBody>
+      </p:sp>
+      <p:sp>
+        <p:nvSpPr>
+          <p:cNvPr id="17" name="Rectangle 16">
+            <a:extLst>
+              <a:ext uri="{FF2B5EF4-FFF2-40B4-BE49-F238E27FC236}">
+                <a16:creationId xmlns:a16="http://schemas.microsoft.com/office/drawing/2014/main" id="{B775CD93-9DF2-48CB-9F57-1BCA9A46C7FA}"/>
+              </a:ext>
+              <a:ext uri="{C183D7F6-B498-43B3-948B-1728B52AA6E4}">
+                <adec:decorative xmlns:adec="http://schemas.microsoft.com/office/drawing/2017/decorative" val="1"/>
+              </a:ext>
+            </a:extLst>
+          </p:cNvPr>
+          <p:cNvSpPr>
+            <a:spLocks noGrp="1" noRot="1" noChangeAspect="1" noMove="1" noResize="1" noEditPoints="1" noAdjustHandles="1" noChangeArrowheads="1" noChangeShapeType="1" noTextEdit="1"/>
+          </p:cNvSpPr>
+          <p:nvPr>
+            <p:extLst>
+              <p:ext uri="{386F3935-93C4-4BCD-93E2-E3B085C9AB24}">
+                <p16:designElem xmlns:p16="http://schemas.microsoft.com/office/powerpoint/2015/main" val="1"/>
+              </p:ext>
+            </p:extLst>
+          </p:nvPr>
+        </p:nvSpPr>
+        <p:spPr>
+          <a:xfrm>
+            <a:off x="9875866" y="450221"/>
+            <a:ext cx="1868033" cy="3603165"/>
+          </a:xfrm>
+          <a:prstGeom prst="rect">
+            <a:avLst/>
+          </a:prstGeom>
+          <a:solidFill>
+            <a:schemeClr val="accent1"/>
+          </a:solidFill>
+          <a:ln w="25400">
+            <a:noFill/>
+          </a:ln>
+        </p:spPr>
+        <p:style>
+          <a:lnRef idx="2">
+            <a:schemeClr val="accent1">
+              <a:shade val="50000"/>
+            </a:schemeClr>
+          </a:lnRef>
+          <a:fillRef idx="1">
+            <a:schemeClr val="accent1"/>
+          </a:fillRef>
+          <a:effectRef idx="0">
+            <a:schemeClr val="accent1"/>
+          </a:effectRef>
+          <a:fontRef idx="minor">
+            <a:schemeClr val="lt1"/>
+          </a:fontRef>
+        </p:style>
+        <p:txBody>
+          <a:bodyPr rtlCol="0" anchor="ctr"/>
+          <a:lstStyle/>
+          <a:p>
+            <a:pPr marL="0" marR="0" lvl="0" indent="0" algn="ctr" defTabSz="914400" rtl="0" eaLnBrk="1" fontAlgn="auto" latinLnBrk="0" hangingPunct="1">
+              <a:lnSpc>
+                <a:spcPct val="100000"/>
+              </a:lnSpc>
+              <a:spcBef>
+                <a:spcPts val="0"/>
+              </a:spcBef>
+              <a:spcAft>
+                <a:spcPts val="0"/>
+              </a:spcAft>
+              <a:buClrTx/>
+              <a:buSzTx/>
+              <a:buFontTx/>
+              <a:buNone/>
+              <a:tabLst/>
+              <a:defRPr/>
+            </a:pPr>
+            <a:endParaRPr kumimoji="0" lang="en-US" sz="1800" b="0" i="0" u="none" strike="noStrike" kern="1200" cap="none" spc="0" normalizeH="0" baseline="0" noProof="0">
+              <a:ln>
+                <a:noFill/>
+              </a:ln>
+              <a:solidFill>
+                <a:srgbClr val="FFFFFF"/>
+              </a:solidFill>
+              <a:effectLst/>
+              <a:uLnTx/>
+              <a:uFillTx/>
+              <a:latin typeface="Calibri" panose="020F0502020204030204"/>
+              <a:ea typeface="+mn-ea"/>
+              <a:cs typeface="+mn-cs"/>
+            </a:endParaRPr>
+          </a:p>
+        </p:txBody>
+      </p:sp>
+      <p:pic>
+        <p:nvPicPr>
+          <p:cNvPr id="6" name="Picture 5">
+            <a:extLst>
+              <a:ext uri="{FF2B5EF4-FFF2-40B4-BE49-F238E27FC236}">
+                <a16:creationId xmlns:a16="http://schemas.microsoft.com/office/drawing/2014/main" id="{91D157F2-DDFD-30A8-82D3-8BD54F1A01CF}"/>
+              </a:ext>
+            </a:extLst>
+          </p:cNvPr>
+          <p:cNvPicPr>
+            <a:picLocks noChangeAspect="1"/>
+          </p:cNvPicPr>
+          <p:nvPr/>
+        </p:nvPicPr>
+        <p:blipFill>
+          <a:blip r:embed="rId2"/>
+          <a:stretch>
+            <a:fillRect/>
+          </a:stretch>
+        </p:blipFill>
+        <p:spPr>
+          <a:xfrm>
+            <a:off x="757422" y="4898793"/>
+            <a:ext cx="3630527" cy="786614"/>
+          </a:xfrm>
+          <a:prstGeom prst="rect">
+            <a:avLst/>
+          </a:prstGeom>
+        </p:spPr>
+      </p:pic>
+      <p:sp>
+        <p:nvSpPr>
+          <p:cNvPr id="19" name="Rectangle 18">
+            <a:extLst>
+              <a:ext uri="{FF2B5EF4-FFF2-40B4-BE49-F238E27FC236}">
+                <a16:creationId xmlns:a16="http://schemas.microsoft.com/office/drawing/2014/main" id="{E186B68C-84BC-4A6E-99D1-EE87483C1349}"/>
+              </a:ext>
+              <a:ext uri="{C183D7F6-B498-43B3-948B-1728B52AA6E4}">
+                <adec:decorative xmlns:adec="http://schemas.microsoft.com/office/drawing/2017/decorative" val="1"/>
+              </a:ext>
+            </a:extLst>
+          </p:cNvPr>
+          <p:cNvSpPr>
+            <a:spLocks noGrp="1" noRot="1" noChangeAspect="1" noMove="1" noResize="1" noEditPoints="1" noAdjustHandles="1" noChangeArrowheads="1" noChangeShapeType="1" noTextEdit="1"/>
+          </p:cNvSpPr>
+          <p:nvPr>
+            <p:extLst>
+              <p:ext uri="{386F3935-93C4-4BCD-93E2-E3B085C9AB24}">
+                <p16:designElem xmlns:p16="http://schemas.microsoft.com/office/powerpoint/2015/main" val="1"/>
+              </p:ext>
+            </p:extLst>
+          </p:nvPr>
+        </p:nvSpPr>
+        <p:spPr>
+          <a:xfrm>
+            <a:off x="9873746" y="4214253"/>
+            <a:ext cx="1868033" cy="2173848"/>
+          </a:xfrm>
+          <a:prstGeom prst="rect">
+            <a:avLst/>
+          </a:prstGeom>
+          <a:solidFill>
+            <a:srgbClr val="EE9C2A"/>
+          </a:solidFill>
+          <a:ln w="25400">
+            <a:noFill/>
+          </a:ln>
+        </p:spPr>
+        <p:style>
+          <a:lnRef idx="2">
+            <a:schemeClr val="accent1">
+              <a:shade val="50000"/>
+            </a:schemeClr>
+          </a:lnRef>
+          <a:fillRef idx="1">
+            <a:schemeClr val="accent1"/>
+          </a:fillRef>
+          <a:effectRef idx="0">
+            <a:schemeClr val="accent1"/>
+          </a:effectRef>
+          <a:fontRef idx="minor">
+            <a:schemeClr val="lt1"/>
+          </a:fontRef>
+        </p:style>
+        <p:txBody>
+          <a:bodyPr rtlCol="0" anchor="ctr"/>
+          <a:lstStyle/>
+          <a:p>
+            <a:pPr marL="0" marR="0" lvl="0" indent="0" algn="ctr" defTabSz="914400" rtl="0" eaLnBrk="1" fontAlgn="auto" latinLnBrk="0" hangingPunct="1">
+              <a:lnSpc>
+                <a:spcPct val="100000"/>
+              </a:lnSpc>
+              <a:spcBef>
+                <a:spcPts val="0"/>
+              </a:spcBef>
+              <a:spcAft>
+                <a:spcPts val="0"/>
+              </a:spcAft>
+              <a:buClrTx/>
+              <a:buSzTx/>
+              <a:buFontTx/>
+              <a:buNone/>
+              <a:tabLst/>
+              <a:defRPr/>
+            </a:pPr>
+            <a:endParaRPr kumimoji="0" lang="en-US" sz="1800" b="0" i="0" u="none" strike="noStrike" kern="1200" cap="none" spc="0" normalizeH="0" baseline="0" noProof="0">
+              <a:ln>
+                <a:noFill/>
+              </a:ln>
+              <a:solidFill>
+                <a:srgbClr val="FFFFFF"/>
+              </a:solidFill>
+              <a:effectLst/>
+              <a:uLnTx/>
+              <a:uFillTx/>
+              <a:latin typeface="Calibri" panose="020F0502020204030204"/>
+              <a:ea typeface="+mn-ea"/>
+              <a:cs typeface="+mn-cs"/>
+            </a:endParaRPr>
+          </a:p>
+        </p:txBody>
+      </p:sp>
+    </p:spTree>
+    <p:extLst>
+      <p:ext uri="{BB962C8B-B14F-4D97-AF65-F5344CB8AC3E}">
+        <p14:creationId xmlns:p14="http://schemas.microsoft.com/office/powerpoint/2010/main" val="1336390724"/>
+      </p:ext>
+    </p:extLst>
+  </p:cSld>
+  <p:clrMapOvr>
+    <a:masterClrMapping/>
+  </p:clrMapOvr>
+</p:sld>
+</file>
+
+<file path=ppt/slides/slide44.xml><?xml version="1.0" encoding="utf-8"?>
+<p:sld xmlns:a="http://schemas.openxmlformats.org/drawingml/2006/main" xmlns:r="http://schemas.openxmlformats.org/officeDocument/2006/relationships" xmlns:p="http://schemas.openxmlformats.org/presentationml/2006/main">
+  <p:cSld>
+    <p:bg>
+      <p:bgPr>
+        <a:solidFill>
+          <a:schemeClr val="bg1"/>
+        </a:solidFill>
+        <a:effectLst/>
+      </p:bgPr>
+    </p:bg>
+    <p:spTree>
+      <p:nvGrpSpPr>
+        <p:cNvPr id="1" name=""/>
+        <p:cNvGrpSpPr/>
+        <p:nvPr/>
+      </p:nvGrpSpPr>
+      <p:grpSpPr>
+        <a:xfrm>
+          <a:off x="0" y="0"/>
+          <a:ext cx="0" cy="0"/>
+          <a:chOff x="0" y="0"/>
+          <a:chExt cx="0" cy="0"/>
+        </a:xfrm>
+      </p:grpSpPr>
+      <p:sp useBgFill="1">
+        <p:nvSpPr>
+          <p:cNvPr id="26" name="Rectangle 25">
+            <a:extLst>
+              <a:ext uri="{FF2B5EF4-FFF2-40B4-BE49-F238E27FC236}">
+                <a16:creationId xmlns:a16="http://schemas.microsoft.com/office/drawing/2014/main" id="{09588DA8-065E-4F6F-8EFD-43104AB2E0CF}"/>
+              </a:ext>
+              <a:ext uri="{C183D7F6-B498-43B3-948B-1728B52AA6E4}">
+                <adec:decorative xmlns:adec="http://schemas.microsoft.com/office/drawing/2017/decorative" val="1"/>
+              </a:ext>
+            </a:extLst>
+          </p:cNvPr>
+          <p:cNvSpPr>
+            <a:spLocks noGrp="1" noRot="1" noChangeAspect="1" noMove="1" noResize="1" noEditPoints="1" noAdjustHandles="1" noChangeArrowheads="1" noChangeShapeType="1" noTextEdit="1"/>
+          </p:cNvSpPr>
+          <p:nvPr>
+            <p:extLst>
+              <p:ext uri="{386F3935-93C4-4BCD-93E2-E3B085C9AB24}">
+                <p16:designElem xmlns:p16="http://schemas.microsoft.com/office/powerpoint/2015/main" val="1"/>
+              </p:ext>
+            </p:extLst>
+          </p:nvPr>
+        </p:nvSpPr>
+        <p:spPr>
+          <a:xfrm>
+            <a:off x="0" y="0"/>
+            <a:ext cx="12192000" cy="6858000"/>
+          </a:xfrm>
+          <a:prstGeom prst="rect">
+            <a:avLst/>
+          </a:prstGeom>
+          <a:ln w="12700" cap="flat" cmpd="sng" algn="ctr">
+            <a:noFill/>
+            <a:prstDash val="solid"/>
+            <a:miter lim="800000"/>
+          </a:ln>
+          <a:effectLst/>
+          <a:extLst>
+            <a:ext uri="{91240B29-F687-4F45-9708-019B960494DF}">
+              <a14:hiddenLine xmlns:a14="http://schemas.microsoft.com/office/drawing/2010/main" w="12700" cap="flat" cmpd="sng" algn="ctr">
+                <a:solidFill>
+                  <a:schemeClr val="accent1">
+                    <a:shade val="50000"/>
+                  </a:schemeClr>
+                </a:solidFill>
+                <a:prstDash val="solid"/>
+                <a:miter lim="800000"/>
+              </a14:hiddenLine>
+            </a:ext>
+          </a:extLst>
+        </p:spPr>
+        <p:style>
+          <a:lnRef idx="2">
+            <a:schemeClr val="accent1">
+              <a:shade val="50000"/>
+            </a:schemeClr>
+          </a:lnRef>
+          <a:fillRef idx="1">
+            <a:schemeClr val="accent1"/>
+          </a:fillRef>
+          <a:effectRef idx="0">
+            <a:schemeClr val="accent1"/>
+          </a:effectRef>
+          <a:fontRef idx="minor">
+            <a:schemeClr val="lt1"/>
+          </a:fontRef>
+        </p:style>
+        <p:txBody>
+          <a:bodyPr rtlCol="0" anchor="ctr"/>
+          <a:lstStyle/>
+          <a:p>
+            <a:pPr algn="ctr"/>
+            <a:endParaRPr lang="en-US"/>
+          </a:p>
+        </p:txBody>
+      </p:sp>
+      <p:sp useBgFill="1">
+        <p:nvSpPr>
+          <p:cNvPr id="28" name="Rectangle 27">
+            <a:extLst>
+              <a:ext uri="{FF2B5EF4-FFF2-40B4-BE49-F238E27FC236}">
+                <a16:creationId xmlns:a16="http://schemas.microsoft.com/office/drawing/2014/main" id="{C4285719-470E-454C-AF62-8323075F1F5B}"/>
+              </a:ext>
+              <a:ext uri="{C183D7F6-B498-43B3-948B-1728B52AA6E4}">
+                <adec:decorative xmlns:adec="http://schemas.microsoft.com/office/drawing/2017/decorative" val="1"/>
+              </a:ext>
+            </a:extLst>
+          </p:cNvPr>
+          <p:cNvSpPr>
+            <a:spLocks noGrp="1" noRot="1" noChangeAspect="1" noMove="1" noResize="1" noEditPoints="1" noAdjustHandles="1" noChangeArrowheads="1" noChangeShapeType="1" noTextEdit="1"/>
+          </p:cNvSpPr>
+          <p:nvPr>
+            <p:extLst>
+              <p:ext uri="{386F3935-93C4-4BCD-93E2-E3B085C9AB24}">
+                <p16:designElem xmlns:p16="http://schemas.microsoft.com/office/powerpoint/2015/main" val="1"/>
+              </p:ext>
+            </p:extLst>
+          </p:nvPr>
+        </p:nvSpPr>
+        <p:spPr>
+          <a:xfrm>
+            <a:off x="0" y="0"/>
+            <a:ext cx="12188952" cy="6858000"/>
+          </a:xfrm>
+          <a:prstGeom prst="rect">
+            <a:avLst/>
+          </a:prstGeom>
+          <a:ln w="12700" cap="flat" cmpd="sng" algn="ctr">
+            <a:noFill/>
+            <a:prstDash val="solid"/>
+            <a:miter lim="800000"/>
+          </a:ln>
+          <a:effectLst/>
+          <a:extLst>
+            <a:ext uri="{91240B29-F687-4F45-9708-019B960494DF}">
+              <a14:hiddenLine xmlns:a14="http://schemas.microsoft.com/office/drawing/2010/main" w="12700" cap="flat" cmpd="sng" algn="ctr">
+                <a:solidFill>
+                  <a:schemeClr val="accent1">
+                    <a:shade val="50000"/>
+                  </a:schemeClr>
+                </a:solidFill>
+                <a:prstDash val="solid"/>
+                <a:miter lim="800000"/>
+              </a14:hiddenLine>
+            </a:ext>
+          </a:extLst>
+        </p:spPr>
+        <p:style>
+          <a:lnRef idx="2">
+            <a:schemeClr val="accent1">
+              <a:shade val="50000"/>
+            </a:schemeClr>
+          </a:lnRef>
+          <a:fillRef idx="1">
+            <a:schemeClr val="accent1"/>
+          </a:fillRef>
+          <a:effectRef idx="0">
+            <a:schemeClr val="accent1"/>
+          </a:effectRef>
+          <a:fontRef idx="minor">
+            <a:schemeClr val="lt1"/>
+          </a:fontRef>
+        </p:style>
+        <p:txBody>
+          <a:bodyPr rtlCol="0" anchor="ctr"/>
+          <a:lstStyle/>
+          <a:p>
+            <a:pPr algn="ctr"/>
+            <a:endParaRPr lang="en-US"/>
+          </a:p>
+        </p:txBody>
+      </p:sp>
+      <p:sp>
+        <p:nvSpPr>
+          <p:cNvPr id="30" name="Rectangle 29">
+            <a:extLst>
+              <a:ext uri="{FF2B5EF4-FFF2-40B4-BE49-F238E27FC236}">
+                <a16:creationId xmlns:a16="http://schemas.microsoft.com/office/drawing/2014/main" id="{CD9FE4EF-C4D8-49A0-B2FF-81D8DB7D8A24}"/>
+              </a:ext>
+              <a:ext uri="{C183D7F6-B498-43B3-948B-1728B52AA6E4}">
+                <adec:decorative xmlns:adec="http://schemas.microsoft.com/office/drawing/2017/decorative" val="1"/>
+              </a:ext>
+            </a:extLst>
+          </p:cNvPr>
+          <p:cNvSpPr>
+            <a:spLocks noGrp="1" noRot="1" noChangeAspect="1" noMove="1" noResize="1" noEditPoints="1" noAdjustHandles="1" noChangeArrowheads="1" noChangeShapeType="1" noTextEdit="1"/>
+          </p:cNvSpPr>
+          <p:nvPr>
+            <p:extLst>
+              <p:ext uri="{386F3935-93C4-4BCD-93E2-E3B085C9AB24}">
+                <p16:designElem xmlns:p16="http://schemas.microsoft.com/office/powerpoint/2015/main" val="1"/>
+              </p:ext>
+            </p:extLst>
+          </p:nvPr>
+        </p:nvSpPr>
+        <p:spPr>
+          <a:xfrm rot="5400000" flipH="1">
+            <a:off x="-1410084" y="1410082"/>
+            <a:ext cx="6858000" cy="4037836"/>
+          </a:xfrm>
+          <a:prstGeom prst="rect">
+            <a:avLst/>
+          </a:prstGeom>
+          <a:gradFill>
+            <a:gsLst>
+              <a:gs pos="8000">
+                <a:srgbClr val="000000"/>
+              </a:gs>
+              <a:gs pos="100000">
+                <a:schemeClr val="accent1">
+                  <a:lumMod val="75000"/>
+                </a:schemeClr>
+              </a:gs>
+            </a:gsLst>
+            <a:lin ang="3000000" scaled="0"/>
+          </a:gradFill>
+          <a:ln>
+            <a:noFill/>
+          </a:ln>
+        </p:spPr>
+        <p:style>
+          <a:lnRef idx="2">
+            <a:schemeClr val="accent1">
+              <a:shade val="50000"/>
+            </a:schemeClr>
+          </a:lnRef>
+          <a:fillRef idx="1">
+            <a:schemeClr val="accent1"/>
+          </a:fillRef>
+          <a:effectRef idx="0">
+            <a:schemeClr val="accent1"/>
+          </a:effectRef>
+          <a:fontRef idx="minor">
+            <a:schemeClr val="lt1"/>
+          </a:fontRef>
+        </p:style>
+        <p:txBody>
+          <a:bodyPr rtlCol="0" anchor="ctr"/>
+          <a:lstStyle/>
+          <a:p>
+            <a:pPr algn="ctr"/>
+            <a:endParaRPr lang="en-US"/>
+          </a:p>
+        </p:txBody>
+      </p:sp>
+      <p:sp>
+        <p:nvSpPr>
+          <p:cNvPr id="32" name="Rectangle 31">
+            <a:extLst>
+              <a:ext uri="{FF2B5EF4-FFF2-40B4-BE49-F238E27FC236}">
+                <a16:creationId xmlns:a16="http://schemas.microsoft.com/office/drawing/2014/main" id="{4300840D-0A0B-4512-BACA-B439D5B9C57C}"/>
+              </a:ext>
+              <a:ext uri="{C183D7F6-B498-43B3-948B-1728B52AA6E4}">
+                <adec:decorative xmlns:adec="http://schemas.microsoft.com/office/drawing/2017/decorative" val="1"/>
+              </a:ext>
+            </a:extLst>
+          </p:cNvPr>
+          <p:cNvSpPr>
+            <a:spLocks noGrp="1" noRot="1" noChangeAspect="1" noMove="1" noResize="1" noEditPoints="1" noAdjustHandles="1" noChangeArrowheads="1" noChangeShapeType="1" noTextEdit="1"/>
+          </p:cNvSpPr>
+          <p:nvPr>
+            <p:extLst>
+              <p:ext uri="{386F3935-93C4-4BCD-93E2-E3B085C9AB24}">
+                <p16:designElem xmlns:p16="http://schemas.microsoft.com/office/powerpoint/2015/main" val="1"/>
+              </p:ext>
+            </p:extLst>
+          </p:nvPr>
+        </p:nvSpPr>
+        <p:spPr>
+          <a:xfrm rot="5400000" flipH="1">
+            <a:off x="-1410085" y="1420219"/>
+            <a:ext cx="6857999" cy="4037839"/>
+          </a:xfrm>
+          <a:prstGeom prst="rect">
+            <a:avLst/>
+          </a:prstGeom>
+          <a:gradFill>
+            <a:gsLst>
+              <a:gs pos="0">
+                <a:srgbClr val="000000">
+                  <a:alpha val="0"/>
+                </a:srgbClr>
+              </a:gs>
+              <a:gs pos="99000">
+                <a:schemeClr val="accent1">
+                  <a:alpha val="46000"/>
+                </a:schemeClr>
+              </a:gs>
+            </a:gsLst>
+            <a:lin ang="1800000" scaled="0"/>
+          </a:gradFill>
+          <a:ln>
+            <a:noFill/>
+          </a:ln>
+        </p:spPr>
+        <p:style>
+          <a:lnRef idx="2">
+            <a:schemeClr val="accent1">
+              <a:shade val="50000"/>
+            </a:schemeClr>
+          </a:lnRef>
+          <a:fillRef idx="1">
+            <a:schemeClr val="accent1"/>
+          </a:fillRef>
+          <a:effectRef idx="0">
+            <a:schemeClr val="accent1"/>
+          </a:effectRef>
+          <a:fontRef idx="minor">
+            <a:schemeClr val="lt1"/>
+          </a:fontRef>
+        </p:style>
+        <p:txBody>
+          <a:bodyPr rtlCol="0" anchor="ctr"/>
+          <a:lstStyle/>
+          <a:p>
+            <a:pPr algn="ctr"/>
+            <a:endParaRPr lang="en-US"/>
+          </a:p>
+        </p:txBody>
+      </p:sp>
+      <p:sp>
+        <p:nvSpPr>
+          <p:cNvPr id="34" name="Rectangle 33">
+            <a:extLst>
+              <a:ext uri="{FF2B5EF4-FFF2-40B4-BE49-F238E27FC236}">
+                <a16:creationId xmlns:a16="http://schemas.microsoft.com/office/drawing/2014/main" id="{D2B78728-A580-49A7-84F9-6EF6F583ADE0}"/>
+              </a:ext>
+              <a:ext uri="{C183D7F6-B498-43B3-948B-1728B52AA6E4}">
+                <adec:decorative xmlns:adec="http://schemas.microsoft.com/office/drawing/2017/decorative" val="1"/>
+              </a:ext>
+            </a:extLst>
+          </p:cNvPr>
+          <p:cNvSpPr>
+            <a:spLocks noGrp="1" noRot="1" noChangeAspect="1" noMove="1" noResize="1" noEditPoints="1" noAdjustHandles="1" noChangeArrowheads="1" noChangeShapeType="1" noTextEdit="1"/>
+          </p:cNvSpPr>
+          <p:nvPr>
+            <p:extLst>
+              <p:ext uri="{386F3935-93C4-4BCD-93E2-E3B085C9AB24}">
+                <p16:designElem xmlns:p16="http://schemas.microsoft.com/office/powerpoint/2015/main" val="1"/>
+              </p:ext>
+            </p:extLst>
+          </p:nvPr>
+        </p:nvSpPr>
+        <p:spPr>
+          <a:xfrm rot="5400000" flipH="1">
+            <a:off x="767923" y="3588085"/>
+            <a:ext cx="2501979" cy="4037841"/>
+          </a:xfrm>
+          <a:prstGeom prst="rect">
+            <a:avLst/>
+          </a:prstGeom>
+          <a:gradFill>
+            <a:gsLst>
+              <a:gs pos="2000">
+                <a:schemeClr val="accent1">
+                  <a:alpha val="29000"/>
+                </a:schemeClr>
+              </a:gs>
+              <a:gs pos="100000">
+                <a:srgbClr val="000000">
+                  <a:alpha val="30000"/>
+                </a:srgbClr>
+              </a:gs>
+            </a:gsLst>
+            <a:lin ang="7800000" scaled="0"/>
+          </a:gradFill>
+          <a:ln>
+            <a:noFill/>
+          </a:ln>
+        </p:spPr>
+        <p:style>
+          <a:lnRef idx="2">
+            <a:schemeClr val="accent1">
+              <a:shade val="50000"/>
+            </a:schemeClr>
+          </a:lnRef>
+          <a:fillRef idx="1">
+            <a:schemeClr val="accent1"/>
+          </a:fillRef>
+          <a:effectRef idx="0">
+            <a:schemeClr val="accent1"/>
+          </a:effectRef>
+          <a:fontRef idx="minor">
+            <a:schemeClr val="lt1"/>
+          </a:fontRef>
+        </p:style>
+        <p:txBody>
+          <a:bodyPr rtlCol="0" anchor="ctr"/>
+          <a:lstStyle/>
+          <a:p>
+            <a:pPr algn="ctr"/>
+            <a:endParaRPr lang="en-US" dirty="0"/>
+          </a:p>
+        </p:txBody>
+      </p:sp>
+      <p:sp>
+        <p:nvSpPr>
+          <p:cNvPr id="36" name="Freeform: Shape 35">
+            <a:extLst>
+              <a:ext uri="{FF2B5EF4-FFF2-40B4-BE49-F238E27FC236}">
+                <a16:creationId xmlns:a16="http://schemas.microsoft.com/office/drawing/2014/main" id="{38FAA1A1-D861-433F-88FA-1E9D6FD31D11}"/>
+              </a:ext>
+              <a:ext uri="{C183D7F6-B498-43B3-948B-1728B52AA6E4}">
+                <adec:decorative xmlns:adec="http://schemas.microsoft.com/office/drawing/2017/decorative" val="1"/>
+              </a:ext>
+            </a:extLst>
+          </p:cNvPr>
+          <p:cNvSpPr>
+            <a:spLocks noGrp="1" noRot="1" noChangeAspect="1" noMove="1" noResize="1" noEditPoints="1" noAdjustHandles="1" noChangeArrowheads="1" noChangeShapeType="1" noTextEdit="1"/>
+          </p:cNvSpPr>
+          <p:nvPr>
+            <p:extLst>
+              <p:ext uri="{386F3935-93C4-4BCD-93E2-E3B085C9AB24}">
+                <p16:designElem xmlns:p16="http://schemas.microsoft.com/office/powerpoint/2015/main" val="1"/>
+              </p:ext>
+            </p:extLst>
+          </p:nvPr>
+        </p:nvSpPr>
+        <p:spPr>
+          <a:xfrm rot="20635413">
+            <a:off x="-501737" y="969718"/>
+            <a:ext cx="3900357" cy="4178958"/>
+          </a:xfrm>
+          <a:custGeom>
+            <a:avLst/>
+            <a:gdLst>
+              <a:gd name="connsiteX0" fmla="*/ 2432225 w 3900357"/>
+              <a:gd name="connsiteY0" fmla="*/ 93939 h 4178958"/>
+              <a:gd name="connsiteX1" fmla="*/ 3900357 w 3900357"/>
+              <a:gd name="connsiteY1" fmla="*/ 2089479 h 4178958"/>
+              <a:gd name="connsiteX2" fmla="*/ 1810878 w 3900357"/>
+              <a:gd name="connsiteY2" fmla="*/ 4178958 h 4178958"/>
+              <a:gd name="connsiteX3" fmla="*/ 78249 w 3900357"/>
+              <a:gd name="connsiteY3" fmla="*/ 3257727 h 4178958"/>
+              <a:gd name="connsiteX4" fmla="*/ 0 w 3900357"/>
+              <a:gd name="connsiteY4" fmla="*/ 3128923 h 4178958"/>
+              <a:gd name="connsiteX5" fmla="*/ 831324 w 3900357"/>
+              <a:gd name="connsiteY5" fmla="*/ 244281 h 4178958"/>
+              <a:gd name="connsiteX6" fmla="*/ 997559 w 3900357"/>
+              <a:gd name="connsiteY6" fmla="*/ 164202 h 4178958"/>
+              <a:gd name="connsiteX7" fmla="*/ 1810878 w 3900357"/>
+              <a:gd name="connsiteY7" fmla="*/ 0 h 4178958"/>
+              <a:gd name="connsiteX8" fmla="*/ 2432225 w 3900357"/>
+              <a:gd name="connsiteY8" fmla="*/ 93939 h 4178958"/>
+            </a:gdLst>
+            <a:ahLst/>
+            <a:cxnLst>
+              <a:cxn ang="0">
+                <a:pos x="connsiteX0" y="connsiteY0"/>
+              </a:cxn>
+              <a:cxn ang="0">
+                <a:pos x="connsiteX1" y="connsiteY1"/>
+              </a:cxn>
+              <a:cxn ang="0">
+                <a:pos x="connsiteX2" y="connsiteY2"/>
+              </a:cxn>
+              <a:cxn ang="0">
+                <a:pos x="connsiteX3" y="connsiteY3"/>
+              </a:cxn>
+              <a:cxn ang="0">
+                <a:pos x="connsiteX4" y="connsiteY4"/>
+              </a:cxn>
+              <a:cxn ang="0">
+                <a:pos x="connsiteX5" y="connsiteY5"/>
+              </a:cxn>
+              <a:cxn ang="0">
+                <a:pos x="connsiteX6" y="connsiteY6"/>
+              </a:cxn>
+              <a:cxn ang="0">
+                <a:pos x="connsiteX7" y="connsiteY7"/>
+              </a:cxn>
+              <a:cxn ang="0">
+                <a:pos x="connsiteX8" y="connsiteY8"/>
+              </a:cxn>
+            </a:cxnLst>
+            <a:rect l="l" t="t" r="r" b="b"/>
+            <a:pathLst>
+              <a:path w="3900357" h="4178958">
+                <a:moveTo>
+                  <a:pt x="2432225" y="93939"/>
+                </a:moveTo>
+                <a:cubicBezTo>
+                  <a:pt x="3282786" y="358491"/>
+                  <a:pt x="3900357" y="1151865"/>
+                  <a:pt x="3900357" y="2089479"/>
+                </a:cubicBezTo>
+                <a:cubicBezTo>
+                  <a:pt x="3900357" y="3243466"/>
+                  <a:pt x="2964865" y="4178958"/>
+                  <a:pt x="1810878" y="4178958"/>
+                </a:cubicBezTo>
+                <a:cubicBezTo>
+                  <a:pt x="1089636" y="4178958"/>
+                  <a:pt x="453744" y="3813531"/>
+                  <a:pt x="78249" y="3257727"/>
+                </a:cubicBezTo>
+                <a:lnTo>
+                  <a:pt x="0" y="3128923"/>
+                </a:lnTo>
+                <a:lnTo>
+                  <a:pt x="831324" y="244281"/>
+                </a:lnTo>
+                <a:lnTo>
+                  <a:pt x="997559" y="164202"/>
+                </a:lnTo>
+                <a:cubicBezTo>
+                  <a:pt x="1247540" y="58468"/>
+                  <a:pt x="1522381" y="0"/>
+                  <a:pt x="1810878" y="0"/>
+                </a:cubicBezTo>
+                <a:cubicBezTo>
+                  <a:pt x="2027251" y="0"/>
+                  <a:pt x="2235942" y="32888"/>
+                  <a:pt x="2432225" y="93939"/>
+                </a:cubicBezTo>
+                <a:close/>
+              </a:path>
+            </a:pathLst>
+          </a:custGeom>
+          <a:gradFill>
+            <a:gsLst>
+              <a:gs pos="29000">
+                <a:srgbClr val="000000">
+                  <a:alpha val="0"/>
+                </a:srgbClr>
+              </a:gs>
+              <a:gs pos="100000">
+                <a:schemeClr val="accent1">
+                  <a:alpha val="43000"/>
+                </a:schemeClr>
+              </a:gs>
+            </a:gsLst>
+            <a:lin ang="1800000" scaled="0"/>
+          </a:gradFill>
+          <a:ln>
+            <a:noFill/>
+          </a:ln>
+        </p:spPr>
+        <p:style>
+          <a:lnRef idx="2">
+            <a:schemeClr val="accent1">
+              <a:shade val="50000"/>
+            </a:schemeClr>
+          </a:lnRef>
+          <a:fillRef idx="1">
+            <a:schemeClr val="accent1"/>
+          </a:fillRef>
+          <a:effectRef idx="0">
+            <a:schemeClr val="accent1"/>
+          </a:effectRef>
+          <a:fontRef idx="minor">
+            <a:schemeClr val="lt1"/>
+          </a:fontRef>
+        </p:style>
+        <p:txBody>
+          <a:bodyPr wrap="square" rtlCol="0" anchor="ctr">
+            <a:noAutofit/>
+          </a:bodyPr>
+          <a:lstStyle/>
+          <a:p>
+            <a:pPr algn="ctr"/>
+            <a:endParaRPr lang="en-US" dirty="0"/>
+          </a:p>
+        </p:txBody>
+      </p:sp>
+      <p:sp>
+        <p:nvSpPr>
+          <p:cNvPr id="38" name="Rectangle 37">
+            <a:extLst>
+              <a:ext uri="{FF2B5EF4-FFF2-40B4-BE49-F238E27FC236}">
+                <a16:creationId xmlns:a16="http://schemas.microsoft.com/office/drawing/2014/main" id="{8D71EDA1-87BF-4D5D-AB79-F346FD19278A}"/>
+              </a:ext>
+              <a:ext uri="{C183D7F6-B498-43B3-948B-1728B52AA6E4}">
+                <adec:decorative xmlns:adec="http://schemas.microsoft.com/office/drawing/2017/decorative" val="1"/>
+              </a:ext>
+            </a:extLst>
+          </p:cNvPr>
+          <p:cNvSpPr>
+            <a:spLocks noGrp="1" noRot="1" noChangeAspect="1" noMove="1" noResize="1" noEditPoints="1" noAdjustHandles="1" noChangeArrowheads="1" noChangeShapeType="1" noTextEdit="1"/>
+          </p:cNvSpPr>
+          <p:nvPr>
+            <p:extLst>
+              <p:ext uri="{386F3935-93C4-4BCD-93E2-E3B085C9AB24}">
+                <p16:designElem xmlns:p16="http://schemas.microsoft.com/office/powerpoint/2015/main" val="1"/>
+              </p:ext>
+            </p:extLst>
+          </p:nvPr>
+        </p:nvSpPr>
+        <p:spPr>
+          <a:xfrm rot="5400000" flipH="1">
+            <a:off x="-1410093" y="1399943"/>
+            <a:ext cx="6858003" cy="4037835"/>
+          </a:xfrm>
+          <a:prstGeom prst="rect">
+            <a:avLst/>
+          </a:prstGeom>
+          <a:gradFill>
+            <a:gsLst>
+              <a:gs pos="0">
+                <a:srgbClr val="000000">
+                  <a:alpha val="0"/>
+                </a:srgbClr>
+              </a:gs>
+              <a:gs pos="99000">
+                <a:schemeClr val="accent1">
+                  <a:lumMod val="60000"/>
+                  <a:lumOff val="40000"/>
+                  <a:alpha val="11000"/>
+                </a:schemeClr>
+              </a:gs>
+            </a:gsLst>
+            <a:lin ang="7200000" scaled="0"/>
+          </a:gradFill>
+          <a:ln>
+            <a:noFill/>
+          </a:ln>
+        </p:spPr>
+        <p:style>
+          <a:lnRef idx="2">
+            <a:schemeClr val="accent1">
+              <a:shade val="50000"/>
+            </a:schemeClr>
+          </a:lnRef>
+          <a:fillRef idx="1">
+            <a:schemeClr val="accent1"/>
+          </a:fillRef>
+          <a:effectRef idx="0">
+            <a:schemeClr val="accent1"/>
+          </a:effectRef>
+          <a:fontRef idx="minor">
+            <a:schemeClr val="lt1"/>
+          </a:fontRef>
+        </p:style>
+        <p:txBody>
+          <a:bodyPr rtlCol="0" anchor="ctr"/>
+          <a:lstStyle/>
+          <a:p>
+            <a:pPr algn="ctr"/>
+            <a:endParaRPr lang="en-US"/>
+          </a:p>
+        </p:txBody>
+      </p:sp>
+      <p:sp>
+        <p:nvSpPr>
+          <p:cNvPr id="2" name="Title 1">
+            <a:extLst>
+              <a:ext uri="{FF2B5EF4-FFF2-40B4-BE49-F238E27FC236}">
+                <a16:creationId xmlns:a16="http://schemas.microsoft.com/office/drawing/2014/main" id="{80D6D43F-F135-6106-F82F-B44C69D90F83}"/>
+              </a:ext>
+            </a:extLst>
+          </p:cNvPr>
+          <p:cNvSpPr>
+            <a:spLocks noGrp="1"/>
+          </p:cNvSpPr>
+          <p:nvPr>
+            <p:ph type="title"/>
+          </p:nvPr>
+        </p:nvSpPr>
+        <p:spPr>
+          <a:xfrm>
+            <a:off x="466722" y="586855"/>
+            <a:ext cx="3201366" cy="3387497"/>
+          </a:xfrm>
+        </p:spPr>
+        <p:txBody>
+          <a:bodyPr anchor="b">
+            <a:normAutofit/>
+          </a:bodyPr>
+          <a:lstStyle/>
+          <a:p>
+            <a:pPr algn="r"/>
+            <a:r>
+              <a:rPr lang="en-IN" sz="4000" dirty="0">
+                <a:solidFill>
+                  <a:srgbClr val="FFFFFF"/>
+                </a:solidFill>
+              </a:rPr>
+              <a:t>Sqoop File Formats</a:t>
+            </a:r>
+          </a:p>
+        </p:txBody>
+      </p:sp>
+      <p:sp>
+        <p:nvSpPr>
+          <p:cNvPr id="4" name="Rectangle 1">
+            <a:extLst>
+              <a:ext uri="{FF2B5EF4-FFF2-40B4-BE49-F238E27FC236}">
+                <a16:creationId xmlns:a16="http://schemas.microsoft.com/office/drawing/2014/main" id="{C57C6DEF-B724-48DA-2ECD-49A5B5CF57C0}"/>
+              </a:ext>
+            </a:extLst>
+          </p:cNvPr>
+          <p:cNvSpPr>
+            <a:spLocks noGrp="1" noChangeArrowheads="1"/>
+          </p:cNvSpPr>
+          <p:nvPr>
+            <p:ph idx="1"/>
+          </p:nvPr>
+        </p:nvSpPr>
+        <p:spPr bwMode="auto">
+          <a:xfrm>
+            <a:off x="4810259" y="649480"/>
+            <a:ext cx="6555347" cy="5546047"/>
+          </a:xfrm>
+          <a:prstGeom prst="rect">
+            <a:avLst/>
+          </a:prstGeom>
+          <a:extLst>
+            <a:ext uri="{909E8E84-426E-40DD-AFC4-6F175D3DCCD1}">
+              <a14:hiddenFill xmlns:a14="http://schemas.microsoft.com/office/drawing/2010/main">
+                <a:solidFill>
+                  <a:schemeClr val="accent1"/>
+                </a:solidFill>
+              </a14:hiddenFill>
+            </a:ext>
+            <a:ext uri="{91240B29-F687-4F45-9708-019B960494DF}">
+              <a14:hiddenLine xmlns:a14="http://schemas.microsoft.com/office/drawing/2010/main" w="9525">
+                <a:solidFill>
+                  <a:schemeClr val="tx1"/>
+                </a:solidFill>
+                <a:miter lim="800000"/>
+                <a:headEnd/>
+                <a:tailEnd/>
+              </a14:hiddenLine>
+            </a:ext>
+            <a:ext uri="{AF507438-7753-43E0-B8FC-AC1667EBCBE1}">
+              <a14:hiddenEffects xmlns:a14="http://schemas.microsoft.com/office/drawing/2010/main">
+                <a:effectLst>
+                  <a:outerShdw dist="35921" dir="2700000" algn="ctr" rotWithShape="0">
+                    <a:schemeClr val="bg2"/>
+                  </a:outerShdw>
+                </a:effectLst>
+              </a14:hiddenEffects>
+            </a:ext>
+          </a:extLst>
+        </p:spPr>
+        <p:txBody>
+          <a:bodyPr vert="horz" lIns="91440" tIns="45720" rIns="91440" bIns="45720" numCol="1" anchor="ctr" anchorCtr="0" compatLnSpc="1">
+            <a:prstTxWarp prst="textNoShape">
+              <a:avLst/>
+            </a:prstTxWarp>
+            <a:normAutofit/>
+          </a:bodyPr>
+          <a:lstStyle>
+            <a:lvl1pPr eaLnBrk="0" fontAlgn="base" hangingPunct="0">
+              <a:spcBef>
+                <a:spcPct val="0"/>
+              </a:spcBef>
+              <a:spcAft>
+                <a:spcPct val="0"/>
+              </a:spcAft>
+              <a:defRPr>
+                <a:solidFill>
+                  <a:schemeClr val="tx1"/>
+                </a:solidFill>
+                <a:latin typeface="Arial" panose="020B0604020202020204" pitchFamily="34" charset="0"/>
+              </a:defRPr>
+            </a:lvl1pPr>
+            <a:lvl2pPr eaLnBrk="0" fontAlgn="base" hangingPunct="0">
+              <a:spcBef>
+                <a:spcPct val="0"/>
+              </a:spcBef>
+              <a:spcAft>
+                <a:spcPct val="0"/>
+              </a:spcAft>
+              <a:defRPr>
+                <a:solidFill>
+                  <a:schemeClr val="tx1"/>
+                </a:solidFill>
+                <a:latin typeface="Arial" panose="020B0604020202020204" pitchFamily="34" charset="0"/>
+              </a:defRPr>
+            </a:lvl2pPr>
+            <a:lvl3pPr eaLnBrk="0" fontAlgn="base" hangingPunct="0">
+              <a:spcBef>
+                <a:spcPct val="0"/>
+              </a:spcBef>
+              <a:spcAft>
+                <a:spcPct val="0"/>
+              </a:spcAft>
+              <a:defRPr>
+                <a:solidFill>
+                  <a:schemeClr val="tx1"/>
+                </a:solidFill>
+                <a:latin typeface="Arial" panose="020B0604020202020204" pitchFamily="34" charset="0"/>
+              </a:defRPr>
+            </a:lvl3pPr>
+            <a:lvl4pPr eaLnBrk="0" fontAlgn="base" hangingPunct="0">
+              <a:spcBef>
+                <a:spcPct val="0"/>
+              </a:spcBef>
+              <a:spcAft>
+                <a:spcPct val="0"/>
+              </a:spcAft>
+              <a:defRPr>
+                <a:solidFill>
+                  <a:schemeClr val="tx1"/>
+                </a:solidFill>
+                <a:latin typeface="Arial" panose="020B0604020202020204" pitchFamily="34" charset="0"/>
+              </a:defRPr>
+            </a:lvl4pPr>
+            <a:lvl5pPr eaLnBrk="0" fontAlgn="base" hangingPunct="0">
+              <a:spcBef>
+                <a:spcPct val="0"/>
+              </a:spcBef>
+              <a:spcAft>
+                <a:spcPct val="0"/>
+              </a:spcAft>
+              <a:defRPr>
+                <a:solidFill>
+                  <a:schemeClr val="tx1"/>
+                </a:solidFill>
+                <a:latin typeface="Arial" panose="020B0604020202020204" pitchFamily="34" charset="0"/>
+              </a:defRPr>
+            </a:lvl5pPr>
+            <a:lvl6pPr eaLnBrk="0" fontAlgn="base" hangingPunct="0">
+              <a:spcBef>
+                <a:spcPct val="0"/>
+              </a:spcBef>
+              <a:spcAft>
+                <a:spcPct val="0"/>
+              </a:spcAft>
+              <a:defRPr>
+                <a:solidFill>
+                  <a:schemeClr val="tx1"/>
+                </a:solidFill>
+                <a:latin typeface="Arial" panose="020B0604020202020204" pitchFamily="34" charset="0"/>
+              </a:defRPr>
+            </a:lvl6pPr>
+            <a:lvl7pPr eaLnBrk="0" fontAlgn="base" hangingPunct="0">
+              <a:spcBef>
+                <a:spcPct val="0"/>
+              </a:spcBef>
+              <a:spcAft>
+                <a:spcPct val="0"/>
+              </a:spcAft>
+              <a:defRPr>
+                <a:solidFill>
+                  <a:schemeClr val="tx1"/>
+                </a:solidFill>
+                <a:latin typeface="Arial" panose="020B0604020202020204" pitchFamily="34" charset="0"/>
+              </a:defRPr>
+            </a:lvl7pPr>
+            <a:lvl8pPr eaLnBrk="0" fontAlgn="base" hangingPunct="0">
+              <a:spcBef>
+                <a:spcPct val="0"/>
+              </a:spcBef>
+              <a:spcAft>
+                <a:spcPct val="0"/>
+              </a:spcAft>
+              <a:defRPr>
+                <a:solidFill>
+                  <a:schemeClr val="tx1"/>
+                </a:solidFill>
+                <a:latin typeface="Arial" panose="020B0604020202020204" pitchFamily="34" charset="0"/>
+              </a:defRPr>
+            </a:lvl8pPr>
+            <a:lvl9pPr eaLnBrk="0" fontAlgn="base" hangingPunct="0">
+              <a:spcBef>
+                <a:spcPct val="0"/>
+              </a:spcBef>
+              <a:spcAft>
+                <a:spcPct val="0"/>
+              </a:spcAft>
+              <a:defRPr>
+                <a:solidFill>
+                  <a:schemeClr val="tx1"/>
+                </a:solidFill>
+                <a:latin typeface="Arial" panose="020B0604020202020204" pitchFamily="34" charset="0"/>
+              </a:defRPr>
+            </a:lvl9pPr>
+          </a:lstStyle>
+          <a:p>
+            <a:pPr>
+              <a:spcAft>
+                <a:spcPts val="600"/>
+              </a:spcAft>
+            </a:pPr>
+            <a:r>
+              <a:rPr kumimoji="0" lang="en-US" altLang="en-US" sz="1700" b="1" i="0" u="none" strike="noStrike" cap="none" normalizeH="0" baseline="0" dirty="0">
+                <a:ln>
+                  <a:noFill/>
+                </a:ln>
+                <a:effectLst/>
+                <a:latin typeface="Verdana" panose="020B0604030504040204" pitchFamily="34" charset="0"/>
+              </a:rPr>
+              <a:t>Delimited text </a:t>
+            </a:r>
+            <a:r>
+              <a:rPr kumimoji="0" lang="en-US" altLang="en-US" sz="1700" b="0" i="0" u="none" strike="noStrike" cap="none" normalizeH="0" baseline="0" dirty="0">
+                <a:ln>
+                  <a:noFill/>
+                </a:ln>
+                <a:effectLst/>
+                <a:latin typeface="Verdana" panose="020B0604030504040204" pitchFamily="34" charset="0"/>
+              </a:rPr>
+              <a:t>is appropriate for most non-binary data types. It also readily supports further manipulation by other tools, such as Hive.</a:t>
+            </a:r>
+            <a:endParaRPr kumimoji="0" lang="en-US" altLang="en-US" sz="1700" b="0" i="0" u="none" strike="noStrike" cap="none" normalizeH="0" baseline="0" dirty="0">
+              <a:ln>
+                <a:noFill/>
+              </a:ln>
+              <a:effectLst/>
+            </a:endParaRPr>
+          </a:p>
+          <a:p>
+            <a:pPr>
+              <a:spcAft>
+                <a:spcPts val="600"/>
+              </a:spcAft>
+            </a:pPr>
+            <a:r>
+              <a:rPr kumimoji="0" lang="en-US" altLang="en-US" sz="1700" b="1" i="0" u="none" strike="noStrike" cap="none" normalizeH="0" baseline="0" dirty="0" err="1">
+                <a:ln>
+                  <a:noFill/>
+                </a:ln>
+                <a:effectLst/>
+                <a:latin typeface="Verdana" panose="020B0604030504040204" pitchFamily="34" charset="0"/>
+              </a:rPr>
+              <a:t>SequenceFiles</a:t>
+            </a:r>
+            <a:r>
+              <a:rPr kumimoji="0" lang="en-US" altLang="en-US" sz="1700" b="0" i="0" u="none" strike="noStrike" cap="none" normalizeH="0" baseline="0" dirty="0">
+                <a:ln>
+                  <a:noFill/>
+                </a:ln>
+                <a:effectLst/>
+                <a:latin typeface="Verdana" panose="020B0604030504040204" pitchFamily="34" charset="0"/>
+              </a:rPr>
+              <a:t> are a binary format that store individual records in custom record-specific data types. These data types are manifested as Java classes. Sqoop will automatically generate these data types for you. This format supports exact storage of all data in binary representations, and is appropriate for storing binary data (for example, </a:t>
+            </a:r>
+            <a:r>
+              <a:rPr kumimoji="0" lang="en-US" altLang="en-US" sz="1700" b="0" i="0" u="none" strike="noStrike" cap="none" normalizeH="0" baseline="0" dirty="0">
+                <a:ln>
+                  <a:noFill/>
+                </a:ln>
+                <a:effectLst/>
+                <a:latin typeface="Courier New" panose="02070309020205020404" pitchFamily="49" charset="0"/>
+                <a:cs typeface="Courier New" panose="02070309020205020404" pitchFamily="49" charset="0"/>
+              </a:rPr>
+              <a:t>VARBINARY</a:t>
+            </a:r>
+            <a:r>
+              <a:rPr kumimoji="0" lang="en-US" altLang="en-US" sz="1700" b="0" i="0" u="none" strike="noStrike" cap="none" normalizeH="0" baseline="0" dirty="0">
+                <a:ln>
+                  <a:noFill/>
+                </a:ln>
+                <a:effectLst/>
+                <a:latin typeface="Verdana" panose="020B0604030504040204" pitchFamily="34" charset="0"/>
+              </a:rPr>
+              <a:t> columns), or data that will be </a:t>
+            </a:r>
+            <a:r>
+              <a:rPr kumimoji="0" lang="en-US" altLang="en-US" sz="1700" b="0" i="0" u="none" strike="noStrike" cap="none" normalizeH="0" baseline="0" dirty="0" err="1">
+                <a:ln>
+                  <a:noFill/>
+                </a:ln>
+                <a:effectLst/>
+                <a:latin typeface="Verdana" panose="020B0604030504040204" pitchFamily="34" charset="0"/>
+              </a:rPr>
+              <a:t>principly</a:t>
+            </a:r>
+            <a:r>
+              <a:rPr kumimoji="0" lang="en-US" altLang="en-US" sz="1700" b="0" i="0" u="none" strike="noStrike" cap="none" normalizeH="0" baseline="0" dirty="0">
+                <a:ln>
+                  <a:noFill/>
+                </a:ln>
+                <a:effectLst/>
+                <a:latin typeface="Verdana" panose="020B0604030504040204" pitchFamily="34" charset="0"/>
+              </a:rPr>
+              <a:t> manipulated by custom MapReduce programs (reading from </a:t>
+            </a:r>
+            <a:r>
+              <a:rPr kumimoji="0" lang="en-US" altLang="en-US" sz="1700" b="0" i="0" u="none" strike="noStrike" cap="none" normalizeH="0" baseline="0" dirty="0" err="1">
+                <a:ln>
+                  <a:noFill/>
+                </a:ln>
+                <a:effectLst/>
+                <a:latin typeface="Verdana" panose="020B0604030504040204" pitchFamily="34" charset="0"/>
+              </a:rPr>
+              <a:t>SequenceFiles</a:t>
+            </a:r>
+            <a:r>
+              <a:rPr kumimoji="0" lang="en-US" altLang="en-US" sz="1700" b="0" i="0" u="none" strike="noStrike" cap="none" normalizeH="0" baseline="0" dirty="0">
+                <a:ln>
+                  <a:noFill/>
+                </a:ln>
+                <a:effectLst/>
+                <a:latin typeface="Verdana" panose="020B0604030504040204" pitchFamily="34" charset="0"/>
+              </a:rPr>
+              <a:t> is higher-performance than reading from text files, as records do not need to be parsed).</a:t>
+            </a:r>
+            <a:endParaRPr kumimoji="0" lang="en-US" altLang="en-US" sz="1700" b="0" i="0" u="none" strike="noStrike" cap="none" normalizeH="0" baseline="0" dirty="0">
+              <a:ln>
+                <a:noFill/>
+              </a:ln>
+              <a:effectLst/>
+            </a:endParaRPr>
+          </a:p>
+          <a:p>
+            <a:pPr>
+              <a:spcAft>
+                <a:spcPts val="600"/>
+              </a:spcAft>
+            </a:pPr>
+            <a:r>
+              <a:rPr kumimoji="0" lang="en-US" altLang="en-US" sz="1700" b="1" i="0" u="none" strike="noStrike" cap="none" normalizeH="0" baseline="0" dirty="0">
+                <a:ln>
+                  <a:noFill/>
+                </a:ln>
+                <a:effectLst/>
+                <a:latin typeface="Verdana" panose="020B0604030504040204" pitchFamily="34" charset="0"/>
+              </a:rPr>
+              <a:t>Avro data </a:t>
+            </a:r>
+            <a:r>
+              <a:rPr kumimoji="0" lang="en-US" altLang="en-US" sz="1700" b="0" i="0" u="none" strike="noStrike" cap="none" normalizeH="0" baseline="0" dirty="0">
+                <a:ln>
+                  <a:noFill/>
+                </a:ln>
+                <a:effectLst/>
+                <a:latin typeface="Verdana" panose="020B0604030504040204" pitchFamily="34" charset="0"/>
+              </a:rPr>
+              <a:t>files are a compact, efficient binary format that provides interoperability with applications written in other programming languages. Avro also supports versioning, so that when, e.g., columns are added or removed from a table, previously imported data files can be processed along with new ones.</a:t>
+            </a:r>
+            <a:endParaRPr kumimoji="0" lang="en-US" altLang="en-US" sz="1700" b="0" i="0" u="none" strike="noStrike" cap="none" normalizeH="0" baseline="0" dirty="0">
+              <a:ln>
+                <a:noFill/>
+              </a:ln>
+              <a:effectLst/>
+              <a:latin typeface="Arial" panose="020B0604020202020204" pitchFamily="34" charset="0"/>
+            </a:endParaRPr>
+          </a:p>
+        </p:txBody>
+      </p:sp>
+    </p:spTree>
+    <p:extLst>
+      <p:ext uri="{BB962C8B-B14F-4D97-AF65-F5344CB8AC3E}">
+        <p14:creationId xmlns:p14="http://schemas.microsoft.com/office/powerpoint/2010/main" val="3490856852"/>
+      </p:ext>
+    </p:extLst>
+  </p:cSld>
+  <p:clrMapOvr>
+    <a:masterClrMapping/>
+  </p:clrMapOvr>
+</p:sld>
+</file>
+
+<file path=ppt/slides/slide45.xml><?xml version="1.0" encoding="utf-8"?>
+<p:sld xmlns:a="http://schemas.openxmlformats.org/drawingml/2006/main" xmlns:r="http://schemas.openxmlformats.org/officeDocument/2006/relationships" xmlns:p="http://schemas.openxmlformats.org/presentationml/2006/main">
+  <p:cSld>
+    <p:bg>
+      <p:bgPr>
+        <a:solidFill>
+          <a:schemeClr val="bg1"/>
+        </a:solidFill>
+        <a:effectLst/>
+      </p:bgPr>
+    </p:bg>
+    <p:spTree>
+      <p:nvGrpSpPr>
+        <p:cNvPr id="1" name=""/>
+        <p:cNvGrpSpPr/>
+        <p:nvPr/>
+      </p:nvGrpSpPr>
+      <p:grpSpPr>
+        <a:xfrm>
+          <a:off x="0" y="0"/>
+          <a:ext cx="0" cy="0"/>
+          <a:chOff x="0" y="0"/>
+          <a:chExt cx="0" cy="0"/>
+        </a:xfrm>
+      </p:grpSpPr>
+      <p:sp>
+        <p:nvSpPr>
+          <p:cNvPr id="10" name="Rectangle 9">
+            <a:extLst>
+              <a:ext uri="{FF2B5EF4-FFF2-40B4-BE49-F238E27FC236}">
+                <a16:creationId xmlns:a16="http://schemas.microsoft.com/office/drawing/2014/main" id="{2B566528-1B12-4246-9431-5C2D7D081168}"/>
+              </a:ext>
+              <a:ext uri="{C183D7F6-B498-43B3-948B-1728B52AA6E4}">
+                <adec:decorative xmlns:adec="http://schemas.microsoft.com/office/drawing/2017/decorative" val="1"/>
+              </a:ext>
+            </a:extLst>
+          </p:cNvPr>
+          <p:cNvSpPr>
+            <a:spLocks noGrp="1" noRot="1" noChangeAspect="1" noMove="1" noResize="1" noEditPoints="1" noAdjustHandles="1" noChangeArrowheads="1" noChangeShapeType="1" noTextEdit="1"/>
+          </p:cNvSpPr>
+          <p:nvPr>
+            <p:extLst>
+              <p:ext uri="{386F3935-93C4-4BCD-93E2-E3B085C9AB24}">
+                <p16:designElem xmlns:p16="http://schemas.microsoft.com/office/powerpoint/2015/main" val="1"/>
+              </p:ext>
+            </p:extLst>
+          </p:nvPr>
+        </p:nvSpPr>
+        <p:spPr>
+          <a:xfrm>
+            <a:off x="0" y="0"/>
+            <a:ext cx="12192000" cy="6858000"/>
+          </a:xfrm>
+          <a:prstGeom prst="rect">
+            <a:avLst/>
+          </a:prstGeom>
+          <a:solidFill>
+            <a:schemeClr val="bg1"/>
+          </a:solidFill>
+          <a:ln>
+            <a:noFill/>
+          </a:ln>
+        </p:spPr>
+        <p:style>
+          <a:lnRef idx="2">
+            <a:schemeClr val="accent1">
+              <a:shade val="50000"/>
+            </a:schemeClr>
+          </a:lnRef>
+          <a:fillRef idx="1">
+            <a:schemeClr val="accent1"/>
+          </a:fillRef>
+          <a:effectRef idx="0">
+            <a:schemeClr val="accent1"/>
+          </a:effectRef>
+          <a:fontRef idx="minor">
+            <a:schemeClr val="lt1"/>
+          </a:fontRef>
+        </p:style>
+        <p:txBody>
+          <a:bodyPr rtlCol="0" anchor="ctr"/>
+          <a:lstStyle/>
+          <a:p>
+            <a:pPr algn="ctr"/>
+            <a:endParaRPr lang="en-US" dirty="0"/>
+          </a:p>
+        </p:txBody>
+      </p:sp>
+      <p:sp>
+        <p:nvSpPr>
+          <p:cNvPr id="2" name="Title 1">
+            <a:extLst>
+              <a:ext uri="{FF2B5EF4-FFF2-40B4-BE49-F238E27FC236}">
+                <a16:creationId xmlns:a16="http://schemas.microsoft.com/office/drawing/2014/main" id="{C318A972-CFCE-B96F-D0BA-C41C41CDB202}"/>
+              </a:ext>
+            </a:extLst>
+          </p:cNvPr>
+          <p:cNvSpPr>
+            <a:spLocks noGrp="1"/>
+          </p:cNvSpPr>
+          <p:nvPr>
+            <p:ph type="title"/>
+          </p:nvPr>
+        </p:nvSpPr>
+        <p:spPr>
+          <a:xfrm>
+            <a:off x="643467" y="321734"/>
+            <a:ext cx="10905066" cy="1135737"/>
+          </a:xfrm>
+        </p:spPr>
+        <p:txBody>
+          <a:bodyPr>
+            <a:normAutofit/>
+          </a:bodyPr>
+          <a:lstStyle/>
+          <a:p>
+            <a:r>
+              <a:rPr lang="en-IN" sz="3600"/>
+              <a:t>Apache Flume</a:t>
+            </a:r>
+          </a:p>
+        </p:txBody>
+      </p:sp>
+      <p:sp>
+        <p:nvSpPr>
+          <p:cNvPr id="3" name="Content Placeholder 2">
+            <a:extLst>
+              <a:ext uri="{FF2B5EF4-FFF2-40B4-BE49-F238E27FC236}">
+                <a16:creationId xmlns:a16="http://schemas.microsoft.com/office/drawing/2014/main" id="{2DBEAC7B-59FF-6063-0924-BBA275E07D9D}"/>
+              </a:ext>
+            </a:extLst>
+          </p:cNvPr>
+          <p:cNvSpPr>
+            <a:spLocks noGrp="1"/>
+          </p:cNvSpPr>
+          <p:nvPr>
+            <p:ph idx="1"/>
+          </p:nvPr>
+        </p:nvSpPr>
+        <p:spPr>
+          <a:xfrm>
+            <a:off x="643469" y="1782981"/>
+            <a:ext cx="4008384" cy="4393982"/>
+          </a:xfrm>
+        </p:spPr>
+        <p:txBody>
+          <a:bodyPr>
+            <a:normAutofit/>
+          </a:bodyPr>
+          <a:lstStyle/>
+          <a:p>
+            <a:r>
+              <a:rPr lang="en-IN" sz="1900" b="0" i="0">
+                <a:effectLst/>
+                <a:latin typeface="verdana" panose="020B0604030504040204" pitchFamily="34" charset="0"/>
+              </a:rPr>
+              <a:t>Flume is a distributed, reliable, and available service for efficiently collecting, aggregating, and moving large amounts of log data. It has a simple and flexible architecture based on streaming data flows. </a:t>
+            </a:r>
+          </a:p>
+          <a:p>
+            <a:r>
+              <a:rPr lang="en-IN" sz="1900" b="0" i="0">
+                <a:effectLst/>
+                <a:latin typeface="verdana" panose="020B0604030504040204" pitchFamily="34" charset="0"/>
+              </a:rPr>
+              <a:t>It is robust and fault tolerant with tunable reliability mechanisms and many failover and recovery mechanisms. It uses a simple extensible data model that allows for online analytic application.</a:t>
+            </a:r>
+          </a:p>
+          <a:p>
+            <a:endParaRPr lang="en-IN" sz="1900">
+              <a:latin typeface="verdana" panose="020B0604030504040204" pitchFamily="34" charset="0"/>
+            </a:endParaRPr>
+          </a:p>
+          <a:p>
+            <a:endParaRPr lang="en-IN" sz="1900"/>
+          </a:p>
+        </p:txBody>
+      </p:sp>
+      <p:grpSp>
+        <p:nvGrpSpPr>
+          <p:cNvPr id="12" name="Group 11">
+            <a:extLst>
+              <a:ext uri="{FF2B5EF4-FFF2-40B4-BE49-F238E27FC236}">
+                <a16:creationId xmlns:a16="http://schemas.microsoft.com/office/drawing/2014/main" id="{828A5161-06F1-46CF-8AD7-844680A59E13}"/>
+              </a:ext>
+              <a:ext uri="{C183D7F6-B498-43B3-948B-1728B52AA6E4}">
+                <adec:decorative xmlns:adec="http://schemas.microsoft.com/office/drawing/2017/decorative" val="1"/>
+              </a:ext>
+            </a:extLst>
+          </p:cNvPr>
+          <p:cNvGrpSpPr>
+            <a:grpSpLocks noGrp="1" noUngrp="1" noRot="1" noChangeAspect="1" noMove="1" noResize="1"/>
+          </p:cNvGrpSpPr>
+          <p:nvPr>
+            <p:extLst>
+              <p:ext uri="{386F3935-93C4-4BCD-93E2-E3B085C9AB24}">
+                <p16:designElem xmlns:p16="http://schemas.microsoft.com/office/powerpoint/2015/main" val="1"/>
+              </p:ext>
+            </p:extLst>
+          </p:nvPr>
+        </p:nvGrpSpPr>
+        <p:grpSpPr>
+          <a:xfrm>
+            <a:off x="0" y="4601497"/>
+            <a:ext cx="1014060" cy="2017580"/>
+            <a:chOff x="0" y="4601497"/>
+            <a:chExt cx="1014060" cy="2017580"/>
+          </a:xfrm>
+        </p:grpSpPr>
+        <p:sp>
+          <p:nvSpPr>
+            <p:cNvPr id="13" name="Isosceles Triangle 12">
+              <a:extLst>
+                <a:ext uri="{FF2B5EF4-FFF2-40B4-BE49-F238E27FC236}">
+                  <a16:creationId xmlns:a16="http://schemas.microsoft.com/office/drawing/2014/main" id="{D3F51FEB-38FB-4F6C-9F7B-2F2AFAB65463}"/>
+                </a:ext>
+                <a:ext uri="{C183D7F6-B498-43B3-948B-1728B52AA6E4}">
+                  <adec:decorative xmlns:adec="http://schemas.microsoft.com/office/drawing/2017/decorative" val="1"/>
+                </a:ext>
+              </a:extLst>
+            </p:cNvPr>
+            <p:cNvSpPr/>
+            <p:nvPr>
+              <p:extLst>
+                <p:ext uri="{386F3935-93C4-4BCD-93E2-E3B085C9AB24}">
+                  <p16:designElem xmlns:p16="http://schemas.microsoft.com/office/powerpoint/2015/main" val="1"/>
+                </p:ext>
+              </p:extLst>
+            </p:nvPr>
+          </p:nvSpPr>
+          <p:spPr>
+            <a:xfrm rot="5400000">
+              <a:off x="-501760" y="5103257"/>
+              <a:ext cx="2017580" cy="1014060"/>
+            </a:xfrm>
+            <a:prstGeom prst="triangle">
+              <a:avLst>
+                <a:gd name="adj" fmla="val 50000"/>
+              </a:avLst>
+            </a:prstGeom>
+            <a:solidFill>
+              <a:schemeClr val="accent1">
+                <a:alpha val="30000"/>
+              </a:schemeClr>
+            </a:solidFill>
+            <a:ln>
+              <a:noFill/>
+            </a:ln>
+          </p:spPr>
+          <p:style>
+            <a:lnRef idx="2">
+              <a:schemeClr val="accent1">
+                <a:shade val="50000"/>
+              </a:schemeClr>
+            </a:lnRef>
+            <a:fillRef idx="1">
+              <a:schemeClr val="accent1"/>
+            </a:fillRef>
+            <a:effectRef idx="0">
+              <a:schemeClr val="accent1"/>
+            </a:effectRef>
+            <a:fontRef idx="minor">
+              <a:schemeClr val="lt1"/>
+            </a:fontRef>
+          </p:style>
+          <p:txBody>
+            <a:bodyPr rtlCol="0" anchor="ctr"/>
+            <a:lstStyle/>
+            <a:p>
+              <a:pPr algn="ctr"/>
+              <a:endParaRPr lang="en-US"/>
+            </a:p>
+          </p:txBody>
+        </p:sp>
+        <p:sp>
+          <p:nvSpPr>
+            <p:cNvPr id="14" name="Rectangle 13">
+              <a:extLst>
+                <a:ext uri="{FF2B5EF4-FFF2-40B4-BE49-F238E27FC236}">
+                  <a16:creationId xmlns:a16="http://schemas.microsoft.com/office/drawing/2014/main" id="{1E547BA6-BAE0-43BB-A7CA-60F69CE252F0}"/>
+                </a:ext>
+                <a:ext uri="{C183D7F6-B498-43B3-948B-1728B52AA6E4}">
+                  <adec:decorative xmlns:adec="http://schemas.microsoft.com/office/drawing/2017/decorative" val="1"/>
+                </a:ext>
+              </a:extLst>
+            </p:cNvPr>
+            <p:cNvSpPr/>
+            <p:nvPr>
+              <p:extLst>
+                <p:ext uri="{386F3935-93C4-4BCD-93E2-E3B085C9AB24}">
+                  <p16:designElem xmlns:p16="http://schemas.microsoft.com/office/powerpoint/2015/main" val="1"/>
+                </p:ext>
+              </p:extLst>
+            </p:nvPr>
+          </p:nvSpPr>
+          <p:spPr>
+            <a:xfrm rot="2700000">
+              <a:off x="427916" y="5728708"/>
+              <a:ext cx="485578" cy="485578"/>
+            </a:xfrm>
+            <a:prstGeom prst="rect">
+              <a:avLst/>
+            </a:prstGeom>
+            <a:solidFill>
+              <a:schemeClr val="accent1">
+                <a:alpha val="30000"/>
+              </a:schemeClr>
+            </a:solidFill>
+            <a:ln>
+              <a:noFill/>
+            </a:ln>
+          </p:spPr>
+          <p:style>
+            <a:lnRef idx="2">
+              <a:schemeClr val="accent1">
+                <a:shade val="50000"/>
+              </a:schemeClr>
+            </a:lnRef>
+            <a:fillRef idx="1">
+              <a:schemeClr val="accent1"/>
+            </a:fillRef>
+            <a:effectRef idx="0">
+              <a:schemeClr val="accent1"/>
+            </a:effectRef>
+            <a:fontRef idx="minor">
+              <a:schemeClr val="lt1"/>
+            </a:fontRef>
+          </p:style>
+          <p:txBody>
+            <a:bodyPr rtlCol="0" anchor="ctr"/>
+            <a:lstStyle/>
+            <a:p>
+              <a:pPr algn="ctr"/>
+              <a:endParaRPr lang="en-US"/>
+            </a:p>
+          </p:txBody>
+        </p:sp>
+      </p:grpSp>
+      <p:pic>
+        <p:nvPicPr>
+          <p:cNvPr id="5" name="Picture 4">
+            <a:extLst>
+              <a:ext uri="{FF2B5EF4-FFF2-40B4-BE49-F238E27FC236}">
+                <a16:creationId xmlns:a16="http://schemas.microsoft.com/office/drawing/2014/main" id="{E7805783-A164-CDF4-DC55-C4B204AB49AE}"/>
+              </a:ext>
+            </a:extLst>
+          </p:cNvPr>
+          <p:cNvPicPr>
+            <a:picLocks noChangeAspect="1"/>
+          </p:cNvPicPr>
+          <p:nvPr/>
+        </p:nvPicPr>
+        <p:blipFill>
+          <a:blip r:embed="rId2"/>
+          <a:stretch>
+            <a:fillRect/>
+          </a:stretch>
+        </p:blipFill>
+        <p:spPr>
+          <a:xfrm>
+            <a:off x="5295320" y="2775817"/>
+            <a:ext cx="6253212" cy="2376220"/>
+          </a:xfrm>
+          <a:prstGeom prst="rect">
+            <a:avLst/>
+          </a:prstGeom>
+        </p:spPr>
+      </p:pic>
+      <p:grpSp>
+        <p:nvGrpSpPr>
+          <p:cNvPr id="16" name="Group 15">
+            <a:extLst>
+              <a:ext uri="{FF2B5EF4-FFF2-40B4-BE49-F238E27FC236}">
+                <a16:creationId xmlns:a16="http://schemas.microsoft.com/office/drawing/2014/main" id="{5995D10D-E9C9-47DB-AE7E-801FEF38F5C9}"/>
+              </a:ext>
+              <a:ext uri="{C183D7F6-B498-43B3-948B-1728B52AA6E4}">
+                <adec:decorative xmlns:adec="http://schemas.microsoft.com/office/drawing/2017/decorative" val="1"/>
+              </a:ext>
+            </a:extLst>
+          </p:cNvPr>
+          <p:cNvGrpSpPr>
+            <a:grpSpLocks noGrp="1" noUngrp="1" noRot="1" noChangeAspect="1" noMove="1" noResize="1"/>
+          </p:cNvGrpSpPr>
+          <p:nvPr>
+            <p:extLst>
+              <p:ext uri="{386F3935-93C4-4BCD-93E2-E3B085C9AB24}">
+                <p16:designElem xmlns:p16="http://schemas.microsoft.com/office/powerpoint/2015/main" val="1"/>
+              </p:ext>
+            </p:extLst>
+          </p:nvPr>
+        </p:nvGrpSpPr>
+        <p:grpSpPr>
+          <a:xfrm>
+            <a:off x="11219290" y="1"/>
+            <a:ext cx="972709" cy="1935307"/>
+            <a:chOff x="10918968" y="713127"/>
+            <a:chExt cx="1273032" cy="2532832"/>
+          </a:xfrm>
+        </p:grpSpPr>
+        <p:sp>
+          <p:nvSpPr>
+            <p:cNvPr id="17" name="Rectangle 16">
+              <a:extLst>
+                <a:ext uri="{FF2B5EF4-FFF2-40B4-BE49-F238E27FC236}">
+                  <a16:creationId xmlns:a16="http://schemas.microsoft.com/office/drawing/2014/main" id="{CC1A72C6-3DE4-4EC3-9AD5-9E0D40D8CE8A}"/>
+                </a:ext>
+                <a:ext uri="{C183D7F6-B498-43B3-948B-1728B52AA6E4}">
+                  <adec:decorative xmlns:adec="http://schemas.microsoft.com/office/drawing/2017/decorative" val="1"/>
+                </a:ext>
+              </a:extLst>
+            </p:cNvPr>
+            <p:cNvSpPr/>
+            <p:nvPr>
+              <p:extLst>
+                <p:ext uri="{386F3935-93C4-4BCD-93E2-E3B085C9AB24}">
+                  <p16:designElem xmlns:p16="http://schemas.microsoft.com/office/powerpoint/2015/main" val="1"/>
+                </p:ext>
+              </p:extLst>
+            </p:nvPr>
+          </p:nvSpPr>
+          <p:spPr>
+            <a:xfrm rot="2700000">
+              <a:off x="11052629" y="2120024"/>
+              <a:ext cx="645368" cy="645368"/>
+            </a:xfrm>
+            <a:prstGeom prst="rect">
+              <a:avLst/>
+            </a:prstGeom>
+            <a:solidFill>
+              <a:schemeClr val="accent4">
+                <a:alpha val="30000"/>
+              </a:schemeClr>
+            </a:solidFill>
+            <a:ln>
+              <a:noFill/>
+            </a:ln>
+          </p:spPr>
+          <p:style>
+            <a:lnRef idx="2">
+              <a:schemeClr val="accent1">
+                <a:shade val="50000"/>
+              </a:schemeClr>
+            </a:lnRef>
+            <a:fillRef idx="1">
+              <a:schemeClr val="accent1"/>
+            </a:fillRef>
+            <a:effectRef idx="0">
+              <a:schemeClr val="accent1"/>
+            </a:effectRef>
+            <a:fontRef idx="minor">
+              <a:schemeClr val="lt1"/>
+            </a:fontRef>
+          </p:style>
+          <p:txBody>
+            <a:bodyPr rtlCol="0" anchor="ctr"/>
+            <a:lstStyle/>
+            <a:p>
+              <a:pPr algn="ctr"/>
+              <a:endParaRPr lang="en-US"/>
+            </a:p>
+          </p:txBody>
+        </p:sp>
+        <p:sp>
+          <p:nvSpPr>
+            <p:cNvPr id="18" name="Isosceles Triangle 17">
+              <a:extLst>
+                <a:ext uri="{FF2B5EF4-FFF2-40B4-BE49-F238E27FC236}">
+                  <a16:creationId xmlns:a16="http://schemas.microsoft.com/office/drawing/2014/main" id="{0B0DA1F1-C391-4EDF-9FE0-23E86E137765}"/>
+                </a:ext>
+                <a:ext uri="{C183D7F6-B498-43B3-948B-1728B52AA6E4}">
+                  <adec:decorative xmlns:adec="http://schemas.microsoft.com/office/drawing/2017/decorative" val="1"/>
+                </a:ext>
+              </a:extLst>
+            </p:cNvPr>
+            <p:cNvSpPr/>
+            <p:nvPr>
+              <p:extLst>
+                <p:ext uri="{386F3935-93C4-4BCD-93E2-E3B085C9AB24}">
+                  <p16:designElem xmlns:p16="http://schemas.microsoft.com/office/powerpoint/2015/main" val="1"/>
+                </p:ext>
+              </p:extLst>
+            </p:nvPr>
+          </p:nvSpPr>
+          <p:spPr>
+            <a:xfrm rot="16200000">
+              <a:off x="10289068" y="1343027"/>
+              <a:ext cx="2532832" cy="1273032"/>
+            </a:xfrm>
+            <a:prstGeom prst="triangle">
+              <a:avLst>
+                <a:gd name="adj" fmla="val 50000"/>
+              </a:avLst>
+            </a:prstGeom>
+            <a:solidFill>
+              <a:schemeClr val="accent4">
+                <a:alpha val="30000"/>
+              </a:schemeClr>
+            </a:solidFill>
+            <a:ln>
+              <a:noFill/>
+            </a:ln>
+          </p:spPr>
+          <p:style>
+            <a:lnRef idx="2">
+              <a:schemeClr val="accent1">
+                <a:shade val="50000"/>
+              </a:schemeClr>
+            </a:lnRef>
+            <a:fillRef idx="1">
+              <a:schemeClr val="accent1"/>
+            </a:fillRef>
+            <a:effectRef idx="0">
+              <a:schemeClr val="accent1"/>
+            </a:effectRef>
+            <a:fontRef idx="minor">
+              <a:schemeClr val="lt1"/>
+            </a:fontRef>
+          </p:style>
+          <p:txBody>
+            <a:bodyPr rtlCol="0" anchor="ctr"/>
+            <a:lstStyle/>
+            <a:p>
+              <a:pPr algn="ctr"/>
+              <a:endParaRPr lang="en-US" dirty="0"/>
+            </a:p>
+          </p:txBody>
+        </p:sp>
+      </p:grpSp>
+    </p:spTree>
+    <p:extLst>
+      <p:ext uri="{BB962C8B-B14F-4D97-AF65-F5344CB8AC3E}">
+        <p14:creationId xmlns:p14="http://schemas.microsoft.com/office/powerpoint/2010/main" val="318340156"/>
+      </p:ext>
+    </p:extLst>
+  </p:cSld>
+  <p:clrMapOvr>
+    <a:masterClrMapping/>
+  </p:clrMapOvr>
+</p:sld>
+</file>
+
+<file path=ppt/slides/slide46.xml><?xml version="1.0" encoding="utf-8"?>
+<p:sld xmlns:a="http://schemas.openxmlformats.org/drawingml/2006/main" xmlns:r="http://schemas.openxmlformats.org/officeDocument/2006/relationships" xmlns:p="http://schemas.openxmlformats.org/presentationml/2006/main">
+  <p:cSld>
+    <p:spTree>
+      <p:nvGrpSpPr>
+        <p:cNvPr id="1" name=""/>
+        <p:cNvGrpSpPr/>
+        <p:nvPr/>
+      </p:nvGrpSpPr>
+      <p:grpSpPr>
+        <a:xfrm>
+          <a:off x="0" y="0"/>
+          <a:ext cx="0" cy="0"/>
+          <a:chOff x="0" y="0"/>
+          <a:chExt cx="0" cy="0"/>
+        </a:xfrm>
+      </p:grpSpPr>
+      <p:sp>
+        <p:nvSpPr>
+          <p:cNvPr id="2" name="Title 1">
+            <a:extLst>
+              <a:ext uri="{FF2B5EF4-FFF2-40B4-BE49-F238E27FC236}">
+                <a16:creationId xmlns:a16="http://schemas.microsoft.com/office/drawing/2014/main" id="{18C4875B-E538-75C7-D837-861AD504516A}"/>
+              </a:ext>
+            </a:extLst>
+          </p:cNvPr>
+          <p:cNvSpPr>
+            <a:spLocks noGrp="1"/>
+          </p:cNvSpPr>
+          <p:nvPr>
+            <p:ph type="title"/>
+          </p:nvPr>
+        </p:nvSpPr>
+        <p:spPr/>
+        <p:txBody>
+          <a:bodyPr/>
+          <a:lstStyle/>
+          <a:p>
+            <a:r>
+              <a:rPr lang="en-IN" dirty="0"/>
+              <a:t>Flume </a:t>
+            </a:r>
+            <a:r>
+              <a:rPr lang="en-IN" dirty="0" err="1"/>
+              <a:t>Interceptos</a:t>
+            </a:r>
+            <a:endParaRPr lang="en-IN" dirty="0"/>
+          </a:p>
+        </p:txBody>
+      </p:sp>
+      <p:sp>
+        <p:nvSpPr>
+          <p:cNvPr id="3" name="Content Placeholder 2">
+            <a:extLst>
+              <a:ext uri="{FF2B5EF4-FFF2-40B4-BE49-F238E27FC236}">
+                <a16:creationId xmlns:a16="http://schemas.microsoft.com/office/drawing/2014/main" id="{6BFD0ECD-B6BC-9C74-24C3-A68758607D91}"/>
+              </a:ext>
+            </a:extLst>
+          </p:cNvPr>
+          <p:cNvSpPr>
+            <a:spLocks noGrp="1"/>
+          </p:cNvSpPr>
+          <p:nvPr>
+            <p:ph idx="1"/>
+          </p:nvPr>
+        </p:nvSpPr>
+        <p:spPr/>
+        <p:txBody>
+          <a:bodyPr>
+            <a:normAutofit fontScale="92500" lnSpcReduction="10000"/>
+          </a:bodyPr>
+          <a:lstStyle/>
+          <a:p>
+            <a:pPr algn="l" fontAlgn="base"/>
+            <a:r>
+              <a:rPr lang="en-IN" b="0" i="0" dirty="0">
+                <a:solidFill>
+                  <a:srgbClr val="444444"/>
+                </a:solidFill>
+                <a:effectLst/>
+                <a:latin typeface="inherit"/>
+              </a:rPr>
+              <a:t>Basically, we can modify/drop events in-flight with the help of Apache Flume. It has the capability. So, this process takes place with the help of interceptors in Flume.</a:t>
+            </a:r>
+            <a:endParaRPr lang="en-IN" b="0" i="0" dirty="0">
+              <a:solidFill>
+                <a:srgbClr val="444444"/>
+              </a:solidFill>
+              <a:effectLst/>
+              <a:latin typeface="Georgia" panose="02040502050405020303" pitchFamily="18" charset="0"/>
+            </a:endParaRPr>
+          </a:p>
+          <a:p>
+            <a:pPr algn="l" fontAlgn="base"/>
+            <a:r>
+              <a:rPr lang="en-IN" b="0" i="0" dirty="0">
+                <a:solidFill>
+                  <a:srgbClr val="444444"/>
+                </a:solidFill>
+                <a:effectLst/>
+                <a:latin typeface="inherit"/>
+              </a:rPr>
+              <a:t>Moreover, they are the classes that implement </a:t>
+            </a:r>
+            <a:r>
+              <a:rPr lang="en-IN" b="0" i="0" dirty="0" err="1">
+                <a:solidFill>
+                  <a:srgbClr val="444444"/>
+                </a:solidFill>
+                <a:effectLst/>
+                <a:latin typeface="inherit"/>
+              </a:rPr>
+              <a:t>org.apache.flume.interceptor.Interceptor</a:t>
+            </a:r>
+            <a:r>
+              <a:rPr lang="en-IN" b="0" i="0" dirty="0">
+                <a:solidFill>
+                  <a:srgbClr val="444444"/>
+                </a:solidFill>
+                <a:effectLst/>
+                <a:latin typeface="inherit"/>
+              </a:rPr>
+              <a:t> interface. Also, can modify or even drop events based on any criteria chosen by the developer of the interceptor.</a:t>
+            </a:r>
+            <a:endParaRPr lang="en-IN" b="0" i="0" dirty="0">
+              <a:solidFill>
+                <a:srgbClr val="444444"/>
+              </a:solidFill>
+              <a:effectLst/>
+              <a:latin typeface="Georgia" panose="02040502050405020303" pitchFamily="18" charset="0"/>
+            </a:endParaRPr>
+          </a:p>
+          <a:p>
+            <a:pPr algn="l" fontAlgn="base"/>
+            <a:r>
+              <a:rPr lang="en-IN" b="0" i="0" dirty="0">
+                <a:solidFill>
+                  <a:srgbClr val="444444"/>
+                </a:solidFill>
+                <a:effectLst/>
+                <a:latin typeface="Georgia" panose="02040502050405020303" pitchFamily="18" charset="0"/>
+              </a:rPr>
+              <a:t>In addition, Apache Flume supports chaining of interceptors. It is only possible through by specifying the list of interceptor builder class names in the configuration. Although, in the source configuration Flume interceptors are specified as a whitespace separated list.</a:t>
+            </a:r>
+          </a:p>
+          <a:p>
+            <a:endParaRPr lang="en-IN" dirty="0"/>
+          </a:p>
+        </p:txBody>
+      </p:sp>
+    </p:spTree>
+    <p:extLst>
+      <p:ext uri="{BB962C8B-B14F-4D97-AF65-F5344CB8AC3E}">
+        <p14:creationId xmlns:p14="http://schemas.microsoft.com/office/powerpoint/2010/main" val="3381645463"/>
+      </p:ext>
+    </p:extLst>
+  </p:cSld>
+  <p:clrMapOvr>
+    <a:masterClrMapping/>
+  </p:clrMapOvr>
+</p:sld>
+</file>
+
+<file path=ppt/slides/slide47.xml><?xml version="1.0" encoding="utf-8"?>
+<p:sld xmlns:a="http://schemas.openxmlformats.org/drawingml/2006/main" xmlns:r="http://schemas.openxmlformats.org/officeDocument/2006/relationships" xmlns:p="http://schemas.openxmlformats.org/presentationml/2006/main">
+  <p:cSld>
+    <p:bg>
+      <p:bgPr>
+        <a:solidFill>
+          <a:schemeClr val="bg1"/>
+        </a:solidFill>
+        <a:effectLst/>
+      </p:bgPr>
+    </p:bg>
+    <p:spTree>
+      <p:nvGrpSpPr>
+        <p:cNvPr id="1" name=""/>
+        <p:cNvGrpSpPr/>
+        <p:nvPr/>
+      </p:nvGrpSpPr>
+      <p:grpSpPr>
+        <a:xfrm>
+          <a:off x="0" y="0"/>
+          <a:ext cx="0" cy="0"/>
+          <a:chOff x="0" y="0"/>
+          <a:chExt cx="0" cy="0"/>
+        </a:xfrm>
+      </p:grpSpPr>
+      <p:cxnSp>
+        <p:nvCxnSpPr>
+          <p:cNvPr id="10" name="Straight Connector 9">
+            <a:extLst>
+              <a:ext uri="{FF2B5EF4-FFF2-40B4-BE49-F238E27FC236}">
+                <a16:creationId xmlns:a16="http://schemas.microsoft.com/office/drawing/2014/main" id="{D2E961F1-4A28-4A5F-BBD4-6E400E5E6C75}"/>
+              </a:ext>
+              <a:ext uri="{C183D7F6-B498-43B3-948B-1728B52AA6E4}">
+                <adec:decorative xmlns:adec="http://schemas.microsoft.com/office/drawing/2017/decorative" val="1"/>
+              </a:ext>
+            </a:extLst>
+          </p:cNvPr>
+          <p:cNvCxnSpPr>
+            <a:cxnSpLocks noGrp="1" noRot="1" noChangeAspect="1" noMove="1" noResize="1" noEditPoints="1" noAdjustHandles="1" noChangeArrowheads="1" noChangeShapeType="1"/>
+          </p:cNvCxnSpPr>
+          <p:nvPr>
+            <p:extLst>
+              <p:ext uri="{386F3935-93C4-4BCD-93E2-E3B085C9AB24}">
+                <p16:designElem xmlns:p16="http://schemas.microsoft.com/office/powerpoint/2015/main" val="1"/>
+              </p:ext>
+            </p:extLst>
+          </p:nvPr>
+        </p:nvCxnSpPr>
+        <p:spPr bwMode="white">
+          <a:xfrm>
+            <a:off x="0" y="272357"/>
+            <a:ext cx="12188824" cy="0"/>
+          </a:xfrm>
+          <a:prstGeom prst="line">
+            <a:avLst/>
+          </a:prstGeom>
+          <a:ln w="50800">
+            <a:solidFill>
+              <a:schemeClr val="tx1">
+                <a:lumMod val="75000"/>
+                <a:lumOff val="25000"/>
+              </a:schemeClr>
+            </a:solidFill>
+          </a:ln>
+        </p:spPr>
+        <p:style>
+          <a:lnRef idx="1">
+            <a:schemeClr val="accent1"/>
+          </a:lnRef>
+          <a:fillRef idx="0">
+            <a:schemeClr val="accent1"/>
+          </a:fillRef>
+          <a:effectRef idx="0">
+            <a:schemeClr val="accent1"/>
+          </a:effectRef>
+          <a:fontRef idx="minor">
+            <a:schemeClr val="tx1"/>
+          </a:fontRef>
+        </p:style>
+      </p:cxnSp>
+      <p:sp>
+        <p:nvSpPr>
+          <p:cNvPr id="12" name="Rectangle 11">
+            <a:extLst>
+              <a:ext uri="{FF2B5EF4-FFF2-40B4-BE49-F238E27FC236}">
+                <a16:creationId xmlns:a16="http://schemas.microsoft.com/office/drawing/2014/main" id="{7F57BEA8-497D-4AA8-8A18-BDCD696B25FE}"/>
+              </a:ext>
+              <a:ext uri="{C183D7F6-B498-43B3-948B-1728B52AA6E4}">
+                <adec:decorative xmlns:adec="http://schemas.microsoft.com/office/drawing/2017/decorative" val="1"/>
+              </a:ext>
+            </a:extLst>
+          </p:cNvPr>
+          <p:cNvSpPr>
+            <a:spLocks noGrp="1" noRot="1" noChangeAspect="1" noMove="1" noResize="1" noEditPoints="1" noAdjustHandles="1" noChangeArrowheads="1" noChangeShapeType="1" noTextEdit="1"/>
+          </p:cNvSpPr>
+          <p:nvPr>
+            <p:extLst>
+              <p:ext uri="{386F3935-93C4-4BCD-93E2-E3B085C9AB24}">
+                <p16:designElem xmlns:p16="http://schemas.microsoft.com/office/powerpoint/2015/main" val="1"/>
+              </p:ext>
+            </p:extLst>
+          </p:nvPr>
+        </p:nvSpPr>
+        <p:spPr>
+          <a:xfrm>
+            <a:off x="0" y="368596"/>
+            <a:ext cx="12192000" cy="1735555"/>
+          </a:xfrm>
+          <a:prstGeom prst="rect">
+            <a:avLst/>
+          </a:prstGeom>
+          <a:solidFill>
+            <a:schemeClr val="tx1">
+              <a:lumMod val="75000"/>
+              <a:lumOff val="25000"/>
+            </a:schemeClr>
+          </a:solidFill>
+          <a:ln>
+            <a:noFill/>
+          </a:ln>
+        </p:spPr>
+        <p:style>
+          <a:lnRef idx="2">
+            <a:schemeClr val="accent1">
+              <a:shade val="50000"/>
+            </a:schemeClr>
+          </a:lnRef>
+          <a:fillRef idx="1">
+            <a:schemeClr val="accent1"/>
+          </a:fillRef>
+          <a:effectRef idx="0">
+            <a:schemeClr val="accent1"/>
+          </a:effectRef>
+          <a:fontRef idx="minor">
+            <a:schemeClr val="lt1"/>
+          </a:fontRef>
+        </p:style>
+        <p:txBody>
+          <a:bodyPr rtlCol="0" anchor="ctr"/>
+          <a:lstStyle/>
+          <a:p>
+            <a:pPr algn="ctr"/>
+            <a:endParaRPr lang="en-US"/>
+          </a:p>
+        </p:txBody>
+      </p:sp>
+      <p:sp>
+        <p:nvSpPr>
+          <p:cNvPr id="2" name="Title 1">
+            <a:extLst>
+              <a:ext uri="{FF2B5EF4-FFF2-40B4-BE49-F238E27FC236}">
+                <a16:creationId xmlns:a16="http://schemas.microsoft.com/office/drawing/2014/main" id="{C29FB4BF-AB79-B790-4C19-7BAEF0E091E9}"/>
+              </a:ext>
+            </a:extLst>
+          </p:cNvPr>
+          <p:cNvSpPr>
+            <a:spLocks noGrp="1"/>
+          </p:cNvSpPr>
+          <p:nvPr>
+            <p:ph type="title"/>
+          </p:nvPr>
+        </p:nvSpPr>
+        <p:spPr>
+          <a:xfrm>
+            <a:off x="526073" y="489439"/>
+            <a:ext cx="11139854" cy="930447"/>
+          </a:xfrm>
+        </p:spPr>
+        <p:txBody>
+          <a:bodyPr vert="horz" lIns="91440" tIns="45720" rIns="91440" bIns="45720" rtlCol="0" anchor="b">
+            <a:normAutofit/>
+          </a:bodyPr>
+          <a:lstStyle/>
+          <a:p>
+            <a:pPr algn="ctr"/>
+            <a:r>
+              <a:rPr lang="en-US" sz="5000" kern="1200">
+                <a:solidFill>
+                  <a:schemeClr val="bg1"/>
+                </a:solidFill>
+                <a:latin typeface="+mj-lt"/>
+                <a:ea typeface="+mj-ea"/>
+                <a:cs typeface="+mj-cs"/>
+              </a:rPr>
+              <a:t>Flume Consolidation and multi-agent flow</a:t>
+            </a:r>
+          </a:p>
+        </p:txBody>
+      </p:sp>
+      <p:cxnSp>
+        <p:nvCxnSpPr>
+          <p:cNvPr id="14" name="Straight Connector 13">
+            <a:extLst>
+              <a:ext uri="{FF2B5EF4-FFF2-40B4-BE49-F238E27FC236}">
+                <a16:creationId xmlns:a16="http://schemas.microsoft.com/office/drawing/2014/main" id="{A82415D3-DDE5-4D63-8CB3-23A5EC581B27}"/>
+              </a:ext>
+              <a:ext uri="{C183D7F6-B498-43B3-948B-1728B52AA6E4}">
+                <adec:decorative xmlns:adec="http://schemas.microsoft.com/office/drawing/2017/decorative" val="1"/>
+              </a:ext>
+            </a:extLst>
+          </p:cNvPr>
+          <p:cNvCxnSpPr>
+            <a:cxnSpLocks noGrp="1" noRot="1" noChangeAspect="1" noMove="1" noResize="1" noEditPoints="1" noAdjustHandles="1" noChangeArrowheads="1" noChangeShapeType="1"/>
+          </p:cNvCxnSpPr>
+          <p:nvPr>
+            <p:extLst>
+              <p:ext uri="{386F3935-93C4-4BCD-93E2-E3B085C9AB24}">
+                <p16:designElem xmlns:p16="http://schemas.microsoft.com/office/powerpoint/2015/main" val="1"/>
+              </p:ext>
+            </p:extLst>
+          </p:nvPr>
+        </p:nvCxnSpPr>
+        <p:spPr>
+          <a:xfrm>
+            <a:off x="4724400" y="1479733"/>
+            <a:ext cx="2743200" cy="0"/>
+          </a:xfrm>
+          <a:prstGeom prst="line">
+            <a:avLst/>
+          </a:prstGeom>
+          <a:ln w="19050">
+            <a:solidFill>
+              <a:schemeClr val="bg1">
+                <a:alpha val="75000"/>
+              </a:schemeClr>
+            </a:solidFill>
+          </a:ln>
+        </p:spPr>
+        <p:style>
+          <a:lnRef idx="1">
+            <a:schemeClr val="accent1"/>
+          </a:lnRef>
+          <a:fillRef idx="0">
+            <a:schemeClr val="accent1"/>
+          </a:fillRef>
+          <a:effectRef idx="0">
+            <a:schemeClr val="accent1"/>
+          </a:effectRef>
+          <a:fontRef idx="minor">
+            <a:schemeClr val="tx1"/>
+          </a:fontRef>
+        </p:style>
+      </p:cxnSp>
+      <p:cxnSp>
+        <p:nvCxnSpPr>
+          <p:cNvPr id="16" name="Straight Connector 15">
+            <a:extLst>
+              <a:ext uri="{FF2B5EF4-FFF2-40B4-BE49-F238E27FC236}">
+                <a16:creationId xmlns:a16="http://schemas.microsoft.com/office/drawing/2014/main" id="{AD7193FB-6AE6-4B3B-8F89-56B55DD63B4D}"/>
+              </a:ext>
+              <a:ext uri="{C183D7F6-B498-43B3-948B-1728B52AA6E4}">
+                <adec:decorative xmlns:adec="http://schemas.microsoft.com/office/drawing/2017/decorative" val="1"/>
+              </a:ext>
+            </a:extLst>
+          </p:cNvPr>
+          <p:cNvCxnSpPr>
+            <a:cxnSpLocks noGrp="1" noRot="1" noChangeAspect="1" noMove="1" noResize="1" noEditPoints="1" noAdjustHandles="1" noChangeArrowheads="1" noChangeShapeType="1"/>
+          </p:cNvCxnSpPr>
+          <p:nvPr>
+            <p:extLst>
+              <p:ext uri="{386F3935-93C4-4BCD-93E2-E3B085C9AB24}">
+                <p16:designElem xmlns:p16="http://schemas.microsoft.com/office/powerpoint/2015/main" val="1"/>
+              </p:ext>
+            </p:extLst>
+          </p:nvPr>
+        </p:nvCxnSpPr>
+        <p:spPr bwMode="white">
+          <a:xfrm>
+            <a:off x="0" y="2201402"/>
+            <a:ext cx="12188824" cy="0"/>
+          </a:xfrm>
+          <a:prstGeom prst="line">
+            <a:avLst/>
+          </a:prstGeom>
+          <a:ln w="50800">
+            <a:solidFill>
+              <a:schemeClr val="tx1">
+                <a:lumMod val="75000"/>
+                <a:lumOff val="25000"/>
+              </a:schemeClr>
+            </a:solidFill>
+          </a:ln>
+        </p:spPr>
+        <p:style>
+          <a:lnRef idx="1">
+            <a:schemeClr val="accent1"/>
+          </a:lnRef>
+          <a:fillRef idx="0">
+            <a:schemeClr val="accent1"/>
+          </a:fillRef>
+          <a:effectRef idx="0">
+            <a:schemeClr val="accent1"/>
+          </a:effectRef>
+          <a:fontRef idx="minor">
+            <a:schemeClr val="tx1"/>
+          </a:fontRef>
+        </p:style>
+      </p:cxnSp>
+      <p:pic>
+        <p:nvPicPr>
+          <p:cNvPr id="5" name="Content Placeholder 4">
+            <a:extLst>
+              <a:ext uri="{FF2B5EF4-FFF2-40B4-BE49-F238E27FC236}">
+                <a16:creationId xmlns:a16="http://schemas.microsoft.com/office/drawing/2014/main" id="{B071DE18-AF1C-C3C3-6065-C224DF08FDE3}"/>
+              </a:ext>
+            </a:extLst>
+          </p:cNvPr>
+          <p:cNvPicPr>
+            <a:picLocks noGrp="1" noChangeAspect="1"/>
+          </p:cNvPicPr>
+          <p:nvPr>
+            <p:ph idx="1"/>
+          </p:nvPr>
+        </p:nvPicPr>
+        <p:blipFill>
+          <a:blip r:embed="rId2"/>
+          <a:stretch>
+            <a:fillRect/>
+          </a:stretch>
+        </p:blipFill>
+        <p:spPr>
+          <a:xfrm>
+            <a:off x="320040" y="3161709"/>
+            <a:ext cx="11496821" cy="2529300"/>
+          </a:xfrm>
+          <a:prstGeom prst="rect">
+            <a:avLst/>
+          </a:prstGeom>
+        </p:spPr>
+      </p:pic>
+    </p:spTree>
+    <p:extLst>
+      <p:ext uri="{BB962C8B-B14F-4D97-AF65-F5344CB8AC3E}">
+        <p14:creationId xmlns:p14="http://schemas.microsoft.com/office/powerpoint/2010/main" val="3101959937"/>
+      </p:ext>
+    </p:extLst>
+  </p:cSld>
+  <p:clrMapOvr>
+    <a:masterClrMapping/>
+  </p:clrMapOvr>
+</p:sld>
+</file>
+
+<file path=ppt/slides/slide48.xml><?xml version="1.0" encoding="utf-8"?>
+<p:sld xmlns:a="http://schemas.openxmlformats.org/drawingml/2006/main" xmlns:r="http://schemas.openxmlformats.org/officeDocument/2006/relationships" xmlns:p="http://schemas.openxmlformats.org/presentationml/2006/main">
+  <p:cSld>
+    <p:bg>
+      <p:bgPr>
+        <a:solidFill>
+          <a:schemeClr val="bg1"/>
+        </a:solidFill>
+        <a:effectLst/>
+      </p:bgPr>
+    </p:bg>
+    <p:spTree>
+      <p:nvGrpSpPr>
+        <p:cNvPr id="1" name=""/>
+        <p:cNvGrpSpPr/>
+        <p:nvPr/>
+      </p:nvGrpSpPr>
+      <p:grpSpPr>
+        <a:xfrm>
+          <a:off x="0" y="0"/>
+          <a:ext cx="0" cy="0"/>
+          <a:chOff x="0" y="0"/>
+          <a:chExt cx="0" cy="0"/>
+        </a:xfrm>
+      </p:grpSpPr>
+      <p:sp>
+        <p:nvSpPr>
+          <p:cNvPr id="10" name="Down Arrow 7">
+            <a:extLst>
+              <a:ext uri="{FF2B5EF4-FFF2-40B4-BE49-F238E27FC236}">
+                <a16:creationId xmlns:a16="http://schemas.microsoft.com/office/drawing/2014/main" id="{D4771268-CB57-404A-9271-370EB28F6090}"/>
+              </a:ext>
+              <a:ext uri="{C183D7F6-B498-43B3-948B-1728B52AA6E4}">
+                <adec:decorative xmlns:adec="http://schemas.microsoft.com/office/drawing/2017/decorative" val="1"/>
+              </a:ext>
+            </a:extLst>
+          </p:cNvPr>
+          <p:cNvSpPr>
+            <a:spLocks noGrp="1" noRot="1" noChangeAspect="1" noMove="1" noResize="1" noEditPoints="1" noAdjustHandles="1" noChangeArrowheads="1" noChangeShapeType="1" noTextEdit="1"/>
+          </p:cNvSpPr>
+          <p:nvPr>
+            <p:extLst>
+              <p:ext uri="{386F3935-93C4-4BCD-93E2-E3B085C9AB24}">
+                <p16:designElem xmlns:p16="http://schemas.microsoft.com/office/powerpoint/2015/main" val="1"/>
+              </p:ext>
+            </p:extLst>
+          </p:nvPr>
+        </p:nvSpPr>
+        <p:spPr>
+          <a:xfrm rot="16200000">
+            <a:off x="800100" y="1491343"/>
+            <a:ext cx="3333749" cy="3499103"/>
+          </a:xfrm>
+          <a:prstGeom prst="downArrow">
+            <a:avLst>
+              <a:gd name="adj1" fmla="val 100000"/>
+              <a:gd name="adj2" fmla="val 15788"/>
+            </a:avLst>
+          </a:prstGeom>
+          <a:solidFill>
+            <a:srgbClr val="404040"/>
+          </a:solidFill>
+          <a:ln w="53975">
+            <a:noFill/>
+          </a:ln>
+        </p:spPr>
+        <p:style>
+          <a:lnRef idx="2">
+            <a:schemeClr val="accent1">
+              <a:shade val="50000"/>
+            </a:schemeClr>
+          </a:lnRef>
+          <a:fillRef idx="1">
+            <a:schemeClr val="accent1"/>
+          </a:fillRef>
+          <a:effectRef idx="0">
+            <a:schemeClr val="accent1"/>
+          </a:effectRef>
+          <a:fontRef idx="minor">
+            <a:schemeClr val="lt1"/>
+          </a:fontRef>
+        </p:style>
+        <p:txBody>
+          <a:bodyPr rtlCol="0" anchor="ctr"/>
+          <a:lstStyle/>
+          <a:p>
+            <a:pPr algn="ctr"/>
+            <a:endParaRPr lang="en-US"/>
+          </a:p>
+        </p:txBody>
+      </p:sp>
+      <p:sp>
+        <p:nvSpPr>
+          <p:cNvPr id="2" name="Title 1">
+            <a:extLst>
+              <a:ext uri="{FF2B5EF4-FFF2-40B4-BE49-F238E27FC236}">
+                <a16:creationId xmlns:a16="http://schemas.microsoft.com/office/drawing/2014/main" id="{9947C503-978D-D065-2FE4-ADDA917355E6}"/>
+              </a:ext>
+            </a:extLst>
+          </p:cNvPr>
+          <p:cNvSpPr>
+            <a:spLocks noGrp="1"/>
+          </p:cNvSpPr>
+          <p:nvPr>
+            <p:ph type="title"/>
+          </p:nvPr>
+        </p:nvSpPr>
+        <p:spPr>
+          <a:xfrm>
+            <a:off x="1028700" y="1967266"/>
+            <a:ext cx="2628900" cy="2547257"/>
+          </a:xfrm>
+          <a:noFill/>
+        </p:spPr>
+        <p:txBody>
+          <a:bodyPr vert="horz" lIns="91440" tIns="45720" rIns="91440" bIns="45720" rtlCol="0" anchor="ctr">
+            <a:normAutofit/>
+          </a:bodyPr>
+          <a:lstStyle/>
+          <a:p>
+            <a:pPr algn="ctr"/>
+            <a:r>
+              <a:rPr lang="en-US" sz="3300" kern="1200">
+                <a:solidFill>
+                  <a:srgbClr val="FFFFFF"/>
+                </a:solidFill>
+                <a:latin typeface="+mj-lt"/>
+                <a:ea typeface="+mj-ea"/>
+                <a:cs typeface="+mj-cs"/>
+              </a:rPr>
+              <a:t>Consolidation</a:t>
+            </a:r>
+          </a:p>
+        </p:txBody>
+      </p:sp>
+      <p:pic>
+        <p:nvPicPr>
+          <p:cNvPr id="5" name="Content Placeholder 4">
+            <a:extLst>
+              <a:ext uri="{FF2B5EF4-FFF2-40B4-BE49-F238E27FC236}">
+                <a16:creationId xmlns:a16="http://schemas.microsoft.com/office/drawing/2014/main" id="{5AE89CF2-AADB-6FCF-1476-2A3C7BDADFA1}"/>
+              </a:ext>
+            </a:extLst>
+          </p:cNvPr>
+          <p:cNvPicPr>
+            <a:picLocks noGrp="1" noChangeAspect="1"/>
+          </p:cNvPicPr>
+          <p:nvPr>
+            <p:ph idx="1"/>
+          </p:nvPr>
+        </p:nvPicPr>
+        <p:blipFill>
+          <a:blip r:embed="rId2"/>
+          <a:stretch>
+            <a:fillRect/>
+          </a:stretch>
+        </p:blipFill>
+        <p:spPr>
+          <a:xfrm>
+            <a:off x="4777316" y="1130874"/>
+            <a:ext cx="6780700" cy="4593923"/>
+          </a:xfrm>
+          <a:prstGeom prst="rect">
+            <a:avLst/>
+          </a:prstGeom>
+        </p:spPr>
+      </p:pic>
+    </p:spTree>
+    <p:extLst>
+      <p:ext uri="{BB962C8B-B14F-4D97-AF65-F5344CB8AC3E}">
+        <p14:creationId xmlns:p14="http://schemas.microsoft.com/office/powerpoint/2010/main" val="2482777636"/>
+      </p:ext>
+    </p:extLst>
+  </p:cSld>
+  <p:clrMapOvr>
+    <a:masterClrMapping/>
+  </p:clrMapOvr>
+</p:sld>
+</file>
+
+<file path=ppt/slides/slide49.xml><?xml version="1.0" encoding="utf-8"?>
+<p:sld xmlns:a="http://schemas.openxmlformats.org/drawingml/2006/main" xmlns:r="http://schemas.openxmlformats.org/officeDocument/2006/relationships" xmlns:p="http://schemas.openxmlformats.org/presentationml/2006/main">
+  <p:cSld>
+    <p:spTree>
+      <p:nvGrpSpPr>
+        <p:cNvPr id="1" name=""/>
+        <p:cNvGrpSpPr/>
+        <p:nvPr/>
+      </p:nvGrpSpPr>
+      <p:grpSpPr>
+        <a:xfrm>
+          <a:off x="0" y="0"/>
+          <a:ext cx="0" cy="0"/>
+          <a:chOff x="0" y="0"/>
+          <a:chExt cx="0" cy="0"/>
+        </a:xfrm>
+      </p:grpSpPr>
+      <p:sp>
+        <p:nvSpPr>
+          <p:cNvPr id="2" name="Title 1">
+            <a:extLst>
+              <a:ext uri="{FF2B5EF4-FFF2-40B4-BE49-F238E27FC236}">
+                <a16:creationId xmlns:a16="http://schemas.microsoft.com/office/drawing/2014/main" id="{0CD45CBE-A44F-A43E-2EE3-E41044061F30}"/>
+              </a:ext>
+            </a:extLst>
+          </p:cNvPr>
+          <p:cNvSpPr>
+            <a:spLocks noGrp="1"/>
+          </p:cNvSpPr>
+          <p:nvPr>
+            <p:ph type="title"/>
+          </p:nvPr>
+        </p:nvSpPr>
+        <p:spPr/>
+        <p:txBody>
+          <a:bodyPr/>
+          <a:lstStyle/>
+          <a:p>
+            <a:r>
+              <a:rPr lang="en-IN" dirty="0"/>
+              <a:t>Apache Oozie</a:t>
+            </a:r>
+          </a:p>
+        </p:txBody>
+      </p:sp>
+      <p:sp>
+        <p:nvSpPr>
+          <p:cNvPr id="3" name="Content Placeholder 2">
+            <a:extLst>
+              <a:ext uri="{FF2B5EF4-FFF2-40B4-BE49-F238E27FC236}">
+                <a16:creationId xmlns:a16="http://schemas.microsoft.com/office/drawing/2014/main" id="{E96990F9-872E-CBD9-634A-D0A6BFBB0C1F}"/>
+              </a:ext>
+            </a:extLst>
+          </p:cNvPr>
+          <p:cNvSpPr>
+            <a:spLocks noGrp="1"/>
+          </p:cNvSpPr>
+          <p:nvPr>
+            <p:ph idx="1"/>
+          </p:nvPr>
+        </p:nvSpPr>
+        <p:spPr/>
+        <p:txBody>
+          <a:bodyPr>
+            <a:normAutofit fontScale="92500"/>
+          </a:bodyPr>
+          <a:lstStyle/>
+          <a:p>
+            <a:pPr algn="l"/>
+            <a:r>
+              <a:rPr lang="en-IN" b="0" i="0" dirty="0">
+                <a:solidFill>
+                  <a:srgbClr val="666666"/>
+                </a:solidFill>
+                <a:effectLst/>
+                <a:latin typeface="CalibreWeb"/>
+              </a:rPr>
+              <a:t>Apache Oozie Workflow Scheduler for Hadoop is a workflow and coordination service for managing Apache Hadoop jobs:</a:t>
+            </a:r>
+          </a:p>
+          <a:p>
+            <a:pPr algn="l">
+              <a:buFont typeface="Arial" panose="020B0604020202020204" pitchFamily="34" charset="0"/>
+              <a:buChar char="•"/>
+            </a:pPr>
+            <a:r>
+              <a:rPr lang="en-IN" b="0" i="0" dirty="0">
+                <a:solidFill>
+                  <a:srgbClr val="666666"/>
+                </a:solidFill>
+                <a:effectLst/>
+                <a:latin typeface="CalibreWeb"/>
+              </a:rPr>
+              <a:t>Oozie Workflow jobs are Directed </a:t>
+            </a:r>
+            <a:r>
+              <a:rPr lang="en-IN" b="0" i="0" dirty="0" err="1">
+                <a:solidFill>
+                  <a:srgbClr val="666666"/>
+                </a:solidFill>
+                <a:effectLst/>
+                <a:latin typeface="CalibreWeb"/>
+              </a:rPr>
+              <a:t>Acyclical</a:t>
+            </a:r>
+            <a:r>
+              <a:rPr lang="en-IN" b="0" i="0" dirty="0">
+                <a:solidFill>
+                  <a:srgbClr val="666666"/>
+                </a:solidFill>
+                <a:effectLst/>
+                <a:latin typeface="CalibreWeb"/>
+              </a:rPr>
+              <a:t> Graphs (DAGs) of </a:t>
+            </a:r>
+            <a:r>
+              <a:rPr lang="en-IN" b="0" i="1" dirty="0">
+                <a:solidFill>
+                  <a:srgbClr val="666666"/>
+                </a:solidFill>
+                <a:effectLst/>
+                <a:latin typeface="CalibreWeb"/>
+              </a:rPr>
+              <a:t>actions</a:t>
+            </a:r>
+            <a:r>
+              <a:rPr lang="en-IN" b="0" i="0" dirty="0">
+                <a:solidFill>
+                  <a:srgbClr val="666666"/>
+                </a:solidFill>
+                <a:effectLst/>
+                <a:latin typeface="CalibreWeb"/>
+              </a:rPr>
+              <a:t>; </a:t>
+            </a:r>
+            <a:r>
+              <a:rPr lang="en-IN" b="0" i="1" dirty="0">
+                <a:solidFill>
+                  <a:srgbClr val="666666"/>
+                </a:solidFill>
+                <a:effectLst/>
+                <a:latin typeface="CalibreWeb"/>
+              </a:rPr>
+              <a:t>actions</a:t>
+            </a:r>
+            <a:r>
+              <a:rPr lang="en-IN" b="0" i="0" dirty="0">
+                <a:solidFill>
+                  <a:srgbClr val="666666"/>
+                </a:solidFill>
+                <a:effectLst/>
+                <a:latin typeface="CalibreWeb"/>
+              </a:rPr>
+              <a:t> are typically Hadoop jobs (MapReduce, Streaming, Pipes, Pig, Hive, Sqoop, etc).</a:t>
+            </a:r>
+          </a:p>
+          <a:p>
+            <a:pPr algn="l">
+              <a:buFont typeface="Arial" panose="020B0604020202020204" pitchFamily="34" charset="0"/>
+              <a:buChar char="•"/>
+            </a:pPr>
+            <a:r>
+              <a:rPr lang="en-IN" b="0" i="0" dirty="0">
+                <a:solidFill>
+                  <a:srgbClr val="666666"/>
+                </a:solidFill>
+                <a:effectLst/>
+                <a:latin typeface="CalibreWeb"/>
+              </a:rPr>
+              <a:t>Oozie Coordinator jobs trigger recurrent Workflow jobs based on time (frequency) and data availability.</a:t>
+            </a:r>
+          </a:p>
+          <a:p>
+            <a:pPr algn="l">
+              <a:buFont typeface="Arial" panose="020B0604020202020204" pitchFamily="34" charset="0"/>
+              <a:buChar char="•"/>
+            </a:pPr>
+            <a:r>
+              <a:rPr lang="en-IN" b="0" i="0" dirty="0">
+                <a:solidFill>
+                  <a:srgbClr val="666666"/>
+                </a:solidFill>
+                <a:effectLst/>
+                <a:latin typeface="CalibreWeb"/>
+              </a:rPr>
+              <a:t>Oozie Bundle jobs are sets of Coordinator jobs managed as a single job.</a:t>
+            </a:r>
+          </a:p>
+          <a:p>
+            <a:pPr algn="l"/>
+            <a:r>
+              <a:rPr lang="en-IN" b="0" i="0" dirty="0">
+                <a:solidFill>
+                  <a:srgbClr val="666666"/>
+                </a:solidFill>
+                <a:effectLst/>
+                <a:latin typeface="CalibreWeb"/>
+              </a:rPr>
+              <a:t>Oozie is an extensible, scalable and data-aware service that you can use to orchestrate dependencies among jobs running on Hadoop.</a:t>
+            </a:r>
+          </a:p>
+          <a:p>
+            <a:pPr marL="0" indent="0">
+              <a:buNone/>
+            </a:pPr>
+            <a:endParaRPr lang="en-IN" dirty="0"/>
+          </a:p>
+        </p:txBody>
+      </p:sp>
+    </p:spTree>
+    <p:extLst>
+      <p:ext uri="{BB962C8B-B14F-4D97-AF65-F5344CB8AC3E}">
+        <p14:creationId xmlns:p14="http://schemas.microsoft.com/office/powerpoint/2010/main" val="2446422127"/>
       </p:ext>
     </p:extLst>
   </p:cSld>

--- a/Slides/Big Data Overview.pptx
+++ b/Slides/Big Data Overview.pptx
@@ -3142,7 +3142,7 @@
           <a:p>
             <a:fld id="{4C2A475F-9CDA-4DF8-B226-71823ECF3947}" type="datetimeFigureOut">
               <a:rPr lang="en-IN" smtClean="0"/>
-              <a:t>24-09-2022</a:t>
+              <a:t>27-09-2022</a:t>
             </a:fld>
             <a:endParaRPr lang="en-IN"/>
           </a:p>
@@ -3342,7 +3342,7 @@
           <a:p>
             <a:fld id="{4C2A475F-9CDA-4DF8-B226-71823ECF3947}" type="datetimeFigureOut">
               <a:rPr lang="en-IN" smtClean="0"/>
-              <a:t>24-09-2022</a:t>
+              <a:t>27-09-2022</a:t>
             </a:fld>
             <a:endParaRPr lang="en-IN"/>
           </a:p>
@@ -3552,7 +3552,7 @@
           <a:p>
             <a:fld id="{4C2A475F-9CDA-4DF8-B226-71823ECF3947}" type="datetimeFigureOut">
               <a:rPr lang="en-IN" smtClean="0"/>
-              <a:t>24-09-2022</a:t>
+              <a:t>27-09-2022</a:t>
             </a:fld>
             <a:endParaRPr lang="en-IN"/>
           </a:p>
@@ -3752,7 +3752,7 @@
           <a:p>
             <a:fld id="{4C2A475F-9CDA-4DF8-B226-71823ECF3947}" type="datetimeFigureOut">
               <a:rPr lang="en-IN" smtClean="0"/>
-              <a:t>24-09-2022</a:t>
+              <a:t>27-09-2022</a:t>
             </a:fld>
             <a:endParaRPr lang="en-IN"/>
           </a:p>
@@ -4028,7 +4028,7 @@
           <a:p>
             <a:fld id="{4C2A475F-9CDA-4DF8-B226-71823ECF3947}" type="datetimeFigureOut">
               <a:rPr lang="en-IN" smtClean="0"/>
-              <a:t>24-09-2022</a:t>
+              <a:t>27-09-2022</a:t>
             </a:fld>
             <a:endParaRPr lang="en-IN"/>
           </a:p>
@@ -4296,7 +4296,7 @@
           <a:p>
             <a:fld id="{4C2A475F-9CDA-4DF8-B226-71823ECF3947}" type="datetimeFigureOut">
               <a:rPr lang="en-IN" smtClean="0"/>
-              <a:t>24-09-2022</a:t>
+              <a:t>27-09-2022</a:t>
             </a:fld>
             <a:endParaRPr lang="en-IN"/>
           </a:p>
@@ -4711,7 +4711,7 @@
           <a:p>
             <a:fld id="{4C2A475F-9CDA-4DF8-B226-71823ECF3947}" type="datetimeFigureOut">
               <a:rPr lang="en-IN" smtClean="0"/>
-              <a:t>24-09-2022</a:t>
+              <a:t>27-09-2022</a:t>
             </a:fld>
             <a:endParaRPr lang="en-IN"/>
           </a:p>
@@ -4853,7 +4853,7 @@
           <a:p>
             <a:fld id="{4C2A475F-9CDA-4DF8-B226-71823ECF3947}" type="datetimeFigureOut">
               <a:rPr lang="en-IN" smtClean="0"/>
-              <a:t>24-09-2022</a:t>
+              <a:t>27-09-2022</a:t>
             </a:fld>
             <a:endParaRPr lang="en-IN"/>
           </a:p>
@@ -4966,7 +4966,7 @@
           <a:p>
             <a:fld id="{4C2A475F-9CDA-4DF8-B226-71823ECF3947}" type="datetimeFigureOut">
               <a:rPr lang="en-IN" smtClean="0"/>
-              <a:t>24-09-2022</a:t>
+              <a:t>27-09-2022</a:t>
             </a:fld>
             <a:endParaRPr lang="en-IN"/>
           </a:p>
@@ -5279,7 +5279,7 @@
           <a:p>
             <a:fld id="{4C2A475F-9CDA-4DF8-B226-71823ECF3947}" type="datetimeFigureOut">
               <a:rPr lang="en-IN" smtClean="0"/>
-              <a:t>24-09-2022</a:t>
+              <a:t>27-09-2022</a:t>
             </a:fld>
             <a:endParaRPr lang="en-IN"/>
           </a:p>
@@ -5568,7 +5568,7 @@
           <a:p>
             <a:fld id="{4C2A475F-9CDA-4DF8-B226-71823ECF3947}" type="datetimeFigureOut">
               <a:rPr lang="en-IN" smtClean="0"/>
-              <a:t>24-09-2022</a:t>
+              <a:t>27-09-2022</a:t>
             </a:fld>
             <a:endParaRPr lang="en-IN"/>
           </a:p>
@@ -5811,7 +5811,7 @@
           <a:p>
             <a:fld id="{4C2A475F-9CDA-4DF8-B226-71823ECF3947}" type="datetimeFigureOut">
               <a:rPr lang="en-IN" smtClean="0"/>
-              <a:t>24-09-2022</a:t>
+              <a:t>27-09-2022</a:t>
             </a:fld>
             <a:endParaRPr lang="en-IN"/>
           </a:p>
@@ -18418,13 +18418,8 @@
           <a:p>
             <a:r>
               <a:rPr lang="en-IN" dirty="0"/>
-              <a:t>Flume </a:t>
+              <a:t>Flume Interceptors</a:t>
             </a:r>
-            <a:r>
-              <a:rPr lang="en-IN" dirty="0" err="1"/>
-              <a:t>Interceptos</a:t>
-            </a:r>
-            <a:endParaRPr lang="en-IN" dirty="0"/>
           </a:p>
         </p:txBody>
       </p:sp>

--- a/Slides/Big Data Overview.pptx
+++ b/Slides/Big Data Overview.pptx
@@ -46,14 +46,18 @@
     <p:sldId id="294" r:id="rId40"/>
     <p:sldId id="295" r:id="rId41"/>
     <p:sldId id="296" r:id="rId42"/>
-    <p:sldId id="297" r:id="rId43"/>
-    <p:sldId id="298" r:id="rId44"/>
-    <p:sldId id="299" r:id="rId45"/>
-    <p:sldId id="300" r:id="rId46"/>
-    <p:sldId id="301" r:id="rId47"/>
-    <p:sldId id="302" r:id="rId48"/>
-    <p:sldId id="303" r:id="rId49"/>
-    <p:sldId id="304" r:id="rId50"/>
+    <p:sldId id="308" r:id="rId43"/>
+    <p:sldId id="297" r:id="rId44"/>
+    <p:sldId id="298" r:id="rId45"/>
+    <p:sldId id="299" r:id="rId46"/>
+    <p:sldId id="300" r:id="rId47"/>
+    <p:sldId id="301" r:id="rId48"/>
+    <p:sldId id="302" r:id="rId49"/>
+    <p:sldId id="303" r:id="rId50"/>
+    <p:sldId id="304" r:id="rId51"/>
+    <p:sldId id="305" r:id="rId52"/>
+    <p:sldId id="306" r:id="rId53"/>
+    <p:sldId id="307" r:id="rId54"/>
   </p:sldIdLst>
   <p:sldSz cx="12192000" cy="6858000"/>
   <p:notesSz cx="6858000" cy="9144000"/>
@@ -3142,7 +3146,7 @@
           <a:p>
             <a:fld id="{4C2A475F-9CDA-4DF8-B226-71823ECF3947}" type="datetimeFigureOut">
               <a:rPr lang="en-IN" smtClean="0"/>
-              <a:t>27-09-2022</a:t>
+              <a:t>28-09-2022</a:t>
             </a:fld>
             <a:endParaRPr lang="en-IN"/>
           </a:p>
@@ -3342,7 +3346,7 @@
           <a:p>
             <a:fld id="{4C2A475F-9CDA-4DF8-B226-71823ECF3947}" type="datetimeFigureOut">
               <a:rPr lang="en-IN" smtClean="0"/>
-              <a:t>27-09-2022</a:t>
+              <a:t>28-09-2022</a:t>
             </a:fld>
             <a:endParaRPr lang="en-IN"/>
           </a:p>
@@ -3552,7 +3556,7 @@
           <a:p>
             <a:fld id="{4C2A475F-9CDA-4DF8-B226-71823ECF3947}" type="datetimeFigureOut">
               <a:rPr lang="en-IN" smtClean="0"/>
-              <a:t>27-09-2022</a:t>
+              <a:t>28-09-2022</a:t>
             </a:fld>
             <a:endParaRPr lang="en-IN"/>
           </a:p>
@@ -3752,7 +3756,7 @@
           <a:p>
             <a:fld id="{4C2A475F-9CDA-4DF8-B226-71823ECF3947}" type="datetimeFigureOut">
               <a:rPr lang="en-IN" smtClean="0"/>
-              <a:t>27-09-2022</a:t>
+              <a:t>28-09-2022</a:t>
             </a:fld>
             <a:endParaRPr lang="en-IN"/>
           </a:p>
@@ -4028,7 +4032,7 @@
           <a:p>
             <a:fld id="{4C2A475F-9CDA-4DF8-B226-71823ECF3947}" type="datetimeFigureOut">
               <a:rPr lang="en-IN" smtClean="0"/>
-              <a:t>27-09-2022</a:t>
+              <a:t>28-09-2022</a:t>
             </a:fld>
             <a:endParaRPr lang="en-IN"/>
           </a:p>
@@ -4296,7 +4300,7 @@
           <a:p>
             <a:fld id="{4C2A475F-9CDA-4DF8-B226-71823ECF3947}" type="datetimeFigureOut">
               <a:rPr lang="en-IN" smtClean="0"/>
-              <a:t>27-09-2022</a:t>
+              <a:t>28-09-2022</a:t>
             </a:fld>
             <a:endParaRPr lang="en-IN"/>
           </a:p>
@@ -4711,7 +4715,7 @@
           <a:p>
             <a:fld id="{4C2A475F-9CDA-4DF8-B226-71823ECF3947}" type="datetimeFigureOut">
               <a:rPr lang="en-IN" smtClean="0"/>
-              <a:t>27-09-2022</a:t>
+              <a:t>28-09-2022</a:t>
             </a:fld>
             <a:endParaRPr lang="en-IN"/>
           </a:p>
@@ -4853,7 +4857,7 @@
           <a:p>
             <a:fld id="{4C2A475F-9CDA-4DF8-B226-71823ECF3947}" type="datetimeFigureOut">
               <a:rPr lang="en-IN" smtClean="0"/>
-              <a:t>27-09-2022</a:t>
+              <a:t>28-09-2022</a:t>
             </a:fld>
             <a:endParaRPr lang="en-IN"/>
           </a:p>
@@ -4966,7 +4970,7 @@
           <a:p>
             <a:fld id="{4C2A475F-9CDA-4DF8-B226-71823ECF3947}" type="datetimeFigureOut">
               <a:rPr lang="en-IN" smtClean="0"/>
-              <a:t>27-09-2022</a:t>
+              <a:t>28-09-2022</a:t>
             </a:fld>
             <a:endParaRPr lang="en-IN"/>
           </a:p>
@@ -5279,7 +5283,7 @@
           <a:p>
             <a:fld id="{4C2A475F-9CDA-4DF8-B226-71823ECF3947}" type="datetimeFigureOut">
               <a:rPr lang="en-IN" smtClean="0"/>
-              <a:t>27-09-2022</a:t>
+              <a:t>28-09-2022</a:t>
             </a:fld>
             <a:endParaRPr lang="en-IN"/>
           </a:p>
@@ -5568,7 +5572,7 @@
           <a:p>
             <a:fld id="{4C2A475F-9CDA-4DF8-B226-71823ECF3947}" type="datetimeFigureOut">
               <a:rPr lang="en-IN" smtClean="0"/>
-              <a:t>27-09-2022</a:t>
+              <a:t>28-09-2022</a:t>
             </a:fld>
             <a:endParaRPr lang="en-IN"/>
           </a:p>
@@ -5811,7 +5815,7 @@
           <a:p>
             <a:fld id="{4C2A475F-9CDA-4DF8-B226-71823ECF3947}" type="datetimeFigureOut">
               <a:rPr lang="en-IN" smtClean="0"/>
-              <a:t>27-09-2022</a:t>
+              <a:t>28-09-2022</a:t>
             </a:fld>
             <a:endParaRPr lang="en-IN"/>
           </a:p>
@@ -13134,6 +13138,189 @@
 </file>
 
 <file path=ppt/slides/slide42.xml><?xml version="1.0" encoding="utf-8"?>
+<p:sld xmlns:a="http://schemas.openxmlformats.org/drawingml/2006/main" xmlns:r="http://schemas.openxmlformats.org/officeDocument/2006/relationships" xmlns:p="http://schemas.openxmlformats.org/presentationml/2006/main">
+  <p:cSld>
+    <p:spTree>
+      <p:nvGrpSpPr>
+        <p:cNvPr id="1" name=""/>
+        <p:cNvGrpSpPr/>
+        <p:nvPr/>
+      </p:nvGrpSpPr>
+      <p:grpSpPr>
+        <a:xfrm>
+          <a:off x="0" y="0"/>
+          <a:ext cx="0" cy="0"/>
+          <a:chOff x="0" y="0"/>
+          <a:chExt cx="0" cy="0"/>
+        </a:xfrm>
+      </p:grpSpPr>
+      <p:sp>
+        <p:nvSpPr>
+          <p:cNvPr id="2" name="Title 1">
+            <a:extLst>
+              <a:ext uri="{FF2B5EF4-FFF2-40B4-BE49-F238E27FC236}">
+                <a16:creationId xmlns:a16="http://schemas.microsoft.com/office/drawing/2014/main" id="{9E792FC9-D131-B42D-F235-AF63855C65F5}"/>
+              </a:ext>
+            </a:extLst>
+          </p:cNvPr>
+          <p:cNvSpPr>
+            <a:spLocks noGrp="1"/>
+          </p:cNvSpPr>
+          <p:nvPr>
+            <p:ph type="title"/>
+          </p:nvPr>
+        </p:nvSpPr>
+        <p:spPr/>
+        <p:txBody>
+          <a:bodyPr/>
+          <a:lstStyle/>
+          <a:p>
+            <a:r>
+              <a:rPr lang="en-IN" dirty="0"/>
+              <a:t>Apache Sqoop</a:t>
+            </a:r>
+          </a:p>
+        </p:txBody>
+      </p:sp>
+      <p:pic>
+        <p:nvPicPr>
+          <p:cNvPr id="5" name="Content Placeholder 4">
+            <a:extLst>
+              <a:ext uri="{FF2B5EF4-FFF2-40B4-BE49-F238E27FC236}">
+                <a16:creationId xmlns:a16="http://schemas.microsoft.com/office/drawing/2014/main" id="{FC5620C9-E1B1-96F0-19CA-878A1A2837F8}"/>
+              </a:ext>
+            </a:extLst>
+          </p:cNvPr>
+          <p:cNvPicPr>
+            <a:picLocks noGrp="1" noChangeAspect="1"/>
+          </p:cNvPicPr>
+          <p:nvPr>
+            <p:ph idx="1"/>
+          </p:nvPr>
+        </p:nvPicPr>
+        <p:blipFill>
+          <a:blip r:embed="rId2"/>
+          <a:stretch>
+            <a:fillRect/>
+          </a:stretch>
+        </p:blipFill>
+        <p:spPr>
+          <a:xfrm>
+            <a:off x="838200" y="1902894"/>
+            <a:ext cx="6048375" cy="2914650"/>
+          </a:xfrm>
+        </p:spPr>
+      </p:pic>
+      <p:sp>
+        <p:nvSpPr>
+          <p:cNvPr id="6" name="TextBox 5">
+            <a:extLst>
+              <a:ext uri="{FF2B5EF4-FFF2-40B4-BE49-F238E27FC236}">
+                <a16:creationId xmlns:a16="http://schemas.microsoft.com/office/drawing/2014/main" id="{1EA1A045-5F77-CC97-55A0-B8589053975F}"/>
+              </a:ext>
+            </a:extLst>
+          </p:cNvPr>
+          <p:cNvSpPr txBox="1"/>
+          <p:nvPr/>
+        </p:nvSpPr>
+        <p:spPr>
+          <a:xfrm>
+            <a:off x="7474226" y="1787004"/>
+            <a:ext cx="3879574" cy="3693319"/>
+          </a:xfrm>
+          <a:prstGeom prst="rect">
+            <a:avLst/>
+          </a:prstGeom>
+          <a:noFill/>
+        </p:spPr>
+        <p:txBody>
+          <a:bodyPr wrap="square" rtlCol="0">
+            <a:spAutoFit/>
+          </a:bodyPr>
+          <a:lstStyle/>
+          <a:p>
+            <a:pPr marL="285750" indent="-285750">
+              <a:buFont typeface="Arial" panose="020B0604020202020204" pitchFamily="34" charset="0"/>
+              <a:buChar char="•"/>
+            </a:pPr>
+            <a:r>
+              <a:rPr lang="en-IN" dirty="0">
+                <a:solidFill>
+                  <a:srgbClr val="444444"/>
+                </a:solidFill>
+                <a:latin typeface="Georgia" panose="02040502050405020303" pitchFamily="18" charset="0"/>
+              </a:rPr>
+              <a:t>Apache Sqoop</a:t>
+            </a:r>
+            <a:r>
+              <a:rPr lang="en-IN" b="0" i="0" dirty="0">
+                <a:solidFill>
+                  <a:srgbClr val="444444"/>
+                </a:solidFill>
+                <a:effectLst/>
+                <a:latin typeface="Georgia" panose="02040502050405020303" pitchFamily="18" charset="0"/>
+              </a:rPr>
+              <a:t> is a tool that aims to transfer data between HDFS (Hadoop storage) and relational database servers. Such as MySQL, Oracle RDB, SQLite, Teradata, Netezza, Postgres and many more. </a:t>
+            </a:r>
+          </a:p>
+          <a:p>
+            <a:pPr marL="285750" indent="-285750">
+              <a:buFont typeface="Arial" panose="020B0604020202020204" pitchFamily="34" charset="0"/>
+              <a:buChar char="•"/>
+            </a:pPr>
+            <a:endParaRPr lang="en-IN" dirty="0">
+              <a:solidFill>
+                <a:srgbClr val="444444"/>
+              </a:solidFill>
+              <a:latin typeface="Georgia" panose="02040502050405020303" pitchFamily="18" charset="0"/>
+            </a:endParaRPr>
+          </a:p>
+          <a:p>
+            <a:pPr marL="285750" indent="-285750">
+              <a:buFont typeface="Arial" panose="020B0604020202020204" pitchFamily="34" charset="0"/>
+              <a:buChar char="•"/>
+            </a:pPr>
+            <a:endParaRPr lang="en-IN" b="0" i="0" dirty="0">
+              <a:solidFill>
+                <a:srgbClr val="444444"/>
+              </a:solidFill>
+              <a:effectLst/>
+              <a:latin typeface="Georgia" panose="02040502050405020303" pitchFamily="18" charset="0"/>
+            </a:endParaRPr>
+          </a:p>
+          <a:p>
+            <a:pPr marL="285750" indent="-285750">
+              <a:buFont typeface="Arial" panose="020B0604020202020204" pitchFamily="34" charset="0"/>
+              <a:buChar char="•"/>
+            </a:pPr>
+            <a:r>
+              <a:rPr lang="en-IN" b="0" i="0" dirty="0">
+                <a:solidFill>
+                  <a:srgbClr val="444444"/>
+                </a:solidFill>
+                <a:effectLst/>
+                <a:latin typeface="Georgia" panose="02040502050405020303" pitchFamily="18" charset="0"/>
+              </a:rPr>
+              <a:t>In addition, imports data from relational databases to HDFS. Also, exports data from HDFS to relational databases.</a:t>
+            </a:r>
+            <a:endParaRPr lang="en-IN" dirty="0"/>
+          </a:p>
+        </p:txBody>
+      </p:sp>
+    </p:spTree>
+    <p:extLst>
+      <p:ext uri="{BB962C8B-B14F-4D97-AF65-F5344CB8AC3E}">
+        <p14:creationId xmlns:p14="http://schemas.microsoft.com/office/powerpoint/2010/main" val="3619278385"/>
+      </p:ext>
+    </p:extLst>
+  </p:cSld>
+  <p:clrMapOvr>
+    <a:masterClrMapping/>
+  </p:clrMapOvr>
+</p:sld>
+</file>
+
+<file path=ppt/slides/slide43.xml><?xml version="1.0" encoding="utf-8"?>
 <p:sld xmlns:a="http://schemas.openxmlformats.org/drawingml/2006/main" xmlns:r="http://schemas.openxmlformats.org/officeDocument/2006/relationships" xmlns:p="http://schemas.openxmlformats.org/presentationml/2006/main">
   <p:cSld>
     <p:bg>
@@ -15808,7 +15995,7 @@
 </p:sld>
 </file>
 
-<file path=ppt/slides/slide43.xml><?xml version="1.0" encoding="utf-8"?>
+<file path=ppt/slides/slide44.xml><?xml version="1.0" encoding="utf-8"?>
 <p:sld xmlns:a="http://schemas.openxmlformats.org/drawingml/2006/main" xmlns:r="http://schemas.openxmlformats.org/officeDocument/2006/relationships" xmlns:p="http://schemas.openxmlformats.org/presentationml/2006/main">
   <p:cSld>
     <p:bg>
@@ -16786,7 +16973,7 @@
 </p:sld>
 </file>
 
-<file path=ppt/slides/slide44.xml><?xml version="1.0" encoding="utf-8"?>
+<file path=ppt/slides/slide45.xml><?xml version="1.0" encoding="utf-8"?>
 <p:sld xmlns:a="http://schemas.openxmlformats.org/drawingml/2006/main" xmlns:r="http://schemas.openxmlformats.org/officeDocument/2006/relationships" xmlns:p="http://schemas.openxmlformats.org/presentationml/2006/main">
   <p:cSld>
     <p:bg>
@@ -17837,7 +18024,7 @@
 </p:sld>
 </file>
 
-<file path=ppt/slides/slide45.xml><?xml version="1.0" encoding="utf-8"?>
+<file path=ppt/slides/slide46.xml><?xml version="1.0" encoding="utf-8"?>
 <p:sld xmlns:a="http://schemas.openxmlformats.org/drawingml/2006/main" xmlns:r="http://schemas.openxmlformats.org/officeDocument/2006/relationships" xmlns:p="http://schemas.openxmlformats.org/presentationml/2006/main">
   <p:cSld>
     <p:bg>
@@ -18378,7 +18565,7 @@
 </p:sld>
 </file>
 
-<file path=ppt/slides/slide46.xml><?xml version="1.0" encoding="utf-8"?>
+<file path=ppt/slides/slide47.xml><?xml version="1.0" encoding="utf-8"?>
 <p:sld xmlns:a="http://schemas.openxmlformats.org/drawingml/2006/main" xmlns:r="http://schemas.openxmlformats.org/officeDocument/2006/relationships" xmlns:p="http://schemas.openxmlformats.org/presentationml/2006/main">
   <p:cSld>
     <p:spTree>
@@ -18536,7 +18723,7 @@
 </p:sld>
 </file>
 
-<file path=ppt/slides/slide47.xml><?xml version="1.0" encoding="utf-8"?>
+<file path=ppt/slides/slide48.xml><?xml version="1.0" encoding="utf-8"?>
 <p:sld xmlns:a="http://schemas.openxmlformats.org/drawingml/2006/main" xmlns:r="http://schemas.openxmlformats.org/officeDocument/2006/relationships" xmlns:p="http://schemas.openxmlformats.org/presentationml/2006/main">
   <p:cSld>
     <p:bg>
@@ -18879,7 +19066,7 @@
 </p:sld>
 </file>
 
-<file path=ppt/slides/slide48.xml><?xml version="1.0" encoding="utf-8"?>
+<file path=ppt/slides/slide49.xml><?xml version="1.0" encoding="utf-8"?>
 <p:sld xmlns:a="http://schemas.openxmlformats.org/drawingml/2006/main" xmlns:r="http://schemas.openxmlformats.org/officeDocument/2006/relationships" xmlns:p="http://schemas.openxmlformats.org/presentationml/2006/main">
   <p:cSld>
     <p:bg>
@@ -19059,228 +19246,6 @@
 </p:sld>
 </file>
 
-<file path=ppt/slides/slide49.xml><?xml version="1.0" encoding="utf-8"?>
-<p:sld xmlns:a="http://schemas.openxmlformats.org/drawingml/2006/main" xmlns:r="http://schemas.openxmlformats.org/officeDocument/2006/relationships" xmlns:p="http://schemas.openxmlformats.org/presentationml/2006/main">
-  <p:cSld>
-    <p:spTree>
-      <p:nvGrpSpPr>
-        <p:cNvPr id="1" name=""/>
-        <p:cNvGrpSpPr/>
-        <p:nvPr/>
-      </p:nvGrpSpPr>
-      <p:grpSpPr>
-        <a:xfrm>
-          <a:off x="0" y="0"/>
-          <a:ext cx="0" cy="0"/>
-          <a:chOff x="0" y="0"/>
-          <a:chExt cx="0" cy="0"/>
-        </a:xfrm>
-      </p:grpSpPr>
-      <p:sp>
-        <p:nvSpPr>
-          <p:cNvPr id="2" name="Title 1">
-            <a:extLst>
-              <a:ext uri="{FF2B5EF4-FFF2-40B4-BE49-F238E27FC236}">
-                <a16:creationId xmlns:a16="http://schemas.microsoft.com/office/drawing/2014/main" id="{0CD45CBE-A44F-A43E-2EE3-E41044061F30}"/>
-              </a:ext>
-            </a:extLst>
-          </p:cNvPr>
-          <p:cNvSpPr>
-            <a:spLocks noGrp="1"/>
-          </p:cNvSpPr>
-          <p:nvPr>
-            <p:ph type="title"/>
-          </p:nvPr>
-        </p:nvSpPr>
-        <p:spPr/>
-        <p:txBody>
-          <a:bodyPr/>
-          <a:lstStyle/>
-          <a:p>
-            <a:r>
-              <a:rPr lang="en-IN" dirty="0"/>
-              <a:t>Apache Oozie</a:t>
-            </a:r>
-          </a:p>
-        </p:txBody>
-      </p:sp>
-      <p:sp>
-        <p:nvSpPr>
-          <p:cNvPr id="3" name="Content Placeholder 2">
-            <a:extLst>
-              <a:ext uri="{FF2B5EF4-FFF2-40B4-BE49-F238E27FC236}">
-                <a16:creationId xmlns:a16="http://schemas.microsoft.com/office/drawing/2014/main" id="{E96990F9-872E-CBD9-634A-D0A6BFBB0C1F}"/>
-              </a:ext>
-            </a:extLst>
-          </p:cNvPr>
-          <p:cNvSpPr>
-            <a:spLocks noGrp="1"/>
-          </p:cNvSpPr>
-          <p:nvPr>
-            <p:ph idx="1"/>
-          </p:nvPr>
-        </p:nvSpPr>
-        <p:spPr/>
-        <p:txBody>
-          <a:bodyPr>
-            <a:normAutofit fontScale="92500"/>
-          </a:bodyPr>
-          <a:lstStyle/>
-          <a:p>
-            <a:pPr algn="l"/>
-            <a:r>
-              <a:rPr lang="en-IN" b="0" i="0" dirty="0">
-                <a:solidFill>
-                  <a:srgbClr val="666666"/>
-                </a:solidFill>
-                <a:effectLst/>
-                <a:latin typeface="CalibreWeb"/>
-              </a:rPr>
-              <a:t>Apache Oozie Workflow Scheduler for Hadoop is a workflow and coordination service for managing Apache Hadoop jobs:</a:t>
-            </a:r>
-          </a:p>
-          <a:p>
-            <a:pPr algn="l">
-              <a:buFont typeface="Arial" panose="020B0604020202020204" pitchFamily="34" charset="0"/>
-              <a:buChar char="•"/>
-            </a:pPr>
-            <a:r>
-              <a:rPr lang="en-IN" b="0" i="0" dirty="0">
-                <a:solidFill>
-                  <a:srgbClr val="666666"/>
-                </a:solidFill>
-                <a:effectLst/>
-                <a:latin typeface="CalibreWeb"/>
-              </a:rPr>
-              <a:t>Oozie Workflow jobs are Directed </a:t>
-            </a:r>
-            <a:r>
-              <a:rPr lang="en-IN" b="0" i="0" dirty="0" err="1">
-                <a:solidFill>
-                  <a:srgbClr val="666666"/>
-                </a:solidFill>
-                <a:effectLst/>
-                <a:latin typeface="CalibreWeb"/>
-              </a:rPr>
-              <a:t>Acyclical</a:t>
-            </a:r>
-            <a:r>
-              <a:rPr lang="en-IN" b="0" i="0" dirty="0">
-                <a:solidFill>
-                  <a:srgbClr val="666666"/>
-                </a:solidFill>
-                <a:effectLst/>
-                <a:latin typeface="CalibreWeb"/>
-              </a:rPr>
-              <a:t> Graphs (DAGs) of </a:t>
-            </a:r>
-            <a:r>
-              <a:rPr lang="en-IN" b="0" i="1" dirty="0">
-                <a:solidFill>
-                  <a:srgbClr val="666666"/>
-                </a:solidFill>
-                <a:effectLst/>
-                <a:latin typeface="CalibreWeb"/>
-              </a:rPr>
-              <a:t>actions</a:t>
-            </a:r>
-            <a:r>
-              <a:rPr lang="en-IN" b="0" i="0" dirty="0">
-                <a:solidFill>
-                  <a:srgbClr val="666666"/>
-                </a:solidFill>
-                <a:effectLst/>
-                <a:latin typeface="CalibreWeb"/>
-              </a:rPr>
-              <a:t>; </a:t>
-            </a:r>
-            <a:r>
-              <a:rPr lang="en-IN" b="0" i="1" dirty="0">
-                <a:solidFill>
-                  <a:srgbClr val="666666"/>
-                </a:solidFill>
-                <a:effectLst/>
-                <a:latin typeface="CalibreWeb"/>
-              </a:rPr>
-              <a:t>actions</a:t>
-            </a:r>
-            <a:r>
-              <a:rPr lang="en-IN" b="0" i="0" dirty="0">
-                <a:solidFill>
-                  <a:srgbClr val="666666"/>
-                </a:solidFill>
-                <a:effectLst/>
-                <a:latin typeface="CalibreWeb"/>
-              </a:rPr>
-              <a:t> are typically Hadoop jobs (MapReduce, Streaming, Pipes, Pig, Hive, Sqoop, etc).</a:t>
-            </a:r>
-          </a:p>
-          <a:p>
-            <a:pPr algn="l">
-              <a:buFont typeface="Arial" panose="020B0604020202020204" pitchFamily="34" charset="0"/>
-              <a:buChar char="•"/>
-            </a:pPr>
-            <a:r>
-              <a:rPr lang="en-IN" b="0" i="0" dirty="0">
-                <a:solidFill>
-                  <a:srgbClr val="666666"/>
-                </a:solidFill>
-                <a:effectLst/>
-                <a:latin typeface="CalibreWeb"/>
-              </a:rPr>
-              <a:t>Oozie Coordinator jobs trigger recurrent Workflow jobs based on time (frequency) and data availability.</a:t>
-            </a:r>
-          </a:p>
-          <a:p>
-            <a:pPr algn="l">
-              <a:buFont typeface="Arial" panose="020B0604020202020204" pitchFamily="34" charset="0"/>
-              <a:buChar char="•"/>
-            </a:pPr>
-            <a:r>
-              <a:rPr lang="en-IN" b="0" i="0" dirty="0">
-                <a:solidFill>
-                  <a:srgbClr val="666666"/>
-                </a:solidFill>
-                <a:effectLst/>
-                <a:latin typeface="CalibreWeb"/>
-              </a:rPr>
-              <a:t>Oozie Bundle jobs are sets of Coordinator jobs managed as a single job.</a:t>
-            </a:r>
-          </a:p>
-          <a:p>
-            <a:pPr algn="l"/>
-            <a:r>
-              <a:rPr lang="en-IN" b="0" i="0" dirty="0">
-                <a:solidFill>
-                  <a:srgbClr val="666666"/>
-                </a:solidFill>
-                <a:effectLst/>
-                <a:latin typeface="CalibreWeb"/>
-              </a:rPr>
-              <a:t>Oozie is an extensible, scalable and data-aware service that you can use to orchestrate dependencies among jobs running on Hadoop.</a:t>
-            </a:r>
-          </a:p>
-          <a:p>
-            <a:pPr marL="0" indent="0">
-              <a:buNone/>
-            </a:pPr>
-            <a:endParaRPr lang="en-IN" dirty="0"/>
-          </a:p>
-        </p:txBody>
-      </p:sp>
-    </p:spTree>
-    <p:extLst>
-      <p:ext uri="{BB962C8B-B14F-4D97-AF65-F5344CB8AC3E}">
-        <p14:creationId xmlns:p14="http://schemas.microsoft.com/office/powerpoint/2010/main" val="2446422127"/>
-      </p:ext>
-    </p:extLst>
-  </p:cSld>
-  <p:clrMapOvr>
-    <a:masterClrMapping/>
-  </p:clrMapOvr>
-</p:sld>
-</file>
-
 <file path=ppt/slides/slide5.xml><?xml version="1.0" encoding="utf-8"?>
 <p:sld xmlns:a="http://schemas.openxmlformats.org/drawingml/2006/main" xmlns:r="http://schemas.openxmlformats.org/officeDocument/2006/relationships" xmlns:p="http://schemas.openxmlformats.org/presentationml/2006/main">
   <p:cSld>
@@ -19448,6 +19413,786 @@
     <p:extLst>
       <p:ext uri="{BB962C8B-B14F-4D97-AF65-F5344CB8AC3E}">
         <p14:creationId xmlns:p14="http://schemas.microsoft.com/office/powerpoint/2010/main" val="3310997367"/>
+      </p:ext>
+    </p:extLst>
+  </p:cSld>
+  <p:clrMapOvr>
+    <a:masterClrMapping/>
+  </p:clrMapOvr>
+</p:sld>
+</file>
+
+<file path=ppt/slides/slide50.xml><?xml version="1.0" encoding="utf-8"?>
+<p:sld xmlns:a="http://schemas.openxmlformats.org/drawingml/2006/main" xmlns:r="http://schemas.openxmlformats.org/officeDocument/2006/relationships" xmlns:p="http://schemas.openxmlformats.org/presentationml/2006/main">
+  <p:cSld>
+    <p:spTree>
+      <p:nvGrpSpPr>
+        <p:cNvPr id="1" name=""/>
+        <p:cNvGrpSpPr/>
+        <p:nvPr/>
+      </p:nvGrpSpPr>
+      <p:grpSpPr>
+        <a:xfrm>
+          <a:off x="0" y="0"/>
+          <a:ext cx="0" cy="0"/>
+          <a:chOff x="0" y="0"/>
+          <a:chExt cx="0" cy="0"/>
+        </a:xfrm>
+      </p:grpSpPr>
+      <p:sp>
+        <p:nvSpPr>
+          <p:cNvPr id="2" name="Title 1">
+            <a:extLst>
+              <a:ext uri="{FF2B5EF4-FFF2-40B4-BE49-F238E27FC236}">
+                <a16:creationId xmlns:a16="http://schemas.microsoft.com/office/drawing/2014/main" id="{0CD45CBE-A44F-A43E-2EE3-E41044061F30}"/>
+              </a:ext>
+            </a:extLst>
+          </p:cNvPr>
+          <p:cNvSpPr>
+            <a:spLocks noGrp="1"/>
+          </p:cNvSpPr>
+          <p:nvPr>
+            <p:ph type="title"/>
+          </p:nvPr>
+        </p:nvSpPr>
+        <p:spPr/>
+        <p:txBody>
+          <a:bodyPr/>
+          <a:lstStyle/>
+          <a:p>
+            <a:r>
+              <a:rPr lang="en-IN" dirty="0"/>
+              <a:t>Apache Oozie</a:t>
+            </a:r>
+          </a:p>
+        </p:txBody>
+      </p:sp>
+      <p:sp>
+        <p:nvSpPr>
+          <p:cNvPr id="3" name="Content Placeholder 2">
+            <a:extLst>
+              <a:ext uri="{FF2B5EF4-FFF2-40B4-BE49-F238E27FC236}">
+                <a16:creationId xmlns:a16="http://schemas.microsoft.com/office/drawing/2014/main" id="{E96990F9-872E-CBD9-634A-D0A6BFBB0C1F}"/>
+              </a:ext>
+            </a:extLst>
+          </p:cNvPr>
+          <p:cNvSpPr>
+            <a:spLocks noGrp="1"/>
+          </p:cNvSpPr>
+          <p:nvPr>
+            <p:ph idx="1"/>
+          </p:nvPr>
+        </p:nvSpPr>
+        <p:spPr/>
+        <p:txBody>
+          <a:bodyPr>
+            <a:normAutofit fontScale="92500"/>
+          </a:bodyPr>
+          <a:lstStyle/>
+          <a:p>
+            <a:pPr algn="l"/>
+            <a:r>
+              <a:rPr lang="en-IN" b="0" i="0" dirty="0">
+                <a:solidFill>
+                  <a:srgbClr val="666666"/>
+                </a:solidFill>
+                <a:effectLst/>
+                <a:latin typeface="CalibreWeb"/>
+              </a:rPr>
+              <a:t>Apache Oozie Workflow Scheduler for Hadoop is a workflow and coordination service for managing Apache Hadoop jobs:</a:t>
+            </a:r>
+          </a:p>
+          <a:p>
+            <a:pPr algn="l">
+              <a:buFont typeface="Arial" panose="020B0604020202020204" pitchFamily="34" charset="0"/>
+              <a:buChar char="•"/>
+            </a:pPr>
+            <a:r>
+              <a:rPr lang="en-IN" b="0" i="0" dirty="0">
+                <a:solidFill>
+                  <a:srgbClr val="666666"/>
+                </a:solidFill>
+                <a:effectLst/>
+                <a:latin typeface="CalibreWeb"/>
+              </a:rPr>
+              <a:t>Oozie Workflow jobs are Directed </a:t>
+            </a:r>
+            <a:r>
+              <a:rPr lang="en-IN" b="0" i="0" dirty="0" err="1">
+                <a:solidFill>
+                  <a:srgbClr val="666666"/>
+                </a:solidFill>
+                <a:effectLst/>
+                <a:latin typeface="CalibreWeb"/>
+              </a:rPr>
+              <a:t>Acyclical</a:t>
+            </a:r>
+            <a:r>
+              <a:rPr lang="en-IN" b="0" i="0" dirty="0">
+                <a:solidFill>
+                  <a:srgbClr val="666666"/>
+                </a:solidFill>
+                <a:effectLst/>
+                <a:latin typeface="CalibreWeb"/>
+              </a:rPr>
+              <a:t> Graphs (DAGs) of </a:t>
+            </a:r>
+            <a:r>
+              <a:rPr lang="en-IN" b="0" i="1" dirty="0">
+                <a:solidFill>
+                  <a:srgbClr val="666666"/>
+                </a:solidFill>
+                <a:effectLst/>
+                <a:latin typeface="CalibreWeb"/>
+              </a:rPr>
+              <a:t>actions</a:t>
+            </a:r>
+            <a:r>
+              <a:rPr lang="en-IN" b="0" i="0" dirty="0">
+                <a:solidFill>
+                  <a:srgbClr val="666666"/>
+                </a:solidFill>
+                <a:effectLst/>
+                <a:latin typeface="CalibreWeb"/>
+              </a:rPr>
+              <a:t>; </a:t>
+            </a:r>
+            <a:r>
+              <a:rPr lang="en-IN" b="0" i="1" dirty="0">
+                <a:solidFill>
+                  <a:srgbClr val="666666"/>
+                </a:solidFill>
+                <a:effectLst/>
+                <a:latin typeface="CalibreWeb"/>
+              </a:rPr>
+              <a:t>actions</a:t>
+            </a:r>
+            <a:r>
+              <a:rPr lang="en-IN" b="0" i="0" dirty="0">
+                <a:solidFill>
+                  <a:srgbClr val="666666"/>
+                </a:solidFill>
+                <a:effectLst/>
+                <a:latin typeface="CalibreWeb"/>
+              </a:rPr>
+              <a:t> are typically Hadoop jobs (MapReduce, Streaming, Pipes, Pig, Hive, Sqoop, etc).</a:t>
+            </a:r>
+          </a:p>
+          <a:p>
+            <a:pPr algn="l">
+              <a:buFont typeface="Arial" panose="020B0604020202020204" pitchFamily="34" charset="0"/>
+              <a:buChar char="•"/>
+            </a:pPr>
+            <a:r>
+              <a:rPr lang="en-IN" b="0" i="0" dirty="0">
+                <a:solidFill>
+                  <a:srgbClr val="666666"/>
+                </a:solidFill>
+                <a:effectLst/>
+                <a:latin typeface="CalibreWeb"/>
+              </a:rPr>
+              <a:t>Oozie Coordinator jobs trigger recurrent Workflow jobs based on time (frequency) and data availability.</a:t>
+            </a:r>
+          </a:p>
+          <a:p>
+            <a:pPr algn="l">
+              <a:buFont typeface="Arial" panose="020B0604020202020204" pitchFamily="34" charset="0"/>
+              <a:buChar char="•"/>
+            </a:pPr>
+            <a:r>
+              <a:rPr lang="en-IN" b="0" i="0" dirty="0">
+                <a:solidFill>
+                  <a:srgbClr val="666666"/>
+                </a:solidFill>
+                <a:effectLst/>
+                <a:latin typeface="CalibreWeb"/>
+              </a:rPr>
+              <a:t>Oozie Bundle jobs are sets of Coordinator jobs managed as a single job.</a:t>
+            </a:r>
+          </a:p>
+          <a:p>
+            <a:pPr algn="l"/>
+            <a:r>
+              <a:rPr lang="en-IN" b="0" i="0" dirty="0">
+                <a:solidFill>
+                  <a:srgbClr val="666666"/>
+                </a:solidFill>
+                <a:effectLst/>
+                <a:latin typeface="CalibreWeb"/>
+              </a:rPr>
+              <a:t>Oozie is an extensible, scalable and data-aware service that you can use to orchestrate dependencies among jobs running on Hadoop.</a:t>
+            </a:r>
+          </a:p>
+          <a:p>
+            <a:pPr marL="0" indent="0">
+              <a:buNone/>
+            </a:pPr>
+            <a:endParaRPr lang="en-IN" dirty="0"/>
+          </a:p>
+        </p:txBody>
+      </p:sp>
+    </p:spTree>
+    <p:extLst>
+      <p:ext uri="{BB962C8B-B14F-4D97-AF65-F5344CB8AC3E}">
+        <p14:creationId xmlns:p14="http://schemas.microsoft.com/office/powerpoint/2010/main" val="2446422127"/>
+      </p:ext>
+    </p:extLst>
+  </p:cSld>
+  <p:clrMapOvr>
+    <a:masterClrMapping/>
+  </p:clrMapOvr>
+</p:sld>
+</file>
+
+<file path=ppt/slides/slide51.xml><?xml version="1.0" encoding="utf-8"?>
+<p:sld xmlns:a="http://schemas.openxmlformats.org/drawingml/2006/main" xmlns:r="http://schemas.openxmlformats.org/officeDocument/2006/relationships" xmlns:p="http://schemas.openxmlformats.org/presentationml/2006/main">
+  <p:cSld>
+    <p:bg>
+      <p:bgPr>
+        <a:solidFill>
+          <a:schemeClr val="bg1"/>
+        </a:solidFill>
+        <a:effectLst/>
+      </p:bgPr>
+    </p:bg>
+    <p:spTree>
+      <p:nvGrpSpPr>
+        <p:cNvPr id="1" name=""/>
+        <p:cNvGrpSpPr/>
+        <p:nvPr/>
+      </p:nvGrpSpPr>
+      <p:grpSpPr>
+        <a:xfrm>
+          <a:off x="0" y="0"/>
+          <a:ext cx="0" cy="0"/>
+          <a:chOff x="0" y="0"/>
+          <a:chExt cx="0" cy="0"/>
+        </a:xfrm>
+      </p:grpSpPr>
+      <p:sp>
+        <p:nvSpPr>
+          <p:cNvPr id="2" name="Title 1">
+            <a:extLst>
+              <a:ext uri="{FF2B5EF4-FFF2-40B4-BE49-F238E27FC236}">
+                <a16:creationId xmlns:a16="http://schemas.microsoft.com/office/drawing/2014/main" id="{0D5E45EB-BA91-B326-0464-A85110CD3EB2}"/>
+              </a:ext>
+            </a:extLst>
+          </p:cNvPr>
+          <p:cNvSpPr>
+            <a:spLocks noGrp="1"/>
+          </p:cNvSpPr>
+          <p:nvPr>
+            <p:ph type="title"/>
+          </p:nvPr>
+        </p:nvSpPr>
+        <p:spPr>
+          <a:xfrm>
+            <a:off x="838199" y="291090"/>
+            <a:ext cx="10515599" cy="932688"/>
+          </a:xfrm>
+        </p:spPr>
+        <p:txBody>
+          <a:bodyPr vert="horz" lIns="91440" tIns="45720" rIns="91440" bIns="45720" rtlCol="0" anchor="b">
+            <a:normAutofit/>
+          </a:bodyPr>
+          <a:lstStyle/>
+          <a:p>
+            <a:r>
+              <a:rPr lang="en-US" sz="5400" kern="1200">
+                <a:solidFill>
+                  <a:schemeClr val="tx1"/>
+                </a:solidFill>
+                <a:latin typeface="+mj-lt"/>
+                <a:ea typeface="+mj-ea"/>
+                <a:cs typeface="+mj-cs"/>
+              </a:rPr>
+              <a:t>Oozie Workflow </a:t>
+            </a:r>
+          </a:p>
+        </p:txBody>
+      </p:sp>
+      <p:pic>
+        <p:nvPicPr>
+          <p:cNvPr id="5" name="Content Placeholder 4">
+            <a:extLst>
+              <a:ext uri="{FF2B5EF4-FFF2-40B4-BE49-F238E27FC236}">
+                <a16:creationId xmlns:a16="http://schemas.microsoft.com/office/drawing/2014/main" id="{DBF1FE2F-86E3-601D-ADFA-24FD841EB6BB}"/>
+              </a:ext>
+            </a:extLst>
+          </p:cNvPr>
+          <p:cNvPicPr>
+            <a:picLocks noGrp="1" noChangeAspect="1"/>
+          </p:cNvPicPr>
+          <p:nvPr>
+            <p:ph idx="1"/>
+          </p:nvPr>
+        </p:nvPicPr>
+        <p:blipFill>
+          <a:blip r:embed="rId2"/>
+          <a:stretch>
+            <a:fillRect/>
+          </a:stretch>
+        </p:blipFill>
+        <p:spPr>
+          <a:xfrm>
+            <a:off x="838200" y="1981054"/>
+            <a:ext cx="10515599" cy="4206240"/>
+          </a:xfrm>
+          <a:prstGeom prst="rect">
+            <a:avLst/>
+          </a:prstGeom>
+        </p:spPr>
+      </p:pic>
+    </p:spTree>
+    <p:extLst>
+      <p:ext uri="{BB962C8B-B14F-4D97-AF65-F5344CB8AC3E}">
+        <p14:creationId xmlns:p14="http://schemas.microsoft.com/office/powerpoint/2010/main" val="3614552816"/>
+      </p:ext>
+    </p:extLst>
+  </p:cSld>
+  <p:clrMapOvr>
+    <a:masterClrMapping/>
+  </p:clrMapOvr>
+</p:sld>
+</file>
+
+<file path=ppt/slides/slide52.xml><?xml version="1.0" encoding="utf-8"?>
+<p:sld xmlns:a="http://schemas.openxmlformats.org/drawingml/2006/main" xmlns:r="http://schemas.openxmlformats.org/officeDocument/2006/relationships" xmlns:p="http://schemas.openxmlformats.org/presentationml/2006/main">
+  <p:cSld>
+    <p:spTree>
+      <p:nvGrpSpPr>
+        <p:cNvPr id="1" name=""/>
+        <p:cNvGrpSpPr/>
+        <p:nvPr/>
+      </p:nvGrpSpPr>
+      <p:grpSpPr>
+        <a:xfrm>
+          <a:off x="0" y="0"/>
+          <a:ext cx="0" cy="0"/>
+          <a:chOff x="0" y="0"/>
+          <a:chExt cx="0" cy="0"/>
+        </a:xfrm>
+      </p:grpSpPr>
+      <p:sp>
+        <p:nvSpPr>
+          <p:cNvPr id="2" name="Title 1">
+            <a:extLst>
+              <a:ext uri="{FF2B5EF4-FFF2-40B4-BE49-F238E27FC236}">
+                <a16:creationId xmlns:a16="http://schemas.microsoft.com/office/drawing/2014/main" id="{EB0DE09D-C81B-27FF-762E-B7DC812C632A}"/>
+              </a:ext>
+            </a:extLst>
+          </p:cNvPr>
+          <p:cNvSpPr>
+            <a:spLocks noGrp="1"/>
+          </p:cNvSpPr>
+          <p:nvPr>
+            <p:ph type="title"/>
+          </p:nvPr>
+        </p:nvSpPr>
+        <p:spPr/>
+        <p:txBody>
+          <a:bodyPr/>
+          <a:lstStyle/>
+          <a:p>
+            <a:r>
+              <a:rPr lang="en-IN" dirty="0"/>
+              <a:t>Oozie Bundle</a:t>
+            </a:r>
+          </a:p>
+        </p:txBody>
+      </p:sp>
+      <p:sp>
+        <p:nvSpPr>
+          <p:cNvPr id="3" name="Content Placeholder 2">
+            <a:extLst>
+              <a:ext uri="{FF2B5EF4-FFF2-40B4-BE49-F238E27FC236}">
+                <a16:creationId xmlns:a16="http://schemas.microsoft.com/office/drawing/2014/main" id="{22B193F3-C825-A165-CA40-10B5786B4C97}"/>
+              </a:ext>
+            </a:extLst>
+          </p:cNvPr>
+          <p:cNvSpPr>
+            <a:spLocks noGrp="1"/>
+          </p:cNvSpPr>
+          <p:nvPr>
+            <p:ph idx="1"/>
+          </p:nvPr>
+        </p:nvSpPr>
+        <p:spPr/>
+        <p:txBody>
+          <a:bodyPr>
+            <a:normAutofit lnSpcReduction="10000"/>
+          </a:bodyPr>
+          <a:lstStyle/>
+          <a:p>
+            <a:pPr algn="l"/>
+            <a:r>
+              <a:rPr lang="en-IN" b="0" i="0" dirty="0">
+                <a:solidFill>
+                  <a:srgbClr val="000000"/>
+                </a:solidFill>
+                <a:effectLst/>
+                <a:latin typeface="Verdana" panose="020B0604030504040204" pitchFamily="34" charset="0"/>
+              </a:rPr>
+              <a:t>Bundle is a higher-level oozie abstraction that will batch a set of coordinator applications. The user will be able to start/stop/suspend/resume/rerun in the bundle level resulting a better and easy operational control.</a:t>
+            </a:r>
+          </a:p>
+          <a:p>
+            <a:pPr algn="l"/>
+            <a:r>
+              <a:rPr lang="en-IN" b="0" i="0" dirty="0">
+                <a:solidFill>
+                  <a:srgbClr val="000000"/>
+                </a:solidFill>
+                <a:effectLst/>
+                <a:latin typeface="Verdana" panose="020B0604030504040204" pitchFamily="34" charset="0"/>
+              </a:rPr>
+              <a:t>More specifically, the oozie </a:t>
+            </a:r>
+            <a:r>
+              <a:rPr lang="en-IN" b="1" i="0" dirty="0">
+                <a:solidFill>
+                  <a:srgbClr val="000000"/>
+                </a:solidFill>
+                <a:effectLst/>
+                <a:latin typeface="Verdana" panose="020B0604030504040204" pitchFamily="34" charset="0"/>
+              </a:rPr>
+              <a:t>Bundle</a:t>
+            </a:r>
+            <a:r>
+              <a:rPr lang="en-IN" b="0" i="0" dirty="0">
+                <a:solidFill>
+                  <a:srgbClr val="000000"/>
+                </a:solidFill>
+                <a:effectLst/>
+                <a:latin typeface="Verdana" panose="020B0604030504040204" pitchFamily="34" charset="0"/>
+              </a:rPr>
+              <a:t> system allows the user to define and execute a bunch of coordinator applications often called a data pipeline. There is no explicit dependency among the coordinator applications in a bundle. However, a user could use the data dependency of coordinator applications to create an implicit data application pipeline.</a:t>
+            </a:r>
+          </a:p>
+          <a:p>
+            <a:endParaRPr lang="en-IN" dirty="0"/>
+          </a:p>
+        </p:txBody>
+      </p:sp>
+    </p:spTree>
+    <p:extLst>
+      <p:ext uri="{BB962C8B-B14F-4D97-AF65-F5344CB8AC3E}">
+        <p14:creationId xmlns:p14="http://schemas.microsoft.com/office/powerpoint/2010/main" val="2066538643"/>
+      </p:ext>
+    </p:extLst>
+  </p:cSld>
+  <p:clrMapOvr>
+    <a:masterClrMapping/>
+  </p:clrMapOvr>
+</p:sld>
+</file>
+
+<file path=ppt/slides/slide53.xml><?xml version="1.0" encoding="utf-8"?>
+<p:sld xmlns:a="http://schemas.openxmlformats.org/drawingml/2006/main" xmlns:r="http://schemas.openxmlformats.org/officeDocument/2006/relationships" xmlns:p="http://schemas.openxmlformats.org/presentationml/2006/main">
+  <p:cSld>
+    <p:spTree>
+      <p:nvGrpSpPr>
+        <p:cNvPr id="1" name=""/>
+        <p:cNvGrpSpPr/>
+        <p:nvPr/>
+      </p:nvGrpSpPr>
+      <p:grpSpPr>
+        <a:xfrm>
+          <a:off x="0" y="0"/>
+          <a:ext cx="0" cy="0"/>
+          <a:chOff x="0" y="0"/>
+          <a:chExt cx="0" cy="0"/>
+        </a:xfrm>
+      </p:grpSpPr>
+      <p:sp>
+        <p:nvSpPr>
+          <p:cNvPr id="2" name="Title 1">
+            <a:extLst>
+              <a:ext uri="{FF2B5EF4-FFF2-40B4-BE49-F238E27FC236}">
+                <a16:creationId xmlns:a16="http://schemas.microsoft.com/office/drawing/2014/main" id="{2349BDE5-2321-2E61-5041-56D52E4CC1C8}"/>
+              </a:ext>
+            </a:extLst>
+          </p:cNvPr>
+          <p:cNvSpPr>
+            <a:spLocks noGrp="1"/>
+          </p:cNvSpPr>
+          <p:nvPr>
+            <p:ph type="title"/>
+          </p:nvPr>
+        </p:nvSpPr>
+        <p:spPr/>
+        <p:txBody>
+          <a:bodyPr/>
+          <a:lstStyle/>
+          <a:p>
+            <a:r>
+              <a:rPr lang="en-IN" dirty="0"/>
+              <a:t>Submit Oozie job</a:t>
+            </a:r>
+          </a:p>
+        </p:txBody>
+      </p:sp>
+      <p:sp>
+        <p:nvSpPr>
+          <p:cNvPr id="4" name="Rectangle 1">
+            <a:extLst>
+              <a:ext uri="{FF2B5EF4-FFF2-40B4-BE49-F238E27FC236}">
+                <a16:creationId xmlns:a16="http://schemas.microsoft.com/office/drawing/2014/main" id="{F72B50F2-43BB-8944-A299-41E6721A8AC1}"/>
+              </a:ext>
+            </a:extLst>
+          </p:cNvPr>
+          <p:cNvSpPr>
+            <a:spLocks noGrp="1" noChangeArrowheads="1"/>
+          </p:cNvSpPr>
+          <p:nvPr>
+            <p:ph idx="1"/>
+          </p:nvPr>
+        </p:nvSpPr>
+        <p:spPr bwMode="auto">
+          <a:xfrm>
+            <a:off x="675861" y="3626903"/>
+            <a:ext cx="11075505" cy="969496"/>
+          </a:xfrm>
+          <a:prstGeom prst="rect">
+            <a:avLst/>
+          </a:prstGeom>
+          <a:solidFill>
+            <a:srgbClr val="EEEEEE"/>
+          </a:solidFill>
+          <a:ln>
+            <a:noFill/>
+          </a:ln>
+          <a:effectLst/>
+          <a:extLst>
+            <a:ext uri="{91240B29-F687-4F45-9708-019B960494DF}">
+              <a14:hiddenLine xmlns:a14="http://schemas.microsoft.com/office/drawing/2010/main" w="9525">
+                <a:solidFill>
+                  <a:schemeClr val="tx1"/>
+                </a:solidFill>
+                <a:miter lim="800000"/>
+                <a:headEnd/>
+                <a:tailEnd/>
+              </a14:hiddenLine>
+            </a:ext>
+            <a:ext uri="{AF507438-7753-43E0-B8FC-AC1667EBCBE1}">
+              <a14:hiddenEffects xmlns:a14="http://schemas.microsoft.com/office/drawing/2010/main">
+                <a:effectLst>
+                  <a:outerShdw dist="35921" dir="2700000" algn="ctr" rotWithShape="0">
+                    <a:schemeClr val="bg2"/>
+                  </a:outerShdw>
+                </a:effectLst>
+              </a14:hiddenEffects>
+            </a:ext>
+          </a:extLst>
+        </p:spPr>
+        <p:txBody>
+          <a:bodyPr vert="horz" wrap="square" lIns="91440" tIns="0" rIns="91440" bIns="45720" numCol="1" anchor="ctr" anchorCtr="0" compatLnSpc="1">
+            <a:prstTxWarp prst="textNoShape">
+              <a:avLst/>
+            </a:prstTxWarp>
+            <a:spAutoFit/>
+          </a:bodyPr>
+          <a:lstStyle/>
+          <a:p>
+            <a:pPr marL="0" marR="0" lvl="0" indent="0" algn="l" defTabSz="914400" rtl="0" eaLnBrk="0" fontAlgn="base" latinLnBrk="0" hangingPunct="0">
+              <a:lnSpc>
+                <a:spcPct val="100000"/>
+              </a:lnSpc>
+              <a:spcBef>
+                <a:spcPct val="0"/>
+              </a:spcBef>
+              <a:spcAft>
+                <a:spcPct val="0"/>
+              </a:spcAft>
+              <a:buClrTx/>
+              <a:buSzTx/>
+              <a:buFontTx/>
+              <a:buNone/>
+              <a:tabLst/>
+            </a:pPr>
+            <a:r>
+              <a:rPr kumimoji="0" lang="en-US" altLang="en-US" sz="2000" b="0" i="0" u="none" strike="noStrike" cap="none" normalizeH="0" baseline="0" dirty="0">
+                <a:ln>
+                  <a:noFill/>
+                </a:ln>
+                <a:solidFill>
+                  <a:srgbClr val="000000"/>
+                </a:solidFill>
+                <a:effectLst/>
+                <a:latin typeface="var(--bs-font-monospace)"/>
+              </a:rPr>
+              <a:t>oozie job --oozie </a:t>
+            </a:r>
+          </a:p>
+          <a:p>
+            <a:pPr marL="0" marR="0" lvl="0" indent="0" algn="l" defTabSz="914400" rtl="0" eaLnBrk="0" fontAlgn="base" latinLnBrk="0" hangingPunct="0">
+              <a:lnSpc>
+                <a:spcPct val="100000"/>
+              </a:lnSpc>
+              <a:spcBef>
+                <a:spcPct val="0"/>
+              </a:spcBef>
+              <a:spcAft>
+                <a:spcPct val="0"/>
+              </a:spcAft>
+              <a:buClrTx/>
+              <a:buSzTx/>
+              <a:buFontTx/>
+              <a:buNone/>
+              <a:tabLst/>
+            </a:pPr>
+            <a:r>
+              <a:rPr kumimoji="0" lang="en-US" altLang="en-US" sz="2000" b="0" i="0" u="none" strike="noStrike" cap="none" normalizeH="0" baseline="0" dirty="0">
+                <a:ln>
+                  <a:noFill/>
+                </a:ln>
+                <a:solidFill>
+                  <a:srgbClr val="000000"/>
+                </a:solidFill>
+                <a:effectLst/>
+                <a:latin typeface="var(--bs-font-monospace)"/>
+              </a:rPr>
+              <a:t>http://host_name:8080/oozie -D </a:t>
+            </a:r>
+            <a:r>
+              <a:rPr kumimoji="0" lang="en-US" altLang="en-US" sz="2000" b="0" i="0" u="none" strike="noStrike" cap="none" normalizeH="0" baseline="0" dirty="0" err="1">
+                <a:ln>
+                  <a:noFill/>
+                </a:ln>
+                <a:solidFill>
+                  <a:srgbClr val="000000"/>
+                </a:solidFill>
+                <a:effectLst/>
+                <a:latin typeface="var(--bs-font-monospace)"/>
+              </a:rPr>
+              <a:t>oozie.wf.application.path</a:t>
+            </a:r>
+            <a:r>
+              <a:rPr kumimoji="0" lang="en-US" altLang="en-US" sz="2000" b="0" i="0" u="none" strike="noStrike" cap="none" normalizeH="0" baseline="0" dirty="0">
+                <a:ln>
+                  <a:noFill/>
+                </a:ln>
+                <a:solidFill>
+                  <a:srgbClr val="000000"/>
+                </a:solidFill>
+                <a:effectLst/>
+                <a:latin typeface="var(--bs-font-monospace)"/>
+              </a:rPr>
+              <a:t>=hdfs://namenodepath/pathof_workflow_xml/workflow.xml-run</a:t>
+            </a:r>
+            <a:r>
+              <a:rPr kumimoji="0" lang="en-US" altLang="en-US" sz="2000" b="0" i="0" u="none" strike="noStrike" cap="none" normalizeH="0" baseline="0" dirty="0">
+                <a:ln>
+                  <a:noFill/>
+                </a:ln>
+                <a:solidFill>
+                  <a:schemeClr val="tx1"/>
+                </a:solidFill>
+                <a:effectLst/>
+              </a:rPr>
+              <a:t> </a:t>
+            </a:r>
+            <a:endParaRPr kumimoji="0" lang="en-US" altLang="en-US" sz="2000" b="0" i="0" u="none" strike="noStrike" cap="none" normalizeH="0" baseline="0" dirty="0">
+              <a:ln>
+                <a:noFill/>
+              </a:ln>
+              <a:solidFill>
+                <a:schemeClr val="tx1"/>
+              </a:solidFill>
+              <a:effectLst/>
+              <a:latin typeface="Arial" panose="020B0604020202020204" pitchFamily="34" charset="0"/>
+            </a:endParaRPr>
+          </a:p>
+        </p:txBody>
+      </p:sp>
+      <p:sp>
+        <p:nvSpPr>
+          <p:cNvPr id="5" name="TextBox 4">
+            <a:extLst>
+              <a:ext uri="{FF2B5EF4-FFF2-40B4-BE49-F238E27FC236}">
+                <a16:creationId xmlns:a16="http://schemas.microsoft.com/office/drawing/2014/main" id="{573607C0-28F1-8FC1-D6B5-DE4C835B23DA}"/>
+              </a:ext>
+            </a:extLst>
+          </p:cNvPr>
+          <p:cNvSpPr txBox="1"/>
+          <p:nvPr/>
+        </p:nvSpPr>
+        <p:spPr>
+          <a:xfrm>
+            <a:off x="675861" y="1690688"/>
+            <a:ext cx="9872869" cy="1754326"/>
+          </a:xfrm>
+          <a:prstGeom prst="rect">
+            <a:avLst/>
+          </a:prstGeom>
+          <a:noFill/>
+        </p:spPr>
+        <p:txBody>
+          <a:bodyPr wrap="square" rtlCol="0">
+            <a:spAutoFit/>
+          </a:bodyPr>
+          <a:lstStyle/>
+          <a:p>
+            <a:pPr algn="just"/>
+            <a:r>
+              <a:rPr lang="en-IN" b="0" i="0" dirty="0">
+                <a:solidFill>
+                  <a:srgbClr val="000000"/>
+                </a:solidFill>
+                <a:effectLst/>
+                <a:latin typeface="Nunito" panose="020B0604020202020204" pitchFamily="2" charset="0"/>
+              </a:rPr>
+              <a:t>An Oozie topology runs in a distributed manner, on multiple worker nodes. Storm spreads the tasks evenly on all the worker nodes. The worker node’s role is to listen for jobs and start or stop the processes whenever a new job arrives.</a:t>
+            </a:r>
+          </a:p>
+          <a:p>
+            <a:pPr algn="just"/>
+            <a:r>
+              <a:rPr lang="en-IN" b="1" dirty="0">
+                <a:solidFill>
+                  <a:srgbClr val="000000"/>
+                </a:solidFill>
+                <a:latin typeface="Nunito" panose="020B0604020202020204" pitchFamily="2" charset="0"/>
+              </a:rPr>
+              <a:t>Point to Remember</a:t>
+            </a:r>
+            <a:r>
+              <a:rPr lang="en-IN" b="0" i="0" dirty="0">
+                <a:solidFill>
+                  <a:srgbClr val="000000"/>
+                </a:solidFill>
+                <a:effectLst/>
+                <a:latin typeface="Nunito" panose="020B0604020202020204" pitchFamily="2" charset="0"/>
+              </a:rPr>
+              <a:t> − </a:t>
+            </a:r>
+            <a:r>
+              <a:rPr lang="en-IN" b="0" i="1" dirty="0">
+                <a:solidFill>
+                  <a:srgbClr val="000000"/>
+                </a:solidFill>
+                <a:effectLst/>
+                <a:latin typeface="Nunito" panose="020B0604020202020204" pitchFamily="2" charset="0"/>
+              </a:rPr>
+              <a:t>The workflow and hive scripts should be placed in HDFS path before running the workflow.</a:t>
+            </a:r>
+            <a:endParaRPr lang="en-IN" b="0" i="0" dirty="0">
+              <a:solidFill>
+                <a:srgbClr val="000000"/>
+              </a:solidFill>
+              <a:effectLst/>
+              <a:latin typeface="Nunito" panose="020B0604020202020204" pitchFamily="2" charset="0"/>
+            </a:endParaRPr>
+          </a:p>
+          <a:p>
+            <a:endParaRPr lang="en-IN" dirty="0"/>
+          </a:p>
+        </p:txBody>
+      </p:sp>
+    </p:spTree>
+    <p:extLst>
+      <p:ext uri="{BB962C8B-B14F-4D97-AF65-F5344CB8AC3E}">
+        <p14:creationId xmlns:p14="http://schemas.microsoft.com/office/powerpoint/2010/main" val="4123359246"/>
       </p:ext>
     </p:extLst>
   </p:cSld>

--- a/Slides/Big Data Overview.pptx
+++ b/Slides/Big Data Overview.pptx
@@ -3146,7 +3146,7 @@
           <a:p>
             <a:fld id="{4C2A475F-9CDA-4DF8-B226-71823ECF3947}" type="datetimeFigureOut">
               <a:rPr lang="en-IN" smtClean="0"/>
-              <a:t>28-09-2022</a:t>
+              <a:t>21-10-2022</a:t>
             </a:fld>
             <a:endParaRPr lang="en-IN"/>
           </a:p>
@@ -3346,7 +3346,7 @@
           <a:p>
             <a:fld id="{4C2A475F-9CDA-4DF8-B226-71823ECF3947}" type="datetimeFigureOut">
               <a:rPr lang="en-IN" smtClean="0"/>
-              <a:t>28-09-2022</a:t>
+              <a:t>21-10-2022</a:t>
             </a:fld>
             <a:endParaRPr lang="en-IN"/>
           </a:p>
@@ -3556,7 +3556,7 @@
           <a:p>
             <a:fld id="{4C2A475F-9CDA-4DF8-B226-71823ECF3947}" type="datetimeFigureOut">
               <a:rPr lang="en-IN" smtClean="0"/>
-              <a:t>28-09-2022</a:t>
+              <a:t>21-10-2022</a:t>
             </a:fld>
             <a:endParaRPr lang="en-IN"/>
           </a:p>
@@ -3756,7 +3756,7 @@
           <a:p>
             <a:fld id="{4C2A475F-9CDA-4DF8-B226-71823ECF3947}" type="datetimeFigureOut">
               <a:rPr lang="en-IN" smtClean="0"/>
-              <a:t>28-09-2022</a:t>
+              <a:t>21-10-2022</a:t>
             </a:fld>
             <a:endParaRPr lang="en-IN"/>
           </a:p>
@@ -4032,7 +4032,7 @@
           <a:p>
             <a:fld id="{4C2A475F-9CDA-4DF8-B226-71823ECF3947}" type="datetimeFigureOut">
               <a:rPr lang="en-IN" smtClean="0"/>
-              <a:t>28-09-2022</a:t>
+              <a:t>21-10-2022</a:t>
             </a:fld>
             <a:endParaRPr lang="en-IN"/>
           </a:p>
@@ -4300,7 +4300,7 @@
           <a:p>
             <a:fld id="{4C2A475F-9CDA-4DF8-B226-71823ECF3947}" type="datetimeFigureOut">
               <a:rPr lang="en-IN" smtClean="0"/>
-              <a:t>28-09-2022</a:t>
+              <a:t>21-10-2022</a:t>
             </a:fld>
             <a:endParaRPr lang="en-IN"/>
           </a:p>
@@ -4715,7 +4715,7 @@
           <a:p>
             <a:fld id="{4C2A475F-9CDA-4DF8-B226-71823ECF3947}" type="datetimeFigureOut">
               <a:rPr lang="en-IN" smtClean="0"/>
-              <a:t>28-09-2022</a:t>
+              <a:t>21-10-2022</a:t>
             </a:fld>
             <a:endParaRPr lang="en-IN"/>
           </a:p>
@@ -4857,7 +4857,7 @@
           <a:p>
             <a:fld id="{4C2A475F-9CDA-4DF8-B226-71823ECF3947}" type="datetimeFigureOut">
               <a:rPr lang="en-IN" smtClean="0"/>
-              <a:t>28-09-2022</a:t>
+              <a:t>21-10-2022</a:t>
             </a:fld>
             <a:endParaRPr lang="en-IN"/>
           </a:p>
@@ -4970,7 +4970,7 @@
           <a:p>
             <a:fld id="{4C2A475F-9CDA-4DF8-B226-71823ECF3947}" type="datetimeFigureOut">
               <a:rPr lang="en-IN" smtClean="0"/>
-              <a:t>28-09-2022</a:t>
+              <a:t>21-10-2022</a:t>
             </a:fld>
             <a:endParaRPr lang="en-IN"/>
           </a:p>
@@ -5283,7 +5283,7 @@
           <a:p>
             <a:fld id="{4C2A475F-9CDA-4DF8-B226-71823ECF3947}" type="datetimeFigureOut">
               <a:rPr lang="en-IN" smtClean="0"/>
-              <a:t>28-09-2022</a:t>
+              <a:t>21-10-2022</a:t>
             </a:fld>
             <a:endParaRPr lang="en-IN"/>
           </a:p>
@@ -5572,7 +5572,7 @@
           <a:p>
             <a:fld id="{4C2A475F-9CDA-4DF8-B226-71823ECF3947}" type="datetimeFigureOut">
               <a:rPr lang="en-IN" smtClean="0"/>
-              <a:t>28-09-2022</a:t>
+              <a:t>21-10-2022</a:t>
             </a:fld>
             <a:endParaRPr lang="en-IN"/>
           </a:p>
@@ -5815,7 +5815,7 @@
           <a:p>
             <a:fld id="{4C2A475F-9CDA-4DF8-B226-71823ECF3947}" type="datetimeFigureOut">
               <a:rPr lang="en-IN" smtClean="0"/>
-              <a:t>28-09-2022</a:t>
+              <a:t>21-10-2022</a:t>
             </a:fld>
             <a:endParaRPr lang="en-IN"/>
           </a:p>
